--- a/public/Brand-New weather icons/Frame.pptx
+++ b/public/Brand-New weather icons/Frame.pptx
@@ -9,6 +9,8 @@
     <p:sldId id="257" r:id="rId3"/>
     <p:sldId id="258" r:id="rId4"/>
     <p:sldId id="261" r:id="rId5"/>
+    <p:sldId id="262" r:id="rId6"/>
+    <p:sldId id="263" r:id="rId7"/>
   </p:sldIdLst>
   <p:sldSz cx="12192000" cy="6858000"/>
   <p:notesSz cx="6858000" cy="9144000"/>
@@ -262,7 +264,7 @@
           <a:p>
             <a:fld id="{DF63C8CB-9154-4208-8E7E-1C8A89E94898}" type="datetimeFigureOut">
               <a:rPr lang="ko-KR" altLang="en-US" smtClean="0"/>
-              <a:t>2020-11-27</a:t>
+              <a:t>2020-12-06</a:t>
             </a:fld>
             <a:endParaRPr lang="ko-KR" altLang="en-US"/>
           </a:p>
@@ -460,7 +462,7 @@
           <a:p>
             <a:fld id="{DF63C8CB-9154-4208-8E7E-1C8A89E94898}" type="datetimeFigureOut">
               <a:rPr lang="ko-KR" altLang="en-US" smtClean="0"/>
-              <a:t>2020-11-27</a:t>
+              <a:t>2020-12-06</a:t>
             </a:fld>
             <a:endParaRPr lang="ko-KR" altLang="en-US"/>
           </a:p>
@@ -668,7 +670,7 @@
           <a:p>
             <a:fld id="{DF63C8CB-9154-4208-8E7E-1C8A89E94898}" type="datetimeFigureOut">
               <a:rPr lang="ko-KR" altLang="en-US" smtClean="0"/>
-              <a:t>2020-11-27</a:t>
+              <a:t>2020-12-06</a:t>
             </a:fld>
             <a:endParaRPr lang="ko-KR" altLang="en-US"/>
           </a:p>
@@ -866,7 +868,7 @@
           <a:p>
             <a:fld id="{DF63C8CB-9154-4208-8E7E-1C8A89E94898}" type="datetimeFigureOut">
               <a:rPr lang="ko-KR" altLang="en-US" smtClean="0"/>
-              <a:t>2020-11-27</a:t>
+              <a:t>2020-12-06</a:t>
             </a:fld>
             <a:endParaRPr lang="ko-KR" altLang="en-US"/>
           </a:p>
@@ -1141,7 +1143,7 @@
           <a:p>
             <a:fld id="{DF63C8CB-9154-4208-8E7E-1C8A89E94898}" type="datetimeFigureOut">
               <a:rPr lang="ko-KR" altLang="en-US" smtClean="0"/>
-              <a:t>2020-11-27</a:t>
+              <a:t>2020-12-06</a:t>
             </a:fld>
             <a:endParaRPr lang="ko-KR" altLang="en-US"/>
           </a:p>
@@ -1406,7 +1408,7 @@
           <a:p>
             <a:fld id="{DF63C8CB-9154-4208-8E7E-1C8A89E94898}" type="datetimeFigureOut">
               <a:rPr lang="ko-KR" altLang="en-US" smtClean="0"/>
-              <a:t>2020-11-27</a:t>
+              <a:t>2020-12-06</a:t>
             </a:fld>
             <a:endParaRPr lang="ko-KR" altLang="en-US"/>
           </a:p>
@@ -1818,7 +1820,7 @@
           <a:p>
             <a:fld id="{DF63C8CB-9154-4208-8E7E-1C8A89E94898}" type="datetimeFigureOut">
               <a:rPr lang="ko-KR" altLang="en-US" smtClean="0"/>
-              <a:t>2020-11-27</a:t>
+              <a:t>2020-12-06</a:t>
             </a:fld>
             <a:endParaRPr lang="ko-KR" altLang="en-US"/>
           </a:p>
@@ -1959,7 +1961,7 @@
           <a:p>
             <a:fld id="{DF63C8CB-9154-4208-8E7E-1C8A89E94898}" type="datetimeFigureOut">
               <a:rPr lang="ko-KR" altLang="en-US" smtClean="0"/>
-              <a:t>2020-11-27</a:t>
+              <a:t>2020-12-06</a:t>
             </a:fld>
             <a:endParaRPr lang="ko-KR" altLang="en-US"/>
           </a:p>
@@ -2072,7 +2074,7 @@
           <a:p>
             <a:fld id="{DF63C8CB-9154-4208-8E7E-1C8A89E94898}" type="datetimeFigureOut">
               <a:rPr lang="ko-KR" altLang="en-US" smtClean="0"/>
-              <a:t>2020-11-27</a:t>
+              <a:t>2020-12-06</a:t>
             </a:fld>
             <a:endParaRPr lang="ko-KR" altLang="en-US"/>
           </a:p>
@@ -2383,7 +2385,7 @@
           <a:p>
             <a:fld id="{DF63C8CB-9154-4208-8E7E-1C8A89E94898}" type="datetimeFigureOut">
               <a:rPr lang="ko-KR" altLang="en-US" smtClean="0"/>
-              <a:t>2020-11-27</a:t>
+              <a:t>2020-12-06</a:t>
             </a:fld>
             <a:endParaRPr lang="ko-KR" altLang="en-US"/>
           </a:p>
@@ -2671,7 +2673,7 @@
           <a:p>
             <a:fld id="{DF63C8CB-9154-4208-8E7E-1C8A89E94898}" type="datetimeFigureOut">
               <a:rPr lang="ko-KR" altLang="en-US" smtClean="0"/>
-              <a:t>2020-11-27</a:t>
+              <a:t>2020-12-06</a:t>
             </a:fld>
             <a:endParaRPr lang="ko-KR" altLang="en-US"/>
           </a:p>
@@ -2912,7 +2914,7 @@
           <a:p>
             <a:fld id="{DF63C8CB-9154-4208-8E7E-1C8A89E94898}" type="datetimeFigureOut">
               <a:rPr lang="ko-KR" altLang="en-US" smtClean="0"/>
-              <a:t>2020-11-27</a:t>
+              <a:t>2020-12-06</a:t>
             </a:fld>
             <a:endParaRPr lang="ko-KR" altLang="en-US"/>
           </a:p>
@@ -4687,6 +4689,2888 @@
 </p:sld>
 </file>
 
+<file path=ppt/slides/slide5.xml><?xml version="1.0" encoding="utf-8"?>
+<p:sld xmlns:a="http://schemas.openxmlformats.org/drawingml/2006/main" xmlns:r="http://schemas.openxmlformats.org/officeDocument/2006/relationships" xmlns:p="http://schemas.openxmlformats.org/presentationml/2006/main">
+  <p:cSld>
+    <p:spTree>
+      <p:nvGrpSpPr>
+        <p:cNvPr id="1" name=""/>
+        <p:cNvGrpSpPr/>
+        <p:nvPr/>
+      </p:nvGrpSpPr>
+      <p:grpSpPr>
+        <a:xfrm>
+          <a:off x="0" y="0"/>
+          <a:ext cx="0" cy="0"/>
+          <a:chOff x="0" y="0"/>
+          <a:chExt cx="0" cy="0"/>
+        </a:xfrm>
+      </p:grpSpPr>
+      <p:grpSp>
+        <p:nvGrpSpPr>
+          <p:cNvPr id="7" name="그룹 6">
+            <a:extLst>
+              <a:ext uri="{FF2B5EF4-FFF2-40B4-BE49-F238E27FC236}">
+                <a16:creationId xmlns:a16="http://schemas.microsoft.com/office/drawing/2014/main" id="{A56FC709-E984-4406-A9B5-904C1A655412}"/>
+              </a:ext>
+            </a:extLst>
+          </p:cNvPr>
+          <p:cNvGrpSpPr/>
+          <p:nvPr/>
+        </p:nvGrpSpPr>
+        <p:grpSpPr>
+          <a:xfrm>
+            <a:off x="2415199" y="272497"/>
+            <a:ext cx="7902851" cy="4454554"/>
+            <a:chOff x="773184" y="251428"/>
+            <a:chExt cx="10845567" cy="6113258"/>
+          </a:xfrm>
+        </p:grpSpPr>
+        <p:sp>
+          <p:nvSpPr>
+            <p:cNvPr id="8" name="자유형: 도형 7">
+              <a:extLst>
+                <a:ext uri="{FF2B5EF4-FFF2-40B4-BE49-F238E27FC236}">
+                  <a16:creationId xmlns:a16="http://schemas.microsoft.com/office/drawing/2014/main" id="{07376A46-F745-4941-B309-60CF5216AE24}"/>
+                </a:ext>
+              </a:extLst>
+            </p:cNvPr>
+            <p:cNvSpPr/>
+            <p:nvPr/>
+          </p:nvSpPr>
+          <p:spPr>
+            <a:xfrm>
+              <a:off x="2888608" y="251428"/>
+              <a:ext cx="8730143" cy="5219871"/>
+            </a:xfrm>
+            <a:custGeom>
+              <a:avLst/>
+              <a:gdLst>
+                <a:gd name="connsiteX0" fmla="*/ 3572486 w 9286613"/>
+                <a:gd name="connsiteY0" fmla="*/ 0 h 5552592"/>
+                <a:gd name="connsiteX1" fmla="*/ 5265442 w 9286613"/>
+                <a:gd name="connsiteY1" fmla="*/ 1527749 h 5552592"/>
+                <a:gd name="connsiteX2" fmla="*/ 5269692 w 9286613"/>
+                <a:gd name="connsiteY2" fmla="*/ 1611906 h 5552592"/>
+                <a:gd name="connsiteX3" fmla="*/ 5320143 w 9286613"/>
+                <a:gd name="connsiteY3" fmla="*/ 1565496 h 5552592"/>
+                <a:gd name="connsiteX4" fmla="*/ 6209951 w 9286613"/>
+                <a:gd name="connsiteY4" fmla="*/ 1242182 h 5552592"/>
+                <a:gd name="connsiteX5" fmla="*/ 7601594 w 9286613"/>
+                <a:gd name="connsiteY5" fmla="*/ 2513279 h 5552592"/>
+                <a:gd name="connsiteX6" fmla="*/ 7605758 w 9286613"/>
+                <a:gd name="connsiteY6" fmla="*/ 2596744 h 5552592"/>
+                <a:gd name="connsiteX7" fmla="*/ 7701092 w 9286613"/>
+                <a:gd name="connsiteY7" fmla="*/ 2596744 h 5552592"/>
+                <a:gd name="connsiteX8" fmla="*/ 7701092 w 9286613"/>
+                <a:gd name="connsiteY8" fmla="*/ 2601682 h 5552592"/>
+                <a:gd name="connsiteX9" fmla="*/ 7799490 w 9286613"/>
+                <a:gd name="connsiteY9" fmla="*/ 2596744 h 5552592"/>
+                <a:gd name="connsiteX10" fmla="*/ 9286613 w 9286613"/>
+                <a:gd name="connsiteY10" fmla="*/ 4074668 h 5552592"/>
+                <a:gd name="connsiteX11" fmla="*/ 7799490 w 9286613"/>
+                <a:gd name="connsiteY11" fmla="*/ 5552592 h 5552592"/>
+                <a:gd name="connsiteX12" fmla="*/ 7701092 w 9286613"/>
+                <a:gd name="connsiteY12" fmla="*/ 5547654 h 5552592"/>
+                <a:gd name="connsiteX13" fmla="*/ 7701092 w 9286613"/>
+                <a:gd name="connsiteY13" fmla="*/ 5551066 h 5552592"/>
+                <a:gd name="connsiteX14" fmla="*/ 1761690 w 9286613"/>
+                <a:gd name="connsiteY14" fmla="*/ 5551066 h 5552592"/>
+                <a:gd name="connsiteX15" fmla="*/ 1761690 w 9286613"/>
+                <a:gd name="connsiteY15" fmla="*/ 5545559 h 5552592"/>
+                <a:gd name="connsiteX16" fmla="*/ 1652631 w 9286613"/>
+                <a:gd name="connsiteY16" fmla="*/ 5551066 h 5552592"/>
+                <a:gd name="connsiteX17" fmla="*/ 0 w 9286613"/>
+                <a:gd name="connsiteY17" fmla="*/ 3898435 h 5552592"/>
+                <a:gd name="connsiteX18" fmla="*/ 1652631 w 9286613"/>
+                <a:gd name="connsiteY18" fmla="*/ 2245804 h 5552592"/>
+                <a:gd name="connsiteX19" fmla="*/ 1904311 w 9286613"/>
+                <a:gd name="connsiteY19" fmla="*/ 2264846 h 5552592"/>
+                <a:gd name="connsiteX20" fmla="*/ 1972946 w 9286613"/>
+                <a:gd name="connsiteY20" fmla="*/ 2277990 h 5552592"/>
+                <a:gd name="connsiteX21" fmla="*/ 1947251 w 9286613"/>
+                <a:gd name="connsiteY21" fmla="*/ 2207788 h 5552592"/>
+                <a:gd name="connsiteX22" fmla="*/ 1870744 w 9286613"/>
+                <a:gd name="connsiteY22" fmla="*/ 1701742 h 5552592"/>
+                <a:gd name="connsiteX23" fmla="*/ 3572486 w 9286613"/>
+                <a:gd name="connsiteY23" fmla="*/ 0 h 5552592"/>
+              </a:gdLst>
+              <a:ahLst/>
+              <a:cxnLst>
+                <a:cxn ang="0">
+                  <a:pos x="connsiteX0" y="connsiteY0"/>
+                </a:cxn>
+                <a:cxn ang="0">
+                  <a:pos x="connsiteX1" y="connsiteY1"/>
+                </a:cxn>
+                <a:cxn ang="0">
+                  <a:pos x="connsiteX2" y="connsiteY2"/>
+                </a:cxn>
+                <a:cxn ang="0">
+                  <a:pos x="connsiteX3" y="connsiteY3"/>
+                </a:cxn>
+                <a:cxn ang="0">
+                  <a:pos x="connsiteX4" y="connsiteY4"/>
+                </a:cxn>
+                <a:cxn ang="0">
+                  <a:pos x="connsiteX5" y="connsiteY5"/>
+                </a:cxn>
+                <a:cxn ang="0">
+                  <a:pos x="connsiteX6" y="connsiteY6"/>
+                </a:cxn>
+                <a:cxn ang="0">
+                  <a:pos x="connsiteX7" y="connsiteY7"/>
+                </a:cxn>
+                <a:cxn ang="0">
+                  <a:pos x="connsiteX8" y="connsiteY8"/>
+                </a:cxn>
+                <a:cxn ang="0">
+                  <a:pos x="connsiteX9" y="connsiteY9"/>
+                </a:cxn>
+                <a:cxn ang="0">
+                  <a:pos x="connsiteX10" y="connsiteY10"/>
+                </a:cxn>
+                <a:cxn ang="0">
+                  <a:pos x="connsiteX11" y="connsiteY11"/>
+                </a:cxn>
+                <a:cxn ang="0">
+                  <a:pos x="connsiteX12" y="connsiteY12"/>
+                </a:cxn>
+                <a:cxn ang="0">
+                  <a:pos x="connsiteX13" y="connsiteY13"/>
+                </a:cxn>
+                <a:cxn ang="0">
+                  <a:pos x="connsiteX14" y="connsiteY14"/>
+                </a:cxn>
+                <a:cxn ang="0">
+                  <a:pos x="connsiteX15" y="connsiteY15"/>
+                </a:cxn>
+                <a:cxn ang="0">
+                  <a:pos x="connsiteX16" y="connsiteY16"/>
+                </a:cxn>
+                <a:cxn ang="0">
+                  <a:pos x="connsiteX17" y="connsiteY17"/>
+                </a:cxn>
+                <a:cxn ang="0">
+                  <a:pos x="connsiteX18" y="connsiteY18"/>
+                </a:cxn>
+                <a:cxn ang="0">
+                  <a:pos x="connsiteX19" y="connsiteY19"/>
+                </a:cxn>
+                <a:cxn ang="0">
+                  <a:pos x="connsiteX20" y="connsiteY20"/>
+                </a:cxn>
+                <a:cxn ang="0">
+                  <a:pos x="connsiteX21" y="connsiteY21"/>
+                </a:cxn>
+                <a:cxn ang="0">
+                  <a:pos x="connsiteX22" y="connsiteY22"/>
+                </a:cxn>
+                <a:cxn ang="0">
+                  <a:pos x="connsiteX23" y="connsiteY23"/>
+                </a:cxn>
+              </a:cxnLst>
+              <a:rect l="l" t="t" r="r" b="b"/>
+              <a:pathLst>
+                <a:path w="9286613" h="5552592">
+                  <a:moveTo>
+                    <a:pt x="3572486" y="0"/>
+                  </a:moveTo>
+                  <a:cubicBezTo>
+                    <a:pt x="4453592" y="0"/>
+                    <a:pt x="5178296" y="669635"/>
+                    <a:pt x="5265442" y="1527749"/>
+                  </a:cubicBezTo>
+                  <a:lnTo>
+                    <a:pt x="5269692" y="1611906"/>
+                  </a:lnTo>
+                  <a:lnTo>
+                    <a:pt x="5320143" y="1565496"/>
+                  </a:lnTo>
+                  <a:cubicBezTo>
+                    <a:pt x="5561949" y="1363515"/>
+                    <a:pt x="5871951" y="1242182"/>
+                    <a:pt x="6209951" y="1242182"/>
+                  </a:cubicBezTo>
+                  <a:cubicBezTo>
+                    <a:pt x="6934237" y="1242182"/>
+                    <a:pt x="7529958" y="1799323"/>
+                    <a:pt x="7601594" y="2513279"/>
+                  </a:cubicBezTo>
+                  <a:lnTo>
+                    <a:pt x="7605758" y="2596744"/>
+                  </a:lnTo>
+                  <a:lnTo>
+                    <a:pt x="7701092" y="2596744"/>
+                  </a:lnTo>
+                  <a:lnTo>
+                    <a:pt x="7701092" y="2601682"/>
+                  </a:lnTo>
+                  <a:lnTo>
+                    <a:pt x="7799490" y="2596744"/>
+                  </a:lnTo>
+                  <a:cubicBezTo>
+                    <a:pt x="8620805" y="2596744"/>
+                    <a:pt x="9286613" y="3258433"/>
+                    <a:pt x="9286613" y="4074668"/>
+                  </a:cubicBezTo>
+                  <a:cubicBezTo>
+                    <a:pt x="9286613" y="4890903"/>
+                    <a:pt x="8620805" y="5552592"/>
+                    <a:pt x="7799490" y="5552592"/>
+                  </a:cubicBezTo>
+                  <a:lnTo>
+                    <a:pt x="7701092" y="5547654"/>
+                  </a:lnTo>
+                  <a:lnTo>
+                    <a:pt x="7701092" y="5551066"/>
+                  </a:lnTo>
+                  <a:lnTo>
+                    <a:pt x="1761690" y="5551066"/>
+                  </a:lnTo>
+                  <a:lnTo>
+                    <a:pt x="1761690" y="5545559"/>
+                  </a:lnTo>
+                  <a:lnTo>
+                    <a:pt x="1652631" y="5551066"/>
+                  </a:lnTo>
+                  <a:cubicBezTo>
+                    <a:pt x="739908" y="5551066"/>
+                    <a:pt x="0" y="4811158"/>
+                    <a:pt x="0" y="3898435"/>
+                  </a:cubicBezTo>
+                  <a:cubicBezTo>
+                    <a:pt x="0" y="2985712"/>
+                    <a:pt x="739908" y="2245804"/>
+                    <a:pt x="1652631" y="2245804"/>
+                  </a:cubicBezTo>
+                  <a:cubicBezTo>
+                    <a:pt x="1738199" y="2245804"/>
+                    <a:pt x="1822248" y="2252307"/>
+                    <a:pt x="1904311" y="2264846"/>
+                  </a:cubicBezTo>
+                  <a:lnTo>
+                    <a:pt x="1972946" y="2277990"/>
+                  </a:lnTo>
+                  <a:lnTo>
+                    <a:pt x="1947251" y="2207788"/>
+                  </a:lnTo>
+                  <a:cubicBezTo>
+                    <a:pt x="1897530" y="2047928"/>
+                    <a:pt x="1870744" y="1877963"/>
+                    <a:pt x="1870744" y="1701742"/>
+                  </a:cubicBezTo>
+                  <a:cubicBezTo>
+                    <a:pt x="1870744" y="761896"/>
+                    <a:pt x="2632640" y="0"/>
+                    <a:pt x="3572486" y="0"/>
+                  </a:cubicBezTo>
+                  <a:close/>
+                </a:path>
+              </a:pathLst>
+            </a:custGeom>
+            <a:solidFill>
+              <a:schemeClr val="tx1">
+                <a:lumMod val="75000"/>
+                <a:lumOff val="25000"/>
+              </a:schemeClr>
+            </a:solidFill>
+            <a:ln w="238125">
+              <a:noFill/>
+            </a:ln>
+          </p:spPr>
+          <p:style>
+            <a:lnRef idx="2">
+              <a:schemeClr val="accent1">
+                <a:shade val="50000"/>
+              </a:schemeClr>
+            </a:lnRef>
+            <a:fillRef idx="1">
+              <a:schemeClr val="accent1"/>
+            </a:fillRef>
+            <a:effectRef idx="0">
+              <a:schemeClr val="accent1"/>
+            </a:effectRef>
+            <a:fontRef idx="minor">
+              <a:schemeClr val="lt1"/>
+            </a:fontRef>
+          </p:style>
+          <p:txBody>
+            <a:bodyPr rtlCol="0" anchor="ctr"/>
+            <a:lstStyle/>
+            <a:p>
+              <a:pPr algn="ctr"/>
+              <a:endParaRPr lang="ko-KR" altLang="en-US" dirty="0"/>
+            </a:p>
+          </p:txBody>
+        </p:sp>
+        <p:sp>
+          <p:nvSpPr>
+            <p:cNvPr id="9" name="자유형: 도형 8">
+              <a:extLst>
+                <a:ext uri="{FF2B5EF4-FFF2-40B4-BE49-F238E27FC236}">
+                  <a16:creationId xmlns:a16="http://schemas.microsoft.com/office/drawing/2014/main" id="{B2CE30E6-8E11-4A21-9898-D18D1BB4FCB0}"/>
+                </a:ext>
+              </a:extLst>
+            </p:cNvPr>
+            <p:cNvSpPr/>
+            <p:nvPr/>
+          </p:nvSpPr>
+          <p:spPr>
+            <a:xfrm>
+              <a:off x="773184" y="812094"/>
+              <a:ext cx="9286613" cy="5552592"/>
+            </a:xfrm>
+            <a:custGeom>
+              <a:avLst/>
+              <a:gdLst>
+                <a:gd name="connsiteX0" fmla="*/ 3572486 w 9286613"/>
+                <a:gd name="connsiteY0" fmla="*/ 0 h 5552592"/>
+                <a:gd name="connsiteX1" fmla="*/ 5265442 w 9286613"/>
+                <a:gd name="connsiteY1" fmla="*/ 1527749 h 5552592"/>
+                <a:gd name="connsiteX2" fmla="*/ 5269692 w 9286613"/>
+                <a:gd name="connsiteY2" fmla="*/ 1611906 h 5552592"/>
+                <a:gd name="connsiteX3" fmla="*/ 5320143 w 9286613"/>
+                <a:gd name="connsiteY3" fmla="*/ 1565496 h 5552592"/>
+                <a:gd name="connsiteX4" fmla="*/ 6209951 w 9286613"/>
+                <a:gd name="connsiteY4" fmla="*/ 1242182 h 5552592"/>
+                <a:gd name="connsiteX5" fmla="*/ 7601594 w 9286613"/>
+                <a:gd name="connsiteY5" fmla="*/ 2513279 h 5552592"/>
+                <a:gd name="connsiteX6" fmla="*/ 7605758 w 9286613"/>
+                <a:gd name="connsiteY6" fmla="*/ 2596744 h 5552592"/>
+                <a:gd name="connsiteX7" fmla="*/ 7701092 w 9286613"/>
+                <a:gd name="connsiteY7" fmla="*/ 2596744 h 5552592"/>
+                <a:gd name="connsiteX8" fmla="*/ 7701092 w 9286613"/>
+                <a:gd name="connsiteY8" fmla="*/ 2601682 h 5552592"/>
+                <a:gd name="connsiteX9" fmla="*/ 7799490 w 9286613"/>
+                <a:gd name="connsiteY9" fmla="*/ 2596744 h 5552592"/>
+                <a:gd name="connsiteX10" fmla="*/ 9286613 w 9286613"/>
+                <a:gd name="connsiteY10" fmla="*/ 4074668 h 5552592"/>
+                <a:gd name="connsiteX11" fmla="*/ 7799490 w 9286613"/>
+                <a:gd name="connsiteY11" fmla="*/ 5552592 h 5552592"/>
+                <a:gd name="connsiteX12" fmla="*/ 7701092 w 9286613"/>
+                <a:gd name="connsiteY12" fmla="*/ 5547654 h 5552592"/>
+                <a:gd name="connsiteX13" fmla="*/ 7701092 w 9286613"/>
+                <a:gd name="connsiteY13" fmla="*/ 5551066 h 5552592"/>
+                <a:gd name="connsiteX14" fmla="*/ 1761690 w 9286613"/>
+                <a:gd name="connsiteY14" fmla="*/ 5551066 h 5552592"/>
+                <a:gd name="connsiteX15" fmla="*/ 1761690 w 9286613"/>
+                <a:gd name="connsiteY15" fmla="*/ 5545559 h 5552592"/>
+                <a:gd name="connsiteX16" fmla="*/ 1652631 w 9286613"/>
+                <a:gd name="connsiteY16" fmla="*/ 5551066 h 5552592"/>
+                <a:gd name="connsiteX17" fmla="*/ 0 w 9286613"/>
+                <a:gd name="connsiteY17" fmla="*/ 3898435 h 5552592"/>
+                <a:gd name="connsiteX18" fmla="*/ 1652631 w 9286613"/>
+                <a:gd name="connsiteY18" fmla="*/ 2245804 h 5552592"/>
+                <a:gd name="connsiteX19" fmla="*/ 1904311 w 9286613"/>
+                <a:gd name="connsiteY19" fmla="*/ 2264846 h 5552592"/>
+                <a:gd name="connsiteX20" fmla="*/ 1972946 w 9286613"/>
+                <a:gd name="connsiteY20" fmla="*/ 2277990 h 5552592"/>
+                <a:gd name="connsiteX21" fmla="*/ 1947251 w 9286613"/>
+                <a:gd name="connsiteY21" fmla="*/ 2207788 h 5552592"/>
+                <a:gd name="connsiteX22" fmla="*/ 1870744 w 9286613"/>
+                <a:gd name="connsiteY22" fmla="*/ 1701742 h 5552592"/>
+                <a:gd name="connsiteX23" fmla="*/ 3572486 w 9286613"/>
+                <a:gd name="connsiteY23" fmla="*/ 0 h 5552592"/>
+              </a:gdLst>
+              <a:ahLst/>
+              <a:cxnLst>
+                <a:cxn ang="0">
+                  <a:pos x="connsiteX0" y="connsiteY0"/>
+                </a:cxn>
+                <a:cxn ang="0">
+                  <a:pos x="connsiteX1" y="connsiteY1"/>
+                </a:cxn>
+                <a:cxn ang="0">
+                  <a:pos x="connsiteX2" y="connsiteY2"/>
+                </a:cxn>
+                <a:cxn ang="0">
+                  <a:pos x="connsiteX3" y="connsiteY3"/>
+                </a:cxn>
+                <a:cxn ang="0">
+                  <a:pos x="connsiteX4" y="connsiteY4"/>
+                </a:cxn>
+                <a:cxn ang="0">
+                  <a:pos x="connsiteX5" y="connsiteY5"/>
+                </a:cxn>
+                <a:cxn ang="0">
+                  <a:pos x="connsiteX6" y="connsiteY6"/>
+                </a:cxn>
+                <a:cxn ang="0">
+                  <a:pos x="connsiteX7" y="connsiteY7"/>
+                </a:cxn>
+                <a:cxn ang="0">
+                  <a:pos x="connsiteX8" y="connsiteY8"/>
+                </a:cxn>
+                <a:cxn ang="0">
+                  <a:pos x="connsiteX9" y="connsiteY9"/>
+                </a:cxn>
+                <a:cxn ang="0">
+                  <a:pos x="connsiteX10" y="connsiteY10"/>
+                </a:cxn>
+                <a:cxn ang="0">
+                  <a:pos x="connsiteX11" y="connsiteY11"/>
+                </a:cxn>
+                <a:cxn ang="0">
+                  <a:pos x="connsiteX12" y="connsiteY12"/>
+                </a:cxn>
+                <a:cxn ang="0">
+                  <a:pos x="connsiteX13" y="connsiteY13"/>
+                </a:cxn>
+                <a:cxn ang="0">
+                  <a:pos x="connsiteX14" y="connsiteY14"/>
+                </a:cxn>
+                <a:cxn ang="0">
+                  <a:pos x="connsiteX15" y="connsiteY15"/>
+                </a:cxn>
+                <a:cxn ang="0">
+                  <a:pos x="connsiteX16" y="connsiteY16"/>
+                </a:cxn>
+                <a:cxn ang="0">
+                  <a:pos x="connsiteX17" y="connsiteY17"/>
+                </a:cxn>
+                <a:cxn ang="0">
+                  <a:pos x="connsiteX18" y="connsiteY18"/>
+                </a:cxn>
+                <a:cxn ang="0">
+                  <a:pos x="connsiteX19" y="connsiteY19"/>
+                </a:cxn>
+                <a:cxn ang="0">
+                  <a:pos x="connsiteX20" y="connsiteY20"/>
+                </a:cxn>
+                <a:cxn ang="0">
+                  <a:pos x="connsiteX21" y="connsiteY21"/>
+                </a:cxn>
+                <a:cxn ang="0">
+                  <a:pos x="connsiteX22" y="connsiteY22"/>
+                </a:cxn>
+                <a:cxn ang="0">
+                  <a:pos x="connsiteX23" y="connsiteY23"/>
+                </a:cxn>
+              </a:cxnLst>
+              <a:rect l="l" t="t" r="r" b="b"/>
+              <a:pathLst>
+                <a:path w="9286613" h="5552592">
+                  <a:moveTo>
+                    <a:pt x="3572486" y="0"/>
+                  </a:moveTo>
+                  <a:cubicBezTo>
+                    <a:pt x="4453592" y="0"/>
+                    <a:pt x="5178296" y="669635"/>
+                    <a:pt x="5265442" y="1527749"/>
+                  </a:cubicBezTo>
+                  <a:lnTo>
+                    <a:pt x="5269692" y="1611906"/>
+                  </a:lnTo>
+                  <a:lnTo>
+                    <a:pt x="5320143" y="1565496"/>
+                  </a:lnTo>
+                  <a:cubicBezTo>
+                    <a:pt x="5561949" y="1363515"/>
+                    <a:pt x="5871951" y="1242182"/>
+                    <a:pt x="6209951" y="1242182"/>
+                  </a:cubicBezTo>
+                  <a:cubicBezTo>
+                    <a:pt x="6934237" y="1242182"/>
+                    <a:pt x="7529958" y="1799323"/>
+                    <a:pt x="7601594" y="2513279"/>
+                  </a:cubicBezTo>
+                  <a:lnTo>
+                    <a:pt x="7605758" y="2596744"/>
+                  </a:lnTo>
+                  <a:lnTo>
+                    <a:pt x="7701092" y="2596744"/>
+                  </a:lnTo>
+                  <a:lnTo>
+                    <a:pt x="7701092" y="2601682"/>
+                  </a:lnTo>
+                  <a:lnTo>
+                    <a:pt x="7799490" y="2596744"/>
+                  </a:lnTo>
+                  <a:cubicBezTo>
+                    <a:pt x="8620805" y="2596744"/>
+                    <a:pt x="9286613" y="3258433"/>
+                    <a:pt x="9286613" y="4074668"/>
+                  </a:cubicBezTo>
+                  <a:cubicBezTo>
+                    <a:pt x="9286613" y="4890903"/>
+                    <a:pt x="8620805" y="5552592"/>
+                    <a:pt x="7799490" y="5552592"/>
+                  </a:cubicBezTo>
+                  <a:lnTo>
+                    <a:pt x="7701092" y="5547654"/>
+                  </a:lnTo>
+                  <a:lnTo>
+                    <a:pt x="7701092" y="5551066"/>
+                  </a:lnTo>
+                  <a:lnTo>
+                    <a:pt x="1761690" y="5551066"/>
+                  </a:lnTo>
+                  <a:lnTo>
+                    <a:pt x="1761690" y="5545559"/>
+                  </a:lnTo>
+                  <a:lnTo>
+                    <a:pt x="1652631" y="5551066"/>
+                  </a:lnTo>
+                  <a:cubicBezTo>
+                    <a:pt x="739908" y="5551066"/>
+                    <a:pt x="0" y="4811158"/>
+                    <a:pt x="0" y="3898435"/>
+                  </a:cubicBezTo>
+                  <a:cubicBezTo>
+                    <a:pt x="0" y="2985712"/>
+                    <a:pt x="739908" y="2245804"/>
+                    <a:pt x="1652631" y="2245804"/>
+                  </a:cubicBezTo>
+                  <a:cubicBezTo>
+                    <a:pt x="1738199" y="2245804"/>
+                    <a:pt x="1822248" y="2252307"/>
+                    <a:pt x="1904311" y="2264846"/>
+                  </a:cubicBezTo>
+                  <a:lnTo>
+                    <a:pt x="1972946" y="2277990"/>
+                  </a:lnTo>
+                  <a:lnTo>
+                    <a:pt x="1947251" y="2207788"/>
+                  </a:lnTo>
+                  <a:cubicBezTo>
+                    <a:pt x="1897530" y="2047928"/>
+                    <a:pt x="1870744" y="1877963"/>
+                    <a:pt x="1870744" y="1701742"/>
+                  </a:cubicBezTo>
+                  <a:cubicBezTo>
+                    <a:pt x="1870744" y="761896"/>
+                    <a:pt x="2632640" y="0"/>
+                    <a:pt x="3572486" y="0"/>
+                  </a:cubicBezTo>
+                  <a:close/>
+                </a:path>
+              </a:pathLst>
+            </a:custGeom>
+            <a:solidFill>
+              <a:schemeClr val="bg1">
+                <a:lumMod val="85000"/>
+              </a:schemeClr>
+            </a:solidFill>
+            <a:ln w="238125">
+              <a:noFill/>
+            </a:ln>
+          </p:spPr>
+          <p:style>
+            <a:lnRef idx="2">
+              <a:schemeClr val="accent1">
+                <a:shade val="50000"/>
+              </a:schemeClr>
+            </a:lnRef>
+            <a:fillRef idx="1">
+              <a:schemeClr val="accent1"/>
+            </a:fillRef>
+            <a:effectRef idx="0">
+              <a:schemeClr val="accent1"/>
+            </a:effectRef>
+            <a:fontRef idx="minor">
+              <a:schemeClr val="lt1"/>
+            </a:fontRef>
+          </p:style>
+          <p:txBody>
+            <a:bodyPr rtlCol="0" anchor="ctr"/>
+            <a:lstStyle/>
+            <a:p>
+              <a:pPr algn="ctr"/>
+              <a:endParaRPr lang="ko-KR" altLang="en-US" dirty="0"/>
+            </a:p>
+          </p:txBody>
+        </p:sp>
+      </p:grpSp>
+      <p:grpSp>
+        <p:nvGrpSpPr>
+          <p:cNvPr id="30" name="그룹 29">
+            <a:extLst>
+              <a:ext uri="{FF2B5EF4-FFF2-40B4-BE49-F238E27FC236}">
+                <a16:creationId xmlns:a16="http://schemas.microsoft.com/office/drawing/2014/main" id="{280DD23D-FD41-481B-9E65-E0B0DB9A740F}"/>
+              </a:ext>
+            </a:extLst>
+          </p:cNvPr>
+          <p:cNvGrpSpPr/>
+          <p:nvPr/>
+        </p:nvGrpSpPr>
+        <p:grpSpPr>
+          <a:xfrm>
+            <a:off x="3129095" y="4610143"/>
+            <a:ext cx="5086761" cy="2015561"/>
+            <a:chOff x="3129095" y="4610143"/>
+            <a:chExt cx="5086761" cy="2015561"/>
+          </a:xfrm>
+        </p:grpSpPr>
+        <p:sp>
+          <p:nvSpPr>
+            <p:cNvPr id="10" name="타원 9">
+              <a:extLst>
+                <a:ext uri="{FF2B5EF4-FFF2-40B4-BE49-F238E27FC236}">
+                  <a16:creationId xmlns:a16="http://schemas.microsoft.com/office/drawing/2014/main" id="{E005A714-2D84-444A-9A02-A9ABEAAC36E7}"/>
+                </a:ext>
+              </a:extLst>
+            </p:cNvPr>
+            <p:cNvSpPr/>
+            <p:nvPr/>
+          </p:nvSpPr>
+          <p:spPr>
+            <a:xfrm rot="1488213">
+              <a:off x="3129095" y="4726666"/>
+              <a:ext cx="276836" cy="551153"/>
+            </a:xfrm>
+            <a:prstGeom prst="ellipse">
+              <a:avLst/>
+            </a:prstGeom>
+            <a:solidFill>
+              <a:srgbClr val="00B0F0"/>
+            </a:solidFill>
+            <a:ln>
+              <a:noFill/>
+            </a:ln>
+          </p:spPr>
+          <p:style>
+            <a:lnRef idx="2">
+              <a:schemeClr val="accent1">
+                <a:shade val="50000"/>
+              </a:schemeClr>
+            </a:lnRef>
+            <a:fillRef idx="1">
+              <a:schemeClr val="accent1"/>
+            </a:fillRef>
+            <a:effectRef idx="0">
+              <a:schemeClr val="accent1"/>
+            </a:effectRef>
+            <a:fontRef idx="minor">
+              <a:schemeClr val="lt1"/>
+            </a:fontRef>
+          </p:style>
+          <p:txBody>
+            <a:bodyPr rtlCol="0" anchor="ctr"/>
+            <a:lstStyle/>
+            <a:p>
+              <a:pPr algn="ctr"/>
+              <a:endParaRPr lang="ko-KR" altLang="en-US"/>
+            </a:p>
+          </p:txBody>
+        </p:sp>
+        <p:sp>
+          <p:nvSpPr>
+            <p:cNvPr id="11" name="타원 10">
+              <a:extLst>
+                <a:ext uri="{FF2B5EF4-FFF2-40B4-BE49-F238E27FC236}">
+                  <a16:creationId xmlns:a16="http://schemas.microsoft.com/office/drawing/2014/main" id="{DD75D341-32DF-46B3-8F66-03B8E32D9E34}"/>
+                </a:ext>
+              </a:extLst>
+            </p:cNvPr>
+            <p:cNvSpPr/>
+            <p:nvPr/>
+          </p:nvSpPr>
+          <p:spPr>
+            <a:xfrm rot="1488213">
+              <a:off x="7939020" y="4759696"/>
+              <a:ext cx="276836" cy="551153"/>
+            </a:xfrm>
+            <a:prstGeom prst="ellipse">
+              <a:avLst/>
+            </a:prstGeom>
+            <a:solidFill>
+              <a:srgbClr val="00B0F0"/>
+            </a:solidFill>
+            <a:ln>
+              <a:noFill/>
+            </a:ln>
+          </p:spPr>
+          <p:style>
+            <a:lnRef idx="2">
+              <a:schemeClr val="accent1">
+                <a:shade val="50000"/>
+              </a:schemeClr>
+            </a:lnRef>
+            <a:fillRef idx="1">
+              <a:schemeClr val="accent1"/>
+            </a:fillRef>
+            <a:effectRef idx="0">
+              <a:schemeClr val="accent1"/>
+            </a:effectRef>
+            <a:fontRef idx="minor">
+              <a:schemeClr val="lt1"/>
+            </a:fontRef>
+          </p:style>
+          <p:txBody>
+            <a:bodyPr rtlCol="0" anchor="ctr"/>
+            <a:lstStyle/>
+            <a:p>
+              <a:pPr algn="ctr"/>
+              <a:endParaRPr lang="ko-KR" altLang="en-US"/>
+            </a:p>
+          </p:txBody>
+        </p:sp>
+        <p:sp>
+          <p:nvSpPr>
+            <p:cNvPr id="12" name="타원 11">
+              <a:extLst>
+                <a:ext uri="{FF2B5EF4-FFF2-40B4-BE49-F238E27FC236}">
+                  <a16:creationId xmlns:a16="http://schemas.microsoft.com/office/drawing/2014/main" id="{71D7B95E-B0D6-423F-8F89-3EEB08F18AAD}"/>
+                </a:ext>
+              </a:extLst>
+            </p:cNvPr>
+            <p:cNvSpPr/>
+            <p:nvPr/>
+          </p:nvSpPr>
+          <p:spPr>
+            <a:xfrm rot="1488213">
+              <a:off x="3382659" y="5405604"/>
+              <a:ext cx="276836" cy="551153"/>
+            </a:xfrm>
+            <a:prstGeom prst="ellipse">
+              <a:avLst/>
+            </a:prstGeom>
+            <a:solidFill>
+              <a:srgbClr val="00B0F0"/>
+            </a:solidFill>
+            <a:ln>
+              <a:noFill/>
+            </a:ln>
+          </p:spPr>
+          <p:style>
+            <a:lnRef idx="2">
+              <a:schemeClr val="accent1">
+                <a:shade val="50000"/>
+              </a:schemeClr>
+            </a:lnRef>
+            <a:fillRef idx="1">
+              <a:schemeClr val="accent1"/>
+            </a:fillRef>
+            <a:effectRef idx="0">
+              <a:schemeClr val="accent1"/>
+            </a:effectRef>
+            <a:fontRef idx="minor">
+              <a:schemeClr val="lt1"/>
+            </a:fontRef>
+          </p:style>
+          <p:txBody>
+            <a:bodyPr rtlCol="0" anchor="ctr"/>
+            <a:lstStyle/>
+            <a:p>
+              <a:pPr algn="ctr"/>
+              <a:endParaRPr lang="ko-KR" altLang="en-US"/>
+            </a:p>
+          </p:txBody>
+        </p:sp>
+        <p:sp>
+          <p:nvSpPr>
+            <p:cNvPr id="13" name="타원 12">
+              <a:extLst>
+                <a:ext uri="{FF2B5EF4-FFF2-40B4-BE49-F238E27FC236}">
+                  <a16:creationId xmlns:a16="http://schemas.microsoft.com/office/drawing/2014/main" id="{FB544CB1-4C6A-486F-938C-9CB6F2B75B6B}"/>
+                </a:ext>
+              </a:extLst>
+            </p:cNvPr>
+            <p:cNvSpPr/>
+            <p:nvPr/>
+          </p:nvSpPr>
+          <p:spPr>
+            <a:xfrm rot="1488213">
+              <a:off x="3815713" y="4699094"/>
+              <a:ext cx="276836" cy="551153"/>
+            </a:xfrm>
+            <a:prstGeom prst="ellipse">
+              <a:avLst/>
+            </a:prstGeom>
+            <a:solidFill>
+              <a:srgbClr val="00B0F0"/>
+            </a:solidFill>
+            <a:ln>
+              <a:noFill/>
+            </a:ln>
+          </p:spPr>
+          <p:style>
+            <a:lnRef idx="2">
+              <a:schemeClr val="accent1">
+                <a:shade val="50000"/>
+              </a:schemeClr>
+            </a:lnRef>
+            <a:fillRef idx="1">
+              <a:schemeClr val="accent1"/>
+            </a:fillRef>
+            <a:effectRef idx="0">
+              <a:schemeClr val="accent1"/>
+            </a:effectRef>
+            <a:fontRef idx="minor">
+              <a:schemeClr val="lt1"/>
+            </a:fontRef>
+          </p:style>
+          <p:txBody>
+            <a:bodyPr rtlCol="0" anchor="ctr"/>
+            <a:lstStyle/>
+            <a:p>
+              <a:pPr algn="ctr"/>
+              <a:endParaRPr lang="ko-KR" altLang="en-US"/>
+            </a:p>
+          </p:txBody>
+        </p:sp>
+        <p:sp>
+          <p:nvSpPr>
+            <p:cNvPr id="15" name="타원 14">
+              <a:extLst>
+                <a:ext uri="{FF2B5EF4-FFF2-40B4-BE49-F238E27FC236}">
+                  <a16:creationId xmlns:a16="http://schemas.microsoft.com/office/drawing/2014/main" id="{58EE878C-654D-49DA-BAFF-83A6E6DFFF00}"/>
+                </a:ext>
+              </a:extLst>
+            </p:cNvPr>
+            <p:cNvSpPr/>
+            <p:nvPr/>
+          </p:nvSpPr>
+          <p:spPr>
+            <a:xfrm rot="1488213">
+              <a:off x="4222665" y="5339407"/>
+              <a:ext cx="276836" cy="551153"/>
+            </a:xfrm>
+            <a:prstGeom prst="ellipse">
+              <a:avLst/>
+            </a:prstGeom>
+            <a:solidFill>
+              <a:srgbClr val="00B0F0"/>
+            </a:solidFill>
+            <a:ln>
+              <a:noFill/>
+            </a:ln>
+          </p:spPr>
+          <p:style>
+            <a:lnRef idx="2">
+              <a:schemeClr val="accent1">
+                <a:shade val="50000"/>
+              </a:schemeClr>
+            </a:lnRef>
+            <a:fillRef idx="1">
+              <a:schemeClr val="accent1"/>
+            </a:fillRef>
+            <a:effectRef idx="0">
+              <a:schemeClr val="accent1"/>
+            </a:effectRef>
+            <a:fontRef idx="minor">
+              <a:schemeClr val="lt1"/>
+            </a:fontRef>
+          </p:style>
+          <p:txBody>
+            <a:bodyPr rtlCol="0" anchor="ctr"/>
+            <a:lstStyle/>
+            <a:p>
+              <a:pPr algn="ctr"/>
+              <a:endParaRPr lang="ko-KR" altLang="en-US"/>
+            </a:p>
+          </p:txBody>
+        </p:sp>
+        <p:sp>
+          <p:nvSpPr>
+            <p:cNvPr id="17" name="타원 16">
+              <a:extLst>
+                <a:ext uri="{FF2B5EF4-FFF2-40B4-BE49-F238E27FC236}">
+                  <a16:creationId xmlns:a16="http://schemas.microsoft.com/office/drawing/2014/main" id="{943F675C-ACB1-4725-9659-DF220E2588E9}"/>
+                </a:ext>
+              </a:extLst>
+            </p:cNvPr>
+            <p:cNvSpPr/>
+            <p:nvPr/>
+          </p:nvSpPr>
+          <p:spPr>
+            <a:xfrm rot="1488213">
+              <a:off x="4805952" y="4699094"/>
+              <a:ext cx="276836" cy="551153"/>
+            </a:xfrm>
+            <a:prstGeom prst="ellipse">
+              <a:avLst/>
+            </a:prstGeom>
+            <a:solidFill>
+              <a:srgbClr val="00B0F0"/>
+            </a:solidFill>
+            <a:ln>
+              <a:noFill/>
+            </a:ln>
+          </p:spPr>
+          <p:style>
+            <a:lnRef idx="2">
+              <a:schemeClr val="accent1">
+                <a:shade val="50000"/>
+              </a:schemeClr>
+            </a:lnRef>
+            <a:fillRef idx="1">
+              <a:schemeClr val="accent1"/>
+            </a:fillRef>
+            <a:effectRef idx="0">
+              <a:schemeClr val="accent1"/>
+            </a:effectRef>
+            <a:fontRef idx="minor">
+              <a:schemeClr val="lt1"/>
+            </a:fontRef>
+          </p:style>
+          <p:txBody>
+            <a:bodyPr rtlCol="0" anchor="ctr"/>
+            <a:lstStyle/>
+            <a:p>
+              <a:pPr algn="ctr"/>
+              <a:endParaRPr lang="ko-KR" altLang="en-US"/>
+            </a:p>
+          </p:txBody>
+        </p:sp>
+        <p:sp>
+          <p:nvSpPr>
+            <p:cNvPr id="18" name="타원 17">
+              <a:extLst>
+                <a:ext uri="{FF2B5EF4-FFF2-40B4-BE49-F238E27FC236}">
+                  <a16:creationId xmlns:a16="http://schemas.microsoft.com/office/drawing/2014/main" id="{66BD8ED6-60ED-47C8-A856-01C0C714005B}"/>
+                </a:ext>
+              </a:extLst>
+            </p:cNvPr>
+            <p:cNvSpPr/>
+            <p:nvPr/>
+          </p:nvSpPr>
+          <p:spPr>
+            <a:xfrm rot="1488213">
+              <a:off x="5963003" y="5600781"/>
+              <a:ext cx="276836" cy="551153"/>
+            </a:xfrm>
+            <a:prstGeom prst="ellipse">
+              <a:avLst/>
+            </a:prstGeom>
+            <a:solidFill>
+              <a:srgbClr val="00B0F0"/>
+            </a:solidFill>
+            <a:ln>
+              <a:noFill/>
+            </a:ln>
+          </p:spPr>
+          <p:style>
+            <a:lnRef idx="2">
+              <a:schemeClr val="accent1">
+                <a:shade val="50000"/>
+              </a:schemeClr>
+            </a:lnRef>
+            <a:fillRef idx="1">
+              <a:schemeClr val="accent1"/>
+            </a:fillRef>
+            <a:effectRef idx="0">
+              <a:schemeClr val="accent1"/>
+            </a:effectRef>
+            <a:fontRef idx="minor">
+              <a:schemeClr val="lt1"/>
+            </a:fontRef>
+          </p:style>
+          <p:txBody>
+            <a:bodyPr rtlCol="0" anchor="ctr"/>
+            <a:lstStyle/>
+            <a:p>
+              <a:pPr algn="ctr"/>
+              <a:endParaRPr lang="ko-KR" altLang="en-US"/>
+            </a:p>
+          </p:txBody>
+        </p:sp>
+        <p:sp>
+          <p:nvSpPr>
+            <p:cNvPr id="19" name="타원 18">
+              <a:extLst>
+                <a:ext uri="{FF2B5EF4-FFF2-40B4-BE49-F238E27FC236}">
+                  <a16:creationId xmlns:a16="http://schemas.microsoft.com/office/drawing/2014/main" id="{862AE9D1-0FDD-4EC1-8617-A64D6E43E910}"/>
+                </a:ext>
+              </a:extLst>
+            </p:cNvPr>
+            <p:cNvSpPr/>
+            <p:nvPr/>
+          </p:nvSpPr>
+          <p:spPr>
+            <a:xfrm rot="1488213">
+              <a:off x="7504141" y="5339406"/>
+              <a:ext cx="276836" cy="551153"/>
+            </a:xfrm>
+            <a:prstGeom prst="ellipse">
+              <a:avLst/>
+            </a:prstGeom>
+            <a:solidFill>
+              <a:srgbClr val="00B0F0"/>
+            </a:solidFill>
+            <a:ln>
+              <a:noFill/>
+            </a:ln>
+          </p:spPr>
+          <p:style>
+            <a:lnRef idx="2">
+              <a:schemeClr val="accent1">
+                <a:shade val="50000"/>
+              </a:schemeClr>
+            </a:lnRef>
+            <a:fillRef idx="1">
+              <a:schemeClr val="accent1"/>
+            </a:fillRef>
+            <a:effectRef idx="0">
+              <a:schemeClr val="accent1"/>
+            </a:effectRef>
+            <a:fontRef idx="minor">
+              <a:schemeClr val="lt1"/>
+            </a:fontRef>
+          </p:style>
+          <p:txBody>
+            <a:bodyPr rtlCol="0" anchor="ctr"/>
+            <a:lstStyle/>
+            <a:p>
+              <a:pPr algn="ctr"/>
+              <a:endParaRPr lang="ko-KR" altLang="en-US"/>
+            </a:p>
+          </p:txBody>
+        </p:sp>
+        <p:sp>
+          <p:nvSpPr>
+            <p:cNvPr id="20" name="타원 19">
+              <a:extLst>
+                <a:ext uri="{FF2B5EF4-FFF2-40B4-BE49-F238E27FC236}">
+                  <a16:creationId xmlns:a16="http://schemas.microsoft.com/office/drawing/2014/main" id="{78C5C58A-C6EA-41BD-9DDF-3D6DBC332E23}"/>
+                </a:ext>
+              </a:extLst>
+            </p:cNvPr>
+            <p:cNvSpPr/>
+            <p:nvPr/>
+          </p:nvSpPr>
+          <p:spPr>
+            <a:xfrm rot="1488213">
+              <a:off x="7283033" y="4610143"/>
+              <a:ext cx="276836" cy="551153"/>
+            </a:xfrm>
+            <a:prstGeom prst="ellipse">
+              <a:avLst/>
+            </a:prstGeom>
+            <a:solidFill>
+              <a:srgbClr val="00B0F0"/>
+            </a:solidFill>
+            <a:ln>
+              <a:noFill/>
+            </a:ln>
+          </p:spPr>
+          <p:style>
+            <a:lnRef idx="2">
+              <a:schemeClr val="accent1">
+                <a:shade val="50000"/>
+              </a:schemeClr>
+            </a:lnRef>
+            <a:fillRef idx="1">
+              <a:schemeClr val="accent1"/>
+            </a:fillRef>
+            <a:effectRef idx="0">
+              <a:schemeClr val="accent1"/>
+            </a:effectRef>
+            <a:fontRef idx="minor">
+              <a:schemeClr val="lt1"/>
+            </a:fontRef>
+          </p:style>
+          <p:txBody>
+            <a:bodyPr rtlCol="0" anchor="ctr"/>
+            <a:lstStyle/>
+            <a:p>
+              <a:pPr algn="ctr"/>
+              <a:endParaRPr lang="ko-KR" altLang="en-US"/>
+            </a:p>
+          </p:txBody>
+        </p:sp>
+        <p:sp>
+          <p:nvSpPr>
+            <p:cNvPr id="21" name="타원 20">
+              <a:extLst>
+                <a:ext uri="{FF2B5EF4-FFF2-40B4-BE49-F238E27FC236}">
+                  <a16:creationId xmlns:a16="http://schemas.microsoft.com/office/drawing/2014/main" id="{2DA2861A-F1BA-41A5-8639-3F224E163234}"/>
+                </a:ext>
+              </a:extLst>
+            </p:cNvPr>
+            <p:cNvSpPr/>
+            <p:nvPr/>
+          </p:nvSpPr>
+          <p:spPr>
+            <a:xfrm rot="1488213">
+              <a:off x="6800521" y="5263013"/>
+              <a:ext cx="276836" cy="551153"/>
+            </a:xfrm>
+            <a:prstGeom prst="ellipse">
+              <a:avLst/>
+            </a:prstGeom>
+            <a:solidFill>
+              <a:srgbClr val="00B0F0"/>
+            </a:solidFill>
+            <a:ln>
+              <a:noFill/>
+            </a:ln>
+          </p:spPr>
+          <p:style>
+            <a:lnRef idx="2">
+              <a:schemeClr val="accent1">
+                <a:shade val="50000"/>
+              </a:schemeClr>
+            </a:lnRef>
+            <a:fillRef idx="1">
+              <a:schemeClr val="accent1"/>
+            </a:fillRef>
+            <a:effectRef idx="0">
+              <a:schemeClr val="accent1"/>
+            </a:effectRef>
+            <a:fontRef idx="minor">
+              <a:schemeClr val="lt1"/>
+            </a:fontRef>
+          </p:style>
+          <p:txBody>
+            <a:bodyPr rtlCol="0" anchor="ctr"/>
+            <a:lstStyle/>
+            <a:p>
+              <a:pPr algn="ctr"/>
+              <a:endParaRPr lang="ko-KR" altLang="en-US"/>
+            </a:p>
+          </p:txBody>
+        </p:sp>
+        <p:sp>
+          <p:nvSpPr>
+            <p:cNvPr id="22" name="타원 21">
+              <a:extLst>
+                <a:ext uri="{FF2B5EF4-FFF2-40B4-BE49-F238E27FC236}">
+                  <a16:creationId xmlns:a16="http://schemas.microsoft.com/office/drawing/2014/main" id="{1BDB3232-D550-4632-9E20-122DF104291B}"/>
+                </a:ext>
+              </a:extLst>
+            </p:cNvPr>
+            <p:cNvSpPr/>
+            <p:nvPr/>
+          </p:nvSpPr>
+          <p:spPr>
+            <a:xfrm rot="1488213">
+              <a:off x="6504317" y="4678512"/>
+              <a:ext cx="276836" cy="551153"/>
+            </a:xfrm>
+            <a:prstGeom prst="ellipse">
+              <a:avLst/>
+            </a:prstGeom>
+            <a:solidFill>
+              <a:srgbClr val="00B0F0"/>
+            </a:solidFill>
+            <a:ln>
+              <a:noFill/>
+            </a:ln>
+          </p:spPr>
+          <p:style>
+            <a:lnRef idx="2">
+              <a:schemeClr val="accent1">
+                <a:shade val="50000"/>
+              </a:schemeClr>
+            </a:lnRef>
+            <a:fillRef idx="1">
+              <a:schemeClr val="accent1"/>
+            </a:fillRef>
+            <a:effectRef idx="0">
+              <a:schemeClr val="accent1"/>
+            </a:effectRef>
+            <a:fontRef idx="minor">
+              <a:schemeClr val="lt1"/>
+            </a:fontRef>
+          </p:style>
+          <p:txBody>
+            <a:bodyPr rtlCol="0" anchor="ctr"/>
+            <a:lstStyle/>
+            <a:p>
+              <a:pPr algn="ctr"/>
+              <a:endParaRPr lang="ko-KR" altLang="en-US"/>
+            </a:p>
+          </p:txBody>
+        </p:sp>
+        <p:sp>
+          <p:nvSpPr>
+            <p:cNvPr id="23" name="타원 22">
+              <a:extLst>
+                <a:ext uri="{FF2B5EF4-FFF2-40B4-BE49-F238E27FC236}">
+                  <a16:creationId xmlns:a16="http://schemas.microsoft.com/office/drawing/2014/main" id="{DC6F274D-0D84-48ED-B0BB-6C0102AE9014}"/>
+                </a:ext>
+              </a:extLst>
+            </p:cNvPr>
+            <p:cNvSpPr/>
+            <p:nvPr/>
+          </p:nvSpPr>
+          <p:spPr>
+            <a:xfrm rot="1488213">
+              <a:off x="5089590" y="5385257"/>
+              <a:ext cx="276836" cy="551153"/>
+            </a:xfrm>
+            <a:prstGeom prst="ellipse">
+              <a:avLst/>
+            </a:prstGeom>
+            <a:solidFill>
+              <a:srgbClr val="00B0F0"/>
+            </a:solidFill>
+            <a:ln>
+              <a:noFill/>
+            </a:ln>
+          </p:spPr>
+          <p:style>
+            <a:lnRef idx="2">
+              <a:schemeClr val="accent1">
+                <a:shade val="50000"/>
+              </a:schemeClr>
+            </a:lnRef>
+            <a:fillRef idx="1">
+              <a:schemeClr val="accent1"/>
+            </a:fillRef>
+            <a:effectRef idx="0">
+              <a:schemeClr val="accent1"/>
+            </a:effectRef>
+            <a:fontRef idx="minor">
+              <a:schemeClr val="lt1"/>
+            </a:fontRef>
+          </p:style>
+          <p:txBody>
+            <a:bodyPr rtlCol="0" anchor="ctr"/>
+            <a:lstStyle/>
+            <a:p>
+              <a:pPr algn="ctr"/>
+              <a:endParaRPr lang="ko-KR" altLang="en-US"/>
+            </a:p>
+          </p:txBody>
+        </p:sp>
+        <p:sp>
+          <p:nvSpPr>
+            <p:cNvPr id="24" name="타원 23">
+              <a:extLst>
+                <a:ext uri="{FF2B5EF4-FFF2-40B4-BE49-F238E27FC236}">
+                  <a16:creationId xmlns:a16="http://schemas.microsoft.com/office/drawing/2014/main" id="{59641FE0-FD6E-42C3-86CE-279FBE7745F3}"/>
+                </a:ext>
+              </a:extLst>
+            </p:cNvPr>
+            <p:cNvSpPr/>
+            <p:nvPr/>
+          </p:nvSpPr>
+          <p:spPr>
+            <a:xfrm rot="1488213">
+              <a:off x="5695079" y="4676110"/>
+              <a:ext cx="276836" cy="551153"/>
+            </a:xfrm>
+            <a:prstGeom prst="ellipse">
+              <a:avLst/>
+            </a:prstGeom>
+            <a:solidFill>
+              <a:srgbClr val="00B0F0"/>
+            </a:solidFill>
+            <a:ln>
+              <a:noFill/>
+            </a:ln>
+          </p:spPr>
+          <p:style>
+            <a:lnRef idx="2">
+              <a:schemeClr val="accent1">
+                <a:shade val="50000"/>
+              </a:schemeClr>
+            </a:lnRef>
+            <a:fillRef idx="1">
+              <a:schemeClr val="accent1"/>
+            </a:fillRef>
+            <a:effectRef idx="0">
+              <a:schemeClr val="accent1"/>
+            </a:effectRef>
+            <a:fontRef idx="minor">
+              <a:schemeClr val="lt1"/>
+            </a:fontRef>
+          </p:style>
+          <p:txBody>
+            <a:bodyPr rtlCol="0" anchor="ctr"/>
+            <a:lstStyle/>
+            <a:p>
+              <a:pPr algn="ctr"/>
+              <a:endParaRPr lang="ko-KR" altLang="en-US"/>
+            </a:p>
+          </p:txBody>
+        </p:sp>
+        <p:sp>
+          <p:nvSpPr>
+            <p:cNvPr id="25" name="타원 24">
+              <a:extLst>
+                <a:ext uri="{FF2B5EF4-FFF2-40B4-BE49-F238E27FC236}">
+                  <a16:creationId xmlns:a16="http://schemas.microsoft.com/office/drawing/2014/main" id="{3849A3D0-7114-4A37-845B-4CC878075F92}"/>
+                </a:ext>
+              </a:extLst>
+            </p:cNvPr>
+            <p:cNvSpPr/>
+            <p:nvPr/>
+          </p:nvSpPr>
+          <p:spPr>
+            <a:xfrm rot="1488213">
+              <a:off x="3814253" y="5977515"/>
+              <a:ext cx="276836" cy="551153"/>
+            </a:xfrm>
+            <a:prstGeom prst="ellipse">
+              <a:avLst/>
+            </a:prstGeom>
+            <a:solidFill>
+              <a:srgbClr val="00B0F0"/>
+            </a:solidFill>
+            <a:ln>
+              <a:noFill/>
+            </a:ln>
+          </p:spPr>
+          <p:style>
+            <a:lnRef idx="2">
+              <a:schemeClr val="accent1">
+                <a:shade val="50000"/>
+              </a:schemeClr>
+            </a:lnRef>
+            <a:fillRef idx="1">
+              <a:schemeClr val="accent1"/>
+            </a:fillRef>
+            <a:effectRef idx="0">
+              <a:schemeClr val="accent1"/>
+            </a:effectRef>
+            <a:fontRef idx="minor">
+              <a:schemeClr val="lt1"/>
+            </a:fontRef>
+          </p:style>
+          <p:txBody>
+            <a:bodyPr rtlCol="0" anchor="ctr"/>
+            <a:lstStyle/>
+            <a:p>
+              <a:pPr algn="ctr"/>
+              <a:endParaRPr lang="ko-KR" altLang="en-US"/>
+            </a:p>
+          </p:txBody>
+        </p:sp>
+        <p:sp>
+          <p:nvSpPr>
+            <p:cNvPr id="26" name="타원 25">
+              <a:extLst>
+                <a:ext uri="{FF2B5EF4-FFF2-40B4-BE49-F238E27FC236}">
+                  <a16:creationId xmlns:a16="http://schemas.microsoft.com/office/drawing/2014/main" id="{94BCA655-4181-4DE9-88A4-C82D9938AA68}"/>
+                </a:ext>
+              </a:extLst>
+            </p:cNvPr>
+            <p:cNvSpPr/>
+            <p:nvPr/>
+          </p:nvSpPr>
+          <p:spPr>
+            <a:xfrm rot="1488213">
+              <a:off x="6836416" y="6074551"/>
+              <a:ext cx="276836" cy="551153"/>
+            </a:xfrm>
+            <a:prstGeom prst="ellipse">
+              <a:avLst/>
+            </a:prstGeom>
+            <a:solidFill>
+              <a:srgbClr val="00B0F0"/>
+            </a:solidFill>
+            <a:ln>
+              <a:noFill/>
+            </a:ln>
+          </p:spPr>
+          <p:style>
+            <a:lnRef idx="2">
+              <a:schemeClr val="accent1">
+                <a:shade val="50000"/>
+              </a:schemeClr>
+            </a:lnRef>
+            <a:fillRef idx="1">
+              <a:schemeClr val="accent1"/>
+            </a:fillRef>
+            <a:effectRef idx="0">
+              <a:schemeClr val="accent1"/>
+            </a:effectRef>
+            <a:fontRef idx="minor">
+              <a:schemeClr val="lt1"/>
+            </a:fontRef>
+          </p:style>
+          <p:txBody>
+            <a:bodyPr rtlCol="0" anchor="ctr"/>
+            <a:lstStyle/>
+            <a:p>
+              <a:pPr algn="ctr"/>
+              <a:endParaRPr lang="ko-KR" altLang="en-US"/>
+            </a:p>
+          </p:txBody>
+        </p:sp>
+        <p:sp>
+          <p:nvSpPr>
+            <p:cNvPr id="27" name="타원 26">
+              <a:extLst>
+                <a:ext uri="{FF2B5EF4-FFF2-40B4-BE49-F238E27FC236}">
+                  <a16:creationId xmlns:a16="http://schemas.microsoft.com/office/drawing/2014/main" id="{346E59A6-7CA3-4DC0-83EB-4CA979C6E74A}"/>
+                </a:ext>
+              </a:extLst>
+            </p:cNvPr>
+            <p:cNvSpPr/>
+            <p:nvPr/>
+          </p:nvSpPr>
+          <p:spPr>
+            <a:xfrm rot="1488213">
+              <a:off x="5366741" y="6001702"/>
+              <a:ext cx="276836" cy="551153"/>
+            </a:xfrm>
+            <a:prstGeom prst="ellipse">
+              <a:avLst/>
+            </a:prstGeom>
+            <a:solidFill>
+              <a:srgbClr val="00B0F0"/>
+            </a:solidFill>
+            <a:ln>
+              <a:noFill/>
+            </a:ln>
+          </p:spPr>
+          <p:style>
+            <a:lnRef idx="2">
+              <a:schemeClr val="accent1">
+                <a:shade val="50000"/>
+              </a:schemeClr>
+            </a:lnRef>
+            <a:fillRef idx="1">
+              <a:schemeClr val="accent1"/>
+            </a:fillRef>
+            <a:effectRef idx="0">
+              <a:schemeClr val="accent1"/>
+            </a:effectRef>
+            <a:fontRef idx="minor">
+              <a:schemeClr val="lt1"/>
+            </a:fontRef>
+          </p:style>
+          <p:txBody>
+            <a:bodyPr rtlCol="0" anchor="ctr"/>
+            <a:lstStyle/>
+            <a:p>
+              <a:pPr algn="ctr"/>
+              <a:endParaRPr lang="ko-KR" altLang="en-US"/>
+            </a:p>
+          </p:txBody>
+        </p:sp>
+        <p:sp>
+          <p:nvSpPr>
+            <p:cNvPr id="28" name="타원 27">
+              <a:extLst>
+                <a:ext uri="{FF2B5EF4-FFF2-40B4-BE49-F238E27FC236}">
+                  <a16:creationId xmlns:a16="http://schemas.microsoft.com/office/drawing/2014/main" id="{6FD021F3-541C-4BED-92AC-78D8DADF05FE}"/>
+                </a:ext>
+              </a:extLst>
+            </p:cNvPr>
+            <p:cNvSpPr/>
+            <p:nvPr/>
+          </p:nvSpPr>
+          <p:spPr>
+            <a:xfrm rot="1488213">
+              <a:off x="4603173" y="5993700"/>
+              <a:ext cx="276836" cy="551153"/>
+            </a:xfrm>
+            <a:prstGeom prst="ellipse">
+              <a:avLst/>
+            </a:prstGeom>
+            <a:solidFill>
+              <a:srgbClr val="00B0F0"/>
+            </a:solidFill>
+            <a:ln>
+              <a:noFill/>
+            </a:ln>
+          </p:spPr>
+          <p:style>
+            <a:lnRef idx="2">
+              <a:schemeClr val="accent1">
+                <a:shade val="50000"/>
+              </a:schemeClr>
+            </a:lnRef>
+            <a:fillRef idx="1">
+              <a:schemeClr val="accent1"/>
+            </a:fillRef>
+            <a:effectRef idx="0">
+              <a:schemeClr val="accent1"/>
+            </a:effectRef>
+            <a:fontRef idx="minor">
+              <a:schemeClr val="lt1"/>
+            </a:fontRef>
+          </p:style>
+          <p:txBody>
+            <a:bodyPr rtlCol="0" anchor="ctr"/>
+            <a:lstStyle/>
+            <a:p>
+              <a:pPr algn="ctr"/>
+              <a:endParaRPr lang="ko-KR" altLang="en-US"/>
+            </a:p>
+          </p:txBody>
+        </p:sp>
+        <p:sp>
+          <p:nvSpPr>
+            <p:cNvPr id="29" name="타원 28">
+              <a:extLst>
+                <a:ext uri="{FF2B5EF4-FFF2-40B4-BE49-F238E27FC236}">
+                  <a16:creationId xmlns:a16="http://schemas.microsoft.com/office/drawing/2014/main" id="{12D45153-3EB5-4A6B-A7BD-4EAE0924F99E}"/>
+                </a:ext>
+              </a:extLst>
+            </p:cNvPr>
+            <p:cNvSpPr/>
+            <p:nvPr/>
+          </p:nvSpPr>
+          <p:spPr>
+            <a:xfrm rot="1488213">
+              <a:off x="6284240" y="6022049"/>
+              <a:ext cx="276836" cy="551153"/>
+            </a:xfrm>
+            <a:prstGeom prst="ellipse">
+              <a:avLst/>
+            </a:prstGeom>
+            <a:solidFill>
+              <a:srgbClr val="00B0F0"/>
+            </a:solidFill>
+            <a:ln>
+              <a:noFill/>
+            </a:ln>
+          </p:spPr>
+          <p:style>
+            <a:lnRef idx="2">
+              <a:schemeClr val="accent1">
+                <a:shade val="50000"/>
+              </a:schemeClr>
+            </a:lnRef>
+            <a:fillRef idx="1">
+              <a:schemeClr val="accent1"/>
+            </a:fillRef>
+            <a:effectRef idx="0">
+              <a:schemeClr val="accent1"/>
+            </a:effectRef>
+            <a:fontRef idx="minor">
+              <a:schemeClr val="lt1"/>
+            </a:fontRef>
+          </p:style>
+          <p:txBody>
+            <a:bodyPr rtlCol="0" anchor="ctr"/>
+            <a:lstStyle/>
+            <a:p>
+              <a:pPr algn="ctr"/>
+              <a:endParaRPr lang="ko-KR" altLang="en-US"/>
+            </a:p>
+          </p:txBody>
+        </p:sp>
+      </p:grpSp>
+    </p:spTree>
+    <p:extLst>
+      <p:ext uri="{BB962C8B-B14F-4D97-AF65-F5344CB8AC3E}">
+        <p14:creationId xmlns:p14="http://schemas.microsoft.com/office/powerpoint/2010/main" val="3357130254"/>
+      </p:ext>
+    </p:extLst>
+  </p:cSld>
+  <p:clrMapOvr>
+    <a:masterClrMapping/>
+  </p:clrMapOvr>
+</p:sld>
+</file>
+
+<file path=ppt/slides/slide6.xml><?xml version="1.0" encoding="utf-8"?>
+<p:sld xmlns:a="http://schemas.openxmlformats.org/drawingml/2006/main" xmlns:r="http://schemas.openxmlformats.org/officeDocument/2006/relationships" xmlns:p="http://schemas.openxmlformats.org/presentationml/2006/main">
+  <p:cSld>
+    <p:spTree>
+      <p:nvGrpSpPr>
+        <p:cNvPr id="1" name=""/>
+        <p:cNvGrpSpPr/>
+        <p:nvPr/>
+      </p:nvGrpSpPr>
+      <p:grpSpPr>
+        <a:xfrm>
+          <a:off x="0" y="0"/>
+          <a:ext cx="0" cy="0"/>
+          <a:chOff x="0" y="0"/>
+          <a:chExt cx="0" cy="0"/>
+        </a:xfrm>
+      </p:grpSpPr>
+      <p:sp>
+        <p:nvSpPr>
+          <p:cNvPr id="43" name="타원 42">
+            <a:extLst>
+              <a:ext uri="{FF2B5EF4-FFF2-40B4-BE49-F238E27FC236}">
+                <a16:creationId xmlns:a16="http://schemas.microsoft.com/office/drawing/2014/main" id="{DE07F7C3-BC01-4177-B1DA-A6EDD27292D5}"/>
+              </a:ext>
+            </a:extLst>
+          </p:cNvPr>
+          <p:cNvSpPr/>
+          <p:nvPr/>
+        </p:nvSpPr>
+        <p:spPr>
+          <a:xfrm>
+            <a:off x="5592241" y="222971"/>
+            <a:ext cx="3917177" cy="3917177"/>
+          </a:xfrm>
+          <a:prstGeom prst="ellipse">
+            <a:avLst/>
+          </a:prstGeom>
+          <a:solidFill>
+            <a:schemeClr val="tx1">
+              <a:lumMod val="75000"/>
+              <a:lumOff val="25000"/>
+            </a:schemeClr>
+          </a:solidFill>
+          <a:ln w="238125">
+            <a:noFill/>
+          </a:ln>
+        </p:spPr>
+        <p:style>
+          <a:lnRef idx="2">
+            <a:schemeClr val="accent1">
+              <a:shade val="50000"/>
+            </a:schemeClr>
+          </a:lnRef>
+          <a:fillRef idx="1">
+            <a:schemeClr val="accent1"/>
+          </a:fillRef>
+          <a:effectRef idx="0">
+            <a:schemeClr val="accent1"/>
+          </a:effectRef>
+          <a:fontRef idx="minor">
+            <a:schemeClr val="lt1"/>
+          </a:fontRef>
+        </p:style>
+        <p:txBody>
+          <a:bodyPr rtlCol="0" anchor="ctr"/>
+          <a:lstStyle/>
+          <a:p>
+            <a:pPr algn="ctr"/>
+            <a:endParaRPr lang="ko-KR" altLang="en-US" dirty="0"/>
+          </a:p>
+        </p:txBody>
+      </p:sp>
+      <p:sp>
+        <p:nvSpPr>
+          <p:cNvPr id="42" name="자유형: 도형 41">
+            <a:extLst>
+              <a:ext uri="{FF2B5EF4-FFF2-40B4-BE49-F238E27FC236}">
+                <a16:creationId xmlns:a16="http://schemas.microsoft.com/office/drawing/2014/main" id="{CB4E9CA6-35BC-4E7E-9052-B27BECB9FAC0}"/>
+              </a:ext>
+            </a:extLst>
+          </p:cNvPr>
+          <p:cNvSpPr/>
+          <p:nvPr/>
+        </p:nvSpPr>
+        <p:spPr>
+          <a:xfrm>
+            <a:off x="2415199" y="681038"/>
+            <a:ext cx="6766886" cy="4046013"/>
+          </a:xfrm>
+          <a:custGeom>
+            <a:avLst/>
+            <a:gdLst>
+              <a:gd name="connsiteX0" fmla="*/ 3572486 w 9286613"/>
+              <a:gd name="connsiteY0" fmla="*/ 0 h 5552592"/>
+              <a:gd name="connsiteX1" fmla="*/ 5265442 w 9286613"/>
+              <a:gd name="connsiteY1" fmla="*/ 1527749 h 5552592"/>
+              <a:gd name="connsiteX2" fmla="*/ 5269692 w 9286613"/>
+              <a:gd name="connsiteY2" fmla="*/ 1611906 h 5552592"/>
+              <a:gd name="connsiteX3" fmla="*/ 5320143 w 9286613"/>
+              <a:gd name="connsiteY3" fmla="*/ 1565496 h 5552592"/>
+              <a:gd name="connsiteX4" fmla="*/ 6209951 w 9286613"/>
+              <a:gd name="connsiteY4" fmla="*/ 1242182 h 5552592"/>
+              <a:gd name="connsiteX5" fmla="*/ 7601594 w 9286613"/>
+              <a:gd name="connsiteY5" fmla="*/ 2513279 h 5552592"/>
+              <a:gd name="connsiteX6" fmla="*/ 7605758 w 9286613"/>
+              <a:gd name="connsiteY6" fmla="*/ 2596744 h 5552592"/>
+              <a:gd name="connsiteX7" fmla="*/ 7701092 w 9286613"/>
+              <a:gd name="connsiteY7" fmla="*/ 2596744 h 5552592"/>
+              <a:gd name="connsiteX8" fmla="*/ 7701092 w 9286613"/>
+              <a:gd name="connsiteY8" fmla="*/ 2601682 h 5552592"/>
+              <a:gd name="connsiteX9" fmla="*/ 7799490 w 9286613"/>
+              <a:gd name="connsiteY9" fmla="*/ 2596744 h 5552592"/>
+              <a:gd name="connsiteX10" fmla="*/ 9286613 w 9286613"/>
+              <a:gd name="connsiteY10" fmla="*/ 4074668 h 5552592"/>
+              <a:gd name="connsiteX11" fmla="*/ 7799490 w 9286613"/>
+              <a:gd name="connsiteY11" fmla="*/ 5552592 h 5552592"/>
+              <a:gd name="connsiteX12" fmla="*/ 7701092 w 9286613"/>
+              <a:gd name="connsiteY12" fmla="*/ 5547654 h 5552592"/>
+              <a:gd name="connsiteX13" fmla="*/ 7701092 w 9286613"/>
+              <a:gd name="connsiteY13" fmla="*/ 5551066 h 5552592"/>
+              <a:gd name="connsiteX14" fmla="*/ 1761690 w 9286613"/>
+              <a:gd name="connsiteY14" fmla="*/ 5551066 h 5552592"/>
+              <a:gd name="connsiteX15" fmla="*/ 1761690 w 9286613"/>
+              <a:gd name="connsiteY15" fmla="*/ 5545559 h 5552592"/>
+              <a:gd name="connsiteX16" fmla="*/ 1652631 w 9286613"/>
+              <a:gd name="connsiteY16" fmla="*/ 5551066 h 5552592"/>
+              <a:gd name="connsiteX17" fmla="*/ 0 w 9286613"/>
+              <a:gd name="connsiteY17" fmla="*/ 3898435 h 5552592"/>
+              <a:gd name="connsiteX18" fmla="*/ 1652631 w 9286613"/>
+              <a:gd name="connsiteY18" fmla="*/ 2245804 h 5552592"/>
+              <a:gd name="connsiteX19" fmla="*/ 1904311 w 9286613"/>
+              <a:gd name="connsiteY19" fmla="*/ 2264846 h 5552592"/>
+              <a:gd name="connsiteX20" fmla="*/ 1972946 w 9286613"/>
+              <a:gd name="connsiteY20" fmla="*/ 2277990 h 5552592"/>
+              <a:gd name="connsiteX21" fmla="*/ 1947251 w 9286613"/>
+              <a:gd name="connsiteY21" fmla="*/ 2207788 h 5552592"/>
+              <a:gd name="connsiteX22" fmla="*/ 1870744 w 9286613"/>
+              <a:gd name="connsiteY22" fmla="*/ 1701742 h 5552592"/>
+              <a:gd name="connsiteX23" fmla="*/ 3572486 w 9286613"/>
+              <a:gd name="connsiteY23" fmla="*/ 0 h 5552592"/>
+            </a:gdLst>
+            <a:ahLst/>
+            <a:cxnLst>
+              <a:cxn ang="0">
+                <a:pos x="connsiteX0" y="connsiteY0"/>
+              </a:cxn>
+              <a:cxn ang="0">
+                <a:pos x="connsiteX1" y="connsiteY1"/>
+              </a:cxn>
+              <a:cxn ang="0">
+                <a:pos x="connsiteX2" y="connsiteY2"/>
+              </a:cxn>
+              <a:cxn ang="0">
+                <a:pos x="connsiteX3" y="connsiteY3"/>
+              </a:cxn>
+              <a:cxn ang="0">
+                <a:pos x="connsiteX4" y="connsiteY4"/>
+              </a:cxn>
+              <a:cxn ang="0">
+                <a:pos x="connsiteX5" y="connsiteY5"/>
+              </a:cxn>
+              <a:cxn ang="0">
+                <a:pos x="connsiteX6" y="connsiteY6"/>
+              </a:cxn>
+              <a:cxn ang="0">
+                <a:pos x="connsiteX7" y="connsiteY7"/>
+              </a:cxn>
+              <a:cxn ang="0">
+                <a:pos x="connsiteX8" y="connsiteY8"/>
+              </a:cxn>
+              <a:cxn ang="0">
+                <a:pos x="connsiteX9" y="connsiteY9"/>
+              </a:cxn>
+              <a:cxn ang="0">
+                <a:pos x="connsiteX10" y="connsiteY10"/>
+              </a:cxn>
+              <a:cxn ang="0">
+                <a:pos x="connsiteX11" y="connsiteY11"/>
+              </a:cxn>
+              <a:cxn ang="0">
+                <a:pos x="connsiteX12" y="connsiteY12"/>
+              </a:cxn>
+              <a:cxn ang="0">
+                <a:pos x="connsiteX13" y="connsiteY13"/>
+              </a:cxn>
+              <a:cxn ang="0">
+                <a:pos x="connsiteX14" y="connsiteY14"/>
+              </a:cxn>
+              <a:cxn ang="0">
+                <a:pos x="connsiteX15" y="connsiteY15"/>
+              </a:cxn>
+              <a:cxn ang="0">
+                <a:pos x="connsiteX16" y="connsiteY16"/>
+              </a:cxn>
+              <a:cxn ang="0">
+                <a:pos x="connsiteX17" y="connsiteY17"/>
+              </a:cxn>
+              <a:cxn ang="0">
+                <a:pos x="connsiteX18" y="connsiteY18"/>
+              </a:cxn>
+              <a:cxn ang="0">
+                <a:pos x="connsiteX19" y="connsiteY19"/>
+              </a:cxn>
+              <a:cxn ang="0">
+                <a:pos x="connsiteX20" y="connsiteY20"/>
+              </a:cxn>
+              <a:cxn ang="0">
+                <a:pos x="connsiteX21" y="connsiteY21"/>
+              </a:cxn>
+              <a:cxn ang="0">
+                <a:pos x="connsiteX22" y="connsiteY22"/>
+              </a:cxn>
+              <a:cxn ang="0">
+                <a:pos x="connsiteX23" y="connsiteY23"/>
+              </a:cxn>
+            </a:cxnLst>
+            <a:rect l="l" t="t" r="r" b="b"/>
+            <a:pathLst>
+              <a:path w="9286613" h="5552592">
+                <a:moveTo>
+                  <a:pt x="3572486" y="0"/>
+                </a:moveTo>
+                <a:cubicBezTo>
+                  <a:pt x="4453592" y="0"/>
+                  <a:pt x="5178296" y="669635"/>
+                  <a:pt x="5265442" y="1527749"/>
+                </a:cubicBezTo>
+                <a:lnTo>
+                  <a:pt x="5269692" y="1611906"/>
+                </a:lnTo>
+                <a:lnTo>
+                  <a:pt x="5320143" y="1565496"/>
+                </a:lnTo>
+                <a:cubicBezTo>
+                  <a:pt x="5561949" y="1363515"/>
+                  <a:pt x="5871951" y="1242182"/>
+                  <a:pt x="6209951" y="1242182"/>
+                </a:cubicBezTo>
+                <a:cubicBezTo>
+                  <a:pt x="6934237" y="1242182"/>
+                  <a:pt x="7529958" y="1799323"/>
+                  <a:pt x="7601594" y="2513279"/>
+                </a:cubicBezTo>
+                <a:lnTo>
+                  <a:pt x="7605758" y="2596744"/>
+                </a:lnTo>
+                <a:lnTo>
+                  <a:pt x="7701092" y="2596744"/>
+                </a:lnTo>
+                <a:lnTo>
+                  <a:pt x="7701092" y="2601682"/>
+                </a:lnTo>
+                <a:lnTo>
+                  <a:pt x="7799490" y="2596744"/>
+                </a:lnTo>
+                <a:cubicBezTo>
+                  <a:pt x="8620805" y="2596744"/>
+                  <a:pt x="9286613" y="3258433"/>
+                  <a:pt x="9286613" y="4074668"/>
+                </a:cubicBezTo>
+                <a:cubicBezTo>
+                  <a:pt x="9286613" y="4890903"/>
+                  <a:pt x="8620805" y="5552592"/>
+                  <a:pt x="7799490" y="5552592"/>
+                </a:cubicBezTo>
+                <a:lnTo>
+                  <a:pt x="7701092" y="5547654"/>
+                </a:lnTo>
+                <a:lnTo>
+                  <a:pt x="7701092" y="5551066"/>
+                </a:lnTo>
+                <a:lnTo>
+                  <a:pt x="1761690" y="5551066"/>
+                </a:lnTo>
+                <a:lnTo>
+                  <a:pt x="1761690" y="5545559"/>
+                </a:lnTo>
+                <a:lnTo>
+                  <a:pt x="1652631" y="5551066"/>
+                </a:lnTo>
+                <a:cubicBezTo>
+                  <a:pt x="739908" y="5551066"/>
+                  <a:pt x="0" y="4811158"/>
+                  <a:pt x="0" y="3898435"/>
+                </a:cubicBezTo>
+                <a:cubicBezTo>
+                  <a:pt x="0" y="2985712"/>
+                  <a:pt x="739908" y="2245804"/>
+                  <a:pt x="1652631" y="2245804"/>
+                </a:cubicBezTo>
+                <a:cubicBezTo>
+                  <a:pt x="1738199" y="2245804"/>
+                  <a:pt x="1822248" y="2252307"/>
+                  <a:pt x="1904311" y="2264846"/>
+                </a:cubicBezTo>
+                <a:lnTo>
+                  <a:pt x="1972946" y="2277990"/>
+                </a:lnTo>
+                <a:lnTo>
+                  <a:pt x="1947251" y="2207788"/>
+                </a:lnTo>
+                <a:cubicBezTo>
+                  <a:pt x="1897530" y="2047928"/>
+                  <a:pt x="1870744" y="1877963"/>
+                  <a:pt x="1870744" y="1701742"/>
+                </a:cubicBezTo>
+                <a:cubicBezTo>
+                  <a:pt x="1870744" y="761896"/>
+                  <a:pt x="2632640" y="0"/>
+                  <a:pt x="3572486" y="0"/>
+                </a:cubicBezTo>
+                <a:close/>
+              </a:path>
+            </a:pathLst>
+          </a:custGeom>
+          <a:solidFill>
+            <a:schemeClr val="bg1">
+              <a:lumMod val="85000"/>
+            </a:schemeClr>
+          </a:solidFill>
+          <a:ln w="238125">
+            <a:noFill/>
+          </a:ln>
+        </p:spPr>
+        <p:style>
+          <a:lnRef idx="2">
+            <a:schemeClr val="accent1">
+              <a:shade val="50000"/>
+            </a:schemeClr>
+          </a:lnRef>
+          <a:fillRef idx="1">
+            <a:schemeClr val="accent1"/>
+          </a:fillRef>
+          <a:effectRef idx="0">
+            <a:schemeClr val="accent1"/>
+          </a:effectRef>
+          <a:fontRef idx="minor">
+            <a:schemeClr val="lt1"/>
+          </a:fontRef>
+        </p:style>
+        <p:txBody>
+          <a:bodyPr rtlCol="0" anchor="ctr"/>
+          <a:lstStyle/>
+          <a:p>
+            <a:pPr algn="ctr"/>
+            <a:endParaRPr lang="ko-KR" altLang="en-US" dirty="0"/>
+          </a:p>
+        </p:txBody>
+      </p:sp>
+      <p:grpSp>
+        <p:nvGrpSpPr>
+          <p:cNvPr id="23" name="그룹 22">
+            <a:extLst>
+              <a:ext uri="{FF2B5EF4-FFF2-40B4-BE49-F238E27FC236}">
+                <a16:creationId xmlns:a16="http://schemas.microsoft.com/office/drawing/2014/main" id="{1466AA1E-1AFF-44FF-BC5E-3DAF2D1F97D4}"/>
+              </a:ext>
+            </a:extLst>
+          </p:cNvPr>
+          <p:cNvGrpSpPr/>
+          <p:nvPr/>
+        </p:nvGrpSpPr>
+        <p:grpSpPr>
+          <a:xfrm>
+            <a:off x="3129095" y="4610143"/>
+            <a:ext cx="5086761" cy="2015561"/>
+            <a:chOff x="3129095" y="4610143"/>
+            <a:chExt cx="5086761" cy="2015561"/>
+          </a:xfrm>
+        </p:grpSpPr>
+        <p:sp>
+          <p:nvSpPr>
+            <p:cNvPr id="24" name="타원 23">
+              <a:extLst>
+                <a:ext uri="{FF2B5EF4-FFF2-40B4-BE49-F238E27FC236}">
+                  <a16:creationId xmlns:a16="http://schemas.microsoft.com/office/drawing/2014/main" id="{62609713-A651-4EE1-85A8-A5110C88B439}"/>
+                </a:ext>
+              </a:extLst>
+            </p:cNvPr>
+            <p:cNvSpPr/>
+            <p:nvPr/>
+          </p:nvSpPr>
+          <p:spPr>
+            <a:xfrm rot="1488213">
+              <a:off x="3129095" y="4726666"/>
+              <a:ext cx="276836" cy="551153"/>
+            </a:xfrm>
+            <a:prstGeom prst="ellipse">
+              <a:avLst/>
+            </a:prstGeom>
+            <a:solidFill>
+              <a:srgbClr val="00B0F0"/>
+            </a:solidFill>
+            <a:ln>
+              <a:noFill/>
+            </a:ln>
+          </p:spPr>
+          <p:style>
+            <a:lnRef idx="2">
+              <a:schemeClr val="accent1">
+                <a:shade val="50000"/>
+              </a:schemeClr>
+            </a:lnRef>
+            <a:fillRef idx="1">
+              <a:schemeClr val="accent1"/>
+            </a:fillRef>
+            <a:effectRef idx="0">
+              <a:schemeClr val="accent1"/>
+            </a:effectRef>
+            <a:fontRef idx="minor">
+              <a:schemeClr val="lt1"/>
+            </a:fontRef>
+          </p:style>
+          <p:txBody>
+            <a:bodyPr rtlCol="0" anchor="ctr"/>
+            <a:lstStyle/>
+            <a:p>
+              <a:pPr algn="ctr"/>
+              <a:endParaRPr lang="ko-KR" altLang="en-US"/>
+            </a:p>
+          </p:txBody>
+        </p:sp>
+        <p:sp>
+          <p:nvSpPr>
+            <p:cNvPr id="25" name="타원 24">
+              <a:extLst>
+                <a:ext uri="{FF2B5EF4-FFF2-40B4-BE49-F238E27FC236}">
+                  <a16:creationId xmlns:a16="http://schemas.microsoft.com/office/drawing/2014/main" id="{12949250-C79E-4BDB-A7AC-D53C67877D32}"/>
+                </a:ext>
+              </a:extLst>
+            </p:cNvPr>
+            <p:cNvSpPr/>
+            <p:nvPr/>
+          </p:nvSpPr>
+          <p:spPr>
+            <a:xfrm rot="1488213">
+              <a:off x="7939020" y="4759696"/>
+              <a:ext cx="276836" cy="551153"/>
+            </a:xfrm>
+            <a:prstGeom prst="ellipse">
+              <a:avLst/>
+            </a:prstGeom>
+            <a:solidFill>
+              <a:srgbClr val="00B0F0"/>
+            </a:solidFill>
+            <a:ln>
+              <a:noFill/>
+            </a:ln>
+          </p:spPr>
+          <p:style>
+            <a:lnRef idx="2">
+              <a:schemeClr val="accent1">
+                <a:shade val="50000"/>
+              </a:schemeClr>
+            </a:lnRef>
+            <a:fillRef idx="1">
+              <a:schemeClr val="accent1"/>
+            </a:fillRef>
+            <a:effectRef idx="0">
+              <a:schemeClr val="accent1"/>
+            </a:effectRef>
+            <a:fontRef idx="minor">
+              <a:schemeClr val="lt1"/>
+            </a:fontRef>
+          </p:style>
+          <p:txBody>
+            <a:bodyPr rtlCol="0" anchor="ctr"/>
+            <a:lstStyle/>
+            <a:p>
+              <a:pPr algn="ctr"/>
+              <a:endParaRPr lang="ko-KR" altLang="en-US"/>
+            </a:p>
+          </p:txBody>
+        </p:sp>
+        <p:sp>
+          <p:nvSpPr>
+            <p:cNvPr id="26" name="타원 25">
+              <a:extLst>
+                <a:ext uri="{FF2B5EF4-FFF2-40B4-BE49-F238E27FC236}">
+                  <a16:creationId xmlns:a16="http://schemas.microsoft.com/office/drawing/2014/main" id="{20EB1319-8FEC-42CF-8F67-D42B58EF92E1}"/>
+                </a:ext>
+              </a:extLst>
+            </p:cNvPr>
+            <p:cNvSpPr/>
+            <p:nvPr/>
+          </p:nvSpPr>
+          <p:spPr>
+            <a:xfrm rot="1488213">
+              <a:off x="3382659" y="5405604"/>
+              <a:ext cx="276836" cy="551153"/>
+            </a:xfrm>
+            <a:prstGeom prst="ellipse">
+              <a:avLst/>
+            </a:prstGeom>
+            <a:solidFill>
+              <a:srgbClr val="00B0F0"/>
+            </a:solidFill>
+            <a:ln>
+              <a:noFill/>
+            </a:ln>
+          </p:spPr>
+          <p:style>
+            <a:lnRef idx="2">
+              <a:schemeClr val="accent1">
+                <a:shade val="50000"/>
+              </a:schemeClr>
+            </a:lnRef>
+            <a:fillRef idx="1">
+              <a:schemeClr val="accent1"/>
+            </a:fillRef>
+            <a:effectRef idx="0">
+              <a:schemeClr val="accent1"/>
+            </a:effectRef>
+            <a:fontRef idx="minor">
+              <a:schemeClr val="lt1"/>
+            </a:fontRef>
+          </p:style>
+          <p:txBody>
+            <a:bodyPr rtlCol="0" anchor="ctr"/>
+            <a:lstStyle/>
+            <a:p>
+              <a:pPr algn="ctr"/>
+              <a:endParaRPr lang="ko-KR" altLang="en-US"/>
+            </a:p>
+          </p:txBody>
+        </p:sp>
+        <p:sp>
+          <p:nvSpPr>
+            <p:cNvPr id="27" name="타원 26">
+              <a:extLst>
+                <a:ext uri="{FF2B5EF4-FFF2-40B4-BE49-F238E27FC236}">
+                  <a16:creationId xmlns:a16="http://schemas.microsoft.com/office/drawing/2014/main" id="{D47A8C56-4B02-4595-925B-E1E1D0157AC5}"/>
+                </a:ext>
+              </a:extLst>
+            </p:cNvPr>
+            <p:cNvSpPr/>
+            <p:nvPr/>
+          </p:nvSpPr>
+          <p:spPr>
+            <a:xfrm rot="1488213">
+              <a:off x="3815713" y="4699094"/>
+              <a:ext cx="276836" cy="551153"/>
+            </a:xfrm>
+            <a:prstGeom prst="ellipse">
+              <a:avLst/>
+            </a:prstGeom>
+            <a:solidFill>
+              <a:srgbClr val="00B0F0"/>
+            </a:solidFill>
+            <a:ln>
+              <a:noFill/>
+            </a:ln>
+          </p:spPr>
+          <p:style>
+            <a:lnRef idx="2">
+              <a:schemeClr val="accent1">
+                <a:shade val="50000"/>
+              </a:schemeClr>
+            </a:lnRef>
+            <a:fillRef idx="1">
+              <a:schemeClr val="accent1"/>
+            </a:fillRef>
+            <a:effectRef idx="0">
+              <a:schemeClr val="accent1"/>
+            </a:effectRef>
+            <a:fontRef idx="minor">
+              <a:schemeClr val="lt1"/>
+            </a:fontRef>
+          </p:style>
+          <p:txBody>
+            <a:bodyPr rtlCol="0" anchor="ctr"/>
+            <a:lstStyle/>
+            <a:p>
+              <a:pPr algn="ctr"/>
+              <a:endParaRPr lang="ko-KR" altLang="en-US"/>
+            </a:p>
+          </p:txBody>
+        </p:sp>
+        <p:sp>
+          <p:nvSpPr>
+            <p:cNvPr id="28" name="타원 27">
+              <a:extLst>
+                <a:ext uri="{FF2B5EF4-FFF2-40B4-BE49-F238E27FC236}">
+                  <a16:creationId xmlns:a16="http://schemas.microsoft.com/office/drawing/2014/main" id="{8B35DF96-391D-432F-9CF6-734A5F9CF0D4}"/>
+                </a:ext>
+              </a:extLst>
+            </p:cNvPr>
+            <p:cNvSpPr/>
+            <p:nvPr/>
+          </p:nvSpPr>
+          <p:spPr>
+            <a:xfrm rot="1488213">
+              <a:off x="4222665" y="5339407"/>
+              <a:ext cx="276836" cy="551153"/>
+            </a:xfrm>
+            <a:prstGeom prst="ellipse">
+              <a:avLst/>
+            </a:prstGeom>
+            <a:solidFill>
+              <a:srgbClr val="00B0F0"/>
+            </a:solidFill>
+            <a:ln>
+              <a:noFill/>
+            </a:ln>
+          </p:spPr>
+          <p:style>
+            <a:lnRef idx="2">
+              <a:schemeClr val="accent1">
+                <a:shade val="50000"/>
+              </a:schemeClr>
+            </a:lnRef>
+            <a:fillRef idx="1">
+              <a:schemeClr val="accent1"/>
+            </a:fillRef>
+            <a:effectRef idx="0">
+              <a:schemeClr val="accent1"/>
+            </a:effectRef>
+            <a:fontRef idx="minor">
+              <a:schemeClr val="lt1"/>
+            </a:fontRef>
+          </p:style>
+          <p:txBody>
+            <a:bodyPr rtlCol="0" anchor="ctr"/>
+            <a:lstStyle/>
+            <a:p>
+              <a:pPr algn="ctr"/>
+              <a:endParaRPr lang="ko-KR" altLang="en-US"/>
+            </a:p>
+          </p:txBody>
+        </p:sp>
+        <p:sp>
+          <p:nvSpPr>
+            <p:cNvPr id="29" name="타원 28">
+              <a:extLst>
+                <a:ext uri="{FF2B5EF4-FFF2-40B4-BE49-F238E27FC236}">
+                  <a16:creationId xmlns:a16="http://schemas.microsoft.com/office/drawing/2014/main" id="{FC2A5E94-32F1-41C0-9A5B-96C26C8731C8}"/>
+                </a:ext>
+              </a:extLst>
+            </p:cNvPr>
+            <p:cNvSpPr/>
+            <p:nvPr/>
+          </p:nvSpPr>
+          <p:spPr>
+            <a:xfrm rot="1488213">
+              <a:off x="4805952" y="4699094"/>
+              <a:ext cx="276836" cy="551153"/>
+            </a:xfrm>
+            <a:prstGeom prst="ellipse">
+              <a:avLst/>
+            </a:prstGeom>
+            <a:solidFill>
+              <a:srgbClr val="00B0F0"/>
+            </a:solidFill>
+            <a:ln>
+              <a:noFill/>
+            </a:ln>
+          </p:spPr>
+          <p:style>
+            <a:lnRef idx="2">
+              <a:schemeClr val="accent1">
+                <a:shade val="50000"/>
+              </a:schemeClr>
+            </a:lnRef>
+            <a:fillRef idx="1">
+              <a:schemeClr val="accent1"/>
+            </a:fillRef>
+            <a:effectRef idx="0">
+              <a:schemeClr val="accent1"/>
+            </a:effectRef>
+            <a:fontRef idx="minor">
+              <a:schemeClr val="lt1"/>
+            </a:fontRef>
+          </p:style>
+          <p:txBody>
+            <a:bodyPr rtlCol="0" anchor="ctr"/>
+            <a:lstStyle/>
+            <a:p>
+              <a:pPr algn="ctr"/>
+              <a:endParaRPr lang="ko-KR" altLang="en-US"/>
+            </a:p>
+          </p:txBody>
+        </p:sp>
+        <p:sp>
+          <p:nvSpPr>
+            <p:cNvPr id="30" name="타원 29">
+              <a:extLst>
+                <a:ext uri="{FF2B5EF4-FFF2-40B4-BE49-F238E27FC236}">
+                  <a16:creationId xmlns:a16="http://schemas.microsoft.com/office/drawing/2014/main" id="{E8F527D1-7902-43BE-9734-D7EB24A6C75F}"/>
+                </a:ext>
+              </a:extLst>
+            </p:cNvPr>
+            <p:cNvSpPr/>
+            <p:nvPr/>
+          </p:nvSpPr>
+          <p:spPr>
+            <a:xfrm rot="1488213">
+              <a:off x="5963003" y="5600781"/>
+              <a:ext cx="276836" cy="551153"/>
+            </a:xfrm>
+            <a:prstGeom prst="ellipse">
+              <a:avLst/>
+            </a:prstGeom>
+            <a:solidFill>
+              <a:srgbClr val="00B0F0"/>
+            </a:solidFill>
+            <a:ln>
+              <a:noFill/>
+            </a:ln>
+          </p:spPr>
+          <p:style>
+            <a:lnRef idx="2">
+              <a:schemeClr val="accent1">
+                <a:shade val="50000"/>
+              </a:schemeClr>
+            </a:lnRef>
+            <a:fillRef idx="1">
+              <a:schemeClr val="accent1"/>
+            </a:fillRef>
+            <a:effectRef idx="0">
+              <a:schemeClr val="accent1"/>
+            </a:effectRef>
+            <a:fontRef idx="minor">
+              <a:schemeClr val="lt1"/>
+            </a:fontRef>
+          </p:style>
+          <p:txBody>
+            <a:bodyPr rtlCol="0" anchor="ctr"/>
+            <a:lstStyle/>
+            <a:p>
+              <a:pPr algn="ctr"/>
+              <a:endParaRPr lang="ko-KR" altLang="en-US"/>
+            </a:p>
+          </p:txBody>
+        </p:sp>
+        <p:sp>
+          <p:nvSpPr>
+            <p:cNvPr id="31" name="타원 30">
+              <a:extLst>
+                <a:ext uri="{FF2B5EF4-FFF2-40B4-BE49-F238E27FC236}">
+                  <a16:creationId xmlns:a16="http://schemas.microsoft.com/office/drawing/2014/main" id="{742A5E75-E904-4DBE-827D-E2D2FE3C3982}"/>
+                </a:ext>
+              </a:extLst>
+            </p:cNvPr>
+            <p:cNvSpPr/>
+            <p:nvPr/>
+          </p:nvSpPr>
+          <p:spPr>
+            <a:xfrm rot="1488213">
+              <a:off x="7504141" y="5339406"/>
+              <a:ext cx="276836" cy="551153"/>
+            </a:xfrm>
+            <a:prstGeom prst="ellipse">
+              <a:avLst/>
+            </a:prstGeom>
+            <a:solidFill>
+              <a:srgbClr val="00B0F0"/>
+            </a:solidFill>
+            <a:ln>
+              <a:noFill/>
+            </a:ln>
+          </p:spPr>
+          <p:style>
+            <a:lnRef idx="2">
+              <a:schemeClr val="accent1">
+                <a:shade val="50000"/>
+              </a:schemeClr>
+            </a:lnRef>
+            <a:fillRef idx="1">
+              <a:schemeClr val="accent1"/>
+            </a:fillRef>
+            <a:effectRef idx="0">
+              <a:schemeClr val="accent1"/>
+            </a:effectRef>
+            <a:fontRef idx="minor">
+              <a:schemeClr val="lt1"/>
+            </a:fontRef>
+          </p:style>
+          <p:txBody>
+            <a:bodyPr rtlCol="0" anchor="ctr"/>
+            <a:lstStyle/>
+            <a:p>
+              <a:pPr algn="ctr"/>
+              <a:endParaRPr lang="ko-KR" altLang="en-US"/>
+            </a:p>
+          </p:txBody>
+        </p:sp>
+        <p:sp>
+          <p:nvSpPr>
+            <p:cNvPr id="32" name="타원 31">
+              <a:extLst>
+                <a:ext uri="{FF2B5EF4-FFF2-40B4-BE49-F238E27FC236}">
+                  <a16:creationId xmlns:a16="http://schemas.microsoft.com/office/drawing/2014/main" id="{BBBE677C-1AA3-4741-95A5-CE560E80EA72}"/>
+                </a:ext>
+              </a:extLst>
+            </p:cNvPr>
+            <p:cNvSpPr/>
+            <p:nvPr/>
+          </p:nvSpPr>
+          <p:spPr>
+            <a:xfrm rot="1488213">
+              <a:off x="7283033" y="4610143"/>
+              <a:ext cx="276836" cy="551153"/>
+            </a:xfrm>
+            <a:prstGeom prst="ellipse">
+              <a:avLst/>
+            </a:prstGeom>
+            <a:solidFill>
+              <a:srgbClr val="00B0F0"/>
+            </a:solidFill>
+            <a:ln>
+              <a:noFill/>
+            </a:ln>
+          </p:spPr>
+          <p:style>
+            <a:lnRef idx="2">
+              <a:schemeClr val="accent1">
+                <a:shade val="50000"/>
+              </a:schemeClr>
+            </a:lnRef>
+            <a:fillRef idx="1">
+              <a:schemeClr val="accent1"/>
+            </a:fillRef>
+            <a:effectRef idx="0">
+              <a:schemeClr val="accent1"/>
+            </a:effectRef>
+            <a:fontRef idx="minor">
+              <a:schemeClr val="lt1"/>
+            </a:fontRef>
+          </p:style>
+          <p:txBody>
+            <a:bodyPr rtlCol="0" anchor="ctr"/>
+            <a:lstStyle/>
+            <a:p>
+              <a:pPr algn="ctr"/>
+              <a:endParaRPr lang="ko-KR" altLang="en-US"/>
+            </a:p>
+          </p:txBody>
+        </p:sp>
+        <p:sp>
+          <p:nvSpPr>
+            <p:cNvPr id="33" name="타원 32">
+              <a:extLst>
+                <a:ext uri="{FF2B5EF4-FFF2-40B4-BE49-F238E27FC236}">
+                  <a16:creationId xmlns:a16="http://schemas.microsoft.com/office/drawing/2014/main" id="{39499651-0863-423E-8919-2CB54F753395}"/>
+                </a:ext>
+              </a:extLst>
+            </p:cNvPr>
+            <p:cNvSpPr/>
+            <p:nvPr/>
+          </p:nvSpPr>
+          <p:spPr>
+            <a:xfrm rot="1488213">
+              <a:off x="6800521" y="5263013"/>
+              <a:ext cx="276836" cy="551153"/>
+            </a:xfrm>
+            <a:prstGeom prst="ellipse">
+              <a:avLst/>
+            </a:prstGeom>
+            <a:solidFill>
+              <a:srgbClr val="00B0F0"/>
+            </a:solidFill>
+            <a:ln>
+              <a:noFill/>
+            </a:ln>
+          </p:spPr>
+          <p:style>
+            <a:lnRef idx="2">
+              <a:schemeClr val="accent1">
+                <a:shade val="50000"/>
+              </a:schemeClr>
+            </a:lnRef>
+            <a:fillRef idx="1">
+              <a:schemeClr val="accent1"/>
+            </a:fillRef>
+            <a:effectRef idx="0">
+              <a:schemeClr val="accent1"/>
+            </a:effectRef>
+            <a:fontRef idx="minor">
+              <a:schemeClr val="lt1"/>
+            </a:fontRef>
+          </p:style>
+          <p:txBody>
+            <a:bodyPr rtlCol="0" anchor="ctr"/>
+            <a:lstStyle/>
+            <a:p>
+              <a:pPr algn="ctr"/>
+              <a:endParaRPr lang="ko-KR" altLang="en-US"/>
+            </a:p>
+          </p:txBody>
+        </p:sp>
+        <p:sp>
+          <p:nvSpPr>
+            <p:cNvPr id="34" name="타원 33">
+              <a:extLst>
+                <a:ext uri="{FF2B5EF4-FFF2-40B4-BE49-F238E27FC236}">
+                  <a16:creationId xmlns:a16="http://schemas.microsoft.com/office/drawing/2014/main" id="{400D9F20-C427-45B7-BCAC-E1612F1191D8}"/>
+                </a:ext>
+              </a:extLst>
+            </p:cNvPr>
+            <p:cNvSpPr/>
+            <p:nvPr/>
+          </p:nvSpPr>
+          <p:spPr>
+            <a:xfrm rot="1488213">
+              <a:off x="6504317" y="4678512"/>
+              <a:ext cx="276836" cy="551153"/>
+            </a:xfrm>
+            <a:prstGeom prst="ellipse">
+              <a:avLst/>
+            </a:prstGeom>
+            <a:solidFill>
+              <a:srgbClr val="00B0F0"/>
+            </a:solidFill>
+            <a:ln>
+              <a:noFill/>
+            </a:ln>
+          </p:spPr>
+          <p:style>
+            <a:lnRef idx="2">
+              <a:schemeClr val="accent1">
+                <a:shade val="50000"/>
+              </a:schemeClr>
+            </a:lnRef>
+            <a:fillRef idx="1">
+              <a:schemeClr val="accent1"/>
+            </a:fillRef>
+            <a:effectRef idx="0">
+              <a:schemeClr val="accent1"/>
+            </a:effectRef>
+            <a:fontRef idx="minor">
+              <a:schemeClr val="lt1"/>
+            </a:fontRef>
+          </p:style>
+          <p:txBody>
+            <a:bodyPr rtlCol="0" anchor="ctr"/>
+            <a:lstStyle/>
+            <a:p>
+              <a:pPr algn="ctr"/>
+              <a:endParaRPr lang="ko-KR" altLang="en-US"/>
+            </a:p>
+          </p:txBody>
+        </p:sp>
+        <p:sp>
+          <p:nvSpPr>
+            <p:cNvPr id="35" name="타원 34">
+              <a:extLst>
+                <a:ext uri="{FF2B5EF4-FFF2-40B4-BE49-F238E27FC236}">
+                  <a16:creationId xmlns:a16="http://schemas.microsoft.com/office/drawing/2014/main" id="{0C906289-3383-4C8D-99B3-4523A6F507EA}"/>
+                </a:ext>
+              </a:extLst>
+            </p:cNvPr>
+            <p:cNvSpPr/>
+            <p:nvPr/>
+          </p:nvSpPr>
+          <p:spPr>
+            <a:xfrm rot="1488213">
+              <a:off x="5089590" y="5385257"/>
+              <a:ext cx="276836" cy="551153"/>
+            </a:xfrm>
+            <a:prstGeom prst="ellipse">
+              <a:avLst/>
+            </a:prstGeom>
+            <a:solidFill>
+              <a:srgbClr val="00B0F0"/>
+            </a:solidFill>
+            <a:ln>
+              <a:noFill/>
+            </a:ln>
+          </p:spPr>
+          <p:style>
+            <a:lnRef idx="2">
+              <a:schemeClr val="accent1">
+                <a:shade val="50000"/>
+              </a:schemeClr>
+            </a:lnRef>
+            <a:fillRef idx="1">
+              <a:schemeClr val="accent1"/>
+            </a:fillRef>
+            <a:effectRef idx="0">
+              <a:schemeClr val="accent1"/>
+            </a:effectRef>
+            <a:fontRef idx="minor">
+              <a:schemeClr val="lt1"/>
+            </a:fontRef>
+          </p:style>
+          <p:txBody>
+            <a:bodyPr rtlCol="0" anchor="ctr"/>
+            <a:lstStyle/>
+            <a:p>
+              <a:pPr algn="ctr"/>
+              <a:endParaRPr lang="ko-KR" altLang="en-US"/>
+            </a:p>
+          </p:txBody>
+        </p:sp>
+        <p:sp>
+          <p:nvSpPr>
+            <p:cNvPr id="36" name="타원 35">
+              <a:extLst>
+                <a:ext uri="{FF2B5EF4-FFF2-40B4-BE49-F238E27FC236}">
+                  <a16:creationId xmlns:a16="http://schemas.microsoft.com/office/drawing/2014/main" id="{F9A1C479-6BF4-414A-98D0-171FA68BD45C}"/>
+                </a:ext>
+              </a:extLst>
+            </p:cNvPr>
+            <p:cNvSpPr/>
+            <p:nvPr/>
+          </p:nvSpPr>
+          <p:spPr>
+            <a:xfrm rot="1488213">
+              <a:off x="5695079" y="4676110"/>
+              <a:ext cx="276836" cy="551153"/>
+            </a:xfrm>
+            <a:prstGeom prst="ellipse">
+              <a:avLst/>
+            </a:prstGeom>
+            <a:solidFill>
+              <a:srgbClr val="00B0F0"/>
+            </a:solidFill>
+            <a:ln>
+              <a:noFill/>
+            </a:ln>
+          </p:spPr>
+          <p:style>
+            <a:lnRef idx="2">
+              <a:schemeClr val="accent1">
+                <a:shade val="50000"/>
+              </a:schemeClr>
+            </a:lnRef>
+            <a:fillRef idx="1">
+              <a:schemeClr val="accent1"/>
+            </a:fillRef>
+            <a:effectRef idx="0">
+              <a:schemeClr val="accent1"/>
+            </a:effectRef>
+            <a:fontRef idx="minor">
+              <a:schemeClr val="lt1"/>
+            </a:fontRef>
+          </p:style>
+          <p:txBody>
+            <a:bodyPr rtlCol="0" anchor="ctr"/>
+            <a:lstStyle/>
+            <a:p>
+              <a:pPr algn="ctr"/>
+              <a:endParaRPr lang="ko-KR" altLang="en-US"/>
+            </a:p>
+          </p:txBody>
+        </p:sp>
+        <p:sp>
+          <p:nvSpPr>
+            <p:cNvPr id="37" name="타원 36">
+              <a:extLst>
+                <a:ext uri="{FF2B5EF4-FFF2-40B4-BE49-F238E27FC236}">
+                  <a16:creationId xmlns:a16="http://schemas.microsoft.com/office/drawing/2014/main" id="{89F1F6B8-8AEC-40D6-8AC7-B1FD9602DC5A}"/>
+                </a:ext>
+              </a:extLst>
+            </p:cNvPr>
+            <p:cNvSpPr/>
+            <p:nvPr/>
+          </p:nvSpPr>
+          <p:spPr>
+            <a:xfrm rot="1488213">
+              <a:off x="3814253" y="5977515"/>
+              <a:ext cx="276836" cy="551153"/>
+            </a:xfrm>
+            <a:prstGeom prst="ellipse">
+              <a:avLst/>
+            </a:prstGeom>
+            <a:solidFill>
+              <a:srgbClr val="00B0F0"/>
+            </a:solidFill>
+            <a:ln>
+              <a:noFill/>
+            </a:ln>
+          </p:spPr>
+          <p:style>
+            <a:lnRef idx="2">
+              <a:schemeClr val="accent1">
+                <a:shade val="50000"/>
+              </a:schemeClr>
+            </a:lnRef>
+            <a:fillRef idx="1">
+              <a:schemeClr val="accent1"/>
+            </a:fillRef>
+            <a:effectRef idx="0">
+              <a:schemeClr val="accent1"/>
+            </a:effectRef>
+            <a:fontRef idx="minor">
+              <a:schemeClr val="lt1"/>
+            </a:fontRef>
+          </p:style>
+          <p:txBody>
+            <a:bodyPr rtlCol="0" anchor="ctr"/>
+            <a:lstStyle/>
+            <a:p>
+              <a:pPr algn="ctr"/>
+              <a:endParaRPr lang="ko-KR" altLang="en-US"/>
+            </a:p>
+          </p:txBody>
+        </p:sp>
+        <p:sp>
+          <p:nvSpPr>
+            <p:cNvPr id="38" name="타원 37">
+              <a:extLst>
+                <a:ext uri="{FF2B5EF4-FFF2-40B4-BE49-F238E27FC236}">
+                  <a16:creationId xmlns:a16="http://schemas.microsoft.com/office/drawing/2014/main" id="{8108036A-F84F-4BA2-A7C0-DFAEC9DA60D5}"/>
+                </a:ext>
+              </a:extLst>
+            </p:cNvPr>
+            <p:cNvSpPr/>
+            <p:nvPr/>
+          </p:nvSpPr>
+          <p:spPr>
+            <a:xfrm rot="1488213">
+              <a:off x="6836416" y="6074551"/>
+              <a:ext cx="276836" cy="551153"/>
+            </a:xfrm>
+            <a:prstGeom prst="ellipse">
+              <a:avLst/>
+            </a:prstGeom>
+            <a:solidFill>
+              <a:srgbClr val="00B0F0"/>
+            </a:solidFill>
+            <a:ln>
+              <a:noFill/>
+            </a:ln>
+          </p:spPr>
+          <p:style>
+            <a:lnRef idx="2">
+              <a:schemeClr val="accent1">
+                <a:shade val="50000"/>
+              </a:schemeClr>
+            </a:lnRef>
+            <a:fillRef idx="1">
+              <a:schemeClr val="accent1"/>
+            </a:fillRef>
+            <a:effectRef idx="0">
+              <a:schemeClr val="accent1"/>
+            </a:effectRef>
+            <a:fontRef idx="minor">
+              <a:schemeClr val="lt1"/>
+            </a:fontRef>
+          </p:style>
+          <p:txBody>
+            <a:bodyPr rtlCol="0" anchor="ctr"/>
+            <a:lstStyle/>
+            <a:p>
+              <a:pPr algn="ctr"/>
+              <a:endParaRPr lang="ko-KR" altLang="en-US"/>
+            </a:p>
+          </p:txBody>
+        </p:sp>
+        <p:sp>
+          <p:nvSpPr>
+            <p:cNvPr id="39" name="타원 38">
+              <a:extLst>
+                <a:ext uri="{FF2B5EF4-FFF2-40B4-BE49-F238E27FC236}">
+                  <a16:creationId xmlns:a16="http://schemas.microsoft.com/office/drawing/2014/main" id="{A47A2D4A-3F06-4DB0-BCD7-815C79C94574}"/>
+                </a:ext>
+              </a:extLst>
+            </p:cNvPr>
+            <p:cNvSpPr/>
+            <p:nvPr/>
+          </p:nvSpPr>
+          <p:spPr>
+            <a:xfrm rot="1488213">
+              <a:off x="5366741" y="6001702"/>
+              <a:ext cx="276836" cy="551153"/>
+            </a:xfrm>
+            <a:prstGeom prst="ellipse">
+              <a:avLst/>
+            </a:prstGeom>
+            <a:solidFill>
+              <a:srgbClr val="00B0F0"/>
+            </a:solidFill>
+            <a:ln>
+              <a:noFill/>
+            </a:ln>
+          </p:spPr>
+          <p:style>
+            <a:lnRef idx="2">
+              <a:schemeClr val="accent1">
+                <a:shade val="50000"/>
+              </a:schemeClr>
+            </a:lnRef>
+            <a:fillRef idx="1">
+              <a:schemeClr val="accent1"/>
+            </a:fillRef>
+            <a:effectRef idx="0">
+              <a:schemeClr val="accent1"/>
+            </a:effectRef>
+            <a:fontRef idx="minor">
+              <a:schemeClr val="lt1"/>
+            </a:fontRef>
+          </p:style>
+          <p:txBody>
+            <a:bodyPr rtlCol="0" anchor="ctr"/>
+            <a:lstStyle/>
+            <a:p>
+              <a:pPr algn="ctr"/>
+              <a:endParaRPr lang="ko-KR" altLang="en-US"/>
+            </a:p>
+          </p:txBody>
+        </p:sp>
+        <p:sp>
+          <p:nvSpPr>
+            <p:cNvPr id="40" name="타원 39">
+              <a:extLst>
+                <a:ext uri="{FF2B5EF4-FFF2-40B4-BE49-F238E27FC236}">
+                  <a16:creationId xmlns:a16="http://schemas.microsoft.com/office/drawing/2014/main" id="{9033BF12-0F01-42FB-9D8D-CCB4FC961678}"/>
+                </a:ext>
+              </a:extLst>
+            </p:cNvPr>
+            <p:cNvSpPr/>
+            <p:nvPr/>
+          </p:nvSpPr>
+          <p:spPr>
+            <a:xfrm rot="1488213">
+              <a:off x="4603173" y="5993700"/>
+              <a:ext cx="276836" cy="551153"/>
+            </a:xfrm>
+            <a:prstGeom prst="ellipse">
+              <a:avLst/>
+            </a:prstGeom>
+            <a:solidFill>
+              <a:srgbClr val="00B0F0"/>
+            </a:solidFill>
+            <a:ln>
+              <a:noFill/>
+            </a:ln>
+          </p:spPr>
+          <p:style>
+            <a:lnRef idx="2">
+              <a:schemeClr val="accent1">
+                <a:shade val="50000"/>
+              </a:schemeClr>
+            </a:lnRef>
+            <a:fillRef idx="1">
+              <a:schemeClr val="accent1"/>
+            </a:fillRef>
+            <a:effectRef idx="0">
+              <a:schemeClr val="accent1"/>
+            </a:effectRef>
+            <a:fontRef idx="minor">
+              <a:schemeClr val="lt1"/>
+            </a:fontRef>
+          </p:style>
+          <p:txBody>
+            <a:bodyPr rtlCol="0" anchor="ctr"/>
+            <a:lstStyle/>
+            <a:p>
+              <a:pPr algn="ctr"/>
+              <a:endParaRPr lang="ko-KR" altLang="en-US"/>
+            </a:p>
+          </p:txBody>
+        </p:sp>
+        <p:sp>
+          <p:nvSpPr>
+            <p:cNvPr id="41" name="타원 40">
+              <a:extLst>
+                <a:ext uri="{FF2B5EF4-FFF2-40B4-BE49-F238E27FC236}">
+                  <a16:creationId xmlns:a16="http://schemas.microsoft.com/office/drawing/2014/main" id="{3B06286D-E411-4EAE-9624-77F6A4B1928E}"/>
+                </a:ext>
+              </a:extLst>
+            </p:cNvPr>
+            <p:cNvSpPr/>
+            <p:nvPr/>
+          </p:nvSpPr>
+          <p:spPr>
+            <a:xfrm rot="1488213">
+              <a:off x="6284240" y="6022049"/>
+              <a:ext cx="276836" cy="551153"/>
+            </a:xfrm>
+            <a:prstGeom prst="ellipse">
+              <a:avLst/>
+            </a:prstGeom>
+            <a:solidFill>
+              <a:srgbClr val="00B0F0"/>
+            </a:solidFill>
+            <a:ln>
+              <a:noFill/>
+            </a:ln>
+          </p:spPr>
+          <p:style>
+            <a:lnRef idx="2">
+              <a:schemeClr val="accent1">
+                <a:shade val="50000"/>
+              </a:schemeClr>
+            </a:lnRef>
+            <a:fillRef idx="1">
+              <a:schemeClr val="accent1"/>
+            </a:fillRef>
+            <a:effectRef idx="0">
+              <a:schemeClr val="accent1"/>
+            </a:effectRef>
+            <a:fontRef idx="minor">
+              <a:schemeClr val="lt1"/>
+            </a:fontRef>
+          </p:style>
+          <p:txBody>
+            <a:bodyPr rtlCol="0" anchor="ctr"/>
+            <a:lstStyle/>
+            <a:p>
+              <a:pPr algn="ctr"/>
+              <a:endParaRPr lang="ko-KR" altLang="en-US"/>
+            </a:p>
+          </p:txBody>
+        </p:sp>
+      </p:grpSp>
+    </p:spTree>
+    <p:extLst>
+      <p:ext uri="{BB962C8B-B14F-4D97-AF65-F5344CB8AC3E}">
+        <p14:creationId xmlns:p14="http://schemas.microsoft.com/office/powerpoint/2010/main" val="1738893042"/>
+      </p:ext>
+    </p:extLst>
+  </p:cSld>
+  <p:clrMapOvr>
+    <a:masterClrMapping/>
+  </p:clrMapOvr>
+</p:sld>
+</file>
+
 <file path=ppt/theme/theme1.xml><?xml version="1.0" encoding="utf-8"?>
 <a:theme xmlns:a="http://schemas.openxmlformats.org/drawingml/2006/main" name="Office 테마">
   <a:themeElements>

--- a/public/Brand-New weather icons/Frame.pptx
+++ b/public/Brand-New weather icons/Frame.pptx
@@ -11,6 +11,7 @@
     <p:sldId id="261" r:id="rId5"/>
     <p:sldId id="262" r:id="rId6"/>
     <p:sldId id="263" r:id="rId7"/>
+    <p:sldId id="264" r:id="rId8"/>
   </p:sldIdLst>
   <p:sldSz cx="12192000" cy="6858000"/>
   <p:notesSz cx="6858000" cy="9144000"/>
@@ -264,7 +265,7 @@
           <a:p>
             <a:fld id="{DF63C8CB-9154-4208-8E7E-1C8A89E94898}" type="datetimeFigureOut">
               <a:rPr lang="ko-KR" altLang="en-US" smtClean="0"/>
-              <a:t>2020-12-06</a:t>
+              <a:t>2020-12-09</a:t>
             </a:fld>
             <a:endParaRPr lang="ko-KR" altLang="en-US"/>
           </a:p>
@@ -462,7 +463,7 @@
           <a:p>
             <a:fld id="{DF63C8CB-9154-4208-8E7E-1C8A89E94898}" type="datetimeFigureOut">
               <a:rPr lang="ko-KR" altLang="en-US" smtClean="0"/>
-              <a:t>2020-12-06</a:t>
+              <a:t>2020-12-09</a:t>
             </a:fld>
             <a:endParaRPr lang="ko-KR" altLang="en-US"/>
           </a:p>
@@ -670,7 +671,7 @@
           <a:p>
             <a:fld id="{DF63C8CB-9154-4208-8E7E-1C8A89E94898}" type="datetimeFigureOut">
               <a:rPr lang="ko-KR" altLang="en-US" smtClean="0"/>
-              <a:t>2020-12-06</a:t>
+              <a:t>2020-12-09</a:t>
             </a:fld>
             <a:endParaRPr lang="ko-KR" altLang="en-US"/>
           </a:p>
@@ -868,7 +869,7 @@
           <a:p>
             <a:fld id="{DF63C8CB-9154-4208-8E7E-1C8A89E94898}" type="datetimeFigureOut">
               <a:rPr lang="ko-KR" altLang="en-US" smtClean="0"/>
-              <a:t>2020-12-06</a:t>
+              <a:t>2020-12-09</a:t>
             </a:fld>
             <a:endParaRPr lang="ko-KR" altLang="en-US"/>
           </a:p>
@@ -1143,7 +1144,7 @@
           <a:p>
             <a:fld id="{DF63C8CB-9154-4208-8E7E-1C8A89E94898}" type="datetimeFigureOut">
               <a:rPr lang="ko-KR" altLang="en-US" smtClean="0"/>
-              <a:t>2020-12-06</a:t>
+              <a:t>2020-12-09</a:t>
             </a:fld>
             <a:endParaRPr lang="ko-KR" altLang="en-US"/>
           </a:p>
@@ -1408,7 +1409,7 @@
           <a:p>
             <a:fld id="{DF63C8CB-9154-4208-8E7E-1C8A89E94898}" type="datetimeFigureOut">
               <a:rPr lang="ko-KR" altLang="en-US" smtClean="0"/>
-              <a:t>2020-12-06</a:t>
+              <a:t>2020-12-09</a:t>
             </a:fld>
             <a:endParaRPr lang="ko-KR" altLang="en-US"/>
           </a:p>
@@ -1820,7 +1821,7 @@
           <a:p>
             <a:fld id="{DF63C8CB-9154-4208-8E7E-1C8A89E94898}" type="datetimeFigureOut">
               <a:rPr lang="ko-KR" altLang="en-US" smtClean="0"/>
-              <a:t>2020-12-06</a:t>
+              <a:t>2020-12-09</a:t>
             </a:fld>
             <a:endParaRPr lang="ko-KR" altLang="en-US"/>
           </a:p>
@@ -1961,7 +1962,7 @@
           <a:p>
             <a:fld id="{DF63C8CB-9154-4208-8E7E-1C8A89E94898}" type="datetimeFigureOut">
               <a:rPr lang="ko-KR" altLang="en-US" smtClean="0"/>
-              <a:t>2020-12-06</a:t>
+              <a:t>2020-12-09</a:t>
             </a:fld>
             <a:endParaRPr lang="ko-KR" altLang="en-US"/>
           </a:p>
@@ -2074,7 +2075,7 @@
           <a:p>
             <a:fld id="{DF63C8CB-9154-4208-8E7E-1C8A89E94898}" type="datetimeFigureOut">
               <a:rPr lang="ko-KR" altLang="en-US" smtClean="0"/>
-              <a:t>2020-12-06</a:t>
+              <a:t>2020-12-09</a:t>
             </a:fld>
             <a:endParaRPr lang="ko-KR" altLang="en-US"/>
           </a:p>
@@ -2385,7 +2386,7 @@
           <a:p>
             <a:fld id="{DF63C8CB-9154-4208-8E7E-1C8A89E94898}" type="datetimeFigureOut">
               <a:rPr lang="ko-KR" altLang="en-US" smtClean="0"/>
-              <a:t>2020-12-06</a:t>
+              <a:t>2020-12-09</a:t>
             </a:fld>
             <a:endParaRPr lang="ko-KR" altLang="en-US"/>
           </a:p>
@@ -2673,7 +2674,7 @@
           <a:p>
             <a:fld id="{DF63C8CB-9154-4208-8E7E-1C8A89E94898}" type="datetimeFigureOut">
               <a:rPr lang="ko-KR" altLang="en-US" smtClean="0"/>
-              <a:t>2020-12-06</a:t>
+              <a:t>2020-12-09</a:t>
             </a:fld>
             <a:endParaRPr lang="ko-KR" altLang="en-US"/>
           </a:p>
@@ -2914,7 +2915,7 @@
           <a:p>
             <a:fld id="{DF63C8CB-9154-4208-8E7E-1C8A89E94898}" type="datetimeFigureOut">
               <a:rPr lang="ko-KR" altLang="en-US" smtClean="0"/>
-              <a:t>2020-12-06</a:t>
+              <a:t>2020-12-09</a:t>
             </a:fld>
             <a:endParaRPr lang="ko-KR" altLang="en-US"/>
           </a:p>
@@ -4708,10 +4709,10 @@
       </p:grpSpPr>
       <p:grpSp>
         <p:nvGrpSpPr>
-          <p:cNvPr id="7" name="그룹 6">
+          <p:cNvPr id="6" name="그룹 5">
             <a:extLst>
               <a:ext uri="{FF2B5EF4-FFF2-40B4-BE49-F238E27FC236}">
-                <a16:creationId xmlns:a16="http://schemas.microsoft.com/office/drawing/2014/main" id="{A56FC709-E984-4406-A9B5-904C1A655412}"/>
+                <a16:creationId xmlns:a16="http://schemas.microsoft.com/office/drawing/2014/main" id="{13A8F3B0-30E8-4D26-AA7A-83FA81744888}"/>
               </a:ext>
             </a:extLst>
           </p:cNvPr>
@@ -4720,18 +4721,18 @@
         </p:nvGrpSpPr>
         <p:grpSpPr>
           <a:xfrm>
-            <a:off x="2415199" y="272497"/>
-            <a:ext cx="7902851" cy="4454554"/>
-            <a:chOff x="773184" y="251428"/>
-            <a:chExt cx="10845567" cy="6113258"/>
+            <a:off x="2524256" y="0"/>
+            <a:ext cx="7704441" cy="6637542"/>
+            <a:chOff x="2415199" y="139409"/>
+            <a:chExt cx="7704441" cy="6637542"/>
           </a:xfrm>
         </p:grpSpPr>
         <p:sp>
           <p:nvSpPr>
-            <p:cNvPr id="8" name="자유형: 도형 7">
+            <p:cNvPr id="60" name="자유형: 도형 59">
               <a:extLst>
                 <a:ext uri="{FF2B5EF4-FFF2-40B4-BE49-F238E27FC236}">
-                  <a16:creationId xmlns:a16="http://schemas.microsoft.com/office/drawing/2014/main" id="{07376A46-F745-4941-B309-60CF5216AE24}"/>
+                  <a16:creationId xmlns:a16="http://schemas.microsoft.com/office/drawing/2014/main" id="{C87E1769-8B3A-4ED2-BB1B-1B70FA9074AA}"/>
                 </a:ext>
               </a:extLst>
             </p:cNvPr>
@@ -4740,8 +4741,8 @@
           </p:nvSpPr>
           <p:spPr>
             <a:xfrm>
-              <a:off x="2888608" y="251428"/>
-              <a:ext cx="8730143" cy="5219871"/>
+              <a:off x="3758237" y="139409"/>
+              <a:ext cx="6361403" cy="3803569"/>
             </a:xfrm>
             <a:custGeom>
               <a:avLst/>
@@ -5004,310 +5005,362 @@
             </a:p>
           </p:txBody>
         </p:sp>
-        <p:sp>
-          <p:nvSpPr>
-            <p:cNvPr id="9" name="자유형: 도형 8">
+        <p:grpSp>
+          <p:nvGrpSpPr>
+            <p:cNvPr id="38" name="그룹 37">
               <a:extLst>
                 <a:ext uri="{FF2B5EF4-FFF2-40B4-BE49-F238E27FC236}">
-                  <a16:creationId xmlns:a16="http://schemas.microsoft.com/office/drawing/2014/main" id="{B2CE30E6-8E11-4A21-9898-D18D1BB4FCB0}"/>
+                  <a16:creationId xmlns:a16="http://schemas.microsoft.com/office/drawing/2014/main" id="{4F8B027A-0023-4269-AB95-332617C9F35A}"/>
                 </a:ext>
               </a:extLst>
             </p:cNvPr>
-            <p:cNvSpPr/>
+            <p:cNvGrpSpPr/>
             <p:nvPr/>
-          </p:nvSpPr>
-          <p:spPr>
+          </p:nvGrpSpPr>
+          <p:grpSpPr>
             <a:xfrm>
-              <a:off x="773184" y="812094"/>
-              <a:ext cx="9286613" cy="5552592"/>
+              <a:off x="2415199" y="681038"/>
+              <a:ext cx="6766886" cy="5049610"/>
+              <a:chOff x="2415199" y="681038"/>
+              <a:chExt cx="6766886" cy="5049610"/>
             </a:xfrm>
-            <a:custGeom>
-              <a:avLst/>
-              <a:gdLst>
-                <a:gd name="connsiteX0" fmla="*/ 3572486 w 9286613"/>
-                <a:gd name="connsiteY0" fmla="*/ 0 h 5552592"/>
-                <a:gd name="connsiteX1" fmla="*/ 5265442 w 9286613"/>
-                <a:gd name="connsiteY1" fmla="*/ 1527749 h 5552592"/>
-                <a:gd name="connsiteX2" fmla="*/ 5269692 w 9286613"/>
-                <a:gd name="connsiteY2" fmla="*/ 1611906 h 5552592"/>
-                <a:gd name="connsiteX3" fmla="*/ 5320143 w 9286613"/>
-                <a:gd name="connsiteY3" fmla="*/ 1565496 h 5552592"/>
-                <a:gd name="connsiteX4" fmla="*/ 6209951 w 9286613"/>
-                <a:gd name="connsiteY4" fmla="*/ 1242182 h 5552592"/>
-                <a:gd name="connsiteX5" fmla="*/ 7601594 w 9286613"/>
-                <a:gd name="connsiteY5" fmla="*/ 2513279 h 5552592"/>
-                <a:gd name="connsiteX6" fmla="*/ 7605758 w 9286613"/>
-                <a:gd name="connsiteY6" fmla="*/ 2596744 h 5552592"/>
-                <a:gd name="connsiteX7" fmla="*/ 7701092 w 9286613"/>
-                <a:gd name="connsiteY7" fmla="*/ 2596744 h 5552592"/>
-                <a:gd name="connsiteX8" fmla="*/ 7701092 w 9286613"/>
-                <a:gd name="connsiteY8" fmla="*/ 2601682 h 5552592"/>
-                <a:gd name="connsiteX9" fmla="*/ 7799490 w 9286613"/>
-                <a:gd name="connsiteY9" fmla="*/ 2596744 h 5552592"/>
-                <a:gd name="connsiteX10" fmla="*/ 9286613 w 9286613"/>
-                <a:gd name="connsiteY10" fmla="*/ 4074668 h 5552592"/>
-                <a:gd name="connsiteX11" fmla="*/ 7799490 w 9286613"/>
-                <a:gd name="connsiteY11" fmla="*/ 5552592 h 5552592"/>
-                <a:gd name="connsiteX12" fmla="*/ 7701092 w 9286613"/>
-                <a:gd name="connsiteY12" fmla="*/ 5547654 h 5552592"/>
-                <a:gd name="connsiteX13" fmla="*/ 7701092 w 9286613"/>
-                <a:gd name="connsiteY13" fmla="*/ 5551066 h 5552592"/>
-                <a:gd name="connsiteX14" fmla="*/ 1761690 w 9286613"/>
-                <a:gd name="connsiteY14" fmla="*/ 5551066 h 5552592"/>
-                <a:gd name="connsiteX15" fmla="*/ 1761690 w 9286613"/>
-                <a:gd name="connsiteY15" fmla="*/ 5545559 h 5552592"/>
-                <a:gd name="connsiteX16" fmla="*/ 1652631 w 9286613"/>
-                <a:gd name="connsiteY16" fmla="*/ 5551066 h 5552592"/>
-                <a:gd name="connsiteX17" fmla="*/ 0 w 9286613"/>
-                <a:gd name="connsiteY17" fmla="*/ 3898435 h 5552592"/>
-                <a:gd name="connsiteX18" fmla="*/ 1652631 w 9286613"/>
-                <a:gd name="connsiteY18" fmla="*/ 2245804 h 5552592"/>
-                <a:gd name="connsiteX19" fmla="*/ 1904311 w 9286613"/>
-                <a:gd name="connsiteY19" fmla="*/ 2264846 h 5552592"/>
-                <a:gd name="connsiteX20" fmla="*/ 1972946 w 9286613"/>
-                <a:gd name="connsiteY20" fmla="*/ 2277990 h 5552592"/>
-                <a:gd name="connsiteX21" fmla="*/ 1947251 w 9286613"/>
-                <a:gd name="connsiteY21" fmla="*/ 2207788 h 5552592"/>
-                <a:gd name="connsiteX22" fmla="*/ 1870744 w 9286613"/>
-                <a:gd name="connsiteY22" fmla="*/ 1701742 h 5552592"/>
-                <a:gd name="connsiteX23" fmla="*/ 3572486 w 9286613"/>
-                <a:gd name="connsiteY23" fmla="*/ 0 h 5552592"/>
-              </a:gdLst>
-              <a:ahLst/>
-              <a:cxnLst>
-                <a:cxn ang="0">
-                  <a:pos x="connsiteX0" y="connsiteY0"/>
-                </a:cxn>
-                <a:cxn ang="0">
-                  <a:pos x="connsiteX1" y="connsiteY1"/>
-                </a:cxn>
-                <a:cxn ang="0">
-                  <a:pos x="connsiteX2" y="connsiteY2"/>
-                </a:cxn>
-                <a:cxn ang="0">
-                  <a:pos x="connsiteX3" y="connsiteY3"/>
-                </a:cxn>
-                <a:cxn ang="0">
-                  <a:pos x="connsiteX4" y="connsiteY4"/>
-                </a:cxn>
-                <a:cxn ang="0">
-                  <a:pos x="connsiteX5" y="connsiteY5"/>
-                </a:cxn>
-                <a:cxn ang="0">
-                  <a:pos x="connsiteX6" y="connsiteY6"/>
-                </a:cxn>
-                <a:cxn ang="0">
-                  <a:pos x="connsiteX7" y="connsiteY7"/>
-                </a:cxn>
-                <a:cxn ang="0">
-                  <a:pos x="connsiteX8" y="connsiteY8"/>
-                </a:cxn>
-                <a:cxn ang="0">
-                  <a:pos x="connsiteX9" y="connsiteY9"/>
-                </a:cxn>
-                <a:cxn ang="0">
-                  <a:pos x="connsiteX10" y="connsiteY10"/>
-                </a:cxn>
-                <a:cxn ang="0">
-                  <a:pos x="connsiteX11" y="connsiteY11"/>
-                </a:cxn>
-                <a:cxn ang="0">
-                  <a:pos x="connsiteX12" y="connsiteY12"/>
-                </a:cxn>
-                <a:cxn ang="0">
-                  <a:pos x="connsiteX13" y="connsiteY13"/>
-                </a:cxn>
-                <a:cxn ang="0">
-                  <a:pos x="connsiteX14" y="connsiteY14"/>
-                </a:cxn>
-                <a:cxn ang="0">
-                  <a:pos x="connsiteX15" y="connsiteY15"/>
-                </a:cxn>
-                <a:cxn ang="0">
-                  <a:pos x="connsiteX16" y="connsiteY16"/>
-                </a:cxn>
-                <a:cxn ang="0">
-                  <a:pos x="connsiteX17" y="connsiteY17"/>
-                </a:cxn>
-                <a:cxn ang="0">
-                  <a:pos x="connsiteX18" y="connsiteY18"/>
-                </a:cxn>
-                <a:cxn ang="0">
-                  <a:pos x="connsiteX19" y="connsiteY19"/>
-                </a:cxn>
-                <a:cxn ang="0">
-                  <a:pos x="connsiteX20" y="connsiteY20"/>
-                </a:cxn>
-                <a:cxn ang="0">
-                  <a:pos x="connsiteX21" y="connsiteY21"/>
-                </a:cxn>
-                <a:cxn ang="0">
-                  <a:pos x="connsiteX22" y="connsiteY22"/>
-                </a:cxn>
-                <a:cxn ang="0">
-                  <a:pos x="connsiteX23" y="connsiteY23"/>
-                </a:cxn>
-              </a:cxnLst>
-              <a:rect l="l" t="t" r="r" b="b"/>
-              <a:pathLst>
-                <a:path w="9286613" h="5552592">
-                  <a:moveTo>
-                    <a:pt x="3572486" y="0"/>
-                  </a:moveTo>
-                  <a:cubicBezTo>
-                    <a:pt x="4453592" y="0"/>
-                    <a:pt x="5178296" y="669635"/>
-                    <a:pt x="5265442" y="1527749"/>
-                  </a:cubicBezTo>
-                  <a:lnTo>
-                    <a:pt x="5269692" y="1611906"/>
-                  </a:lnTo>
-                  <a:lnTo>
-                    <a:pt x="5320143" y="1565496"/>
-                  </a:lnTo>
-                  <a:cubicBezTo>
-                    <a:pt x="5561949" y="1363515"/>
-                    <a:pt x="5871951" y="1242182"/>
-                    <a:pt x="6209951" y="1242182"/>
-                  </a:cubicBezTo>
-                  <a:cubicBezTo>
-                    <a:pt x="6934237" y="1242182"/>
-                    <a:pt x="7529958" y="1799323"/>
-                    <a:pt x="7601594" y="2513279"/>
-                  </a:cubicBezTo>
-                  <a:lnTo>
-                    <a:pt x="7605758" y="2596744"/>
-                  </a:lnTo>
-                  <a:lnTo>
-                    <a:pt x="7701092" y="2596744"/>
-                  </a:lnTo>
-                  <a:lnTo>
-                    <a:pt x="7701092" y="2601682"/>
-                  </a:lnTo>
-                  <a:lnTo>
-                    <a:pt x="7799490" y="2596744"/>
-                  </a:lnTo>
-                  <a:cubicBezTo>
-                    <a:pt x="8620805" y="2596744"/>
-                    <a:pt x="9286613" y="3258433"/>
-                    <a:pt x="9286613" y="4074668"/>
-                  </a:cubicBezTo>
-                  <a:cubicBezTo>
-                    <a:pt x="9286613" y="4890903"/>
-                    <a:pt x="8620805" y="5552592"/>
-                    <a:pt x="7799490" y="5552592"/>
-                  </a:cubicBezTo>
-                  <a:lnTo>
-                    <a:pt x="7701092" y="5547654"/>
-                  </a:lnTo>
-                  <a:lnTo>
-                    <a:pt x="7701092" y="5551066"/>
-                  </a:lnTo>
-                  <a:lnTo>
-                    <a:pt x="1761690" y="5551066"/>
-                  </a:lnTo>
-                  <a:lnTo>
-                    <a:pt x="1761690" y="5545559"/>
-                  </a:lnTo>
-                  <a:lnTo>
-                    <a:pt x="1652631" y="5551066"/>
-                  </a:lnTo>
-                  <a:cubicBezTo>
-                    <a:pt x="739908" y="5551066"/>
-                    <a:pt x="0" y="4811158"/>
-                    <a:pt x="0" y="3898435"/>
-                  </a:cubicBezTo>
-                  <a:cubicBezTo>
-                    <a:pt x="0" y="2985712"/>
-                    <a:pt x="739908" y="2245804"/>
-                    <a:pt x="1652631" y="2245804"/>
-                  </a:cubicBezTo>
-                  <a:cubicBezTo>
-                    <a:pt x="1738199" y="2245804"/>
-                    <a:pt x="1822248" y="2252307"/>
-                    <a:pt x="1904311" y="2264846"/>
-                  </a:cubicBezTo>
-                  <a:lnTo>
-                    <a:pt x="1972946" y="2277990"/>
-                  </a:lnTo>
-                  <a:lnTo>
-                    <a:pt x="1947251" y="2207788"/>
-                  </a:lnTo>
-                  <a:cubicBezTo>
-                    <a:pt x="1897530" y="2047928"/>
-                    <a:pt x="1870744" y="1877963"/>
-                    <a:pt x="1870744" y="1701742"/>
-                  </a:cubicBezTo>
-                  <a:cubicBezTo>
-                    <a:pt x="1870744" y="761896"/>
-                    <a:pt x="2632640" y="0"/>
-                    <a:pt x="3572486" y="0"/>
-                  </a:cubicBezTo>
-                  <a:close/>
-                </a:path>
-              </a:pathLst>
-            </a:custGeom>
-            <a:solidFill>
-              <a:schemeClr val="bg1">
-                <a:lumMod val="85000"/>
-              </a:schemeClr>
-            </a:solidFill>
-            <a:ln w="238125">
-              <a:noFill/>
-            </a:ln>
-          </p:spPr>
-          <p:style>
-            <a:lnRef idx="2">
-              <a:schemeClr val="accent1">
-                <a:shade val="50000"/>
-              </a:schemeClr>
-            </a:lnRef>
-            <a:fillRef idx="1">
-              <a:schemeClr val="accent1"/>
-            </a:fillRef>
-            <a:effectRef idx="0">
-              <a:schemeClr val="accent1"/>
-            </a:effectRef>
-            <a:fontRef idx="minor">
-              <a:schemeClr val="lt1"/>
-            </a:fontRef>
-          </p:style>
-          <p:txBody>
-            <a:bodyPr rtlCol="0" anchor="ctr"/>
-            <a:lstStyle/>
-            <a:p>
-              <a:pPr algn="ctr"/>
-              <a:endParaRPr lang="ko-KR" altLang="en-US" dirty="0"/>
-            </a:p>
-          </p:txBody>
-        </p:sp>
-      </p:grpSp>
-      <p:grpSp>
-        <p:nvGrpSpPr>
-          <p:cNvPr id="30" name="그룹 29">
-            <a:extLst>
-              <a:ext uri="{FF2B5EF4-FFF2-40B4-BE49-F238E27FC236}">
-                <a16:creationId xmlns:a16="http://schemas.microsoft.com/office/drawing/2014/main" id="{280DD23D-FD41-481B-9E65-E0B0DB9A740F}"/>
-              </a:ext>
-            </a:extLst>
-          </p:cNvPr>
-          <p:cNvGrpSpPr/>
-          <p:nvPr/>
-        </p:nvGrpSpPr>
-        <p:grpSpPr>
-          <a:xfrm>
-            <a:off x="3129095" y="4610143"/>
-            <a:ext cx="5086761" cy="2015561"/>
-            <a:chOff x="3129095" y="4610143"/>
-            <a:chExt cx="5086761" cy="2015561"/>
-          </a:xfrm>
-        </p:grpSpPr>
+          </p:grpSpPr>
+          <p:sp>
+            <p:nvSpPr>
+              <p:cNvPr id="43" name="타원 42">
+                <a:extLst>
+                  <a:ext uri="{FF2B5EF4-FFF2-40B4-BE49-F238E27FC236}">
+                    <a16:creationId xmlns:a16="http://schemas.microsoft.com/office/drawing/2014/main" id="{3D12365D-2513-4777-9463-41A72CEC6434}"/>
+                  </a:ext>
+                </a:extLst>
+              </p:cNvPr>
+              <p:cNvSpPr/>
+              <p:nvPr/>
+            </p:nvSpPr>
+            <p:spPr>
+              <a:xfrm rot="1488213">
+                <a:off x="8030636" y="4806712"/>
+                <a:ext cx="276836" cy="923936"/>
+              </a:xfrm>
+              <a:prstGeom prst="ellipse">
+                <a:avLst/>
+              </a:prstGeom>
+              <a:solidFill>
+                <a:srgbClr val="00B0F0"/>
+              </a:solidFill>
+              <a:ln>
+                <a:noFill/>
+              </a:ln>
+            </p:spPr>
+            <p:style>
+              <a:lnRef idx="2">
+                <a:schemeClr val="accent1">
+                  <a:shade val="50000"/>
+                </a:schemeClr>
+              </a:lnRef>
+              <a:fillRef idx="1">
+                <a:schemeClr val="accent1"/>
+              </a:fillRef>
+              <a:effectRef idx="0">
+                <a:schemeClr val="accent1"/>
+              </a:effectRef>
+              <a:fontRef idx="minor">
+                <a:schemeClr val="lt1"/>
+              </a:fontRef>
+            </p:style>
+            <p:txBody>
+              <a:bodyPr rtlCol="0" anchor="ctr"/>
+              <a:lstStyle/>
+              <a:p>
+                <a:pPr algn="ctr"/>
+                <a:endParaRPr lang="ko-KR" altLang="en-US"/>
+              </a:p>
+            </p:txBody>
+          </p:sp>
+          <p:sp>
+            <p:nvSpPr>
+              <p:cNvPr id="41" name="자유형: 도형 40">
+                <a:extLst>
+                  <a:ext uri="{FF2B5EF4-FFF2-40B4-BE49-F238E27FC236}">
+                    <a16:creationId xmlns:a16="http://schemas.microsoft.com/office/drawing/2014/main" id="{7D846E8D-8695-477F-8C78-09CBBC01FB31}"/>
+                  </a:ext>
+                </a:extLst>
+              </p:cNvPr>
+              <p:cNvSpPr/>
+              <p:nvPr/>
+            </p:nvSpPr>
+            <p:spPr>
+              <a:xfrm>
+                <a:off x="2415199" y="681038"/>
+                <a:ext cx="6766886" cy="4046013"/>
+              </a:xfrm>
+              <a:custGeom>
+                <a:avLst/>
+                <a:gdLst>
+                  <a:gd name="connsiteX0" fmla="*/ 3572486 w 9286613"/>
+                  <a:gd name="connsiteY0" fmla="*/ 0 h 5552592"/>
+                  <a:gd name="connsiteX1" fmla="*/ 5265442 w 9286613"/>
+                  <a:gd name="connsiteY1" fmla="*/ 1527749 h 5552592"/>
+                  <a:gd name="connsiteX2" fmla="*/ 5269692 w 9286613"/>
+                  <a:gd name="connsiteY2" fmla="*/ 1611906 h 5552592"/>
+                  <a:gd name="connsiteX3" fmla="*/ 5320143 w 9286613"/>
+                  <a:gd name="connsiteY3" fmla="*/ 1565496 h 5552592"/>
+                  <a:gd name="connsiteX4" fmla="*/ 6209951 w 9286613"/>
+                  <a:gd name="connsiteY4" fmla="*/ 1242182 h 5552592"/>
+                  <a:gd name="connsiteX5" fmla="*/ 7601594 w 9286613"/>
+                  <a:gd name="connsiteY5" fmla="*/ 2513279 h 5552592"/>
+                  <a:gd name="connsiteX6" fmla="*/ 7605758 w 9286613"/>
+                  <a:gd name="connsiteY6" fmla="*/ 2596744 h 5552592"/>
+                  <a:gd name="connsiteX7" fmla="*/ 7701092 w 9286613"/>
+                  <a:gd name="connsiteY7" fmla="*/ 2596744 h 5552592"/>
+                  <a:gd name="connsiteX8" fmla="*/ 7701092 w 9286613"/>
+                  <a:gd name="connsiteY8" fmla="*/ 2601682 h 5552592"/>
+                  <a:gd name="connsiteX9" fmla="*/ 7799490 w 9286613"/>
+                  <a:gd name="connsiteY9" fmla="*/ 2596744 h 5552592"/>
+                  <a:gd name="connsiteX10" fmla="*/ 9286613 w 9286613"/>
+                  <a:gd name="connsiteY10" fmla="*/ 4074668 h 5552592"/>
+                  <a:gd name="connsiteX11" fmla="*/ 7799490 w 9286613"/>
+                  <a:gd name="connsiteY11" fmla="*/ 5552592 h 5552592"/>
+                  <a:gd name="connsiteX12" fmla="*/ 7701092 w 9286613"/>
+                  <a:gd name="connsiteY12" fmla="*/ 5547654 h 5552592"/>
+                  <a:gd name="connsiteX13" fmla="*/ 7701092 w 9286613"/>
+                  <a:gd name="connsiteY13" fmla="*/ 5551066 h 5552592"/>
+                  <a:gd name="connsiteX14" fmla="*/ 1761690 w 9286613"/>
+                  <a:gd name="connsiteY14" fmla="*/ 5551066 h 5552592"/>
+                  <a:gd name="connsiteX15" fmla="*/ 1761690 w 9286613"/>
+                  <a:gd name="connsiteY15" fmla="*/ 5545559 h 5552592"/>
+                  <a:gd name="connsiteX16" fmla="*/ 1652631 w 9286613"/>
+                  <a:gd name="connsiteY16" fmla="*/ 5551066 h 5552592"/>
+                  <a:gd name="connsiteX17" fmla="*/ 0 w 9286613"/>
+                  <a:gd name="connsiteY17" fmla="*/ 3898435 h 5552592"/>
+                  <a:gd name="connsiteX18" fmla="*/ 1652631 w 9286613"/>
+                  <a:gd name="connsiteY18" fmla="*/ 2245804 h 5552592"/>
+                  <a:gd name="connsiteX19" fmla="*/ 1904311 w 9286613"/>
+                  <a:gd name="connsiteY19" fmla="*/ 2264846 h 5552592"/>
+                  <a:gd name="connsiteX20" fmla="*/ 1972946 w 9286613"/>
+                  <a:gd name="connsiteY20" fmla="*/ 2277990 h 5552592"/>
+                  <a:gd name="connsiteX21" fmla="*/ 1947251 w 9286613"/>
+                  <a:gd name="connsiteY21" fmla="*/ 2207788 h 5552592"/>
+                  <a:gd name="connsiteX22" fmla="*/ 1870744 w 9286613"/>
+                  <a:gd name="connsiteY22" fmla="*/ 1701742 h 5552592"/>
+                  <a:gd name="connsiteX23" fmla="*/ 3572486 w 9286613"/>
+                  <a:gd name="connsiteY23" fmla="*/ 0 h 5552592"/>
+                </a:gdLst>
+                <a:ahLst/>
+                <a:cxnLst>
+                  <a:cxn ang="0">
+                    <a:pos x="connsiteX0" y="connsiteY0"/>
+                  </a:cxn>
+                  <a:cxn ang="0">
+                    <a:pos x="connsiteX1" y="connsiteY1"/>
+                  </a:cxn>
+                  <a:cxn ang="0">
+                    <a:pos x="connsiteX2" y="connsiteY2"/>
+                  </a:cxn>
+                  <a:cxn ang="0">
+                    <a:pos x="connsiteX3" y="connsiteY3"/>
+                  </a:cxn>
+                  <a:cxn ang="0">
+                    <a:pos x="connsiteX4" y="connsiteY4"/>
+                  </a:cxn>
+                  <a:cxn ang="0">
+                    <a:pos x="connsiteX5" y="connsiteY5"/>
+                  </a:cxn>
+                  <a:cxn ang="0">
+                    <a:pos x="connsiteX6" y="connsiteY6"/>
+                  </a:cxn>
+                  <a:cxn ang="0">
+                    <a:pos x="connsiteX7" y="connsiteY7"/>
+                  </a:cxn>
+                  <a:cxn ang="0">
+                    <a:pos x="connsiteX8" y="connsiteY8"/>
+                  </a:cxn>
+                  <a:cxn ang="0">
+                    <a:pos x="connsiteX9" y="connsiteY9"/>
+                  </a:cxn>
+                  <a:cxn ang="0">
+                    <a:pos x="connsiteX10" y="connsiteY10"/>
+                  </a:cxn>
+                  <a:cxn ang="0">
+                    <a:pos x="connsiteX11" y="connsiteY11"/>
+                  </a:cxn>
+                  <a:cxn ang="0">
+                    <a:pos x="connsiteX12" y="connsiteY12"/>
+                  </a:cxn>
+                  <a:cxn ang="0">
+                    <a:pos x="connsiteX13" y="connsiteY13"/>
+                  </a:cxn>
+                  <a:cxn ang="0">
+                    <a:pos x="connsiteX14" y="connsiteY14"/>
+                  </a:cxn>
+                  <a:cxn ang="0">
+                    <a:pos x="connsiteX15" y="connsiteY15"/>
+                  </a:cxn>
+                  <a:cxn ang="0">
+                    <a:pos x="connsiteX16" y="connsiteY16"/>
+                  </a:cxn>
+                  <a:cxn ang="0">
+                    <a:pos x="connsiteX17" y="connsiteY17"/>
+                  </a:cxn>
+                  <a:cxn ang="0">
+                    <a:pos x="connsiteX18" y="connsiteY18"/>
+                  </a:cxn>
+                  <a:cxn ang="0">
+                    <a:pos x="connsiteX19" y="connsiteY19"/>
+                  </a:cxn>
+                  <a:cxn ang="0">
+                    <a:pos x="connsiteX20" y="connsiteY20"/>
+                  </a:cxn>
+                  <a:cxn ang="0">
+                    <a:pos x="connsiteX21" y="connsiteY21"/>
+                  </a:cxn>
+                  <a:cxn ang="0">
+                    <a:pos x="connsiteX22" y="connsiteY22"/>
+                  </a:cxn>
+                  <a:cxn ang="0">
+                    <a:pos x="connsiteX23" y="connsiteY23"/>
+                  </a:cxn>
+                </a:cxnLst>
+                <a:rect l="l" t="t" r="r" b="b"/>
+                <a:pathLst>
+                  <a:path w="9286613" h="5552592">
+                    <a:moveTo>
+                      <a:pt x="3572486" y="0"/>
+                    </a:moveTo>
+                    <a:cubicBezTo>
+                      <a:pt x="4453592" y="0"/>
+                      <a:pt x="5178296" y="669635"/>
+                      <a:pt x="5265442" y="1527749"/>
+                    </a:cubicBezTo>
+                    <a:lnTo>
+                      <a:pt x="5269692" y="1611906"/>
+                    </a:lnTo>
+                    <a:lnTo>
+                      <a:pt x="5320143" y="1565496"/>
+                    </a:lnTo>
+                    <a:cubicBezTo>
+                      <a:pt x="5561949" y="1363515"/>
+                      <a:pt x="5871951" y="1242182"/>
+                      <a:pt x="6209951" y="1242182"/>
+                    </a:cubicBezTo>
+                    <a:cubicBezTo>
+                      <a:pt x="6934237" y="1242182"/>
+                      <a:pt x="7529958" y="1799323"/>
+                      <a:pt x="7601594" y="2513279"/>
+                    </a:cubicBezTo>
+                    <a:lnTo>
+                      <a:pt x="7605758" y="2596744"/>
+                    </a:lnTo>
+                    <a:lnTo>
+                      <a:pt x="7701092" y="2596744"/>
+                    </a:lnTo>
+                    <a:lnTo>
+                      <a:pt x="7701092" y="2601682"/>
+                    </a:lnTo>
+                    <a:lnTo>
+                      <a:pt x="7799490" y="2596744"/>
+                    </a:lnTo>
+                    <a:cubicBezTo>
+                      <a:pt x="8620805" y="2596744"/>
+                      <a:pt x="9286613" y="3258433"/>
+                      <a:pt x="9286613" y="4074668"/>
+                    </a:cubicBezTo>
+                    <a:cubicBezTo>
+                      <a:pt x="9286613" y="4890903"/>
+                      <a:pt x="8620805" y="5552592"/>
+                      <a:pt x="7799490" y="5552592"/>
+                    </a:cubicBezTo>
+                    <a:lnTo>
+                      <a:pt x="7701092" y="5547654"/>
+                    </a:lnTo>
+                    <a:lnTo>
+                      <a:pt x="7701092" y="5551066"/>
+                    </a:lnTo>
+                    <a:lnTo>
+                      <a:pt x="1761690" y="5551066"/>
+                    </a:lnTo>
+                    <a:lnTo>
+                      <a:pt x="1761690" y="5545559"/>
+                    </a:lnTo>
+                    <a:lnTo>
+                      <a:pt x="1652631" y="5551066"/>
+                    </a:lnTo>
+                    <a:cubicBezTo>
+                      <a:pt x="739908" y="5551066"/>
+                      <a:pt x="0" y="4811158"/>
+                      <a:pt x="0" y="3898435"/>
+                    </a:cubicBezTo>
+                    <a:cubicBezTo>
+                      <a:pt x="0" y="2985712"/>
+                      <a:pt x="739908" y="2245804"/>
+                      <a:pt x="1652631" y="2245804"/>
+                    </a:cubicBezTo>
+                    <a:cubicBezTo>
+                      <a:pt x="1738199" y="2245804"/>
+                      <a:pt x="1822248" y="2252307"/>
+                      <a:pt x="1904311" y="2264846"/>
+                    </a:cubicBezTo>
+                    <a:lnTo>
+                      <a:pt x="1972946" y="2277990"/>
+                    </a:lnTo>
+                    <a:lnTo>
+                      <a:pt x="1947251" y="2207788"/>
+                    </a:lnTo>
+                    <a:cubicBezTo>
+                      <a:pt x="1897530" y="2047928"/>
+                      <a:pt x="1870744" y="1877963"/>
+                      <a:pt x="1870744" y="1701742"/>
+                    </a:cubicBezTo>
+                    <a:cubicBezTo>
+                      <a:pt x="1870744" y="761896"/>
+                      <a:pt x="2632640" y="0"/>
+                      <a:pt x="3572486" y="0"/>
+                    </a:cubicBezTo>
+                    <a:close/>
+                  </a:path>
+                </a:pathLst>
+              </a:custGeom>
+              <a:solidFill>
+                <a:schemeClr val="bg1">
+                  <a:lumMod val="85000"/>
+                </a:schemeClr>
+              </a:solidFill>
+              <a:ln w="238125">
+                <a:noFill/>
+              </a:ln>
+            </p:spPr>
+            <p:style>
+              <a:lnRef idx="2">
+                <a:schemeClr val="accent1">
+                  <a:shade val="50000"/>
+                </a:schemeClr>
+              </a:lnRef>
+              <a:fillRef idx="1">
+                <a:schemeClr val="accent1"/>
+              </a:fillRef>
+              <a:effectRef idx="0">
+                <a:schemeClr val="accent1"/>
+              </a:effectRef>
+              <a:fontRef idx="minor">
+                <a:schemeClr val="lt1"/>
+              </a:fontRef>
+            </p:style>
+            <p:txBody>
+              <a:bodyPr rtlCol="0" anchor="ctr"/>
+              <a:lstStyle/>
+              <a:p>
+                <a:pPr algn="ctr"/>
+                <a:endParaRPr lang="ko-KR" altLang="en-US" dirty="0"/>
+              </a:p>
+            </p:txBody>
+          </p:sp>
+        </p:grpSp>
         <p:sp>
           <p:nvSpPr>
-            <p:cNvPr id="10" name="타원 9">
+            <p:cNvPr id="61" name="타원 60">
               <a:extLst>
                 <a:ext uri="{FF2B5EF4-FFF2-40B4-BE49-F238E27FC236}">
-                  <a16:creationId xmlns:a16="http://schemas.microsoft.com/office/drawing/2014/main" id="{E005A714-2D84-444A-9A02-A9ABEAAC36E7}"/>
+                  <a16:creationId xmlns:a16="http://schemas.microsoft.com/office/drawing/2014/main" id="{A3A27A1A-B183-4511-A220-EDEDFD8231BA}"/>
                 </a:ext>
               </a:extLst>
             </p:cNvPr>
@@ -5316,8 +5369,8 @@
           </p:nvSpPr>
           <p:spPr>
             <a:xfrm rot="1488213">
-              <a:off x="3129095" y="4726666"/>
-              <a:ext cx="276836" cy="551153"/>
+              <a:off x="6958242" y="4806712"/>
+              <a:ext cx="276836" cy="923936"/>
             </a:xfrm>
             <a:prstGeom prst="ellipse">
               <a:avLst/>
@@ -5356,10 +5409,10 @@
         </p:sp>
         <p:sp>
           <p:nvSpPr>
-            <p:cNvPr id="11" name="타원 10">
+            <p:cNvPr id="62" name="타원 61">
               <a:extLst>
                 <a:ext uri="{FF2B5EF4-FFF2-40B4-BE49-F238E27FC236}">
-                  <a16:creationId xmlns:a16="http://schemas.microsoft.com/office/drawing/2014/main" id="{DD75D341-32DF-46B3-8F66-03B8E32D9E34}"/>
+                  <a16:creationId xmlns:a16="http://schemas.microsoft.com/office/drawing/2014/main" id="{77CA4208-C6CD-46BA-83A8-755352AE07FC}"/>
                 </a:ext>
               </a:extLst>
             </p:cNvPr>
@@ -5368,8 +5421,8 @@
           </p:nvSpPr>
           <p:spPr>
             <a:xfrm rot="1488213">
-              <a:off x="7939020" y="4759696"/>
-              <a:ext cx="276836" cy="551153"/>
+              <a:off x="6025610" y="4748205"/>
+              <a:ext cx="276836" cy="923936"/>
             </a:xfrm>
             <a:prstGeom prst="ellipse">
               <a:avLst/>
@@ -5408,10 +5461,10 @@
         </p:sp>
         <p:sp>
           <p:nvSpPr>
-            <p:cNvPr id="12" name="타원 11">
+            <p:cNvPr id="65" name="타원 64">
               <a:extLst>
                 <a:ext uri="{FF2B5EF4-FFF2-40B4-BE49-F238E27FC236}">
-                  <a16:creationId xmlns:a16="http://schemas.microsoft.com/office/drawing/2014/main" id="{71D7B95E-B0D6-423F-8F89-3EEB08F18AAD}"/>
+                  <a16:creationId xmlns:a16="http://schemas.microsoft.com/office/drawing/2014/main" id="{E33407E9-6519-460F-824F-82CE70273C28}"/>
                 </a:ext>
               </a:extLst>
             </p:cNvPr>
@@ -5420,8 +5473,8 @@
           </p:nvSpPr>
           <p:spPr>
             <a:xfrm rot="1488213">
-              <a:off x="3382659" y="5405604"/>
-              <a:ext cx="276836" cy="551153"/>
+              <a:off x="5022093" y="4698345"/>
+              <a:ext cx="276836" cy="923936"/>
             </a:xfrm>
             <a:prstGeom prst="ellipse">
               <a:avLst/>
@@ -5460,10 +5513,10 @@
         </p:sp>
         <p:sp>
           <p:nvSpPr>
-            <p:cNvPr id="13" name="타원 12">
+            <p:cNvPr id="66" name="타원 65">
               <a:extLst>
                 <a:ext uri="{FF2B5EF4-FFF2-40B4-BE49-F238E27FC236}">
-                  <a16:creationId xmlns:a16="http://schemas.microsoft.com/office/drawing/2014/main" id="{FB544CB1-4C6A-486F-938C-9CB6F2B75B6B}"/>
+                  <a16:creationId xmlns:a16="http://schemas.microsoft.com/office/drawing/2014/main" id="{46A464C6-16CB-4121-854C-BC68AD009628}"/>
                 </a:ext>
               </a:extLst>
             </p:cNvPr>
@@ -5472,8 +5525,8 @@
           </p:nvSpPr>
           <p:spPr>
             <a:xfrm rot="1488213">
-              <a:off x="3815713" y="4699094"/>
-              <a:ext cx="276836" cy="551153"/>
+              <a:off x="4184591" y="5761551"/>
+              <a:ext cx="276836" cy="923936"/>
             </a:xfrm>
             <a:prstGeom prst="ellipse">
               <a:avLst/>
@@ -5512,10 +5565,10 @@
         </p:sp>
         <p:sp>
           <p:nvSpPr>
-            <p:cNvPr id="15" name="타원 14">
+            <p:cNvPr id="68" name="타원 67">
               <a:extLst>
                 <a:ext uri="{FF2B5EF4-FFF2-40B4-BE49-F238E27FC236}">
-                  <a16:creationId xmlns:a16="http://schemas.microsoft.com/office/drawing/2014/main" id="{58EE878C-654D-49DA-BAFF-83A6E6DFFF00}"/>
+                  <a16:creationId xmlns:a16="http://schemas.microsoft.com/office/drawing/2014/main" id="{E22228AF-D2FA-42C2-991A-98C1E7A71927}"/>
                 </a:ext>
               </a:extLst>
             </p:cNvPr>
@@ -5524,8 +5577,8 @@
           </p:nvSpPr>
           <p:spPr>
             <a:xfrm rot="1488213">
-              <a:off x="4222665" y="5339407"/>
-              <a:ext cx="276836" cy="551153"/>
+              <a:off x="3173789" y="5714994"/>
+              <a:ext cx="276836" cy="923936"/>
             </a:xfrm>
             <a:prstGeom prst="ellipse">
               <a:avLst/>
@@ -5564,10 +5617,10 @@
         </p:sp>
         <p:sp>
           <p:nvSpPr>
-            <p:cNvPr id="17" name="타원 16">
+            <p:cNvPr id="69" name="타원 68">
               <a:extLst>
                 <a:ext uri="{FF2B5EF4-FFF2-40B4-BE49-F238E27FC236}">
-                  <a16:creationId xmlns:a16="http://schemas.microsoft.com/office/drawing/2014/main" id="{943F675C-ACB1-4725-9659-DF220E2588E9}"/>
+                  <a16:creationId xmlns:a16="http://schemas.microsoft.com/office/drawing/2014/main" id="{426D4A8B-0041-4AB1-8C07-393C17A9193A}"/>
                 </a:ext>
               </a:extLst>
             </p:cNvPr>
@@ -5576,8 +5629,8 @@
           </p:nvSpPr>
           <p:spPr>
             <a:xfrm rot="1488213">
-              <a:off x="4805952" y="4699094"/>
-              <a:ext cx="276836" cy="551153"/>
+              <a:off x="5142169" y="5853015"/>
+              <a:ext cx="276836" cy="923936"/>
             </a:xfrm>
             <a:prstGeom prst="ellipse">
               <a:avLst/>
@@ -5616,10 +5669,10 @@
         </p:sp>
         <p:sp>
           <p:nvSpPr>
-            <p:cNvPr id="18" name="타원 17">
+            <p:cNvPr id="70" name="타원 69">
               <a:extLst>
                 <a:ext uri="{FF2B5EF4-FFF2-40B4-BE49-F238E27FC236}">
-                  <a16:creationId xmlns:a16="http://schemas.microsoft.com/office/drawing/2014/main" id="{66BD8ED6-60ED-47C8-A856-01C0C714005B}"/>
+                  <a16:creationId xmlns:a16="http://schemas.microsoft.com/office/drawing/2014/main" id="{235F3F06-BFBA-4EC9-BDCA-50EE7CDD4B58}"/>
                 </a:ext>
               </a:extLst>
             </p:cNvPr>
@@ -5628,8 +5681,8 @@
           </p:nvSpPr>
           <p:spPr>
             <a:xfrm rot="1488213">
-              <a:off x="5963003" y="5600781"/>
-              <a:ext cx="276836" cy="551153"/>
+              <a:off x="6204035" y="5781563"/>
+              <a:ext cx="276836" cy="923936"/>
             </a:xfrm>
             <a:prstGeom prst="ellipse">
               <a:avLst/>
@@ -5668,10 +5721,10 @@
         </p:sp>
         <p:sp>
           <p:nvSpPr>
-            <p:cNvPr id="19" name="타원 18">
+            <p:cNvPr id="71" name="타원 70">
               <a:extLst>
                 <a:ext uri="{FF2B5EF4-FFF2-40B4-BE49-F238E27FC236}">
-                  <a16:creationId xmlns:a16="http://schemas.microsoft.com/office/drawing/2014/main" id="{862AE9D1-0FDD-4EC1-8617-A64D6E43E910}"/>
+                  <a16:creationId xmlns:a16="http://schemas.microsoft.com/office/drawing/2014/main" id="{E6641042-1D8A-4393-8DF1-1DE6DFDB198A}"/>
                 </a:ext>
               </a:extLst>
             </p:cNvPr>
@@ -5680,8 +5733,8 @@
           </p:nvSpPr>
           <p:spPr>
             <a:xfrm rot="1488213">
-              <a:off x="7504141" y="5339406"/>
-              <a:ext cx="276836" cy="551153"/>
+              <a:off x="7265903" y="5779203"/>
+              <a:ext cx="276836" cy="923936"/>
             </a:xfrm>
             <a:prstGeom prst="ellipse">
               <a:avLst/>
@@ -5720,10 +5773,10 @@
         </p:sp>
         <p:sp>
           <p:nvSpPr>
-            <p:cNvPr id="20" name="타원 19">
+            <p:cNvPr id="72" name="타원 71">
               <a:extLst>
                 <a:ext uri="{FF2B5EF4-FFF2-40B4-BE49-F238E27FC236}">
-                  <a16:creationId xmlns:a16="http://schemas.microsoft.com/office/drawing/2014/main" id="{78C5C58A-C6EA-41BD-9DDF-3D6DBC332E23}"/>
+                  <a16:creationId xmlns:a16="http://schemas.microsoft.com/office/drawing/2014/main" id="{016C2398-8652-4F2E-83E6-EC813E2B9C7A}"/>
                 </a:ext>
               </a:extLst>
             </p:cNvPr>
@@ -5732,8 +5785,8 @@
           </p:nvSpPr>
           <p:spPr>
             <a:xfrm rot="1488213">
-              <a:off x="7283033" y="4610143"/>
-              <a:ext cx="276836" cy="551153"/>
+              <a:off x="8194645" y="5694707"/>
+              <a:ext cx="276836" cy="923936"/>
             </a:xfrm>
             <a:prstGeom prst="ellipse">
               <a:avLst/>
@@ -5772,10 +5825,10 @@
         </p:sp>
         <p:sp>
           <p:nvSpPr>
-            <p:cNvPr id="21" name="타원 20">
+            <p:cNvPr id="74" name="타원 73">
               <a:extLst>
                 <a:ext uri="{FF2B5EF4-FFF2-40B4-BE49-F238E27FC236}">
-                  <a16:creationId xmlns:a16="http://schemas.microsoft.com/office/drawing/2014/main" id="{2DA2861A-F1BA-41A5-8639-3F224E163234}"/>
+                  <a16:creationId xmlns:a16="http://schemas.microsoft.com/office/drawing/2014/main" id="{5E9534D8-C8EE-44B6-8BAF-CD52B4FA2F8D}"/>
                 </a:ext>
               </a:extLst>
             </p:cNvPr>
@@ -5784,8 +5837,8 @@
           </p:nvSpPr>
           <p:spPr>
             <a:xfrm rot="1488213">
-              <a:off x="6800521" y="5263013"/>
-              <a:ext cx="276836" cy="551153"/>
+              <a:off x="3946304" y="4720424"/>
+              <a:ext cx="276836" cy="923936"/>
             </a:xfrm>
             <a:prstGeom prst="ellipse">
               <a:avLst/>
@@ -5824,10 +5877,10 @@
         </p:sp>
         <p:sp>
           <p:nvSpPr>
-            <p:cNvPr id="22" name="타원 21">
+            <p:cNvPr id="75" name="타원 74">
               <a:extLst>
                 <a:ext uri="{FF2B5EF4-FFF2-40B4-BE49-F238E27FC236}">
-                  <a16:creationId xmlns:a16="http://schemas.microsoft.com/office/drawing/2014/main" id="{1BDB3232-D550-4632-9E20-122DF104291B}"/>
+                  <a16:creationId xmlns:a16="http://schemas.microsoft.com/office/drawing/2014/main" id="{4912C763-3069-4517-9387-3FE570144A4F}"/>
                 </a:ext>
               </a:extLst>
             </p:cNvPr>
@@ -5836,372 +5889,8 @@
           </p:nvSpPr>
           <p:spPr>
             <a:xfrm rot="1488213">
-              <a:off x="6504317" y="4678512"/>
-              <a:ext cx="276836" cy="551153"/>
-            </a:xfrm>
-            <a:prstGeom prst="ellipse">
-              <a:avLst/>
-            </a:prstGeom>
-            <a:solidFill>
-              <a:srgbClr val="00B0F0"/>
-            </a:solidFill>
-            <a:ln>
-              <a:noFill/>
-            </a:ln>
-          </p:spPr>
-          <p:style>
-            <a:lnRef idx="2">
-              <a:schemeClr val="accent1">
-                <a:shade val="50000"/>
-              </a:schemeClr>
-            </a:lnRef>
-            <a:fillRef idx="1">
-              <a:schemeClr val="accent1"/>
-            </a:fillRef>
-            <a:effectRef idx="0">
-              <a:schemeClr val="accent1"/>
-            </a:effectRef>
-            <a:fontRef idx="minor">
-              <a:schemeClr val="lt1"/>
-            </a:fontRef>
-          </p:style>
-          <p:txBody>
-            <a:bodyPr rtlCol="0" anchor="ctr"/>
-            <a:lstStyle/>
-            <a:p>
-              <a:pPr algn="ctr"/>
-              <a:endParaRPr lang="ko-KR" altLang="en-US"/>
-            </a:p>
-          </p:txBody>
-        </p:sp>
-        <p:sp>
-          <p:nvSpPr>
-            <p:cNvPr id="23" name="타원 22">
-              <a:extLst>
-                <a:ext uri="{FF2B5EF4-FFF2-40B4-BE49-F238E27FC236}">
-                  <a16:creationId xmlns:a16="http://schemas.microsoft.com/office/drawing/2014/main" id="{DC6F274D-0D84-48ED-B0BB-6C0102AE9014}"/>
-                </a:ext>
-              </a:extLst>
-            </p:cNvPr>
-            <p:cNvSpPr/>
-            <p:nvPr/>
-          </p:nvSpPr>
-          <p:spPr>
-            <a:xfrm rot="1488213">
-              <a:off x="5089590" y="5385257"/>
-              <a:ext cx="276836" cy="551153"/>
-            </a:xfrm>
-            <a:prstGeom prst="ellipse">
-              <a:avLst/>
-            </a:prstGeom>
-            <a:solidFill>
-              <a:srgbClr val="00B0F0"/>
-            </a:solidFill>
-            <a:ln>
-              <a:noFill/>
-            </a:ln>
-          </p:spPr>
-          <p:style>
-            <a:lnRef idx="2">
-              <a:schemeClr val="accent1">
-                <a:shade val="50000"/>
-              </a:schemeClr>
-            </a:lnRef>
-            <a:fillRef idx="1">
-              <a:schemeClr val="accent1"/>
-            </a:fillRef>
-            <a:effectRef idx="0">
-              <a:schemeClr val="accent1"/>
-            </a:effectRef>
-            <a:fontRef idx="minor">
-              <a:schemeClr val="lt1"/>
-            </a:fontRef>
-          </p:style>
-          <p:txBody>
-            <a:bodyPr rtlCol="0" anchor="ctr"/>
-            <a:lstStyle/>
-            <a:p>
-              <a:pPr algn="ctr"/>
-              <a:endParaRPr lang="ko-KR" altLang="en-US"/>
-            </a:p>
-          </p:txBody>
-        </p:sp>
-        <p:sp>
-          <p:nvSpPr>
-            <p:cNvPr id="24" name="타원 23">
-              <a:extLst>
-                <a:ext uri="{FF2B5EF4-FFF2-40B4-BE49-F238E27FC236}">
-                  <a16:creationId xmlns:a16="http://schemas.microsoft.com/office/drawing/2014/main" id="{59641FE0-FD6E-42C3-86CE-279FBE7745F3}"/>
-                </a:ext>
-              </a:extLst>
-            </p:cNvPr>
-            <p:cNvSpPr/>
-            <p:nvPr/>
-          </p:nvSpPr>
-          <p:spPr>
-            <a:xfrm rot="1488213">
-              <a:off x="5695079" y="4676110"/>
-              <a:ext cx="276836" cy="551153"/>
-            </a:xfrm>
-            <a:prstGeom prst="ellipse">
-              <a:avLst/>
-            </a:prstGeom>
-            <a:solidFill>
-              <a:srgbClr val="00B0F0"/>
-            </a:solidFill>
-            <a:ln>
-              <a:noFill/>
-            </a:ln>
-          </p:spPr>
-          <p:style>
-            <a:lnRef idx="2">
-              <a:schemeClr val="accent1">
-                <a:shade val="50000"/>
-              </a:schemeClr>
-            </a:lnRef>
-            <a:fillRef idx="1">
-              <a:schemeClr val="accent1"/>
-            </a:fillRef>
-            <a:effectRef idx="0">
-              <a:schemeClr val="accent1"/>
-            </a:effectRef>
-            <a:fontRef idx="minor">
-              <a:schemeClr val="lt1"/>
-            </a:fontRef>
-          </p:style>
-          <p:txBody>
-            <a:bodyPr rtlCol="0" anchor="ctr"/>
-            <a:lstStyle/>
-            <a:p>
-              <a:pPr algn="ctr"/>
-              <a:endParaRPr lang="ko-KR" altLang="en-US"/>
-            </a:p>
-          </p:txBody>
-        </p:sp>
-        <p:sp>
-          <p:nvSpPr>
-            <p:cNvPr id="25" name="타원 24">
-              <a:extLst>
-                <a:ext uri="{FF2B5EF4-FFF2-40B4-BE49-F238E27FC236}">
-                  <a16:creationId xmlns:a16="http://schemas.microsoft.com/office/drawing/2014/main" id="{3849A3D0-7114-4A37-845B-4CC878075F92}"/>
-                </a:ext>
-              </a:extLst>
-            </p:cNvPr>
-            <p:cNvSpPr/>
-            <p:nvPr/>
-          </p:nvSpPr>
-          <p:spPr>
-            <a:xfrm rot="1488213">
-              <a:off x="3814253" y="5977515"/>
-              <a:ext cx="276836" cy="551153"/>
-            </a:xfrm>
-            <a:prstGeom prst="ellipse">
-              <a:avLst/>
-            </a:prstGeom>
-            <a:solidFill>
-              <a:srgbClr val="00B0F0"/>
-            </a:solidFill>
-            <a:ln>
-              <a:noFill/>
-            </a:ln>
-          </p:spPr>
-          <p:style>
-            <a:lnRef idx="2">
-              <a:schemeClr val="accent1">
-                <a:shade val="50000"/>
-              </a:schemeClr>
-            </a:lnRef>
-            <a:fillRef idx="1">
-              <a:schemeClr val="accent1"/>
-            </a:fillRef>
-            <a:effectRef idx="0">
-              <a:schemeClr val="accent1"/>
-            </a:effectRef>
-            <a:fontRef idx="minor">
-              <a:schemeClr val="lt1"/>
-            </a:fontRef>
-          </p:style>
-          <p:txBody>
-            <a:bodyPr rtlCol="0" anchor="ctr"/>
-            <a:lstStyle/>
-            <a:p>
-              <a:pPr algn="ctr"/>
-              <a:endParaRPr lang="ko-KR" altLang="en-US"/>
-            </a:p>
-          </p:txBody>
-        </p:sp>
-        <p:sp>
-          <p:nvSpPr>
-            <p:cNvPr id="26" name="타원 25">
-              <a:extLst>
-                <a:ext uri="{FF2B5EF4-FFF2-40B4-BE49-F238E27FC236}">
-                  <a16:creationId xmlns:a16="http://schemas.microsoft.com/office/drawing/2014/main" id="{94BCA655-4181-4DE9-88A4-C82D9938AA68}"/>
-                </a:ext>
-              </a:extLst>
-            </p:cNvPr>
-            <p:cNvSpPr/>
-            <p:nvPr/>
-          </p:nvSpPr>
-          <p:spPr>
-            <a:xfrm rot="1488213">
-              <a:off x="6836416" y="6074551"/>
-              <a:ext cx="276836" cy="551153"/>
-            </a:xfrm>
-            <a:prstGeom prst="ellipse">
-              <a:avLst/>
-            </a:prstGeom>
-            <a:solidFill>
-              <a:srgbClr val="00B0F0"/>
-            </a:solidFill>
-            <a:ln>
-              <a:noFill/>
-            </a:ln>
-          </p:spPr>
-          <p:style>
-            <a:lnRef idx="2">
-              <a:schemeClr val="accent1">
-                <a:shade val="50000"/>
-              </a:schemeClr>
-            </a:lnRef>
-            <a:fillRef idx="1">
-              <a:schemeClr val="accent1"/>
-            </a:fillRef>
-            <a:effectRef idx="0">
-              <a:schemeClr val="accent1"/>
-            </a:effectRef>
-            <a:fontRef idx="minor">
-              <a:schemeClr val="lt1"/>
-            </a:fontRef>
-          </p:style>
-          <p:txBody>
-            <a:bodyPr rtlCol="0" anchor="ctr"/>
-            <a:lstStyle/>
-            <a:p>
-              <a:pPr algn="ctr"/>
-              <a:endParaRPr lang="ko-KR" altLang="en-US"/>
-            </a:p>
-          </p:txBody>
-        </p:sp>
-        <p:sp>
-          <p:nvSpPr>
-            <p:cNvPr id="27" name="타원 26">
-              <a:extLst>
-                <a:ext uri="{FF2B5EF4-FFF2-40B4-BE49-F238E27FC236}">
-                  <a16:creationId xmlns:a16="http://schemas.microsoft.com/office/drawing/2014/main" id="{346E59A6-7CA3-4DC0-83EB-4CA979C6E74A}"/>
-                </a:ext>
-              </a:extLst>
-            </p:cNvPr>
-            <p:cNvSpPr/>
-            <p:nvPr/>
-          </p:nvSpPr>
-          <p:spPr>
-            <a:xfrm rot="1488213">
-              <a:off x="5366741" y="6001702"/>
-              <a:ext cx="276836" cy="551153"/>
-            </a:xfrm>
-            <a:prstGeom prst="ellipse">
-              <a:avLst/>
-            </a:prstGeom>
-            <a:solidFill>
-              <a:srgbClr val="00B0F0"/>
-            </a:solidFill>
-            <a:ln>
-              <a:noFill/>
-            </a:ln>
-          </p:spPr>
-          <p:style>
-            <a:lnRef idx="2">
-              <a:schemeClr val="accent1">
-                <a:shade val="50000"/>
-              </a:schemeClr>
-            </a:lnRef>
-            <a:fillRef idx="1">
-              <a:schemeClr val="accent1"/>
-            </a:fillRef>
-            <a:effectRef idx="0">
-              <a:schemeClr val="accent1"/>
-            </a:effectRef>
-            <a:fontRef idx="minor">
-              <a:schemeClr val="lt1"/>
-            </a:fontRef>
-          </p:style>
-          <p:txBody>
-            <a:bodyPr rtlCol="0" anchor="ctr"/>
-            <a:lstStyle/>
-            <a:p>
-              <a:pPr algn="ctr"/>
-              <a:endParaRPr lang="ko-KR" altLang="en-US"/>
-            </a:p>
-          </p:txBody>
-        </p:sp>
-        <p:sp>
-          <p:nvSpPr>
-            <p:cNvPr id="28" name="타원 27">
-              <a:extLst>
-                <a:ext uri="{FF2B5EF4-FFF2-40B4-BE49-F238E27FC236}">
-                  <a16:creationId xmlns:a16="http://schemas.microsoft.com/office/drawing/2014/main" id="{6FD021F3-541C-4BED-92AC-78D8DADF05FE}"/>
-                </a:ext>
-              </a:extLst>
-            </p:cNvPr>
-            <p:cNvSpPr/>
-            <p:nvPr/>
-          </p:nvSpPr>
-          <p:spPr>
-            <a:xfrm rot="1488213">
-              <a:off x="4603173" y="5993700"/>
-              <a:ext cx="276836" cy="551153"/>
-            </a:xfrm>
-            <a:prstGeom prst="ellipse">
-              <a:avLst/>
-            </a:prstGeom>
-            <a:solidFill>
-              <a:srgbClr val="00B0F0"/>
-            </a:solidFill>
-            <a:ln>
-              <a:noFill/>
-            </a:ln>
-          </p:spPr>
-          <p:style>
-            <a:lnRef idx="2">
-              <a:schemeClr val="accent1">
-                <a:shade val="50000"/>
-              </a:schemeClr>
-            </a:lnRef>
-            <a:fillRef idx="1">
-              <a:schemeClr val="accent1"/>
-            </a:fillRef>
-            <a:effectRef idx="0">
-              <a:schemeClr val="accent1"/>
-            </a:effectRef>
-            <a:fontRef idx="minor">
-              <a:schemeClr val="lt1"/>
-            </a:fontRef>
-          </p:style>
-          <p:txBody>
-            <a:bodyPr rtlCol="0" anchor="ctr"/>
-            <a:lstStyle/>
-            <a:p>
-              <a:pPr algn="ctr"/>
-              <a:endParaRPr lang="ko-KR" altLang="en-US"/>
-            </a:p>
-          </p:txBody>
-        </p:sp>
-        <p:sp>
-          <p:nvSpPr>
-            <p:cNvPr id="29" name="타원 28">
-              <a:extLst>
-                <a:ext uri="{FF2B5EF4-FFF2-40B4-BE49-F238E27FC236}">
-                  <a16:creationId xmlns:a16="http://schemas.microsoft.com/office/drawing/2014/main" id="{12D45153-3EB5-4A6B-A7BD-4EAE0924F99E}"/>
-                </a:ext>
-              </a:extLst>
-            </p:cNvPr>
-            <p:cNvSpPr/>
-            <p:nvPr/>
-          </p:nvSpPr>
-          <p:spPr>
-            <a:xfrm rot="1488213">
-              <a:off x="6284240" y="6022049"/>
-              <a:ext cx="276836" cy="551153"/>
+              <a:off x="2978230" y="4720424"/>
+              <a:ext cx="276836" cy="923936"/>
             </a:xfrm>
             <a:prstGeom prst="ellipse">
               <a:avLst/>
@@ -6269,344 +5958,12 @@
           <a:chExt cx="0" cy="0"/>
         </a:xfrm>
       </p:grpSpPr>
-      <p:sp>
-        <p:nvSpPr>
-          <p:cNvPr id="43" name="타원 42">
+      <p:grpSp>
+        <p:nvGrpSpPr>
+          <p:cNvPr id="2" name="그룹 1">
             <a:extLst>
               <a:ext uri="{FF2B5EF4-FFF2-40B4-BE49-F238E27FC236}">
-                <a16:creationId xmlns:a16="http://schemas.microsoft.com/office/drawing/2014/main" id="{DE07F7C3-BC01-4177-B1DA-A6EDD27292D5}"/>
-              </a:ext>
-            </a:extLst>
-          </p:cNvPr>
-          <p:cNvSpPr/>
-          <p:nvPr/>
-        </p:nvSpPr>
-        <p:spPr>
-          <a:xfrm>
-            <a:off x="5592241" y="222971"/>
-            <a:ext cx="3917177" cy="3917177"/>
-          </a:xfrm>
-          <a:prstGeom prst="ellipse">
-            <a:avLst/>
-          </a:prstGeom>
-          <a:solidFill>
-            <a:schemeClr val="tx1">
-              <a:lumMod val="75000"/>
-              <a:lumOff val="25000"/>
-            </a:schemeClr>
-          </a:solidFill>
-          <a:ln w="238125">
-            <a:noFill/>
-          </a:ln>
-        </p:spPr>
-        <p:style>
-          <a:lnRef idx="2">
-            <a:schemeClr val="accent1">
-              <a:shade val="50000"/>
-            </a:schemeClr>
-          </a:lnRef>
-          <a:fillRef idx="1">
-            <a:schemeClr val="accent1"/>
-          </a:fillRef>
-          <a:effectRef idx="0">
-            <a:schemeClr val="accent1"/>
-          </a:effectRef>
-          <a:fontRef idx="minor">
-            <a:schemeClr val="lt1"/>
-          </a:fontRef>
-        </p:style>
-        <p:txBody>
-          <a:bodyPr rtlCol="0" anchor="ctr"/>
-          <a:lstStyle/>
-          <a:p>
-            <a:pPr algn="ctr"/>
-            <a:endParaRPr lang="ko-KR" altLang="en-US" dirty="0"/>
-          </a:p>
-        </p:txBody>
-      </p:sp>
-      <p:sp>
-        <p:nvSpPr>
-          <p:cNvPr id="42" name="자유형: 도형 41">
-            <a:extLst>
-              <a:ext uri="{FF2B5EF4-FFF2-40B4-BE49-F238E27FC236}">
-                <a16:creationId xmlns:a16="http://schemas.microsoft.com/office/drawing/2014/main" id="{CB4E9CA6-35BC-4E7E-9052-B27BECB9FAC0}"/>
-              </a:ext>
-            </a:extLst>
-          </p:cNvPr>
-          <p:cNvSpPr/>
-          <p:nvPr/>
-        </p:nvSpPr>
-        <p:spPr>
-          <a:xfrm>
-            <a:off x="2415199" y="681038"/>
-            <a:ext cx="6766886" cy="4046013"/>
-          </a:xfrm>
-          <a:custGeom>
-            <a:avLst/>
-            <a:gdLst>
-              <a:gd name="connsiteX0" fmla="*/ 3572486 w 9286613"/>
-              <a:gd name="connsiteY0" fmla="*/ 0 h 5552592"/>
-              <a:gd name="connsiteX1" fmla="*/ 5265442 w 9286613"/>
-              <a:gd name="connsiteY1" fmla="*/ 1527749 h 5552592"/>
-              <a:gd name="connsiteX2" fmla="*/ 5269692 w 9286613"/>
-              <a:gd name="connsiteY2" fmla="*/ 1611906 h 5552592"/>
-              <a:gd name="connsiteX3" fmla="*/ 5320143 w 9286613"/>
-              <a:gd name="connsiteY3" fmla="*/ 1565496 h 5552592"/>
-              <a:gd name="connsiteX4" fmla="*/ 6209951 w 9286613"/>
-              <a:gd name="connsiteY4" fmla="*/ 1242182 h 5552592"/>
-              <a:gd name="connsiteX5" fmla="*/ 7601594 w 9286613"/>
-              <a:gd name="connsiteY5" fmla="*/ 2513279 h 5552592"/>
-              <a:gd name="connsiteX6" fmla="*/ 7605758 w 9286613"/>
-              <a:gd name="connsiteY6" fmla="*/ 2596744 h 5552592"/>
-              <a:gd name="connsiteX7" fmla="*/ 7701092 w 9286613"/>
-              <a:gd name="connsiteY7" fmla="*/ 2596744 h 5552592"/>
-              <a:gd name="connsiteX8" fmla="*/ 7701092 w 9286613"/>
-              <a:gd name="connsiteY8" fmla="*/ 2601682 h 5552592"/>
-              <a:gd name="connsiteX9" fmla="*/ 7799490 w 9286613"/>
-              <a:gd name="connsiteY9" fmla="*/ 2596744 h 5552592"/>
-              <a:gd name="connsiteX10" fmla="*/ 9286613 w 9286613"/>
-              <a:gd name="connsiteY10" fmla="*/ 4074668 h 5552592"/>
-              <a:gd name="connsiteX11" fmla="*/ 7799490 w 9286613"/>
-              <a:gd name="connsiteY11" fmla="*/ 5552592 h 5552592"/>
-              <a:gd name="connsiteX12" fmla="*/ 7701092 w 9286613"/>
-              <a:gd name="connsiteY12" fmla="*/ 5547654 h 5552592"/>
-              <a:gd name="connsiteX13" fmla="*/ 7701092 w 9286613"/>
-              <a:gd name="connsiteY13" fmla="*/ 5551066 h 5552592"/>
-              <a:gd name="connsiteX14" fmla="*/ 1761690 w 9286613"/>
-              <a:gd name="connsiteY14" fmla="*/ 5551066 h 5552592"/>
-              <a:gd name="connsiteX15" fmla="*/ 1761690 w 9286613"/>
-              <a:gd name="connsiteY15" fmla="*/ 5545559 h 5552592"/>
-              <a:gd name="connsiteX16" fmla="*/ 1652631 w 9286613"/>
-              <a:gd name="connsiteY16" fmla="*/ 5551066 h 5552592"/>
-              <a:gd name="connsiteX17" fmla="*/ 0 w 9286613"/>
-              <a:gd name="connsiteY17" fmla="*/ 3898435 h 5552592"/>
-              <a:gd name="connsiteX18" fmla="*/ 1652631 w 9286613"/>
-              <a:gd name="connsiteY18" fmla="*/ 2245804 h 5552592"/>
-              <a:gd name="connsiteX19" fmla="*/ 1904311 w 9286613"/>
-              <a:gd name="connsiteY19" fmla="*/ 2264846 h 5552592"/>
-              <a:gd name="connsiteX20" fmla="*/ 1972946 w 9286613"/>
-              <a:gd name="connsiteY20" fmla="*/ 2277990 h 5552592"/>
-              <a:gd name="connsiteX21" fmla="*/ 1947251 w 9286613"/>
-              <a:gd name="connsiteY21" fmla="*/ 2207788 h 5552592"/>
-              <a:gd name="connsiteX22" fmla="*/ 1870744 w 9286613"/>
-              <a:gd name="connsiteY22" fmla="*/ 1701742 h 5552592"/>
-              <a:gd name="connsiteX23" fmla="*/ 3572486 w 9286613"/>
-              <a:gd name="connsiteY23" fmla="*/ 0 h 5552592"/>
-            </a:gdLst>
-            <a:ahLst/>
-            <a:cxnLst>
-              <a:cxn ang="0">
-                <a:pos x="connsiteX0" y="connsiteY0"/>
-              </a:cxn>
-              <a:cxn ang="0">
-                <a:pos x="connsiteX1" y="connsiteY1"/>
-              </a:cxn>
-              <a:cxn ang="0">
-                <a:pos x="connsiteX2" y="connsiteY2"/>
-              </a:cxn>
-              <a:cxn ang="0">
-                <a:pos x="connsiteX3" y="connsiteY3"/>
-              </a:cxn>
-              <a:cxn ang="0">
-                <a:pos x="connsiteX4" y="connsiteY4"/>
-              </a:cxn>
-              <a:cxn ang="0">
-                <a:pos x="connsiteX5" y="connsiteY5"/>
-              </a:cxn>
-              <a:cxn ang="0">
-                <a:pos x="connsiteX6" y="connsiteY6"/>
-              </a:cxn>
-              <a:cxn ang="0">
-                <a:pos x="connsiteX7" y="connsiteY7"/>
-              </a:cxn>
-              <a:cxn ang="0">
-                <a:pos x="connsiteX8" y="connsiteY8"/>
-              </a:cxn>
-              <a:cxn ang="0">
-                <a:pos x="connsiteX9" y="connsiteY9"/>
-              </a:cxn>
-              <a:cxn ang="0">
-                <a:pos x="connsiteX10" y="connsiteY10"/>
-              </a:cxn>
-              <a:cxn ang="0">
-                <a:pos x="connsiteX11" y="connsiteY11"/>
-              </a:cxn>
-              <a:cxn ang="0">
-                <a:pos x="connsiteX12" y="connsiteY12"/>
-              </a:cxn>
-              <a:cxn ang="0">
-                <a:pos x="connsiteX13" y="connsiteY13"/>
-              </a:cxn>
-              <a:cxn ang="0">
-                <a:pos x="connsiteX14" y="connsiteY14"/>
-              </a:cxn>
-              <a:cxn ang="0">
-                <a:pos x="connsiteX15" y="connsiteY15"/>
-              </a:cxn>
-              <a:cxn ang="0">
-                <a:pos x="connsiteX16" y="connsiteY16"/>
-              </a:cxn>
-              <a:cxn ang="0">
-                <a:pos x="connsiteX17" y="connsiteY17"/>
-              </a:cxn>
-              <a:cxn ang="0">
-                <a:pos x="connsiteX18" y="connsiteY18"/>
-              </a:cxn>
-              <a:cxn ang="0">
-                <a:pos x="connsiteX19" y="connsiteY19"/>
-              </a:cxn>
-              <a:cxn ang="0">
-                <a:pos x="connsiteX20" y="connsiteY20"/>
-              </a:cxn>
-              <a:cxn ang="0">
-                <a:pos x="connsiteX21" y="connsiteY21"/>
-              </a:cxn>
-              <a:cxn ang="0">
-                <a:pos x="connsiteX22" y="connsiteY22"/>
-              </a:cxn>
-              <a:cxn ang="0">
-                <a:pos x="connsiteX23" y="connsiteY23"/>
-              </a:cxn>
-            </a:cxnLst>
-            <a:rect l="l" t="t" r="r" b="b"/>
-            <a:pathLst>
-              <a:path w="9286613" h="5552592">
-                <a:moveTo>
-                  <a:pt x="3572486" y="0"/>
-                </a:moveTo>
-                <a:cubicBezTo>
-                  <a:pt x="4453592" y="0"/>
-                  <a:pt x="5178296" y="669635"/>
-                  <a:pt x="5265442" y="1527749"/>
-                </a:cubicBezTo>
-                <a:lnTo>
-                  <a:pt x="5269692" y="1611906"/>
-                </a:lnTo>
-                <a:lnTo>
-                  <a:pt x="5320143" y="1565496"/>
-                </a:lnTo>
-                <a:cubicBezTo>
-                  <a:pt x="5561949" y="1363515"/>
-                  <a:pt x="5871951" y="1242182"/>
-                  <a:pt x="6209951" y="1242182"/>
-                </a:cubicBezTo>
-                <a:cubicBezTo>
-                  <a:pt x="6934237" y="1242182"/>
-                  <a:pt x="7529958" y="1799323"/>
-                  <a:pt x="7601594" y="2513279"/>
-                </a:cubicBezTo>
-                <a:lnTo>
-                  <a:pt x="7605758" y="2596744"/>
-                </a:lnTo>
-                <a:lnTo>
-                  <a:pt x="7701092" y="2596744"/>
-                </a:lnTo>
-                <a:lnTo>
-                  <a:pt x="7701092" y="2601682"/>
-                </a:lnTo>
-                <a:lnTo>
-                  <a:pt x="7799490" y="2596744"/>
-                </a:lnTo>
-                <a:cubicBezTo>
-                  <a:pt x="8620805" y="2596744"/>
-                  <a:pt x="9286613" y="3258433"/>
-                  <a:pt x="9286613" y="4074668"/>
-                </a:cubicBezTo>
-                <a:cubicBezTo>
-                  <a:pt x="9286613" y="4890903"/>
-                  <a:pt x="8620805" y="5552592"/>
-                  <a:pt x="7799490" y="5552592"/>
-                </a:cubicBezTo>
-                <a:lnTo>
-                  <a:pt x="7701092" y="5547654"/>
-                </a:lnTo>
-                <a:lnTo>
-                  <a:pt x="7701092" y="5551066"/>
-                </a:lnTo>
-                <a:lnTo>
-                  <a:pt x="1761690" y="5551066"/>
-                </a:lnTo>
-                <a:lnTo>
-                  <a:pt x="1761690" y="5545559"/>
-                </a:lnTo>
-                <a:lnTo>
-                  <a:pt x="1652631" y="5551066"/>
-                </a:lnTo>
-                <a:cubicBezTo>
-                  <a:pt x="739908" y="5551066"/>
-                  <a:pt x="0" y="4811158"/>
-                  <a:pt x="0" y="3898435"/>
-                </a:cubicBezTo>
-                <a:cubicBezTo>
-                  <a:pt x="0" y="2985712"/>
-                  <a:pt x="739908" y="2245804"/>
-                  <a:pt x="1652631" y="2245804"/>
-                </a:cubicBezTo>
-                <a:cubicBezTo>
-                  <a:pt x="1738199" y="2245804"/>
-                  <a:pt x="1822248" y="2252307"/>
-                  <a:pt x="1904311" y="2264846"/>
-                </a:cubicBezTo>
-                <a:lnTo>
-                  <a:pt x="1972946" y="2277990"/>
-                </a:lnTo>
-                <a:lnTo>
-                  <a:pt x="1947251" y="2207788"/>
-                </a:lnTo>
-                <a:cubicBezTo>
-                  <a:pt x="1897530" y="2047928"/>
-                  <a:pt x="1870744" y="1877963"/>
-                  <a:pt x="1870744" y="1701742"/>
-                </a:cubicBezTo>
-                <a:cubicBezTo>
-                  <a:pt x="1870744" y="761896"/>
-                  <a:pt x="2632640" y="0"/>
-                  <a:pt x="3572486" y="0"/>
-                </a:cubicBezTo>
-                <a:close/>
-              </a:path>
-            </a:pathLst>
-          </a:custGeom>
-          <a:solidFill>
-            <a:schemeClr val="bg1">
-              <a:lumMod val="85000"/>
-            </a:schemeClr>
-          </a:solidFill>
-          <a:ln w="238125">
-            <a:noFill/>
-          </a:ln>
-        </p:spPr>
-        <p:style>
-          <a:lnRef idx="2">
-            <a:schemeClr val="accent1">
-              <a:shade val="50000"/>
-            </a:schemeClr>
-          </a:lnRef>
-          <a:fillRef idx="1">
-            <a:schemeClr val="accent1"/>
-          </a:fillRef>
-          <a:effectRef idx="0">
-            <a:schemeClr val="accent1"/>
-          </a:effectRef>
-          <a:fontRef idx="minor">
-            <a:schemeClr val="lt1"/>
-          </a:fontRef>
-        </p:style>
-        <p:txBody>
-          <a:bodyPr rtlCol="0" anchor="ctr"/>
-          <a:lstStyle/>
-          <a:p>
-            <a:pPr algn="ctr"/>
-            <a:endParaRPr lang="ko-KR" altLang="en-US" dirty="0"/>
-          </a:p>
-        </p:txBody>
-      </p:sp>
-      <p:grpSp>
-        <p:nvGrpSpPr>
-          <p:cNvPr id="23" name="그룹 22">
-            <a:extLst>
-              <a:ext uri="{FF2B5EF4-FFF2-40B4-BE49-F238E27FC236}">
-                <a16:creationId xmlns:a16="http://schemas.microsoft.com/office/drawing/2014/main" id="{1466AA1E-1AFF-44FF-BC5E-3DAF2D1F97D4}"/>
+                <a16:creationId xmlns:a16="http://schemas.microsoft.com/office/drawing/2014/main" id="{208158CC-AE8F-4C3E-8D3F-AFD865CFA165}"/>
               </a:ext>
             </a:extLst>
           </p:cNvPr>
@@ -6615,18 +5972,975 @@
         </p:nvGrpSpPr>
         <p:grpSpPr>
           <a:xfrm>
-            <a:off x="3129095" y="4610143"/>
-            <a:ext cx="5086761" cy="2015561"/>
-            <a:chOff x="3129095" y="4610143"/>
-            <a:chExt cx="5086761" cy="2015561"/>
+            <a:off x="2415199" y="222971"/>
+            <a:ext cx="7094219" cy="6402733"/>
+            <a:chOff x="2415199" y="222971"/>
+            <a:chExt cx="7094219" cy="6402733"/>
           </a:xfrm>
         </p:grpSpPr>
+        <p:grpSp>
+          <p:nvGrpSpPr>
+            <p:cNvPr id="23" name="그룹 22">
+              <a:extLst>
+                <a:ext uri="{FF2B5EF4-FFF2-40B4-BE49-F238E27FC236}">
+                  <a16:creationId xmlns:a16="http://schemas.microsoft.com/office/drawing/2014/main" id="{1466AA1E-1AFF-44FF-BC5E-3DAF2D1F97D4}"/>
+                </a:ext>
+              </a:extLst>
+            </p:cNvPr>
+            <p:cNvGrpSpPr/>
+            <p:nvPr/>
+          </p:nvGrpSpPr>
+          <p:grpSpPr>
+            <a:xfrm>
+              <a:off x="3129095" y="4610143"/>
+              <a:ext cx="5086761" cy="2015561"/>
+              <a:chOff x="3129095" y="4610143"/>
+              <a:chExt cx="5086761" cy="2015561"/>
+            </a:xfrm>
+          </p:grpSpPr>
+          <p:sp>
+            <p:nvSpPr>
+              <p:cNvPr id="24" name="타원 23">
+                <a:extLst>
+                  <a:ext uri="{FF2B5EF4-FFF2-40B4-BE49-F238E27FC236}">
+                    <a16:creationId xmlns:a16="http://schemas.microsoft.com/office/drawing/2014/main" id="{62609713-A651-4EE1-85A8-A5110C88B439}"/>
+                  </a:ext>
+                </a:extLst>
+              </p:cNvPr>
+              <p:cNvSpPr/>
+              <p:nvPr/>
+            </p:nvSpPr>
+            <p:spPr>
+              <a:xfrm rot="1488213">
+                <a:off x="3129095" y="4726666"/>
+                <a:ext cx="276836" cy="551153"/>
+              </a:xfrm>
+              <a:prstGeom prst="ellipse">
+                <a:avLst/>
+              </a:prstGeom>
+              <a:solidFill>
+                <a:srgbClr val="00B0F0"/>
+              </a:solidFill>
+              <a:ln>
+                <a:noFill/>
+              </a:ln>
+            </p:spPr>
+            <p:style>
+              <a:lnRef idx="2">
+                <a:schemeClr val="accent1">
+                  <a:shade val="50000"/>
+                </a:schemeClr>
+              </a:lnRef>
+              <a:fillRef idx="1">
+                <a:schemeClr val="accent1"/>
+              </a:fillRef>
+              <a:effectRef idx="0">
+                <a:schemeClr val="accent1"/>
+              </a:effectRef>
+              <a:fontRef idx="minor">
+                <a:schemeClr val="lt1"/>
+              </a:fontRef>
+            </p:style>
+            <p:txBody>
+              <a:bodyPr rtlCol="0" anchor="ctr"/>
+              <a:lstStyle/>
+              <a:p>
+                <a:pPr algn="ctr"/>
+                <a:endParaRPr lang="ko-KR" altLang="en-US"/>
+              </a:p>
+            </p:txBody>
+          </p:sp>
+          <p:sp>
+            <p:nvSpPr>
+              <p:cNvPr id="25" name="타원 24">
+                <a:extLst>
+                  <a:ext uri="{FF2B5EF4-FFF2-40B4-BE49-F238E27FC236}">
+                    <a16:creationId xmlns:a16="http://schemas.microsoft.com/office/drawing/2014/main" id="{12949250-C79E-4BDB-A7AC-D53C67877D32}"/>
+                  </a:ext>
+                </a:extLst>
+              </p:cNvPr>
+              <p:cNvSpPr/>
+              <p:nvPr/>
+            </p:nvSpPr>
+            <p:spPr>
+              <a:xfrm rot="1488213">
+                <a:off x="7939020" y="4759696"/>
+                <a:ext cx="276836" cy="551153"/>
+              </a:xfrm>
+              <a:prstGeom prst="ellipse">
+                <a:avLst/>
+              </a:prstGeom>
+              <a:solidFill>
+                <a:srgbClr val="00B0F0"/>
+              </a:solidFill>
+              <a:ln>
+                <a:noFill/>
+              </a:ln>
+            </p:spPr>
+            <p:style>
+              <a:lnRef idx="2">
+                <a:schemeClr val="accent1">
+                  <a:shade val="50000"/>
+                </a:schemeClr>
+              </a:lnRef>
+              <a:fillRef idx="1">
+                <a:schemeClr val="accent1"/>
+              </a:fillRef>
+              <a:effectRef idx="0">
+                <a:schemeClr val="accent1"/>
+              </a:effectRef>
+              <a:fontRef idx="minor">
+                <a:schemeClr val="lt1"/>
+              </a:fontRef>
+            </p:style>
+            <p:txBody>
+              <a:bodyPr rtlCol="0" anchor="ctr"/>
+              <a:lstStyle/>
+              <a:p>
+                <a:pPr algn="ctr"/>
+                <a:endParaRPr lang="ko-KR" altLang="en-US"/>
+              </a:p>
+            </p:txBody>
+          </p:sp>
+          <p:sp>
+            <p:nvSpPr>
+              <p:cNvPr id="26" name="타원 25">
+                <a:extLst>
+                  <a:ext uri="{FF2B5EF4-FFF2-40B4-BE49-F238E27FC236}">
+                    <a16:creationId xmlns:a16="http://schemas.microsoft.com/office/drawing/2014/main" id="{20EB1319-8FEC-42CF-8F67-D42B58EF92E1}"/>
+                  </a:ext>
+                </a:extLst>
+              </p:cNvPr>
+              <p:cNvSpPr/>
+              <p:nvPr/>
+            </p:nvSpPr>
+            <p:spPr>
+              <a:xfrm rot="1488213">
+                <a:off x="3382659" y="5405604"/>
+                <a:ext cx="276836" cy="551153"/>
+              </a:xfrm>
+              <a:prstGeom prst="ellipse">
+                <a:avLst/>
+              </a:prstGeom>
+              <a:solidFill>
+                <a:srgbClr val="00B0F0"/>
+              </a:solidFill>
+              <a:ln>
+                <a:noFill/>
+              </a:ln>
+            </p:spPr>
+            <p:style>
+              <a:lnRef idx="2">
+                <a:schemeClr val="accent1">
+                  <a:shade val="50000"/>
+                </a:schemeClr>
+              </a:lnRef>
+              <a:fillRef idx="1">
+                <a:schemeClr val="accent1"/>
+              </a:fillRef>
+              <a:effectRef idx="0">
+                <a:schemeClr val="accent1"/>
+              </a:effectRef>
+              <a:fontRef idx="minor">
+                <a:schemeClr val="lt1"/>
+              </a:fontRef>
+            </p:style>
+            <p:txBody>
+              <a:bodyPr rtlCol="0" anchor="ctr"/>
+              <a:lstStyle/>
+              <a:p>
+                <a:pPr algn="ctr"/>
+                <a:endParaRPr lang="ko-KR" altLang="en-US"/>
+              </a:p>
+            </p:txBody>
+          </p:sp>
+          <p:sp>
+            <p:nvSpPr>
+              <p:cNvPr id="27" name="타원 26">
+                <a:extLst>
+                  <a:ext uri="{FF2B5EF4-FFF2-40B4-BE49-F238E27FC236}">
+                    <a16:creationId xmlns:a16="http://schemas.microsoft.com/office/drawing/2014/main" id="{D47A8C56-4B02-4595-925B-E1E1D0157AC5}"/>
+                  </a:ext>
+                </a:extLst>
+              </p:cNvPr>
+              <p:cNvSpPr/>
+              <p:nvPr/>
+            </p:nvSpPr>
+            <p:spPr>
+              <a:xfrm rot="1488213">
+                <a:off x="3815713" y="4699094"/>
+                <a:ext cx="276836" cy="551153"/>
+              </a:xfrm>
+              <a:prstGeom prst="ellipse">
+                <a:avLst/>
+              </a:prstGeom>
+              <a:solidFill>
+                <a:srgbClr val="00B0F0"/>
+              </a:solidFill>
+              <a:ln>
+                <a:noFill/>
+              </a:ln>
+            </p:spPr>
+            <p:style>
+              <a:lnRef idx="2">
+                <a:schemeClr val="accent1">
+                  <a:shade val="50000"/>
+                </a:schemeClr>
+              </a:lnRef>
+              <a:fillRef idx="1">
+                <a:schemeClr val="accent1"/>
+              </a:fillRef>
+              <a:effectRef idx="0">
+                <a:schemeClr val="accent1"/>
+              </a:effectRef>
+              <a:fontRef idx="minor">
+                <a:schemeClr val="lt1"/>
+              </a:fontRef>
+            </p:style>
+            <p:txBody>
+              <a:bodyPr rtlCol="0" anchor="ctr"/>
+              <a:lstStyle/>
+              <a:p>
+                <a:pPr algn="ctr"/>
+                <a:endParaRPr lang="ko-KR" altLang="en-US"/>
+              </a:p>
+            </p:txBody>
+          </p:sp>
+          <p:sp>
+            <p:nvSpPr>
+              <p:cNvPr id="28" name="타원 27">
+                <a:extLst>
+                  <a:ext uri="{FF2B5EF4-FFF2-40B4-BE49-F238E27FC236}">
+                    <a16:creationId xmlns:a16="http://schemas.microsoft.com/office/drawing/2014/main" id="{8B35DF96-391D-432F-9CF6-734A5F9CF0D4}"/>
+                  </a:ext>
+                </a:extLst>
+              </p:cNvPr>
+              <p:cNvSpPr/>
+              <p:nvPr/>
+            </p:nvSpPr>
+            <p:spPr>
+              <a:xfrm rot="1488213">
+                <a:off x="4222665" y="5339407"/>
+                <a:ext cx="276836" cy="551153"/>
+              </a:xfrm>
+              <a:prstGeom prst="ellipse">
+                <a:avLst/>
+              </a:prstGeom>
+              <a:solidFill>
+                <a:srgbClr val="00B0F0"/>
+              </a:solidFill>
+              <a:ln>
+                <a:noFill/>
+              </a:ln>
+            </p:spPr>
+            <p:style>
+              <a:lnRef idx="2">
+                <a:schemeClr val="accent1">
+                  <a:shade val="50000"/>
+                </a:schemeClr>
+              </a:lnRef>
+              <a:fillRef idx="1">
+                <a:schemeClr val="accent1"/>
+              </a:fillRef>
+              <a:effectRef idx="0">
+                <a:schemeClr val="accent1"/>
+              </a:effectRef>
+              <a:fontRef idx="minor">
+                <a:schemeClr val="lt1"/>
+              </a:fontRef>
+            </p:style>
+            <p:txBody>
+              <a:bodyPr rtlCol="0" anchor="ctr"/>
+              <a:lstStyle/>
+              <a:p>
+                <a:pPr algn="ctr"/>
+                <a:endParaRPr lang="ko-KR" altLang="en-US"/>
+              </a:p>
+            </p:txBody>
+          </p:sp>
+          <p:sp>
+            <p:nvSpPr>
+              <p:cNvPr id="29" name="타원 28">
+                <a:extLst>
+                  <a:ext uri="{FF2B5EF4-FFF2-40B4-BE49-F238E27FC236}">
+                    <a16:creationId xmlns:a16="http://schemas.microsoft.com/office/drawing/2014/main" id="{FC2A5E94-32F1-41C0-9A5B-96C26C8731C8}"/>
+                  </a:ext>
+                </a:extLst>
+              </p:cNvPr>
+              <p:cNvSpPr/>
+              <p:nvPr/>
+            </p:nvSpPr>
+            <p:spPr>
+              <a:xfrm rot="1488213">
+                <a:off x="4805952" y="4699094"/>
+                <a:ext cx="276836" cy="551153"/>
+              </a:xfrm>
+              <a:prstGeom prst="ellipse">
+                <a:avLst/>
+              </a:prstGeom>
+              <a:solidFill>
+                <a:srgbClr val="00B0F0"/>
+              </a:solidFill>
+              <a:ln>
+                <a:noFill/>
+              </a:ln>
+            </p:spPr>
+            <p:style>
+              <a:lnRef idx="2">
+                <a:schemeClr val="accent1">
+                  <a:shade val="50000"/>
+                </a:schemeClr>
+              </a:lnRef>
+              <a:fillRef idx="1">
+                <a:schemeClr val="accent1"/>
+              </a:fillRef>
+              <a:effectRef idx="0">
+                <a:schemeClr val="accent1"/>
+              </a:effectRef>
+              <a:fontRef idx="minor">
+                <a:schemeClr val="lt1"/>
+              </a:fontRef>
+            </p:style>
+            <p:txBody>
+              <a:bodyPr rtlCol="0" anchor="ctr"/>
+              <a:lstStyle/>
+              <a:p>
+                <a:pPr algn="ctr"/>
+                <a:endParaRPr lang="ko-KR" altLang="en-US"/>
+              </a:p>
+            </p:txBody>
+          </p:sp>
+          <p:sp>
+            <p:nvSpPr>
+              <p:cNvPr id="30" name="타원 29">
+                <a:extLst>
+                  <a:ext uri="{FF2B5EF4-FFF2-40B4-BE49-F238E27FC236}">
+                    <a16:creationId xmlns:a16="http://schemas.microsoft.com/office/drawing/2014/main" id="{E8F527D1-7902-43BE-9734-D7EB24A6C75F}"/>
+                  </a:ext>
+                </a:extLst>
+              </p:cNvPr>
+              <p:cNvSpPr/>
+              <p:nvPr/>
+            </p:nvSpPr>
+            <p:spPr>
+              <a:xfrm rot="1488213">
+                <a:off x="5963003" y="5600781"/>
+                <a:ext cx="276836" cy="551153"/>
+              </a:xfrm>
+              <a:prstGeom prst="ellipse">
+                <a:avLst/>
+              </a:prstGeom>
+              <a:solidFill>
+                <a:srgbClr val="00B0F0"/>
+              </a:solidFill>
+              <a:ln>
+                <a:noFill/>
+              </a:ln>
+            </p:spPr>
+            <p:style>
+              <a:lnRef idx="2">
+                <a:schemeClr val="accent1">
+                  <a:shade val="50000"/>
+                </a:schemeClr>
+              </a:lnRef>
+              <a:fillRef idx="1">
+                <a:schemeClr val="accent1"/>
+              </a:fillRef>
+              <a:effectRef idx="0">
+                <a:schemeClr val="accent1"/>
+              </a:effectRef>
+              <a:fontRef idx="minor">
+                <a:schemeClr val="lt1"/>
+              </a:fontRef>
+            </p:style>
+            <p:txBody>
+              <a:bodyPr rtlCol="0" anchor="ctr"/>
+              <a:lstStyle/>
+              <a:p>
+                <a:pPr algn="ctr"/>
+                <a:endParaRPr lang="ko-KR" altLang="en-US"/>
+              </a:p>
+            </p:txBody>
+          </p:sp>
+          <p:sp>
+            <p:nvSpPr>
+              <p:cNvPr id="31" name="타원 30">
+                <a:extLst>
+                  <a:ext uri="{FF2B5EF4-FFF2-40B4-BE49-F238E27FC236}">
+                    <a16:creationId xmlns:a16="http://schemas.microsoft.com/office/drawing/2014/main" id="{742A5E75-E904-4DBE-827D-E2D2FE3C3982}"/>
+                  </a:ext>
+                </a:extLst>
+              </p:cNvPr>
+              <p:cNvSpPr/>
+              <p:nvPr/>
+            </p:nvSpPr>
+            <p:spPr>
+              <a:xfrm rot="1488213">
+                <a:off x="7504141" y="5339406"/>
+                <a:ext cx="276836" cy="551153"/>
+              </a:xfrm>
+              <a:prstGeom prst="ellipse">
+                <a:avLst/>
+              </a:prstGeom>
+              <a:solidFill>
+                <a:srgbClr val="00B0F0"/>
+              </a:solidFill>
+              <a:ln>
+                <a:noFill/>
+              </a:ln>
+            </p:spPr>
+            <p:style>
+              <a:lnRef idx="2">
+                <a:schemeClr val="accent1">
+                  <a:shade val="50000"/>
+                </a:schemeClr>
+              </a:lnRef>
+              <a:fillRef idx="1">
+                <a:schemeClr val="accent1"/>
+              </a:fillRef>
+              <a:effectRef idx="0">
+                <a:schemeClr val="accent1"/>
+              </a:effectRef>
+              <a:fontRef idx="minor">
+                <a:schemeClr val="lt1"/>
+              </a:fontRef>
+            </p:style>
+            <p:txBody>
+              <a:bodyPr rtlCol="0" anchor="ctr"/>
+              <a:lstStyle/>
+              <a:p>
+                <a:pPr algn="ctr"/>
+                <a:endParaRPr lang="ko-KR" altLang="en-US"/>
+              </a:p>
+            </p:txBody>
+          </p:sp>
+          <p:sp>
+            <p:nvSpPr>
+              <p:cNvPr id="32" name="타원 31">
+                <a:extLst>
+                  <a:ext uri="{FF2B5EF4-FFF2-40B4-BE49-F238E27FC236}">
+                    <a16:creationId xmlns:a16="http://schemas.microsoft.com/office/drawing/2014/main" id="{BBBE677C-1AA3-4741-95A5-CE560E80EA72}"/>
+                  </a:ext>
+                </a:extLst>
+              </p:cNvPr>
+              <p:cNvSpPr/>
+              <p:nvPr/>
+            </p:nvSpPr>
+            <p:spPr>
+              <a:xfrm rot="1488213">
+                <a:off x="7283033" y="4610143"/>
+                <a:ext cx="276836" cy="551153"/>
+              </a:xfrm>
+              <a:prstGeom prst="ellipse">
+                <a:avLst/>
+              </a:prstGeom>
+              <a:solidFill>
+                <a:srgbClr val="00B0F0"/>
+              </a:solidFill>
+              <a:ln>
+                <a:noFill/>
+              </a:ln>
+            </p:spPr>
+            <p:style>
+              <a:lnRef idx="2">
+                <a:schemeClr val="accent1">
+                  <a:shade val="50000"/>
+                </a:schemeClr>
+              </a:lnRef>
+              <a:fillRef idx="1">
+                <a:schemeClr val="accent1"/>
+              </a:fillRef>
+              <a:effectRef idx="0">
+                <a:schemeClr val="accent1"/>
+              </a:effectRef>
+              <a:fontRef idx="minor">
+                <a:schemeClr val="lt1"/>
+              </a:fontRef>
+            </p:style>
+            <p:txBody>
+              <a:bodyPr rtlCol="0" anchor="ctr"/>
+              <a:lstStyle/>
+              <a:p>
+                <a:pPr algn="ctr"/>
+                <a:endParaRPr lang="ko-KR" altLang="en-US"/>
+              </a:p>
+            </p:txBody>
+          </p:sp>
+          <p:sp>
+            <p:nvSpPr>
+              <p:cNvPr id="33" name="타원 32">
+                <a:extLst>
+                  <a:ext uri="{FF2B5EF4-FFF2-40B4-BE49-F238E27FC236}">
+                    <a16:creationId xmlns:a16="http://schemas.microsoft.com/office/drawing/2014/main" id="{39499651-0863-423E-8919-2CB54F753395}"/>
+                  </a:ext>
+                </a:extLst>
+              </p:cNvPr>
+              <p:cNvSpPr/>
+              <p:nvPr/>
+            </p:nvSpPr>
+            <p:spPr>
+              <a:xfrm rot="1488213">
+                <a:off x="6800521" y="5263013"/>
+                <a:ext cx="276836" cy="551153"/>
+              </a:xfrm>
+              <a:prstGeom prst="ellipse">
+                <a:avLst/>
+              </a:prstGeom>
+              <a:solidFill>
+                <a:srgbClr val="00B0F0"/>
+              </a:solidFill>
+              <a:ln>
+                <a:noFill/>
+              </a:ln>
+            </p:spPr>
+            <p:style>
+              <a:lnRef idx="2">
+                <a:schemeClr val="accent1">
+                  <a:shade val="50000"/>
+                </a:schemeClr>
+              </a:lnRef>
+              <a:fillRef idx="1">
+                <a:schemeClr val="accent1"/>
+              </a:fillRef>
+              <a:effectRef idx="0">
+                <a:schemeClr val="accent1"/>
+              </a:effectRef>
+              <a:fontRef idx="minor">
+                <a:schemeClr val="lt1"/>
+              </a:fontRef>
+            </p:style>
+            <p:txBody>
+              <a:bodyPr rtlCol="0" anchor="ctr"/>
+              <a:lstStyle/>
+              <a:p>
+                <a:pPr algn="ctr"/>
+                <a:endParaRPr lang="ko-KR" altLang="en-US"/>
+              </a:p>
+            </p:txBody>
+          </p:sp>
+          <p:sp>
+            <p:nvSpPr>
+              <p:cNvPr id="34" name="타원 33">
+                <a:extLst>
+                  <a:ext uri="{FF2B5EF4-FFF2-40B4-BE49-F238E27FC236}">
+                    <a16:creationId xmlns:a16="http://schemas.microsoft.com/office/drawing/2014/main" id="{400D9F20-C427-45B7-BCAC-E1612F1191D8}"/>
+                  </a:ext>
+                </a:extLst>
+              </p:cNvPr>
+              <p:cNvSpPr/>
+              <p:nvPr/>
+            </p:nvSpPr>
+            <p:spPr>
+              <a:xfrm rot="1488213">
+                <a:off x="6504317" y="4678512"/>
+                <a:ext cx="276836" cy="551153"/>
+              </a:xfrm>
+              <a:prstGeom prst="ellipse">
+                <a:avLst/>
+              </a:prstGeom>
+              <a:solidFill>
+                <a:srgbClr val="00B0F0"/>
+              </a:solidFill>
+              <a:ln>
+                <a:noFill/>
+              </a:ln>
+            </p:spPr>
+            <p:style>
+              <a:lnRef idx="2">
+                <a:schemeClr val="accent1">
+                  <a:shade val="50000"/>
+                </a:schemeClr>
+              </a:lnRef>
+              <a:fillRef idx="1">
+                <a:schemeClr val="accent1"/>
+              </a:fillRef>
+              <a:effectRef idx="0">
+                <a:schemeClr val="accent1"/>
+              </a:effectRef>
+              <a:fontRef idx="minor">
+                <a:schemeClr val="lt1"/>
+              </a:fontRef>
+            </p:style>
+            <p:txBody>
+              <a:bodyPr rtlCol="0" anchor="ctr"/>
+              <a:lstStyle/>
+              <a:p>
+                <a:pPr algn="ctr"/>
+                <a:endParaRPr lang="ko-KR" altLang="en-US"/>
+              </a:p>
+            </p:txBody>
+          </p:sp>
+          <p:sp>
+            <p:nvSpPr>
+              <p:cNvPr id="35" name="타원 34">
+                <a:extLst>
+                  <a:ext uri="{FF2B5EF4-FFF2-40B4-BE49-F238E27FC236}">
+                    <a16:creationId xmlns:a16="http://schemas.microsoft.com/office/drawing/2014/main" id="{0C906289-3383-4C8D-99B3-4523A6F507EA}"/>
+                  </a:ext>
+                </a:extLst>
+              </p:cNvPr>
+              <p:cNvSpPr/>
+              <p:nvPr/>
+            </p:nvSpPr>
+            <p:spPr>
+              <a:xfrm rot="1488213">
+                <a:off x="5089590" y="5385257"/>
+                <a:ext cx="276836" cy="551153"/>
+              </a:xfrm>
+              <a:prstGeom prst="ellipse">
+                <a:avLst/>
+              </a:prstGeom>
+              <a:solidFill>
+                <a:srgbClr val="00B0F0"/>
+              </a:solidFill>
+              <a:ln>
+                <a:noFill/>
+              </a:ln>
+            </p:spPr>
+            <p:style>
+              <a:lnRef idx="2">
+                <a:schemeClr val="accent1">
+                  <a:shade val="50000"/>
+                </a:schemeClr>
+              </a:lnRef>
+              <a:fillRef idx="1">
+                <a:schemeClr val="accent1"/>
+              </a:fillRef>
+              <a:effectRef idx="0">
+                <a:schemeClr val="accent1"/>
+              </a:effectRef>
+              <a:fontRef idx="minor">
+                <a:schemeClr val="lt1"/>
+              </a:fontRef>
+            </p:style>
+            <p:txBody>
+              <a:bodyPr rtlCol="0" anchor="ctr"/>
+              <a:lstStyle/>
+              <a:p>
+                <a:pPr algn="ctr"/>
+                <a:endParaRPr lang="ko-KR" altLang="en-US"/>
+              </a:p>
+            </p:txBody>
+          </p:sp>
+          <p:sp>
+            <p:nvSpPr>
+              <p:cNvPr id="36" name="타원 35">
+                <a:extLst>
+                  <a:ext uri="{FF2B5EF4-FFF2-40B4-BE49-F238E27FC236}">
+                    <a16:creationId xmlns:a16="http://schemas.microsoft.com/office/drawing/2014/main" id="{F9A1C479-6BF4-414A-98D0-171FA68BD45C}"/>
+                  </a:ext>
+                </a:extLst>
+              </p:cNvPr>
+              <p:cNvSpPr/>
+              <p:nvPr/>
+            </p:nvSpPr>
+            <p:spPr>
+              <a:xfrm rot="1488213">
+                <a:off x="5695079" y="4676110"/>
+                <a:ext cx="276836" cy="551153"/>
+              </a:xfrm>
+              <a:prstGeom prst="ellipse">
+                <a:avLst/>
+              </a:prstGeom>
+              <a:solidFill>
+                <a:srgbClr val="00B0F0"/>
+              </a:solidFill>
+              <a:ln>
+                <a:noFill/>
+              </a:ln>
+            </p:spPr>
+            <p:style>
+              <a:lnRef idx="2">
+                <a:schemeClr val="accent1">
+                  <a:shade val="50000"/>
+                </a:schemeClr>
+              </a:lnRef>
+              <a:fillRef idx="1">
+                <a:schemeClr val="accent1"/>
+              </a:fillRef>
+              <a:effectRef idx="0">
+                <a:schemeClr val="accent1"/>
+              </a:effectRef>
+              <a:fontRef idx="minor">
+                <a:schemeClr val="lt1"/>
+              </a:fontRef>
+            </p:style>
+            <p:txBody>
+              <a:bodyPr rtlCol="0" anchor="ctr"/>
+              <a:lstStyle/>
+              <a:p>
+                <a:pPr algn="ctr"/>
+                <a:endParaRPr lang="ko-KR" altLang="en-US"/>
+              </a:p>
+            </p:txBody>
+          </p:sp>
+          <p:sp>
+            <p:nvSpPr>
+              <p:cNvPr id="37" name="타원 36">
+                <a:extLst>
+                  <a:ext uri="{FF2B5EF4-FFF2-40B4-BE49-F238E27FC236}">
+                    <a16:creationId xmlns:a16="http://schemas.microsoft.com/office/drawing/2014/main" id="{89F1F6B8-8AEC-40D6-8AC7-B1FD9602DC5A}"/>
+                  </a:ext>
+                </a:extLst>
+              </p:cNvPr>
+              <p:cNvSpPr/>
+              <p:nvPr/>
+            </p:nvSpPr>
+            <p:spPr>
+              <a:xfrm rot="1488213">
+                <a:off x="3814253" y="5977515"/>
+                <a:ext cx="276836" cy="551153"/>
+              </a:xfrm>
+              <a:prstGeom prst="ellipse">
+                <a:avLst/>
+              </a:prstGeom>
+              <a:solidFill>
+                <a:srgbClr val="00B0F0"/>
+              </a:solidFill>
+              <a:ln>
+                <a:noFill/>
+              </a:ln>
+            </p:spPr>
+            <p:style>
+              <a:lnRef idx="2">
+                <a:schemeClr val="accent1">
+                  <a:shade val="50000"/>
+                </a:schemeClr>
+              </a:lnRef>
+              <a:fillRef idx="1">
+                <a:schemeClr val="accent1"/>
+              </a:fillRef>
+              <a:effectRef idx="0">
+                <a:schemeClr val="accent1"/>
+              </a:effectRef>
+              <a:fontRef idx="minor">
+                <a:schemeClr val="lt1"/>
+              </a:fontRef>
+            </p:style>
+            <p:txBody>
+              <a:bodyPr rtlCol="0" anchor="ctr"/>
+              <a:lstStyle/>
+              <a:p>
+                <a:pPr algn="ctr"/>
+                <a:endParaRPr lang="ko-KR" altLang="en-US"/>
+              </a:p>
+            </p:txBody>
+          </p:sp>
+          <p:sp>
+            <p:nvSpPr>
+              <p:cNvPr id="38" name="타원 37">
+                <a:extLst>
+                  <a:ext uri="{FF2B5EF4-FFF2-40B4-BE49-F238E27FC236}">
+                    <a16:creationId xmlns:a16="http://schemas.microsoft.com/office/drawing/2014/main" id="{8108036A-F84F-4BA2-A7C0-DFAEC9DA60D5}"/>
+                  </a:ext>
+                </a:extLst>
+              </p:cNvPr>
+              <p:cNvSpPr/>
+              <p:nvPr/>
+            </p:nvSpPr>
+            <p:spPr>
+              <a:xfrm rot="1488213">
+                <a:off x="6836416" y="6074551"/>
+                <a:ext cx="276836" cy="551153"/>
+              </a:xfrm>
+              <a:prstGeom prst="ellipse">
+                <a:avLst/>
+              </a:prstGeom>
+              <a:solidFill>
+                <a:srgbClr val="00B0F0"/>
+              </a:solidFill>
+              <a:ln>
+                <a:noFill/>
+              </a:ln>
+            </p:spPr>
+            <p:style>
+              <a:lnRef idx="2">
+                <a:schemeClr val="accent1">
+                  <a:shade val="50000"/>
+                </a:schemeClr>
+              </a:lnRef>
+              <a:fillRef idx="1">
+                <a:schemeClr val="accent1"/>
+              </a:fillRef>
+              <a:effectRef idx="0">
+                <a:schemeClr val="accent1"/>
+              </a:effectRef>
+              <a:fontRef idx="minor">
+                <a:schemeClr val="lt1"/>
+              </a:fontRef>
+            </p:style>
+            <p:txBody>
+              <a:bodyPr rtlCol="0" anchor="ctr"/>
+              <a:lstStyle/>
+              <a:p>
+                <a:pPr algn="ctr"/>
+                <a:endParaRPr lang="ko-KR" altLang="en-US"/>
+              </a:p>
+            </p:txBody>
+          </p:sp>
+          <p:sp>
+            <p:nvSpPr>
+              <p:cNvPr id="39" name="타원 38">
+                <a:extLst>
+                  <a:ext uri="{FF2B5EF4-FFF2-40B4-BE49-F238E27FC236}">
+                    <a16:creationId xmlns:a16="http://schemas.microsoft.com/office/drawing/2014/main" id="{A47A2D4A-3F06-4DB0-BCD7-815C79C94574}"/>
+                  </a:ext>
+                </a:extLst>
+              </p:cNvPr>
+              <p:cNvSpPr/>
+              <p:nvPr/>
+            </p:nvSpPr>
+            <p:spPr>
+              <a:xfrm rot="1488213">
+                <a:off x="5366741" y="6001702"/>
+                <a:ext cx="276836" cy="551153"/>
+              </a:xfrm>
+              <a:prstGeom prst="ellipse">
+                <a:avLst/>
+              </a:prstGeom>
+              <a:solidFill>
+                <a:srgbClr val="00B0F0"/>
+              </a:solidFill>
+              <a:ln>
+                <a:noFill/>
+              </a:ln>
+            </p:spPr>
+            <p:style>
+              <a:lnRef idx="2">
+                <a:schemeClr val="accent1">
+                  <a:shade val="50000"/>
+                </a:schemeClr>
+              </a:lnRef>
+              <a:fillRef idx="1">
+                <a:schemeClr val="accent1"/>
+              </a:fillRef>
+              <a:effectRef idx="0">
+                <a:schemeClr val="accent1"/>
+              </a:effectRef>
+              <a:fontRef idx="minor">
+                <a:schemeClr val="lt1"/>
+              </a:fontRef>
+            </p:style>
+            <p:txBody>
+              <a:bodyPr rtlCol="0" anchor="ctr"/>
+              <a:lstStyle/>
+              <a:p>
+                <a:pPr algn="ctr"/>
+                <a:endParaRPr lang="ko-KR" altLang="en-US"/>
+              </a:p>
+            </p:txBody>
+          </p:sp>
+          <p:sp>
+            <p:nvSpPr>
+              <p:cNvPr id="40" name="타원 39">
+                <a:extLst>
+                  <a:ext uri="{FF2B5EF4-FFF2-40B4-BE49-F238E27FC236}">
+                    <a16:creationId xmlns:a16="http://schemas.microsoft.com/office/drawing/2014/main" id="{9033BF12-0F01-42FB-9D8D-CCB4FC961678}"/>
+                  </a:ext>
+                </a:extLst>
+              </p:cNvPr>
+              <p:cNvSpPr/>
+              <p:nvPr/>
+            </p:nvSpPr>
+            <p:spPr>
+              <a:xfrm rot="1488213">
+                <a:off x="4603173" y="5993700"/>
+                <a:ext cx="276836" cy="551153"/>
+              </a:xfrm>
+              <a:prstGeom prst="ellipse">
+                <a:avLst/>
+              </a:prstGeom>
+              <a:solidFill>
+                <a:srgbClr val="00B0F0"/>
+              </a:solidFill>
+              <a:ln>
+                <a:noFill/>
+              </a:ln>
+            </p:spPr>
+            <p:style>
+              <a:lnRef idx="2">
+                <a:schemeClr val="accent1">
+                  <a:shade val="50000"/>
+                </a:schemeClr>
+              </a:lnRef>
+              <a:fillRef idx="1">
+                <a:schemeClr val="accent1"/>
+              </a:fillRef>
+              <a:effectRef idx="0">
+                <a:schemeClr val="accent1"/>
+              </a:effectRef>
+              <a:fontRef idx="minor">
+                <a:schemeClr val="lt1"/>
+              </a:fontRef>
+            </p:style>
+            <p:txBody>
+              <a:bodyPr rtlCol="0" anchor="ctr"/>
+              <a:lstStyle/>
+              <a:p>
+                <a:pPr algn="ctr"/>
+                <a:endParaRPr lang="ko-KR" altLang="en-US"/>
+              </a:p>
+            </p:txBody>
+          </p:sp>
+          <p:sp>
+            <p:nvSpPr>
+              <p:cNvPr id="41" name="타원 40">
+                <a:extLst>
+                  <a:ext uri="{FF2B5EF4-FFF2-40B4-BE49-F238E27FC236}">
+                    <a16:creationId xmlns:a16="http://schemas.microsoft.com/office/drawing/2014/main" id="{3B06286D-E411-4EAE-9624-77F6A4B1928E}"/>
+                  </a:ext>
+                </a:extLst>
+              </p:cNvPr>
+              <p:cNvSpPr/>
+              <p:nvPr/>
+            </p:nvSpPr>
+            <p:spPr>
+              <a:xfrm rot="1488213">
+                <a:off x="6284240" y="6022049"/>
+                <a:ext cx="276836" cy="551153"/>
+              </a:xfrm>
+              <a:prstGeom prst="ellipse">
+                <a:avLst/>
+              </a:prstGeom>
+              <a:solidFill>
+                <a:srgbClr val="00B0F0"/>
+              </a:solidFill>
+              <a:ln>
+                <a:noFill/>
+              </a:ln>
+            </p:spPr>
+            <p:style>
+              <a:lnRef idx="2">
+                <a:schemeClr val="accent1">
+                  <a:shade val="50000"/>
+                </a:schemeClr>
+              </a:lnRef>
+              <a:fillRef idx="1">
+                <a:schemeClr val="accent1"/>
+              </a:fillRef>
+              <a:effectRef idx="0">
+                <a:schemeClr val="accent1"/>
+              </a:effectRef>
+              <a:fontRef idx="minor">
+                <a:schemeClr val="lt1"/>
+              </a:fontRef>
+            </p:style>
+            <p:txBody>
+              <a:bodyPr rtlCol="0" anchor="ctr"/>
+              <a:lstStyle/>
+              <a:p>
+                <a:pPr algn="ctr"/>
+                <a:endParaRPr lang="ko-KR" altLang="en-US"/>
+              </a:p>
+            </p:txBody>
+          </p:sp>
+        </p:grpSp>
         <p:sp>
           <p:nvSpPr>
-            <p:cNvPr id="24" name="타원 23">
+            <p:cNvPr id="43" name="타원 42">
               <a:extLst>
                 <a:ext uri="{FF2B5EF4-FFF2-40B4-BE49-F238E27FC236}">
-                  <a16:creationId xmlns:a16="http://schemas.microsoft.com/office/drawing/2014/main" id="{62609713-A651-4EE1-85A8-A5110C88B439}"/>
+                  <a16:creationId xmlns:a16="http://schemas.microsoft.com/office/drawing/2014/main" id="{DE07F7C3-BC01-4177-B1DA-A6EDD27292D5}"/>
                 </a:ext>
               </a:extLst>
             </p:cNvPr>
@@ -6634,17 +6948,20 @@
             <p:nvPr/>
           </p:nvSpPr>
           <p:spPr>
-            <a:xfrm rot="1488213">
-              <a:off x="3129095" y="4726666"/>
-              <a:ext cx="276836" cy="551153"/>
+            <a:xfrm>
+              <a:off x="5592241" y="222971"/>
+              <a:ext cx="3917177" cy="3917177"/>
             </a:xfrm>
             <a:prstGeom prst="ellipse">
               <a:avLst/>
             </a:prstGeom>
             <a:solidFill>
-              <a:srgbClr val="00B0F0"/>
+              <a:schemeClr val="tx1">
+                <a:lumMod val="75000"/>
+                <a:lumOff val="25000"/>
+              </a:schemeClr>
             </a:solidFill>
-            <a:ln>
+            <a:ln w="238125">
               <a:noFill/>
             </a:ln>
           </p:spPr>
@@ -6669,16 +6986,16 @@
             <a:lstStyle/>
             <a:p>
               <a:pPr algn="ctr"/>
-              <a:endParaRPr lang="ko-KR" altLang="en-US"/>
+              <a:endParaRPr lang="ko-KR" altLang="en-US" dirty="0"/>
             </a:p>
           </p:txBody>
         </p:sp>
         <p:sp>
           <p:nvSpPr>
-            <p:cNvPr id="25" name="타원 24">
+            <p:cNvPr id="42" name="자유형: 도형 41">
               <a:extLst>
                 <a:ext uri="{FF2B5EF4-FFF2-40B4-BE49-F238E27FC236}">
-                  <a16:creationId xmlns:a16="http://schemas.microsoft.com/office/drawing/2014/main" id="{12949250-C79E-4BDB-A7AC-D53C67877D32}"/>
+                  <a16:creationId xmlns:a16="http://schemas.microsoft.com/office/drawing/2014/main" id="{CB4E9CA6-35BC-4E7E-9052-B27BECB9FAC0}"/>
                 </a:ext>
               </a:extLst>
             </p:cNvPr>
@@ -6686,17 +7003,242 @@
             <p:nvPr/>
           </p:nvSpPr>
           <p:spPr>
-            <a:xfrm rot="1488213">
-              <a:off x="7939020" y="4759696"/>
-              <a:ext cx="276836" cy="551153"/>
+            <a:xfrm>
+              <a:off x="2415199" y="681038"/>
+              <a:ext cx="6766886" cy="4046013"/>
             </a:xfrm>
-            <a:prstGeom prst="ellipse">
+            <a:custGeom>
               <a:avLst/>
-            </a:prstGeom>
+              <a:gdLst>
+                <a:gd name="connsiteX0" fmla="*/ 3572486 w 9286613"/>
+                <a:gd name="connsiteY0" fmla="*/ 0 h 5552592"/>
+                <a:gd name="connsiteX1" fmla="*/ 5265442 w 9286613"/>
+                <a:gd name="connsiteY1" fmla="*/ 1527749 h 5552592"/>
+                <a:gd name="connsiteX2" fmla="*/ 5269692 w 9286613"/>
+                <a:gd name="connsiteY2" fmla="*/ 1611906 h 5552592"/>
+                <a:gd name="connsiteX3" fmla="*/ 5320143 w 9286613"/>
+                <a:gd name="connsiteY3" fmla="*/ 1565496 h 5552592"/>
+                <a:gd name="connsiteX4" fmla="*/ 6209951 w 9286613"/>
+                <a:gd name="connsiteY4" fmla="*/ 1242182 h 5552592"/>
+                <a:gd name="connsiteX5" fmla="*/ 7601594 w 9286613"/>
+                <a:gd name="connsiteY5" fmla="*/ 2513279 h 5552592"/>
+                <a:gd name="connsiteX6" fmla="*/ 7605758 w 9286613"/>
+                <a:gd name="connsiteY6" fmla="*/ 2596744 h 5552592"/>
+                <a:gd name="connsiteX7" fmla="*/ 7701092 w 9286613"/>
+                <a:gd name="connsiteY7" fmla="*/ 2596744 h 5552592"/>
+                <a:gd name="connsiteX8" fmla="*/ 7701092 w 9286613"/>
+                <a:gd name="connsiteY8" fmla="*/ 2601682 h 5552592"/>
+                <a:gd name="connsiteX9" fmla="*/ 7799490 w 9286613"/>
+                <a:gd name="connsiteY9" fmla="*/ 2596744 h 5552592"/>
+                <a:gd name="connsiteX10" fmla="*/ 9286613 w 9286613"/>
+                <a:gd name="connsiteY10" fmla="*/ 4074668 h 5552592"/>
+                <a:gd name="connsiteX11" fmla="*/ 7799490 w 9286613"/>
+                <a:gd name="connsiteY11" fmla="*/ 5552592 h 5552592"/>
+                <a:gd name="connsiteX12" fmla="*/ 7701092 w 9286613"/>
+                <a:gd name="connsiteY12" fmla="*/ 5547654 h 5552592"/>
+                <a:gd name="connsiteX13" fmla="*/ 7701092 w 9286613"/>
+                <a:gd name="connsiteY13" fmla="*/ 5551066 h 5552592"/>
+                <a:gd name="connsiteX14" fmla="*/ 1761690 w 9286613"/>
+                <a:gd name="connsiteY14" fmla="*/ 5551066 h 5552592"/>
+                <a:gd name="connsiteX15" fmla="*/ 1761690 w 9286613"/>
+                <a:gd name="connsiteY15" fmla="*/ 5545559 h 5552592"/>
+                <a:gd name="connsiteX16" fmla="*/ 1652631 w 9286613"/>
+                <a:gd name="connsiteY16" fmla="*/ 5551066 h 5552592"/>
+                <a:gd name="connsiteX17" fmla="*/ 0 w 9286613"/>
+                <a:gd name="connsiteY17" fmla="*/ 3898435 h 5552592"/>
+                <a:gd name="connsiteX18" fmla="*/ 1652631 w 9286613"/>
+                <a:gd name="connsiteY18" fmla="*/ 2245804 h 5552592"/>
+                <a:gd name="connsiteX19" fmla="*/ 1904311 w 9286613"/>
+                <a:gd name="connsiteY19" fmla="*/ 2264846 h 5552592"/>
+                <a:gd name="connsiteX20" fmla="*/ 1972946 w 9286613"/>
+                <a:gd name="connsiteY20" fmla="*/ 2277990 h 5552592"/>
+                <a:gd name="connsiteX21" fmla="*/ 1947251 w 9286613"/>
+                <a:gd name="connsiteY21" fmla="*/ 2207788 h 5552592"/>
+                <a:gd name="connsiteX22" fmla="*/ 1870744 w 9286613"/>
+                <a:gd name="connsiteY22" fmla="*/ 1701742 h 5552592"/>
+                <a:gd name="connsiteX23" fmla="*/ 3572486 w 9286613"/>
+                <a:gd name="connsiteY23" fmla="*/ 0 h 5552592"/>
+              </a:gdLst>
+              <a:ahLst/>
+              <a:cxnLst>
+                <a:cxn ang="0">
+                  <a:pos x="connsiteX0" y="connsiteY0"/>
+                </a:cxn>
+                <a:cxn ang="0">
+                  <a:pos x="connsiteX1" y="connsiteY1"/>
+                </a:cxn>
+                <a:cxn ang="0">
+                  <a:pos x="connsiteX2" y="connsiteY2"/>
+                </a:cxn>
+                <a:cxn ang="0">
+                  <a:pos x="connsiteX3" y="connsiteY3"/>
+                </a:cxn>
+                <a:cxn ang="0">
+                  <a:pos x="connsiteX4" y="connsiteY4"/>
+                </a:cxn>
+                <a:cxn ang="0">
+                  <a:pos x="connsiteX5" y="connsiteY5"/>
+                </a:cxn>
+                <a:cxn ang="0">
+                  <a:pos x="connsiteX6" y="connsiteY6"/>
+                </a:cxn>
+                <a:cxn ang="0">
+                  <a:pos x="connsiteX7" y="connsiteY7"/>
+                </a:cxn>
+                <a:cxn ang="0">
+                  <a:pos x="connsiteX8" y="connsiteY8"/>
+                </a:cxn>
+                <a:cxn ang="0">
+                  <a:pos x="connsiteX9" y="connsiteY9"/>
+                </a:cxn>
+                <a:cxn ang="0">
+                  <a:pos x="connsiteX10" y="connsiteY10"/>
+                </a:cxn>
+                <a:cxn ang="0">
+                  <a:pos x="connsiteX11" y="connsiteY11"/>
+                </a:cxn>
+                <a:cxn ang="0">
+                  <a:pos x="connsiteX12" y="connsiteY12"/>
+                </a:cxn>
+                <a:cxn ang="0">
+                  <a:pos x="connsiteX13" y="connsiteY13"/>
+                </a:cxn>
+                <a:cxn ang="0">
+                  <a:pos x="connsiteX14" y="connsiteY14"/>
+                </a:cxn>
+                <a:cxn ang="0">
+                  <a:pos x="connsiteX15" y="connsiteY15"/>
+                </a:cxn>
+                <a:cxn ang="0">
+                  <a:pos x="connsiteX16" y="connsiteY16"/>
+                </a:cxn>
+                <a:cxn ang="0">
+                  <a:pos x="connsiteX17" y="connsiteY17"/>
+                </a:cxn>
+                <a:cxn ang="0">
+                  <a:pos x="connsiteX18" y="connsiteY18"/>
+                </a:cxn>
+                <a:cxn ang="0">
+                  <a:pos x="connsiteX19" y="connsiteY19"/>
+                </a:cxn>
+                <a:cxn ang="0">
+                  <a:pos x="connsiteX20" y="connsiteY20"/>
+                </a:cxn>
+                <a:cxn ang="0">
+                  <a:pos x="connsiteX21" y="connsiteY21"/>
+                </a:cxn>
+                <a:cxn ang="0">
+                  <a:pos x="connsiteX22" y="connsiteY22"/>
+                </a:cxn>
+                <a:cxn ang="0">
+                  <a:pos x="connsiteX23" y="connsiteY23"/>
+                </a:cxn>
+              </a:cxnLst>
+              <a:rect l="l" t="t" r="r" b="b"/>
+              <a:pathLst>
+                <a:path w="9286613" h="5552592">
+                  <a:moveTo>
+                    <a:pt x="3572486" y="0"/>
+                  </a:moveTo>
+                  <a:cubicBezTo>
+                    <a:pt x="4453592" y="0"/>
+                    <a:pt x="5178296" y="669635"/>
+                    <a:pt x="5265442" y="1527749"/>
+                  </a:cubicBezTo>
+                  <a:lnTo>
+                    <a:pt x="5269692" y="1611906"/>
+                  </a:lnTo>
+                  <a:lnTo>
+                    <a:pt x="5320143" y="1565496"/>
+                  </a:lnTo>
+                  <a:cubicBezTo>
+                    <a:pt x="5561949" y="1363515"/>
+                    <a:pt x="5871951" y="1242182"/>
+                    <a:pt x="6209951" y="1242182"/>
+                  </a:cubicBezTo>
+                  <a:cubicBezTo>
+                    <a:pt x="6934237" y="1242182"/>
+                    <a:pt x="7529958" y="1799323"/>
+                    <a:pt x="7601594" y="2513279"/>
+                  </a:cubicBezTo>
+                  <a:lnTo>
+                    <a:pt x="7605758" y="2596744"/>
+                  </a:lnTo>
+                  <a:lnTo>
+                    <a:pt x="7701092" y="2596744"/>
+                  </a:lnTo>
+                  <a:lnTo>
+                    <a:pt x="7701092" y="2601682"/>
+                  </a:lnTo>
+                  <a:lnTo>
+                    <a:pt x="7799490" y="2596744"/>
+                  </a:lnTo>
+                  <a:cubicBezTo>
+                    <a:pt x="8620805" y="2596744"/>
+                    <a:pt x="9286613" y="3258433"/>
+                    <a:pt x="9286613" y="4074668"/>
+                  </a:cubicBezTo>
+                  <a:cubicBezTo>
+                    <a:pt x="9286613" y="4890903"/>
+                    <a:pt x="8620805" y="5552592"/>
+                    <a:pt x="7799490" y="5552592"/>
+                  </a:cubicBezTo>
+                  <a:lnTo>
+                    <a:pt x="7701092" y="5547654"/>
+                  </a:lnTo>
+                  <a:lnTo>
+                    <a:pt x="7701092" y="5551066"/>
+                  </a:lnTo>
+                  <a:lnTo>
+                    <a:pt x="1761690" y="5551066"/>
+                  </a:lnTo>
+                  <a:lnTo>
+                    <a:pt x="1761690" y="5545559"/>
+                  </a:lnTo>
+                  <a:lnTo>
+                    <a:pt x="1652631" y="5551066"/>
+                  </a:lnTo>
+                  <a:cubicBezTo>
+                    <a:pt x="739908" y="5551066"/>
+                    <a:pt x="0" y="4811158"/>
+                    <a:pt x="0" y="3898435"/>
+                  </a:cubicBezTo>
+                  <a:cubicBezTo>
+                    <a:pt x="0" y="2985712"/>
+                    <a:pt x="739908" y="2245804"/>
+                    <a:pt x="1652631" y="2245804"/>
+                  </a:cubicBezTo>
+                  <a:cubicBezTo>
+                    <a:pt x="1738199" y="2245804"/>
+                    <a:pt x="1822248" y="2252307"/>
+                    <a:pt x="1904311" y="2264846"/>
+                  </a:cubicBezTo>
+                  <a:lnTo>
+                    <a:pt x="1972946" y="2277990"/>
+                  </a:lnTo>
+                  <a:lnTo>
+                    <a:pt x="1947251" y="2207788"/>
+                  </a:lnTo>
+                  <a:cubicBezTo>
+                    <a:pt x="1897530" y="2047928"/>
+                    <a:pt x="1870744" y="1877963"/>
+                    <a:pt x="1870744" y="1701742"/>
+                  </a:cubicBezTo>
+                  <a:cubicBezTo>
+                    <a:pt x="1870744" y="761896"/>
+                    <a:pt x="2632640" y="0"/>
+                    <a:pt x="3572486" y="0"/>
+                  </a:cubicBezTo>
+                  <a:close/>
+                </a:path>
+              </a:pathLst>
+            </a:custGeom>
             <a:solidFill>
-              <a:srgbClr val="00B0F0"/>
+              <a:schemeClr val="bg1">
+                <a:lumMod val="85000"/>
+              </a:schemeClr>
             </a:solidFill>
-            <a:ln>
+            <a:ln w="238125">
               <a:noFill/>
             </a:ln>
           </p:spPr>
@@ -6721,16 +7263,67 @@
             <a:lstStyle/>
             <a:p>
               <a:pPr algn="ctr"/>
-              <a:endParaRPr lang="ko-KR" altLang="en-US"/>
+              <a:endParaRPr lang="ko-KR" altLang="en-US" dirty="0"/>
             </a:p>
           </p:txBody>
         </p:sp>
+      </p:grpSp>
+    </p:spTree>
+    <p:extLst>
+      <p:ext uri="{BB962C8B-B14F-4D97-AF65-F5344CB8AC3E}">
+        <p14:creationId xmlns:p14="http://schemas.microsoft.com/office/powerpoint/2010/main" val="1738893042"/>
+      </p:ext>
+    </p:extLst>
+  </p:cSld>
+  <p:clrMapOvr>
+    <a:masterClrMapping/>
+  </p:clrMapOvr>
+</p:sld>
+</file>
+
+<file path=ppt/slides/slide7.xml><?xml version="1.0" encoding="utf-8"?>
+<p:sld xmlns:a="http://schemas.openxmlformats.org/drawingml/2006/main" xmlns:r="http://schemas.openxmlformats.org/officeDocument/2006/relationships" xmlns:p="http://schemas.openxmlformats.org/presentationml/2006/main">
+  <p:cSld>
+    <p:spTree>
+      <p:nvGrpSpPr>
+        <p:cNvPr id="1" name=""/>
+        <p:cNvGrpSpPr/>
+        <p:nvPr/>
+      </p:nvGrpSpPr>
+      <p:grpSpPr>
+        <a:xfrm>
+          <a:off x="0" y="0"/>
+          <a:ext cx="0" cy="0"/>
+          <a:chOff x="0" y="0"/>
+          <a:chExt cx="0" cy="0"/>
+        </a:xfrm>
+      </p:grpSpPr>
+      <p:grpSp>
+        <p:nvGrpSpPr>
+          <p:cNvPr id="10" name="그룹 9">
+            <a:extLst>
+              <a:ext uri="{FF2B5EF4-FFF2-40B4-BE49-F238E27FC236}">
+                <a16:creationId xmlns:a16="http://schemas.microsoft.com/office/drawing/2014/main" id="{A955E655-C1AE-441E-9AA8-D6ECC44103AE}"/>
+              </a:ext>
+            </a:extLst>
+          </p:cNvPr>
+          <p:cNvGrpSpPr/>
+          <p:nvPr/>
+        </p:nvGrpSpPr>
+        <p:grpSpPr>
+          <a:xfrm>
+            <a:off x="2398422" y="320979"/>
+            <a:ext cx="7704441" cy="6081257"/>
+            <a:chOff x="2398422" y="320979"/>
+            <a:chExt cx="7704441" cy="6081257"/>
+          </a:xfrm>
+        </p:grpSpPr>
         <p:sp>
           <p:nvSpPr>
-            <p:cNvPr id="26" name="타원 25">
+            <p:cNvPr id="6" name="자유형: 도형 5">
               <a:extLst>
                 <a:ext uri="{FF2B5EF4-FFF2-40B4-BE49-F238E27FC236}">
-                  <a16:creationId xmlns:a16="http://schemas.microsoft.com/office/drawing/2014/main" id="{20EB1319-8FEC-42CF-8F67-D42B58EF92E1}"/>
+                  <a16:creationId xmlns:a16="http://schemas.microsoft.com/office/drawing/2014/main" id="{5ABDF490-C7AD-4AC1-87B8-5B32273D5FA9}"/>
                 </a:ext>
               </a:extLst>
             </p:cNvPr>
@@ -6738,17 +7331,243 @@
             <p:nvPr/>
           </p:nvSpPr>
           <p:spPr>
-            <a:xfrm rot="1488213">
-              <a:off x="3382659" y="5405604"/>
-              <a:ext cx="276836" cy="551153"/>
+            <a:xfrm>
+              <a:off x="3741460" y="320979"/>
+              <a:ext cx="6361403" cy="3803569"/>
             </a:xfrm>
-            <a:prstGeom prst="ellipse">
+            <a:custGeom>
               <a:avLst/>
-            </a:prstGeom>
+              <a:gdLst>
+                <a:gd name="connsiteX0" fmla="*/ 3572486 w 9286613"/>
+                <a:gd name="connsiteY0" fmla="*/ 0 h 5552592"/>
+                <a:gd name="connsiteX1" fmla="*/ 5265442 w 9286613"/>
+                <a:gd name="connsiteY1" fmla="*/ 1527749 h 5552592"/>
+                <a:gd name="connsiteX2" fmla="*/ 5269692 w 9286613"/>
+                <a:gd name="connsiteY2" fmla="*/ 1611906 h 5552592"/>
+                <a:gd name="connsiteX3" fmla="*/ 5320143 w 9286613"/>
+                <a:gd name="connsiteY3" fmla="*/ 1565496 h 5552592"/>
+                <a:gd name="connsiteX4" fmla="*/ 6209951 w 9286613"/>
+                <a:gd name="connsiteY4" fmla="*/ 1242182 h 5552592"/>
+                <a:gd name="connsiteX5" fmla="*/ 7601594 w 9286613"/>
+                <a:gd name="connsiteY5" fmla="*/ 2513279 h 5552592"/>
+                <a:gd name="connsiteX6" fmla="*/ 7605758 w 9286613"/>
+                <a:gd name="connsiteY6" fmla="*/ 2596744 h 5552592"/>
+                <a:gd name="connsiteX7" fmla="*/ 7701092 w 9286613"/>
+                <a:gd name="connsiteY7" fmla="*/ 2596744 h 5552592"/>
+                <a:gd name="connsiteX8" fmla="*/ 7701092 w 9286613"/>
+                <a:gd name="connsiteY8" fmla="*/ 2601682 h 5552592"/>
+                <a:gd name="connsiteX9" fmla="*/ 7799490 w 9286613"/>
+                <a:gd name="connsiteY9" fmla="*/ 2596744 h 5552592"/>
+                <a:gd name="connsiteX10" fmla="*/ 9286613 w 9286613"/>
+                <a:gd name="connsiteY10" fmla="*/ 4074668 h 5552592"/>
+                <a:gd name="connsiteX11" fmla="*/ 7799490 w 9286613"/>
+                <a:gd name="connsiteY11" fmla="*/ 5552592 h 5552592"/>
+                <a:gd name="connsiteX12" fmla="*/ 7701092 w 9286613"/>
+                <a:gd name="connsiteY12" fmla="*/ 5547654 h 5552592"/>
+                <a:gd name="connsiteX13" fmla="*/ 7701092 w 9286613"/>
+                <a:gd name="connsiteY13" fmla="*/ 5551066 h 5552592"/>
+                <a:gd name="connsiteX14" fmla="*/ 1761690 w 9286613"/>
+                <a:gd name="connsiteY14" fmla="*/ 5551066 h 5552592"/>
+                <a:gd name="connsiteX15" fmla="*/ 1761690 w 9286613"/>
+                <a:gd name="connsiteY15" fmla="*/ 5545559 h 5552592"/>
+                <a:gd name="connsiteX16" fmla="*/ 1652631 w 9286613"/>
+                <a:gd name="connsiteY16" fmla="*/ 5551066 h 5552592"/>
+                <a:gd name="connsiteX17" fmla="*/ 0 w 9286613"/>
+                <a:gd name="connsiteY17" fmla="*/ 3898435 h 5552592"/>
+                <a:gd name="connsiteX18" fmla="*/ 1652631 w 9286613"/>
+                <a:gd name="connsiteY18" fmla="*/ 2245804 h 5552592"/>
+                <a:gd name="connsiteX19" fmla="*/ 1904311 w 9286613"/>
+                <a:gd name="connsiteY19" fmla="*/ 2264846 h 5552592"/>
+                <a:gd name="connsiteX20" fmla="*/ 1972946 w 9286613"/>
+                <a:gd name="connsiteY20" fmla="*/ 2277990 h 5552592"/>
+                <a:gd name="connsiteX21" fmla="*/ 1947251 w 9286613"/>
+                <a:gd name="connsiteY21" fmla="*/ 2207788 h 5552592"/>
+                <a:gd name="connsiteX22" fmla="*/ 1870744 w 9286613"/>
+                <a:gd name="connsiteY22" fmla="*/ 1701742 h 5552592"/>
+                <a:gd name="connsiteX23" fmla="*/ 3572486 w 9286613"/>
+                <a:gd name="connsiteY23" fmla="*/ 0 h 5552592"/>
+              </a:gdLst>
+              <a:ahLst/>
+              <a:cxnLst>
+                <a:cxn ang="0">
+                  <a:pos x="connsiteX0" y="connsiteY0"/>
+                </a:cxn>
+                <a:cxn ang="0">
+                  <a:pos x="connsiteX1" y="connsiteY1"/>
+                </a:cxn>
+                <a:cxn ang="0">
+                  <a:pos x="connsiteX2" y="connsiteY2"/>
+                </a:cxn>
+                <a:cxn ang="0">
+                  <a:pos x="connsiteX3" y="connsiteY3"/>
+                </a:cxn>
+                <a:cxn ang="0">
+                  <a:pos x="connsiteX4" y="connsiteY4"/>
+                </a:cxn>
+                <a:cxn ang="0">
+                  <a:pos x="connsiteX5" y="connsiteY5"/>
+                </a:cxn>
+                <a:cxn ang="0">
+                  <a:pos x="connsiteX6" y="connsiteY6"/>
+                </a:cxn>
+                <a:cxn ang="0">
+                  <a:pos x="connsiteX7" y="connsiteY7"/>
+                </a:cxn>
+                <a:cxn ang="0">
+                  <a:pos x="connsiteX8" y="connsiteY8"/>
+                </a:cxn>
+                <a:cxn ang="0">
+                  <a:pos x="connsiteX9" y="connsiteY9"/>
+                </a:cxn>
+                <a:cxn ang="0">
+                  <a:pos x="connsiteX10" y="connsiteY10"/>
+                </a:cxn>
+                <a:cxn ang="0">
+                  <a:pos x="connsiteX11" y="connsiteY11"/>
+                </a:cxn>
+                <a:cxn ang="0">
+                  <a:pos x="connsiteX12" y="connsiteY12"/>
+                </a:cxn>
+                <a:cxn ang="0">
+                  <a:pos x="connsiteX13" y="connsiteY13"/>
+                </a:cxn>
+                <a:cxn ang="0">
+                  <a:pos x="connsiteX14" y="connsiteY14"/>
+                </a:cxn>
+                <a:cxn ang="0">
+                  <a:pos x="connsiteX15" y="connsiteY15"/>
+                </a:cxn>
+                <a:cxn ang="0">
+                  <a:pos x="connsiteX16" y="connsiteY16"/>
+                </a:cxn>
+                <a:cxn ang="0">
+                  <a:pos x="connsiteX17" y="connsiteY17"/>
+                </a:cxn>
+                <a:cxn ang="0">
+                  <a:pos x="connsiteX18" y="connsiteY18"/>
+                </a:cxn>
+                <a:cxn ang="0">
+                  <a:pos x="connsiteX19" y="connsiteY19"/>
+                </a:cxn>
+                <a:cxn ang="0">
+                  <a:pos x="connsiteX20" y="connsiteY20"/>
+                </a:cxn>
+                <a:cxn ang="0">
+                  <a:pos x="connsiteX21" y="connsiteY21"/>
+                </a:cxn>
+                <a:cxn ang="0">
+                  <a:pos x="connsiteX22" y="connsiteY22"/>
+                </a:cxn>
+                <a:cxn ang="0">
+                  <a:pos x="connsiteX23" y="connsiteY23"/>
+                </a:cxn>
+              </a:cxnLst>
+              <a:rect l="l" t="t" r="r" b="b"/>
+              <a:pathLst>
+                <a:path w="9286613" h="5552592">
+                  <a:moveTo>
+                    <a:pt x="3572486" y="0"/>
+                  </a:moveTo>
+                  <a:cubicBezTo>
+                    <a:pt x="4453592" y="0"/>
+                    <a:pt x="5178296" y="669635"/>
+                    <a:pt x="5265442" y="1527749"/>
+                  </a:cubicBezTo>
+                  <a:lnTo>
+                    <a:pt x="5269692" y="1611906"/>
+                  </a:lnTo>
+                  <a:lnTo>
+                    <a:pt x="5320143" y="1565496"/>
+                  </a:lnTo>
+                  <a:cubicBezTo>
+                    <a:pt x="5561949" y="1363515"/>
+                    <a:pt x="5871951" y="1242182"/>
+                    <a:pt x="6209951" y="1242182"/>
+                  </a:cubicBezTo>
+                  <a:cubicBezTo>
+                    <a:pt x="6934237" y="1242182"/>
+                    <a:pt x="7529958" y="1799323"/>
+                    <a:pt x="7601594" y="2513279"/>
+                  </a:cubicBezTo>
+                  <a:lnTo>
+                    <a:pt x="7605758" y="2596744"/>
+                  </a:lnTo>
+                  <a:lnTo>
+                    <a:pt x="7701092" y="2596744"/>
+                  </a:lnTo>
+                  <a:lnTo>
+                    <a:pt x="7701092" y="2601682"/>
+                  </a:lnTo>
+                  <a:lnTo>
+                    <a:pt x="7799490" y="2596744"/>
+                  </a:lnTo>
+                  <a:cubicBezTo>
+                    <a:pt x="8620805" y="2596744"/>
+                    <a:pt x="9286613" y="3258433"/>
+                    <a:pt x="9286613" y="4074668"/>
+                  </a:cubicBezTo>
+                  <a:cubicBezTo>
+                    <a:pt x="9286613" y="4890903"/>
+                    <a:pt x="8620805" y="5552592"/>
+                    <a:pt x="7799490" y="5552592"/>
+                  </a:cubicBezTo>
+                  <a:lnTo>
+                    <a:pt x="7701092" y="5547654"/>
+                  </a:lnTo>
+                  <a:lnTo>
+                    <a:pt x="7701092" y="5551066"/>
+                  </a:lnTo>
+                  <a:lnTo>
+                    <a:pt x="1761690" y="5551066"/>
+                  </a:lnTo>
+                  <a:lnTo>
+                    <a:pt x="1761690" y="5545559"/>
+                  </a:lnTo>
+                  <a:lnTo>
+                    <a:pt x="1652631" y="5551066"/>
+                  </a:lnTo>
+                  <a:cubicBezTo>
+                    <a:pt x="739908" y="5551066"/>
+                    <a:pt x="0" y="4811158"/>
+                    <a:pt x="0" y="3898435"/>
+                  </a:cubicBezTo>
+                  <a:cubicBezTo>
+                    <a:pt x="0" y="2985712"/>
+                    <a:pt x="739908" y="2245804"/>
+                    <a:pt x="1652631" y="2245804"/>
+                  </a:cubicBezTo>
+                  <a:cubicBezTo>
+                    <a:pt x="1738199" y="2245804"/>
+                    <a:pt x="1822248" y="2252307"/>
+                    <a:pt x="1904311" y="2264846"/>
+                  </a:cubicBezTo>
+                  <a:lnTo>
+                    <a:pt x="1972946" y="2277990"/>
+                  </a:lnTo>
+                  <a:lnTo>
+                    <a:pt x="1947251" y="2207788"/>
+                  </a:lnTo>
+                  <a:cubicBezTo>
+                    <a:pt x="1897530" y="2047928"/>
+                    <a:pt x="1870744" y="1877963"/>
+                    <a:pt x="1870744" y="1701742"/>
+                  </a:cubicBezTo>
+                  <a:cubicBezTo>
+                    <a:pt x="1870744" y="761896"/>
+                    <a:pt x="2632640" y="0"/>
+                    <a:pt x="3572486" y="0"/>
+                  </a:cubicBezTo>
+                  <a:close/>
+                </a:path>
+              </a:pathLst>
+            </a:custGeom>
             <a:solidFill>
-              <a:srgbClr val="00B0F0"/>
+              <a:schemeClr val="tx1">
+                <a:lumMod val="75000"/>
+                <a:lumOff val="25000"/>
+              </a:schemeClr>
             </a:solidFill>
-            <a:ln>
+            <a:ln w="238125">
               <a:noFill/>
             </a:ln>
           </p:spPr>
@@ -6773,16 +7592,16 @@
             <a:lstStyle/>
             <a:p>
               <a:pPr algn="ctr"/>
-              <a:endParaRPr lang="ko-KR" altLang="en-US"/>
+              <a:endParaRPr lang="ko-KR" altLang="en-US" dirty="0"/>
             </a:p>
           </p:txBody>
         </p:sp>
         <p:sp>
           <p:nvSpPr>
-            <p:cNvPr id="27" name="타원 26">
+            <p:cNvPr id="7" name="자유형: 도형 6">
               <a:extLst>
                 <a:ext uri="{FF2B5EF4-FFF2-40B4-BE49-F238E27FC236}">
-                  <a16:creationId xmlns:a16="http://schemas.microsoft.com/office/drawing/2014/main" id="{D47A8C56-4B02-4595-925B-E1E1D0157AC5}"/>
+                  <a16:creationId xmlns:a16="http://schemas.microsoft.com/office/drawing/2014/main" id="{6BEBD1CB-8AA5-4E19-A790-8D585ACF821C}"/>
                 </a:ext>
               </a:extLst>
             </p:cNvPr>
@@ -6790,17 +7609,242 @@
             <p:nvPr/>
           </p:nvSpPr>
           <p:spPr>
-            <a:xfrm rot="1488213">
-              <a:off x="3815713" y="4699094"/>
-              <a:ext cx="276836" cy="551153"/>
+            <a:xfrm>
+              <a:off x="2398422" y="862608"/>
+              <a:ext cx="6766886" cy="4046013"/>
             </a:xfrm>
-            <a:prstGeom prst="ellipse">
+            <a:custGeom>
               <a:avLst/>
-            </a:prstGeom>
+              <a:gdLst>
+                <a:gd name="connsiteX0" fmla="*/ 3572486 w 9286613"/>
+                <a:gd name="connsiteY0" fmla="*/ 0 h 5552592"/>
+                <a:gd name="connsiteX1" fmla="*/ 5265442 w 9286613"/>
+                <a:gd name="connsiteY1" fmla="*/ 1527749 h 5552592"/>
+                <a:gd name="connsiteX2" fmla="*/ 5269692 w 9286613"/>
+                <a:gd name="connsiteY2" fmla="*/ 1611906 h 5552592"/>
+                <a:gd name="connsiteX3" fmla="*/ 5320143 w 9286613"/>
+                <a:gd name="connsiteY3" fmla="*/ 1565496 h 5552592"/>
+                <a:gd name="connsiteX4" fmla="*/ 6209951 w 9286613"/>
+                <a:gd name="connsiteY4" fmla="*/ 1242182 h 5552592"/>
+                <a:gd name="connsiteX5" fmla="*/ 7601594 w 9286613"/>
+                <a:gd name="connsiteY5" fmla="*/ 2513279 h 5552592"/>
+                <a:gd name="connsiteX6" fmla="*/ 7605758 w 9286613"/>
+                <a:gd name="connsiteY6" fmla="*/ 2596744 h 5552592"/>
+                <a:gd name="connsiteX7" fmla="*/ 7701092 w 9286613"/>
+                <a:gd name="connsiteY7" fmla="*/ 2596744 h 5552592"/>
+                <a:gd name="connsiteX8" fmla="*/ 7701092 w 9286613"/>
+                <a:gd name="connsiteY8" fmla="*/ 2601682 h 5552592"/>
+                <a:gd name="connsiteX9" fmla="*/ 7799490 w 9286613"/>
+                <a:gd name="connsiteY9" fmla="*/ 2596744 h 5552592"/>
+                <a:gd name="connsiteX10" fmla="*/ 9286613 w 9286613"/>
+                <a:gd name="connsiteY10" fmla="*/ 4074668 h 5552592"/>
+                <a:gd name="connsiteX11" fmla="*/ 7799490 w 9286613"/>
+                <a:gd name="connsiteY11" fmla="*/ 5552592 h 5552592"/>
+                <a:gd name="connsiteX12" fmla="*/ 7701092 w 9286613"/>
+                <a:gd name="connsiteY12" fmla="*/ 5547654 h 5552592"/>
+                <a:gd name="connsiteX13" fmla="*/ 7701092 w 9286613"/>
+                <a:gd name="connsiteY13" fmla="*/ 5551066 h 5552592"/>
+                <a:gd name="connsiteX14" fmla="*/ 1761690 w 9286613"/>
+                <a:gd name="connsiteY14" fmla="*/ 5551066 h 5552592"/>
+                <a:gd name="connsiteX15" fmla="*/ 1761690 w 9286613"/>
+                <a:gd name="connsiteY15" fmla="*/ 5545559 h 5552592"/>
+                <a:gd name="connsiteX16" fmla="*/ 1652631 w 9286613"/>
+                <a:gd name="connsiteY16" fmla="*/ 5551066 h 5552592"/>
+                <a:gd name="connsiteX17" fmla="*/ 0 w 9286613"/>
+                <a:gd name="connsiteY17" fmla="*/ 3898435 h 5552592"/>
+                <a:gd name="connsiteX18" fmla="*/ 1652631 w 9286613"/>
+                <a:gd name="connsiteY18" fmla="*/ 2245804 h 5552592"/>
+                <a:gd name="connsiteX19" fmla="*/ 1904311 w 9286613"/>
+                <a:gd name="connsiteY19" fmla="*/ 2264846 h 5552592"/>
+                <a:gd name="connsiteX20" fmla="*/ 1972946 w 9286613"/>
+                <a:gd name="connsiteY20" fmla="*/ 2277990 h 5552592"/>
+                <a:gd name="connsiteX21" fmla="*/ 1947251 w 9286613"/>
+                <a:gd name="connsiteY21" fmla="*/ 2207788 h 5552592"/>
+                <a:gd name="connsiteX22" fmla="*/ 1870744 w 9286613"/>
+                <a:gd name="connsiteY22" fmla="*/ 1701742 h 5552592"/>
+                <a:gd name="connsiteX23" fmla="*/ 3572486 w 9286613"/>
+                <a:gd name="connsiteY23" fmla="*/ 0 h 5552592"/>
+              </a:gdLst>
+              <a:ahLst/>
+              <a:cxnLst>
+                <a:cxn ang="0">
+                  <a:pos x="connsiteX0" y="connsiteY0"/>
+                </a:cxn>
+                <a:cxn ang="0">
+                  <a:pos x="connsiteX1" y="connsiteY1"/>
+                </a:cxn>
+                <a:cxn ang="0">
+                  <a:pos x="connsiteX2" y="connsiteY2"/>
+                </a:cxn>
+                <a:cxn ang="0">
+                  <a:pos x="connsiteX3" y="connsiteY3"/>
+                </a:cxn>
+                <a:cxn ang="0">
+                  <a:pos x="connsiteX4" y="connsiteY4"/>
+                </a:cxn>
+                <a:cxn ang="0">
+                  <a:pos x="connsiteX5" y="connsiteY5"/>
+                </a:cxn>
+                <a:cxn ang="0">
+                  <a:pos x="connsiteX6" y="connsiteY6"/>
+                </a:cxn>
+                <a:cxn ang="0">
+                  <a:pos x="connsiteX7" y="connsiteY7"/>
+                </a:cxn>
+                <a:cxn ang="0">
+                  <a:pos x="connsiteX8" y="connsiteY8"/>
+                </a:cxn>
+                <a:cxn ang="0">
+                  <a:pos x="connsiteX9" y="connsiteY9"/>
+                </a:cxn>
+                <a:cxn ang="0">
+                  <a:pos x="connsiteX10" y="connsiteY10"/>
+                </a:cxn>
+                <a:cxn ang="0">
+                  <a:pos x="connsiteX11" y="connsiteY11"/>
+                </a:cxn>
+                <a:cxn ang="0">
+                  <a:pos x="connsiteX12" y="connsiteY12"/>
+                </a:cxn>
+                <a:cxn ang="0">
+                  <a:pos x="connsiteX13" y="connsiteY13"/>
+                </a:cxn>
+                <a:cxn ang="0">
+                  <a:pos x="connsiteX14" y="connsiteY14"/>
+                </a:cxn>
+                <a:cxn ang="0">
+                  <a:pos x="connsiteX15" y="connsiteY15"/>
+                </a:cxn>
+                <a:cxn ang="0">
+                  <a:pos x="connsiteX16" y="connsiteY16"/>
+                </a:cxn>
+                <a:cxn ang="0">
+                  <a:pos x="connsiteX17" y="connsiteY17"/>
+                </a:cxn>
+                <a:cxn ang="0">
+                  <a:pos x="connsiteX18" y="connsiteY18"/>
+                </a:cxn>
+                <a:cxn ang="0">
+                  <a:pos x="connsiteX19" y="connsiteY19"/>
+                </a:cxn>
+                <a:cxn ang="0">
+                  <a:pos x="connsiteX20" y="connsiteY20"/>
+                </a:cxn>
+                <a:cxn ang="0">
+                  <a:pos x="connsiteX21" y="connsiteY21"/>
+                </a:cxn>
+                <a:cxn ang="0">
+                  <a:pos x="connsiteX22" y="connsiteY22"/>
+                </a:cxn>
+                <a:cxn ang="0">
+                  <a:pos x="connsiteX23" y="connsiteY23"/>
+                </a:cxn>
+              </a:cxnLst>
+              <a:rect l="l" t="t" r="r" b="b"/>
+              <a:pathLst>
+                <a:path w="9286613" h="5552592">
+                  <a:moveTo>
+                    <a:pt x="3572486" y="0"/>
+                  </a:moveTo>
+                  <a:cubicBezTo>
+                    <a:pt x="4453592" y="0"/>
+                    <a:pt x="5178296" y="669635"/>
+                    <a:pt x="5265442" y="1527749"/>
+                  </a:cubicBezTo>
+                  <a:lnTo>
+                    <a:pt x="5269692" y="1611906"/>
+                  </a:lnTo>
+                  <a:lnTo>
+                    <a:pt x="5320143" y="1565496"/>
+                  </a:lnTo>
+                  <a:cubicBezTo>
+                    <a:pt x="5561949" y="1363515"/>
+                    <a:pt x="5871951" y="1242182"/>
+                    <a:pt x="6209951" y="1242182"/>
+                  </a:cubicBezTo>
+                  <a:cubicBezTo>
+                    <a:pt x="6934237" y="1242182"/>
+                    <a:pt x="7529958" y="1799323"/>
+                    <a:pt x="7601594" y="2513279"/>
+                  </a:cubicBezTo>
+                  <a:lnTo>
+                    <a:pt x="7605758" y="2596744"/>
+                  </a:lnTo>
+                  <a:lnTo>
+                    <a:pt x="7701092" y="2596744"/>
+                  </a:lnTo>
+                  <a:lnTo>
+                    <a:pt x="7701092" y="2601682"/>
+                  </a:lnTo>
+                  <a:lnTo>
+                    <a:pt x="7799490" y="2596744"/>
+                  </a:lnTo>
+                  <a:cubicBezTo>
+                    <a:pt x="8620805" y="2596744"/>
+                    <a:pt x="9286613" y="3258433"/>
+                    <a:pt x="9286613" y="4074668"/>
+                  </a:cubicBezTo>
+                  <a:cubicBezTo>
+                    <a:pt x="9286613" y="4890903"/>
+                    <a:pt x="8620805" y="5552592"/>
+                    <a:pt x="7799490" y="5552592"/>
+                  </a:cubicBezTo>
+                  <a:lnTo>
+                    <a:pt x="7701092" y="5547654"/>
+                  </a:lnTo>
+                  <a:lnTo>
+                    <a:pt x="7701092" y="5551066"/>
+                  </a:lnTo>
+                  <a:lnTo>
+                    <a:pt x="1761690" y="5551066"/>
+                  </a:lnTo>
+                  <a:lnTo>
+                    <a:pt x="1761690" y="5545559"/>
+                  </a:lnTo>
+                  <a:lnTo>
+                    <a:pt x="1652631" y="5551066"/>
+                  </a:lnTo>
+                  <a:cubicBezTo>
+                    <a:pt x="739908" y="5551066"/>
+                    <a:pt x="0" y="4811158"/>
+                    <a:pt x="0" y="3898435"/>
+                  </a:cubicBezTo>
+                  <a:cubicBezTo>
+                    <a:pt x="0" y="2985712"/>
+                    <a:pt x="739908" y="2245804"/>
+                    <a:pt x="1652631" y="2245804"/>
+                  </a:cubicBezTo>
+                  <a:cubicBezTo>
+                    <a:pt x="1738199" y="2245804"/>
+                    <a:pt x="1822248" y="2252307"/>
+                    <a:pt x="1904311" y="2264846"/>
+                  </a:cubicBezTo>
+                  <a:lnTo>
+                    <a:pt x="1972946" y="2277990"/>
+                  </a:lnTo>
+                  <a:lnTo>
+                    <a:pt x="1947251" y="2207788"/>
+                  </a:lnTo>
+                  <a:cubicBezTo>
+                    <a:pt x="1897530" y="2047928"/>
+                    <a:pt x="1870744" y="1877963"/>
+                    <a:pt x="1870744" y="1701742"/>
+                  </a:cubicBezTo>
+                  <a:cubicBezTo>
+                    <a:pt x="1870744" y="761896"/>
+                    <a:pt x="2632640" y="0"/>
+                    <a:pt x="3572486" y="0"/>
+                  </a:cubicBezTo>
+                  <a:close/>
+                </a:path>
+              </a:pathLst>
+            </a:custGeom>
             <a:solidFill>
-              <a:srgbClr val="00B0F0"/>
+              <a:schemeClr val="bg1">
+                <a:lumMod val="85000"/>
+              </a:schemeClr>
             </a:solidFill>
-            <a:ln>
+            <a:ln w="238125">
               <a:noFill/>
             </a:ln>
           </p:spPr>
@@ -6825,16 +7869,16 @@
             <a:lstStyle/>
             <a:p>
               <a:pPr algn="ctr"/>
-              <a:endParaRPr lang="ko-KR" altLang="en-US"/>
+              <a:endParaRPr lang="ko-KR" altLang="en-US" dirty="0"/>
             </a:p>
           </p:txBody>
         </p:sp>
         <p:sp>
           <p:nvSpPr>
-            <p:cNvPr id="28" name="타원 27">
+            <p:cNvPr id="8" name="번개 7">
               <a:extLst>
                 <a:ext uri="{FF2B5EF4-FFF2-40B4-BE49-F238E27FC236}">
-                  <a16:creationId xmlns:a16="http://schemas.microsoft.com/office/drawing/2014/main" id="{8B35DF96-391D-432F-9CF6-734A5F9CF0D4}"/>
+                  <a16:creationId xmlns:a16="http://schemas.microsoft.com/office/drawing/2014/main" id="{706F6B8D-0003-4242-A8DB-9879015E1559}"/>
                 </a:ext>
               </a:extLst>
             </p:cNvPr>
@@ -6842,691 +7886,15 @@
             <p:nvPr/>
           </p:nvSpPr>
           <p:spPr>
-            <a:xfrm rot="1488213">
-              <a:off x="4222665" y="5339407"/>
-              <a:ext cx="276836" cy="551153"/>
+            <a:xfrm rot="911218">
+              <a:off x="4494714" y="3619113"/>
+              <a:ext cx="2783123" cy="2783123"/>
             </a:xfrm>
-            <a:prstGeom prst="ellipse">
+            <a:prstGeom prst="lightningBolt">
               <a:avLst/>
             </a:prstGeom>
             <a:solidFill>
-              <a:srgbClr val="00B0F0"/>
-            </a:solidFill>
-            <a:ln>
-              <a:noFill/>
-            </a:ln>
-          </p:spPr>
-          <p:style>
-            <a:lnRef idx="2">
-              <a:schemeClr val="accent1">
-                <a:shade val="50000"/>
-              </a:schemeClr>
-            </a:lnRef>
-            <a:fillRef idx="1">
-              <a:schemeClr val="accent1"/>
-            </a:fillRef>
-            <a:effectRef idx="0">
-              <a:schemeClr val="accent1"/>
-            </a:effectRef>
-            <a:fontRef idx="minor">
-              <a:schemeClr val="lt1"/>
-            </a:fontRef>
-          </p:style>
-          <p:txBody>
-            <a:bodyPr rtlCol="0" anchor="ctr"/>
-            <a:lstStyle/>
-            <a:p>
-              <a:pPr algn="ctr"/>
-              <a:endParaRPr lang="ko-KR" altLang="en-US"/>
-            </a:p>
-          </p:txBody>
-        </p:sp>
-        <p:sp>
-          <p:nvSpPr>
-            <p:cNvPr id="29" name="타원 28">
-              <a:extLst>
-                <a:ext uri="{FF2B5EF4-FFF2-40B4-BE49-F238E27FC236}">
-                  <a16:creationId xmlns:a16="http://schemas.microsoft.com/office/drawing/2014/main" id="{FC2A5E94-32F1-41C0-9A5B-96C26C8731C8}"/>
-                </a:ext>
-              </a:extLst>
-            </p:cNvPr>
-            <p:cNvSpPr/>
-            <p:nvPr/>
-          </p:nvSpPr>
-          <p:spPr>
-            <a:xfrm rot="1488213">
-              <a:off x="4805952" y="4699094"/>
-              <a:ext cx="276836" cy="551153"/>
-            </a:xfrm>
-            <a:prstGeom prst="ellipse">
-              <a:avLst/>
-            </a:prstGeom>
-            <a:solidFill>
-              <a:srgbClr val="00B0F0"/>
-            </a:solidFill>
-            <a:ln>
-              <a:noFill/>
-            </a:ln>
-          </p:spPr>
-          <p:style>
-            <a:lnRef idx="2">
-              <a:schemeClr val="accent1">
-                <a:shade val="50000"/>
-              </a:schemeClr>
-            </a:lnRef>
-            <a:fillRef idx="1">
-              <a:schemeClr val="accent1"/>
-            </a:fillRef>
-            <a:effectRef idx="0">
-              <a:schemeClr val="accent1"/>
-            </a:effectRef>
-            <a:fontRef idx="minor">
-              <a:schemeClr val="lt1"/>
-            </a:fontRef>
-          </p:style>
-          <p:txBody>
-            <a:bodyPr rtlCol="0" anchor="ctr"/>
-            <a:lstStyle/>
-            <a:p>
-              <a:pPr algn="ctr"/>
-              <a:endParaRPr lang="ko-KR" altLang="en-US"/>
-            </a:p>
-          </p:txBody>
-        </p:sp>
-        <p:sp>
-          <p:nvSpPr>
-            <p:cNvPr id="30" name="타원 29">
-              <a:extLst>
-                <a:ext uri="{FF2B5EF4-FFF2-40B4-BE49-F238E27FC236}">
-                  <a16:creationId xmlns:a16="http://schemas.microsoft.com/office/drawing/2014/main" id="{E8F527D1-7902-43BE-9734-D7EB24A6C75F}"/>
-                </a:ext>
-              </a:extLst>
-            </p:cNvPr>
-            <p:cNvSpPr/>
-            <p:nvPr/>
-          </p:nvSpPr>
-          <p:spPr>
-            <a:xfrm rot="1488213">
-              <a:off x="5963003" y="5600781"/>
-              <a:ext cx="276836" cy="551153"/>
-            </a:xfrm>
-            <a:prstGeom prst="ellipse">
-              <a:avLst/>
-            </a:prstGeom>
-            <a:solidFill>
-              <a:srgbClr val="00B0F0"/>
-            </a:solidFill>
-            <a:ln>
-              <a:noFill/>
-            </a:ln>
-          </p:spPr>
-          <p:style>
-            <a:lnRef idx="2">
-              <a:schemeClr val="accent1">
-                <a:shade val="50000"/>
-              </a:schemeClr>
-            </a:lnRef>
-            <a:fillRef idx="1">
-              <a:schemeClr val="accent1"/>
-            </a:fillRef>
-            <a:effectRef idx="0">
-              <a:schemeClr val="accent1"/>
-            </a:effectRef>
-            <a:fontRef idx="minor">
-              <a:schemeClr val="lt1"/>
-            </a:fontRef>
-          </p:style>
-          <p:txBody>
-            <a:bodyPr rtlCol="0" anchor="ctr"/>
-            <a:lstStyle/>
-            <a:p>
-              <a:pPr algn="ctr"/>
-              <a:endParaRPr lang="ko-KR" altLang="en-US"/>
-            </a:p>
-          </p:txBody>
-        </p:sp>
-        <p:sp>
-          <p:nvSpPr>
-            <p:cNvPr id="31" name="타원 30">
-              <a:extLst>
-                <a:ext uri="{FF2B5EF4-FFF2-40B4-BE49-F238E27FC236}">
-                  <a16:creationId xmlns:a16="http://schemas.microsoft.com/office/drawing/2014/main" id="{742A5E75-E904-4DBE-827D-E2D2FE3C3982}"/>
-                </a:ext>
-              </a:extLst>
-            </p:cNvPr>
-            <p:cNvSpPr/>
-            <p:nvPr/>
-          </p:nvSpPr>
-          <p:spPr>
-            <a:xfrm rot="1488213">
-              <a:off x="7504141" y="5339406"/>
-              <a:ext cx="276836" cy="551153"/>
-            </a:xfrm>
-            <a:prstGeom prst="ellipse">
-              <a:avLst/>
-            </a:prstGeom>
-            <a:solidFill>
-              <a:srgbClr val="00B0F0"/>
-            </a:solidFill>
-            <a:ln>
-              <a:noFill/>
-            </a:ln>
-          </p:spPr>
-          <p:style>
-            <a:lnRef idx="2">
-              <a:schemeClr val="accent1">
-                <a:shade val="50000"/>
-              </a:schemeClr>
-            </a:lnRef>
-            <a:fillRef idx="1">
-              <a:schemeClr val="accent1"/>
-            </a:fillRef>
-            <a:effectRef idx="0">
-              <a:schemeClr val="accent1"/>
-            </a:effectRef>
-            <a:fontRef idx="minor">
-              <a:schemeClr val="lt1"/>
-            </a:fontRef>
-          </p:style>
-          <p:txBody>
-            <a:bodyPr rtlCol="0" anchor="ctr"/>
-            <a:lstStyle/>
-            <a:p>
-              <a:pPr algn="ctr"/>
-              <a:endParaRPr lang="ko-KR" altLang="en-US"/>
-            </a:p>
-          </p:txBody>
-        </p:sp>
-        <p:sp>
-          <p:nvSpPr>
-            <p:cNvPr id="32" name="타원 31">
-              <a:extLst>
-                <a:ext uri="{FF2B5EF4-FFF2-40B4-BE49-F238E27FC236}">
-                  <a16:creationId xmlns:a16="http://schemas.microsoft.com/office/drawing/2014/main" id="{BBBE677C-1AA3-4741-95A5-CE560E80EA72}"/>
-                </a:ext>
-              </a:extLst>
-            </p:cNvPr>
-            <p:cNvSpPr/>
-            <p:nvPr/>
-          </p:nvSpPr>
-          <p:spPr>
-            <a:xfrm rot="1488213">
-              <a:off x="7283033" y="4610143"/>
-              <a:ext cx="276836" cy="551153"/>
-            </a:xfrm>
-            <a:prstGeom prst="ellipse">
-              <a:avLst/>
-            </a:prstGeom>
-            <a:solidFill>
-              <a:srgbClr val="00B0F0"/>
-            </a:solidFill>
-            <a:ln>
-              <a:noFill/>
-            </a:ln>
-          </p:spPr>
-          <p:style>
-            <a:lnRef idx="2">
-              <a:schemeClr val="accent1">
-                <a:shade val="50000"/>
-              </a:schemeClr>
-            </a:lnRef>
-            <a:fillRef idx="1">
-              <a:schemeClr val="accent1"/>
-            </a:fillRef>
-            <a:effectRef idx="0">
-              <a:schemeClr val="accent1"/>
-            </a:effectRef>
-            <a:fontRef idx="minor">
-              <a:schemeClr val="lt1"/>
-            </a:fontRef>
-          </p:style>
-          <p:txBody>
-            <a:bodyPr rtlCol="0" anchor="ctr"/>
-            <a:lstStyle/>
-            <a:p>
-              <a:pPr algn="ctr"/>
-              <a:endParaRPr lang="ko-KR" altLang="en-US"/>
-            </a:p>
-          </p:txBody>
-        </p:sp>
-        <p:sp>
-          <p:nvSpPr>
-            <p:cNvPr id="33" name="타원 32">
-              <a:extLst>
-                <a:ext uri="{FF2B5EF4-FFF2-40B4-BE49-F238E27FC236}">
-                  <a16:creationId xmlns:a16="http://schemas.microsoft.com/office/drawing/2014/main" id="{39499651-0863-423E-8919-2CB54F753395}"/>
-                </a:ext>
-              </a:extLst>
-            </p:cNvPr>
-            <p:cNvSpPr/>
-            <p:nvPr/>
-          </p:nvSpPr>
-          <p:spPr>
-            <a:xfrm rot="1488213">
-              <a:off x="6800521" y="5263013"/>
-              <a:ext cx="276836" cy="551153"/>
-            </a:xfrm>
-            <a:prstGeom prst="ellipse">
-              <a:avLst/>
-            </a:prstGeom>
-            <a:solidFill>
-              <a:srgbClr val="00B0F0"/>
-            </a:solidFill>
-            <a:ln>
-              <a:noFill/>
-            </a:ln>
-          </p:spPr>
-          <p:style>
-            <a:lnRef idx="2">
-              <a:schemeClr val="accent1">
-                <a:shade val="50000"/>
-              </a:schemeClr>
-            </a:lnRef>
-            <a:fillRef idx="1">
-              <a:schemeClr val="accent1"/>
-            </a:fillRef>
-            <a:effectRef idx="0">
-              <a:schemeClr val="accent1"/>
-            </a:effectRef>
-            <a:fontRef idx="minor">
-              <a:schemeClr val="lt1"/>
-            </a:fontRef>
-          </p:style>
-          <p:txBody>
-            <a:bodyPr rtlCol="0" anchor="ctr"/>
-            <a:lstStyle/>
-            <a:p>
-              <a:pPr algn="ctr"/>
-              <a:endParaRPr lang="ko-KR" altLang="en-US"/>
-            </a:p>
-          </p:txBody>
-        </p:sp>
-        <p:sp>
-          <p:nvSpPr>
-            <p:cNvPr id="34" name="타원 33">
-              <a:extLst>
-                <a:ext uri="{FF2B5EF4-FFF2-40B4-BE49-F238E27FC236}">
-                  <a16:creationId xmlns:a16="http://schemas.microsoft.com/office/drawing/2014/main" id="{400D9F20-C427-45B7-BCAC-E1612F1191D8}"/>
-                </a:ext>
-              </a:extLst>
-            </p:cNvPr>
-            <p:cNvSpPr/>
-            <p:nvPr/>
-          </p:nvSpPr>
-          <p:spPr>
-            <a:xfrm rot="1488213">
-              <a:off x="6504317" y="4678512"/>
-              <a:ext cx="276836" cy="551153"/>
-            </a:xfrm>
-            <a:prstGeom prst="ellipse">
-              <a:avLst/>
-            </a:prstGeom>
-            <a:solidFill>
-              <a:srgbClr val="00B0F0"/>
-            </a:solidFill>
-            <a:ln>
-              <a:noFill/>
-            </a:ln>
-          </p:spPr>
-          <p:style>
-            <a:lnRef idx="2">
-              <a:schemeClr val="accent1">
-                <a:shade val="50000"/>
-              </a:schemeClr>
-            </a:lnRef>
-            <a:fillRef idx="1">
-              <a:schemeClr val="accent1"/>
-            </a:fillRef>
-            <a:effectRef idx="0">
-              <a:schemeClr val="accent1"/>
-            </a:effectRef>
-            <a:fontRef idx="minor">
-              <a:schemeClr val="lt1"/>
-            </a:fontRef>
-          </p:style>
-          <p:txBody>
-            <a:bodyPr rtlCol="0" anchor="ctr"/>
-            <a:lstStyle/>
-            <a:p>
-              <a:pPr algn="ctr"/>
-              <a:endParaRPr lang="ko-KR" altLang="en-US"/>
-            </a:p>
-          </p:txBody>
-        </p:sp>
-        <p:sp>
-          <p:nvSpPr>
-            <p:cNvPr id="35" name="타원 34">
-              <a:extLst>
-                <a:ext uri="{FF2B5EF4-FFF2-40B4-BE49-F238E27FC236}">
-                  <a16:creationId xmlns:a16="http://schemas.microsoft.com/office/drawing/2014/main" id="{0C906289-3383-4C8D-99B3-4523A6F507EA}"/>
-                </a:ext>
-              </a:extLst>
-            </p:cNvPr>
-            <p:cNvSpPr/>
-            <p:nvPr/>
-          </p:nvSpPr>
-          <p:spPr>
-            <a:xfrm rot="1488213">
-              <a:off x="5089590" y="5385257"/>
-              <a:ext cx="276836" cy="551153"/>
-            </a:xfrm>
-            <a:prstGeom prst="ellipse">
-              <a:avLst/>
-            </a:prstGeom>
-            <a:solidFill>
-              <a:srgbClr val="00B0F0"/>
-            </a:solidFill>
-            <a:ln>
-              <a:noFill/>
-            </a:ln>
-          </p:spPr>
-          <p:style>
-            <a:lnRef idx="2">
-              <a:schemeClr val="accent1">
-                <a:shade val="50000"/>
-              </a:schemeClr>
-            </a:lnRef>
-            <a:fillRef idx="1">
-              <a:schemeClr val="accent1"/>
-            </a:fillRef>
-            <a:effectRef idx="0">
-              <a:schemeClr val="accent1"/>
-            </a:effectRef>
-            <a:fontRef idx="minor">
-              <a:schemeClr val="lt1"/>
-            </a:fontRef>
-          </p:style>
-          <p:txBody>
-            <a:bodyPr rtlCol="0" anchor="ctr"/>
-            <a:lstStyle/>
-            <a:p>
-              <a:pPr algn="ctr"/>
-              <a:endParaRPr lang="ko-KR" altLang="en-US"/>
-            </a:p>
-          </p:txBody>
-        </p:sp>
-        <p:sp>
-          <p:nvSpPr>
-            <p:cNvPr id="36" name="타원 35">
-              <a:extLst>
-                <a:ext uri="{FF2B5EF4-FFF2-40B4-BE49-F238E27FC236}">
-                  <a16:creationId xmlns:a16="http://schemas.microsoft.com/office/drawing/2014/main" id="{F9A1C479-6BF4-414A-98D0-171FA68BD45C}"/>
-                </a:ext>
-              </a:extLst>
-            </p:cNvPr>
-            <p:cNvSpPr/>
-            <p:nvPr/>
-          </p:nvSpPr>
-          <p:spPr>
-            <a:xfrm rot="1488213">
-              <a:off x="5695079" y="4676110"/>
-              <a:ext cx="276836" cy="551153"/>
-            </a:xfrm>
-            <a:prstGeom prst="ellipse">
-              <a:avLst/>
-            </a:prstGeom>
-            <a:solidFill>
-              <a:srgbClr val="00B0F0"/>
-            </a:solidFill>
-            <a:ln>
-              <a:noFill/>
-            </a:ln>
-          </p:spPr>
-          <p:style>
-            <a:lnRef idx="2">
-              <a:schemeClr val="accent1">
-                <a:shade val="50000"/>
-              </a:schemeClr>
-            </a:lnRef>
-            <a:fillRef idx="1">
-              <a:schemeClr val="accent1"/>
-            </a:fillRef>
-            <a:effectRef idx="0">
-              <a:schemeClr val="accent1"/>
-            </a:effectRef>
-            <a:fontRef idx="minor">
-              <a:schemeClr val="lt1"/>
-            </a:fontRef>
-          </p:style>
-          <p:txBody>
-            <a:bodyPr rtlCol="0" anchor="ctr"/>
-            <a:lstStyle/>
-            <a:p>
-              <a:pPr algn="ctr"/>
-              <a:endParaRPr lang="ko-KR" altLang="en-US"/>
-            </a:p>
-          </p:txBody>
-        </p:sp>
-        <p:sp>
-          <p:nvSpPr>
-            <p:cNvPr id="37" name="타원 36">
-              <a:extLst>
-                <a:ext uri="{FF2B5EF4-FFF2-40B4-BE49-F238E27FC236}">
-                  <a16:creationId xmlns:a16="http://schemas.microsoft.com/office/drawing/2014/main" id="{89F1F6B8-8AEC-40D6-8AC7-B1FD9602DC5A}"/>
-                </a:ext>
-              </a:extLst>
-            </p:cNvPr>
-            <p:cNvSpPr/>
-            <p:nvPr/>
-          </p:nvSpPr>
-          <p:spPr>
-            <a:xfrm rot="1488213">
-              <a:off x="3814253" y="5977515"/>
-              <a:ext cx="276836" cy="551153"/>
-            </a:xfrm>
-            <a:prstGeom prst="ellipse">
-              <a:avLst/>
-            </a:prstGeom>
-            <a:solidFill>
-              <a:srgbClr val="00B0F0"/>
-            </a:solidFill>
-            <a:ln>
-              <a:noFill/>
-            </a:ln>
-          </p:spPr>
-          <p:style>
-            <a:lnRef idx="2">
-              <a:schemeClr val="accent1">
-                <a:shade val="50000"/>
-              </a:schemeClr>
-            </a:lnRef>
-            <a:fillRef idx="1">
-              <a:schemeClr val="accent1"/>
-            </a:fillRef>
-            <a:effectRef idx="0">
-              <a:schemeClr val="accent1"/>
-            </a:effectRef>
-            <a:fontRef idx="minor">
-              <a:schemeClr val="lt1"/>
-            </a:fontRef>
-          </p:style>
-          <p:txBody>
-            <a:bodyPr rtlCol="0" anchor="ctr"/>
-            <a:lstStyle/>
-            <a:p>
-              <a:pPr algn="ctr"/>
-              <a:endParaRPr lang="ko-KR" altLang="en-US"/>
-            </a:p>
-          </p:txBody>
-        </p:sp>
-        <p:sp>
-          <p:nvSpPr>
-            <p:cNvPr id="38" name="타원 37">
-              <a:extLst>
-                <a:ext uri="{FF2B5EF4-FFF2-40B4-BE49-F238E27FC236}">
-                  <a16:creationId xmlns:a16="http://schemas.microsoft.com/office/drawing/2014/main" id="{8108036A-F84F-4BA2-A7C0-DFAEC9DA60D5}"/>
-                </a:ext>
-              </a:extLst>
-            </p:cNvPr>
-            <p:cNvSpPr/>
-            <p:nvPr/>
-          </p:nvSpPr>
-          <p:spPr>
-            <a:xfrm rot="1488213">
-              <a:off x="6836416" y="6074551"/>
-              <a:ext cx="276836" cy="551153"/>
-            </a:xfrm>
-            <a:prstGeom prst="ellipse">
-              <a:avLst/>
-            </a:prstGeom>
-            <a:solidFill>
-              <a:srgbClr val="00B0F0"/>
-            </a:solidFill>
-            <a:ln>
-              <a:noFill/>
-            </a:ln>
-          </p:spPr>
-          <p:style>
-            <a:lnRef idx="2">
-              <a:schemeClr val="accent1">
-                <a:shade val="50000"/>
-              </a:schemeClr>
-            </a:lnRef>
-            <a:fillRef idx="1">
-              <a:schemeClr val="accent1"/>
-            </a:fillRef>
-            <a:effectRef idx="0">
-              <a:schemeClr val="accent1"/>
-            </a:effectRef>
-            <a:fontRef idx="minor">
-              <a:schemeClr val="lt1"/>
-            </a:fontRef>
-          </p:style>
-          <p:txBody>
-            <a:bodyPr rtlCol="0" anchor="ctr"/>
-            <a:lstStyle/>
-            <a:p>
-              <a:pPr algn="ctr"/>
-              <a:endParaRPr lang="ko-KR" altLang="en-US"/>
-            </a:p>
-          </p:txBody>
-        </p:sp>
-        <p:sp>
-          <p:nvSpPr>
-            <p:cNvPr id="39" name="타원 38">
-              <a:extLst>
-                <a:ext uri="{FF2B5EF4-FFF2-40B4-BE49-F238E27FC236}">
-                  <a16:creationId xmlns:a16="http://schemas.microsoft.com/office/drawing/2014/main" id="{A47A2D4A-3F06-4DB0-BCD7-815C79C94574}"/>
-                </a:ext>
-              </a:extLst>
-            </p:cNvPr>
-            <p:cNvSpPr/>
-            <p:nvPr/>
-          </p:nvSpPr>
-          <p:spPr>
-            <a:xfrm rot="1488213">
-              <a:off x="5366741" y="6001702"/>
-              <a:ext cx="276836" cy="551153"/>
-            </a:xfrm>
-            <a:prstGeom prst="ellipse">
-              <a:avLst/>
-            </a:prstGeom>
-            <a:solidFill>
-              <a:srgbClr val="00B0F0"/>
-            </a:solidFill>
-            <a:ln>
-              <a:noFill/>
-            </a:ln>
-          </p:spPr>
-          <p:style>
-            <a:lnRef idx="2">
-              <a:schemeClr val="accent1">
-                <a:shade val="50000"/>
-              </a:schemeClr>
-            </a:lnRef>
-            <a:fillRef idx="1">
-              <a:schemeClr val="accent1"/>
-            </a:fillRef>
-            <a:effectRef idx="0">
-              <a:schemeClr val="accent1"/>
-            </a:effectRef>
-            <a:fontRef idx="minor">
-              <a:schemeClr val="lt1"/>
-            </a:fontRef>
-          </p:style>
-          <p:txBody>
-            <a:bodyPr rtlCol="0" anchor="ctr"/>
-            <a:lstStyle/>
-            <a:p>
-              <a:pPr algn="ctr"/>
-              <a:endParaRPr lang="ko-KR" altLang="en-US"/>
-            </a:p>
-          </p:txBody>
-        </p:sp>
-        <p:sp>
-          <p:nvSpPr>
-            <p:cNvPr id="40" name="타원 39">
-              <a:extLst>
-                <a:ext uri="{FF2B5EF4-FFF2-40B4-BE49-F238E27FC236}">
-                  <a16:creationId xmlns:a16="http://schemas.microsoft.com/office/drawing/2014/main" id="{9033BF12-0F01-42FB-9D8D-CCB4FC961678}"/>
-                </a:ext>
-              </a:extLst>
-            </p:cNvPr>
-            <p:cNvSpPr/>
-            <p:nvPr/>
-          </p:nvSpPr>
-          <p:spPr>
-            <a:xfrm rot="1488213">
-              <a:off x="4603173" y="5993700"/>
-              <a:ext cx="276836" cy="551153"/>
-            </a:xfrm>
-            <a:prstGeom prst="ellipse">
-              <a:avLst/>
-            </a:prstGeom>
-            <a:solidFill>
-              <a:srgbClr val="00B0F0"/>
-            </a:solidFill>
-            <a:ln>
-              <a:noFill/>
-            </a:ln>
-          </p:spPr>
-          <p:style>
-            <a:lnRef idx="2">
-              <a:schemeClr val="accent1">
-                <a:shade val="50000"/>
-              </a:schemeClr>
-            </a:lnRef>
-            <a:fillRef idx="1">
-              <a:schemeClr val="accent1"/>
-            </a:fillRef>
-            <a:effectRef idx="0">
-              <a:schemeClr val="accent1"/>
-            </a:effectRef>
-            <a:fontRef idx="minor">
-              <a:schemeClr val="lt1"/>
-            </a:fontRef>
-          </p:style>
-          <p:txBody>
-            <a:bodyPr rtlCol="0" anchor="ctr"/>
-            <a:lstStyle/>
-            <a:p>
-              <a:pPr algn="ctr"/>
-              <a:endParaRPr lang="ko-KR" altLang="en-US"/>
-            </a:p>
-          </p:txBody>
-        </p:sp>
-        <p:sp>
-          <p:nvSpPr>
-            <p:cNvPr id="41" name="타원 40">
-              <a:extLst>
-                <a:ext uri="{FF2B5EF4-FFF2-40B4-BE49-F238E27FC236}">
-                  <a16:creationId xmlns:a16="http://schemas.microsoft.com/office/drawing/2014/main" id="{3B06286D-E411-4EAE-9624-77F6A4B1928E}"/>
-                </a:ext>
-              </a:extLst>
-            </p:cNvPr>
-            <p:cNvSpPr/>
-            <p:nvPr/>
-          </p:nvSpPr>
-          <p:spPr>
-            <a:xfrm rot="1488213">
-              <a:off x="6284240" y="6022049"/>
-              <a:ext cx="276836" cy="551153"/>
-            </a:xfrm>
-            <a:prstGeom prst="ellipse">
-              <a:avLst/>
-            </a:prstGeom>
-            <a:solidFill>
-              <a:srgbClr val="00B0F0"/>
+              <a:srgbClr val="FFFF00"/>
             </a:solidFill>
             <a:ln>
               <a:noFill/>
@@ -7561,7 +7929,7 @@
     </p:spTree>
     <p:extLst>
       <p:ext uri="{BB962C8B-B14F-4D97-AF65-F5344CB8AC3E}">
-        <p14:creationId xmlns:p14="http://schemas.microsoft.com/office/powerpoint/2010/main" val="1738893042"/>
+        <p14:creationId xmlns:p14="http://schemas.microsoft.com/office/powerpoint/2010/main" val="3892086645"/>
       </p:ext>
     </p:extLst>
   </p:cSld>

--- a/public/Brand-New weather icons/Frame.pptx
+++ b/public/Brand-New weather icons/Frame.pptx
@@ -5,13 +5,13 @@
     <p:sldMasterId id="2147483648" r:id="rId1"/>
   </p:sldMasterIdLst>
   <p:sldIdLst>
-    <p:sldId id="256" r:id="rId2"/>
-    <p:sldId id="257" r:id="rId3"/>
-    <p:sldId id="258" r:id="rId4"/>
-    <p:sldId id="261" r:id="rId5"/>
-    <p:sldId id="262" r:id="rId6"/>
-    <p:sldId id="263" r:id="rId7"/>
-    <p:sldId id="264" r:id="rId8"/>
+    <p:sldId id="257" r:id="rId2"/>
+    <p:sldId id="258" r:id="rId3"/>
+    <p:sldId id="261" r:id="rId4"/>
+    <p:sldId id="262" r:id="rId5"/>
+    <p:sldId id="263" r:id="rId6"/>
+    <p:sldId id="264" r:id="rId7"/>
+    <p:sldId id="265" r:id="rId8"/>
   </p:sldIdLst>
   <p:sldSz cx="12192000" cy="6858000"/>
   <p:notesSz cx="6858000" cy="9144000"/>
@@ -265,7 +265,7 @@
           <a:p>
             <a:fld id="{DF63C8CB-9154-4208-8E7E-1C8A89E94898}" type="datetimeFigureOut">
               <a:rPr lang="ko-KR" altLang="en-US" smtClean="0"/>
-              <a:t>2020-12-09</a:t>
+              <a:t>2020-12-11</a:t>
             </a:fld>
             <a:endParaRPr lang="ko-KR" altLang="en-US"/>
           </a:p>
@@ -463,7 +463,7 @@
           <a:p>
             <a:fld id="{DF63C8CB-9154-4208-8E7E-1C8A89E94898}" type="datetimeFigureOut">
               <a:rPr lang="ko-KR" altLang="en-US" smtClean="0"/>
-              <a:t>2020-12-09</a:t>
+              <a:t>2020-12-11</a:t>
             </a:fld>
             <a:endParaRPr lang="ko-KR" altLang="en-US"/>
           </a:p>
@@ -671,7 +671,7 @@
           <a:p>
             <a:fld id="{DF63C8CB-9154-4208-8E7E-1C8A89E94898}" type="datetimeFigureOut">
               <a:rPr lang="ko-KR" altLang="en-US" smtClean="0"/>
-              <a:t>2020-12-09</a:t>
+              <a:t>2020-12-11</a:t>
             </a:fld>
             <a:endParaRPr lang="ko-KR" altLang="en-US"/>
           </a:p>
@@ -869,7 +869,7 @@
           <a:p>
             <a:fld id="{DF63C8CB-9154-4208-8E7E-1C8A89E94898}" type="datetimeFigureOut">
               <a:rPr lang="ko-KR" altLang="en-US" smtClean="0"/>
-              <a:t>2020-12-09</a:t>
+              <a:t>2020-12-11</a:t>
             </a:fld>
             <a:endParaRPr lang="ko-KR" altLang="en-US"/>
           </a:p>
@@ -1144,7 +1144,7 @@
           <a:p>
             <a:fld id="{DF63C8CB-9154-4208-8E7E-1C8A89E94898}" type="datetimeFigureOut">
               <a:rPr lang="ko-KR" altLang="en-US" smtClean="0"/>
-              <a:t>2020-12-09</a:t>
+              <a:t>2020-12-11</a:t>
             </a:fld>
             <a:endParaRPr lang="ko-KR" altLang="en-US"/>
           </a:p>
@@ -1409,7 +1409,7 @@
           <a:p>
             <a:fld id="{DF63C8CB-9154-4208-8E7E-1C8A89E94898}" type="datetimeFigureOut">
               <a:rPr lang="ko-KR" altLang="en-US" smtClean="0"/>
-              <a:t>2020-12-09</a:t>
+              <a:t>2020-12-11</a:t>
             </a:fld>
             <a:endParaRPr lang="ko-KR" altLang="en-US"/>
           </a:p>
@@ -1821,7 +1821,7 @@
           <a:p>
             <a:fld id="{DF63C8CB-9154-4208-8E7E-1C8A89E94898}" type="datetimeFigureOut">
               <a:rPr lang="ko-KR" altLang="en-US" smtClean="0"/>
-              <a:t>2020-12-09</a:t>
+              <a:t>2020-12-11</a:t>
             </a:fld>
             <a:endParaRPr lang="ko-KR" altLang="en-US"/>
           </a:p>
@@ -1962,7 +1962,7 @@
           <a:p>
             <a:fld id="{DF63C8CB-9154-4208-8E7E-1C8A89E94898}" type="datetimeFigureOut">
               <a:rPr lang="ko-KR" altLang="en-US" smtClean="0"/>
-              <a:t>2020-12-09</a:t>
+              <a:t>2020-12-11</a:t>
             </a:fld>
             <a:endParaRPr lang="ko-KR" altLang="en-US"/>
           </a:p>
@@ -2075,7 +2075,7 @@
           <a:p>
             <a:fld id="{DF63C8CB-9154-4208-8E7E-1C8A89E94898}" type="datetimeFigureOut">
               <a:rPr lang="ko-KR" altLang="en-US" smtClean="0"/>
-              <a:t>2020-12-09</a:t>
+              <a:t>2020-12-11</a:t>
             </a:fld>
             <a:endParaRPr lang="ko-KR" altLang="en-US"/>
           </a:p>
@@ -2386,7 +2386,7 @@
           <a:p>
             <a:fld id="{DF63C8CB-9154-4208-8E7E-1C8A89E94898}" type="datetimeFigureOut">
               <a:rPr lang="ko-KR" altLang="en-US" smtClean="0"/>
-              <a:t>2020-12-09</a:t>
+              <a:t>2020-12-11</a:t>
             </a:fld>
             <a:endParaRPr lang="ko-KR" altLang="en-US"/>
           </a:p>
@@ -2674,7 +2674,7 @@
           <a:p>
             <a:fld id="{DF63C8CB-9154-4208-8E7E-1C8A89E94898}" type="datetimeFigureOut">
               <a:rPr lang="ko-KR" altLang="en-US" smtClean="0"/>
-              <a:t>2020-12-09</a:t>
+              <a:t>2020-12-11</a:t>
             </a:fld>
             <a:endParaRPr lang="ko-KR" altLang="en-US"/>
           </a:p>
@@ -2915,7 +2915,7 @@
           <a:p>
             <a:fld id="{DF63C8CB-9154-4208-8E7E-1C8A89E94898}" type="datetimeFigureOut">
               <a:rPr lang="ko-KR" altLang="en-US" smtClean="0"/>
-              <a:t>2020-12-09</a:t>
+              <a:t>2020-12-11</a:t>
             </a:fld>
             <a:endParaRPr lang="ko-KR" altLang="en-US"/>
           </a:p>
@@ -3332,313 +3332,6 @@
           <a:chExt cx="0" cy="0"/>
         </a:xfrm>
       </p:grpSpPr>
-      <p:sp>
-        <p:nvSpPr>
-          <p:cNvPr id="3" name="자유형: 도형 2">
-            <a:extLst>
-              <a:ext uri="{FF2B5EF4-FFF2-40B4-BE49-F238E27FC236}">
-                <a16:creationId xmlns:a16="http://schemas.microsoft.com/office/drawing/2014/main" id="{20DE2F4F-E180-4422-BEEF-7B3221F8CF15}"/>
-              </a:ext>
-            </a:extLst>
-          </p:cNvPr>
-          <p:cNvSpPr/>
-          <p:nvPr/>
-        </p:nvSpPr>
-        <p:spPr>
-          <a:xfrm>
-            <a:off x="1452693" y="652704"/>
-            <a:ext cx="9286613" cy="5552592"/>
-          </a:xfrm>
-          <a:custGeom>
-            <a:avLst/>
-            <a:gdLst>
-              <a:gd name="connsiteX0" fmla="*/ 3572486 w 9286613"/>
-              <a:gd name="connsiteY0" fmla="*/ 0 h 5552592"/>
-              <a:gd name="connsiteX1" fmla="*/ 5265442 w 9286613"/>
-              <a:gd name="connsiteY1" fmla="*/ 1527749 h 5552592"/>
-              <a:gd name="connsiteX2" fmla="*/ 5269692 w 9286613"/>
-              <a:gd name="connsiteY2" fmla="*/ 1611906 h 5552592"/>
-              <a:gd name="connsiteX3" fmla="*/ 5320143 w 9286613"/>
-              <a:gd name="connsiteY3" fmla="*/ 1565496 h 5552592"/>
-              <a:gd name="connsiteX4" fmla="*/ 6209951 w 9286613"/>
-              <a:gd name="connsiteY4" fmla="*/ 1242182 h 5552592"/>
-              <a:gd name="connsiteX5" fmla="*/ 7601594 w 9286613"/>
-              <a:gd name="connsiteY5" fmla="*/ 2513279 h 5552592"/>
-              <a:gd name="connsiteX6" fmla="*/ 7605758 w 9286613"/>
-              <a:gd name="connsiteY6" fmla="*/ 2596744 h 5552592"/>
-              <a:gd name="connsiteX7" fmla="*/ 7701092 w 9286613"/>
-              <a:gd name="connsiteY7" fmla="*/ 2596744 h 5552592"/>
-              <a:gd name="connsiteX8" fmla="*/ 7701092 w 9286613"/>
-              <a:gd name="connsiteY8" fmla="*/ 2601682 h 5552592"/>
-              <a:gd name="connsiteX9" fmla="*/ 7799490 w 9286613"/>
-              <a:gd name="connsiteY9" fmla="*/ 2596744 h 5552592"/>
-              <a:gd name="connsiteX10" fmla="*/ 9286613 w 9286613"/>
-              <a:gd name="connsiteY10" fmla="*/ 4074668 h 5552592"/>
-              <a:gd name="connsiteX11" fmla="*/ 7799490 w 9286613"/>
-              <a:gd name="connsiteY11" fmla="*/ 5552592 h 5552592"/>
-              <a:gd name="connsiteX12" fmla="*/ 7701092 w 9286613"/>
-              <a:gd name="connsiteY12" fmla="*/ 5547654 h 5552592"/>
-              <a:gd name="connsiteX13" fmla="*/ 7701092 w 9286613"/>
-              <a:gd name="connsiteY13" fmla="*/ 5551066 h 5552592"/>
-              <a:gd name="connsiteX14" fmla="*/ 1761690 w 9286613"/>
-              <a:gd name="connsiteY14" fmla="*/ 5551066 h 5552592"/>
-              <a:gd name="connsiteX15" fmla="*/ 1761690 w 9286613"/>
-              <a:gd name="connsiteY15" fmla="*/ 5545559 h 5552592"/>
-              <a:gd name="connsiteX16" fmla="*/ 1652631 w 9286613"/>
-              <a:gd name="connsiteY16" fmla="*/ 5551066 h 5552592"/>
-              <a:gd name="connsiteX17" fmla="*/ 0 w 9286613"/>
-              <a:gd name="connsiteY17" fmla="*/ 3898435 h 5552592"/>
-              <a:gd name="connsiteX18" fmla="*/ 1652631 w 9286613"/>
-              <a:gd name="connsiteY18" fmla="*/ 2245804 h 5552592"/>
-              <a:gd name="connsiteX19" fmla="*/ 1904311 w 9286613"/>
-              <a:gd name="connsiteY19" fmla="*/ 2264846 h 5552592"/>
-              <a:gd name="connsiteX20" fmla="*/ 1972946 w 9286613"/>
-              <a:gd name="connsiteY20" fmla="*/ 2277990 h 5552592"/>
-              <a:gd name="connsiteX21" fmla="*/ 1947251 w 9286613"/>
-              <a:gd name="connsiteY21" fmla="*/ 2207788 h 5552592"/>
-              <a:gd name="connsiteX22" fmla="*/ 1870744 w 9286613"/>
-              <a:gd name="connsiteY22" fmla="*/ 1701742 h 5552592"/>
-              <a:gd name="connsiteX23" fmla="*/ 3572486 w 9286613"/>
-              <a:gd name="connsiteY23" fmla="*/ 0 h 5552592"/>
-            </a:gdLst>
-            <a:ahLst/>
-            <a:cxnLst>
-              <a:cxn ang="0">
-                <a:pos x="connsiteX0" y="connsiteY0"/>
-              </a:cxn>
-              <a:cxn ang="0">
-                <a:pos x="connsiteX1" y="connsiteY1"/>
-              </a:cxn>
-              <a:cxn ang="0">
-                <a:pos x="connsiteX2" y="connsiteY2"/>
-              </a:cxn>
-              <a:cxn ang="0">
-                <a:pos x="connsiteX3" y="connsiteY3"/>
-              </a:cxn>
-              <a:cxn ang="0">
-                <a:pos x="connsiteX4" y="connsiteY4"/>
-              </a:cxn>
-              <a:cxn ang="0">
-                <a:pos x="connsiteX5" y="connsiteY5"/>
-              </a:cxn>
-              <a:cxn ang="0">
-                <a:pos x="connsiteX6" y="connsiteY6"/>
-              </a:cxn>
-              <a:cxn ang="0">
-                <a:pos x="connsiteX7" y="connsiteY7"/>
-              </a:cxn>
-              <a:cxn ang="0">
-                <a:pos x="connsiteX8" y="connsiteY8"/>
-              </a:cxn>
-              <a:cxn ang="0">
-                <a:pos x="connsiteX9" y="connsiteY9"/>
-              </a:cxn>
-              <a:cxn ang="0">
-                <a:pos x="connsiteX10" y="connsiteY10"/>
-              </a:cxn>
-              <a:cxn ang="0">
-                <a:pos x="connsiteX11" y="connsiteY11"/>
-              </a:cxn>
-              <a:cxn ang="0">
-                <a:pos x="connsiteX12" y="connsiteY12"/>
-              </a:cxn>
-              <a:cxn ang="0">
-                <a:pos x="connsiteX13" y="connsiteY13"/>
-              </a:cxn>
-              <a:cxn ang="0">
-                <a:pos x="connsiteX14" y="connsiteY14"/>
-              </a:cxn>
-              <a:cxn ang="0">
-                <a:pos x="connsiteX15" y="connsiteY15"/>
-              </a:cxn>
-              <a:cxn ang="0">
-                <a:pos x="connsiteX16" y="connsiteY16"/>
-              </a:cxn>
-              <a:cxn ang="0">
-                <a:pos x="connsiteX17" y="connsiteY17"/>
-              </a:cxn>
-              <a:cxn ang="0">
-                <a:pos x="connsiteX18" y="connsiteY18"/>
-              </a:cxn>
-              <a:cxn ang="0">
-                <a:pos x="connsiteX19" y="connsiteY19"/>
-              </a:cxn>
-              <a:cxn ang="0">
-                <a:pos x="connsiteX20" y="connsiteY20"/>
-              </a:cxn>
-              <a:cxn ang="0">
-                <a:pos x="connsiteX21" y="connsiteY21"/>
-              </a:cxn>
-              <a:cxn ang="0">
-                <a:pos x="connsiteX22" y="connsiteY22"/>
-              </a:cxn>
-              <a:cxn ang="0">
-                <a:pos x="connsiteX23" y="connsiteY23"/>
-              </a:cxn>
-            </a:cxnLst>
-            <a:rect l="l" t="t" r="r" b="b"/>
-            <a:pathLst>
-              <a:path w="9286613" h="5552592">
-                <a:moveTo>
-                  <a:pt x="3572486" y="0"/>
-                </a:moveTo>
-                <a:cubicBezTo>
-                  <a:pt x="4453592" y="0"/>
-                  <a:pt x="5178296" y="669635"/>
-                  <a:pt x="5265442" y="1527749"/>
-                </a:cubicBezTo>
-                <a:lnTo>
-                  <a:pt x="5269692" y="1611906"/>
-                </a:lnTo>
-                <a:lnTo>
-                  <a:pt x="5320143" y="1565496"/>
-                </a:lnTo>
-                <a:cubicBezTo>
-                  <a:pt x="5561949" y="1363515"/>
-                  <a:pt x="5871951" y="1242182"/>
-                  <a:pt x="6209951" y="1242182"/>
-                </a:cubicBezTo>
-                <a:cubicBezTo>
-                  <a:pt x="6934237" y="1242182"/>
-                  <a:pt x="7529958" y="1799323"/>
-                  <a:pt x="7601594" y="2513279"/>
-                </a:cubicBezTo>
-                <a:lnTo>
-                  <a:pt x="7605758" y="2596744"/>
-                </a:lnTo>
-                <a:lnTo>
-                  <a:pt x="7701092" y="2596744"/>
-                </a:lnTo>
-                <a:lnTo>
-                  <a:pt x="7701092" y="2601682"/>
-                </a:lnTo>
-                <a:lnTo>
-                  <a:pt x="7799490" y="2596744"/>
-                </a:lnTo>
-                <a:cubicBezTo>
-                  <a:pt x="8620805" y="2596744"/>
-                  <a:pt x="9286613" y="3258433"/>
-                  <a:pt x="9286613" y="4074668"/>
-                </a:cubicBezTo>
-                <a:cubicBezTo>
-                  <a:pt x="9286613" y="4890903"/>
-                  <a:pt x="8620805" y="5552592"/>
-                  <a:pt x="7799490" y="5552592"/>
-                </a:cubicBezTo>
-                <a:lnTo>
-                  <a:pt x="7701092" y="5547654"/>
-                </a:lnTo>
-                <a:lnTo>
-                  <a:pt x="7701092" y="5551066"/>
-                </a:lnTo>
-                <a:lnTo>
-                  <a:pt x="1761690" y="5551066"/>
-                </a:lnTo>
-                <a:lnTo>
-                  <a:pt x="1761690" y="5545559"/>
-                </a:lnTo>
-                <a:lnTo>
-                  <a:pt x="1652631" y="5551066"/>
-                </a:lnTo>
-                <a:cubicBezTo>
-                  <a:pt x="739908" y="5551066"/>
-                  <a:pt x="0" y="4811158"/>
-                  <a:pt x="0" y="3898435"/>
-                </a:cubicBezTo>
-                <a:cubicBezTo>
-                  <a:pt x="0" y="2985712"/>
-                  <a:pt x="739908" y="2245804"/>
-                  <a:pt x="1652631" y="2245804"/>
-                </a:cubicBezTo>
-                <a:cubicBezTo>
-                  <a:pt x="1738199" y="2245804"/>
-                  <a:pt x="1822248" y="2252307"/>
-                  <a:pt x="1904311" y="2264846"/>
-                </a:cubicBezTo>
-                <a:lnTo>
-                  <a:pt x="1972946" y="2277990"/>
-                </a:lnTo>
-                <a:lnTo>
-                  <a:pt x="1947251" y="2207788"/>
-                </a:lnTo>
-                <a:cubicBezTo>
-                  <a:pt x="1897530" y="2047928"/>
-                  <a:pt x="1870744" y="1877963"/>
-                  <a:pt x="1870744" y="1701742"/>
-                </a:cubicBezTo>
-                <a:cubicBezTo>
-                  <a:pt x="1870744" y="761896"/>
-                  <a:pt x="2632640" y="0"/>
-                  <a:pt x="3572486" y="0"/>
-                </a:cubicBezTo>
-                <a:close/>
-              </a:path>
-            </a:pathLst>
-          </a:custGeom>
-          <a:solidFill>
-            <a:schemeClr val="bg1">
-              <a:lumMod val="85000"/>
-            </a:schemeClr>
-          </a:solidFill>
-          <a:ln w="238125">
-            <a:noFill/>
-          </a:ln>
-        </p:spPr>
-        <p:style>
-          <a:lnRef idx="2">
-            <a:schemeClr val="accent1">
-              <a:shade val="50000"/>
-            </a:schemeClr>
-          </a:lnRef>
-          <a:fillRef idx="1">
-            <a:schemeClr val="accent1"/>
-          </a:fillRef>
-          <a:effectRef idx="0">
-            <a:schemeClr val="accent1"/>
-          </a:effectRef>
-          <a:fontRef idx="minor">
-            <a:schemeClr val="lt1"/>
-          </a:fontRef>
-        </p:style>
-        <p:txBody>
-          <a:bodyPr rtlCol="0" anchor="ctr"/>
-          <a:lstStyle/>
-          <a:p>
-            <a:pPr algn="ctr"/>
-            <a:endParaRPr lang="ko-KR" altLang="en-US" dirty="0"/>
-          </a:p>
-        </p:txBody>
-      </p:sp>
-    </p:spTree>
-    <p:extLst>
-      <p:ext uri="{BB962C8B-B14F-4D97-AF65-F5344CB8AC3E}">
-        <p14:creationId xmlns:p14="http://schemas.microsoft.com/office/powerpoint/2010/main" val="597736768"/>
-      </p:ext>
-    </p:extLst>
-  </p:cSld>
-  <p:clrMapOvr>
-    <a:masterClrMapping/>
-  </p:clrMapOvr>
-</p:sld>
-</file>
-
-<file path=ppt/slides/slide2.xml><?xml version="1.0" encoding="utf-8"?>
-<p:sld xmlns:a="http://schemas.openxmlformats.org/drawingml/2006/main" xmlns:r="http://schemas.openxmlformats.org/officeDocument/2006/relationships" xmlns:p="http://schemas.openxmlformats.org/presentationml/2006/main">
-  <p:cSld>
-    <p:spTree>
-      <p:nvGrpSpPr>
-        <p:cNvPr id="1" name=""/>
-        <p:cNvGrpSpPr/>
-        <p:nvPr/>
-      </p:nvGrpSpPr>
-      <p:grpSpPr>
-        <a:xfrm>
-          <a:off x="0" y="0"/>
-          <a:ext cx="0" cy="0"/>
-          <a:chOff x="0" y="0"/>
-          <a:chExt cx="0" cy="0"/>
-        </a:xfrm>
-      </p:grpSpPr>
       <p:grpSp>
         <p:nvGrpSpPr>
           <p:cNvPr id="13" name="그룹 12">
@@ -4186,7 +3879,12 @@
               </a:schemeClr>
             </a:solidFill>
             <a:ln w="238125">
-              <a:noFill/>
+              <a:solidFill>
+                <a:schemeClr val="tx1">
+                  <a:lumMod val="65000"/>
+                  <a:lumOff val="35000"/>
+                </a:schemeClr>
+              </a:solidFill>
             </a:ln>
           </p:spPr>
           <p:style>
@@ -4228,7 +3926,7 @@
 </p:sld>
 </file>
 
-<file path=ppt/slides/slide3.xml><?xml version="1.0" encoding="utf-8"?>
+<file path=ppt/slides/slide2.xml><?xml version="1.0" encoding="utf-8"?>
 <p:sld xmlns:a="http://schemas.openxmlformats.org/drawingml/2006/main" xmlns:r="http://schemas.openxmlformats.org/officeDocument/2006/relationships" xmlns:p="http://schemas.openxmlformats.org/presentationml/2006/main">
   <p:cSld>
     <p:spTree>
@@ -4288,8 +3986,12 @@
             <a:solidFill>
               <a:srgbClr val="FFC91D"/>
             </a:solidFill>
-            <a:ln>
-              <a:noFill/>
+            <a:ln w="304800">
+              <a:solidFill>
+                <a:schemeClr val="accent4">
+                  <a:lumMod val="75000"/>
+                </a:schemeClr>
+              </a:solidFill>
             </a:ln>
           </p:spPr>
           <p:style>
@@ -4566,7 +4268,12 @@
               </a:schemeClr>
             </a:solidFill>
             <a:ln w="238125">
-              <a:noFill/>
+              <a:solidFill>
+                <a:schemeClr val="tx1">
+                  <a:lumMod val="65000"/>
+                  <a:lumOff val="35000"/>
+                </a:schemeClr>
+              </a:solidFill>
             </a:ln>
           </p:spPr>
           <p:style>
@@ -4608,7 +4315,7 @@
 </p:sld>
 </file>
 
-<file path=ppt/slides/slide4.xml><?xml version="1.0" encoding="utf-8"?>
+<file path=ppt/slides/slide3.xml><?xml version="1.0" encoding="utf-8"?>
 <p:sld xmlns:a="http://schemas.openxmlformats.org/drawingml/2006/main" xmlns:r="http://schemas.openxmlformats.org/officeDocument/2006/relationships" xmlns:p="http://schemas.openxmlformats.org/presentationml/2006/main">
   <p:cSld>
     <p:spTree>
@@ -4648,8 +4355,12 @@
           <a:solidFill>
             <a:srgbClr val="FFC91D"/>
           </a:solidFill>
-          <a:ln>
-            <a:noFill/>
+          <a:ln w="304800">
+            <a:solidFill>
+              <a:schemeClr val="accent4">
+                <a:lumMod val="75000"/>
+              </a:schemeClr>
+            </a:solidFill>
           </a:ln>
         </p:spPr>
         <p:style>
@@ -4690,7 +4401,7 @@
 </p:sld>
 </file>
 
-<file path=ppt/slides/slide5.xml><?xml version="1.0" encoding="utf-8"?>
+<file path=ppt/slides/slide4.xml><?xml version="1.0" encoding="utf-8"?>
 <p:sld xmlns:a="http://schemas.openxmlformats.org/drawingml/2006/main" xmlns:r="http://schemas.openxmlformats.org/officeDocument/2006/relationships" xmlns:p="http://schemas.openxmlformats.org/presentationml/2006/main">
   <p:cSld>
     <p:spTree>
@@ -4721,8 +4432,8 @@
         </p:nvGrpSpPr>
         <p:grpSpPr>
           <a:xfrm>
-            <a:off x="2524256" y="0"/>
-            <a:ext cx="7704441" cy="6637542"/>
+            <a:off x="2651701" y="177188"/>
+            <a:ext cx="7548997" cy="6503624"/>
             <a:chOff x="2415199" y="139409"/>
             <a:chExt cx="7704441" cy="6637542"/>
           </a:xfrm>
@@ -4977,7 +4688,12 @@
               </a:schemeClr>
             </a:solidFill>
             <a:ln w="238125">
-              <a:noFill/>
+              <a:solidFill>
+                <a:schemeClr val="tx1">
+                  <a:lumMod val="95000"/>
+                  <a:lumOff val="5000"/>
+                </a:schemeClr>
+              </a:solidFill>
             </a:ln>
           </p:spPr>
           <p:style>
@@ -5326,7 +5042,12 @@
                 </a:schemeClr>
               </a:solidFill>
               <a:ln w="238125">
-                <a:noFill/>
+                <a:solidFill>
+                  <a:schemeClr val="tx1">
+                    <a:lumMod val="65000"/>
+                    <a:lumOff val="35000"/>
+                  </a:schemeClr>
+                </a:solidFill>
               </a:ln>
             </p:spPr>
             <p:style>
@@ -5941,7 +5662,7 @@
 </p:sld>
 </file>
 
-<file path=ppt/slides/slide6.xml><?xml version="1.0" encoding="utf-8"?>
+<file path=ppt/slides/slide5.xml><?xml version="1.0" encoding="utf-8"?>
 <p:sld xmlns:a="http://schemas.openxmlformats.org/drawingml/2006/main" xmlns:r="http://schemas.openxmlformats.org/officeDocument/2006/relationships" xmlns:p="http://schemas.openxmlformats.org/presentationml/2006/main">
   <p:cSld>
     <p:spTree>
@@ -6962,7 +6683,12 @@
               </a:schemeClr>
             </a:solidFill>
             <a:ln w="238125">
-              <a:noFill/>
+              <a:solidFill>
+                <a:schemeClr val="tx1">
+                  <a:lumMod val="95000"/>
+                  <a:lumOff val="5000"/>
+                </a:schemeClr>
+              </a:solidFill>
             </a:ln>
           </p:spPr>
           <p:style>
@@ -7239,7 +6965,12 @@
               </a:schemeClr>
             </a:solidFill>
             <a:ln w="238125">
-              <a:noFill/>
+              <a:solidFill>
+                <a:schemeClr val="tx1">
+                  <a:lumMod val="65000"/>
+                  <a:lumOff val="35000"/>
+                </a:schemeClr>
+              </a:solidFill>
             </a:ln>
           </p:spPr>
           <p:style>
@@ -7281,7 +7012,7 @@
 </p:sld>
 </file>
 
-<file path=ppt/slides/slide7.xml><?xml version="1.0" encoding="utf-8"?>
+<file path=ppt/slides/slide6.xml><?xml version="1.0" encoding="utf-8"?>
 <p:sld xmlns:a="http://schemas.openxmlformats.org/drawingml/2006/main" xmlns:r="http://schemas.openxmlformats.org/officeDocument/2006/relationships" xmlns:p="http://schemas.openxmlformats.org/presentationml/2006/main">
   <p:cSld>
     <p:spTree>
@@ -7313,9 +7044,9 @@
         <p:grpSpPr>
           <a:xfrm>
             <a:off x="2398422" y="320979"/>
-            <a:ext cx="7704441" cy="6081257"/>
+            <a:ext cx="7704441" cy="5900094"/>
             <a:chOff x="2398422" y="320979"/>
-            <a:chExt cx="7704441" cy="6081257"/>
+            <a:chExt cx="7704441" cy="5900094"/>
           </a:xfrm>
         </p:grpSpPr>
         <p:sp>
@@ -7568,7 +7299,12 @@
               </a:schemeClr>
             </a:solidFill>
             <a:ln w="238125">
-              <a:noFill/>
+              <a:solidFill>
+                <a:schemeClr val="tx1">
+                  <a:lumMod val="95000"/>
+                  <a:lumOff val="5000"/>
+                </a:schemeClr>
+              </a:solidFill>
             </a:ln>
           </p:spPr>
           <p:style>
@@ -7845,7 +7581,12 @@
               </a:schemeClr>
             </a:solidFill>
             <a:ln w="238125">
-              <a:noFill/>
+              <a:solidFill>
+                <a:schemeClr val="tx1">
+                  <a:lumMod val="65000"/>
+                  <a:lumOff val="35000"/>
+                </a:schemeClr>
+              </a:solidFill>
             </a:ln>
           </p:spPr>
           <p:style>
@@ -7887,17 +7628,24 @@
           </p:nvSpPr>
           <p:spPr>
             <a:xfrm rot="911218">
-              <a:off x="4494714" y="3619113"/>
+              <a:off x="4532814" y="3437950"/>
               <a:ext cx="2783123" cy="2783123"/>
             </a:xfrm>
             <a:prstGeom prst="lightningBolt">
               <a:avLst/>
             </a:prstGeom>
             <a:solidFill>
-              <a:srgbClr val="FFFF00"/>
+              <a:schemeClr val="accent4">
+                <a:lumMod val="60000"/>
+                <a:lumOff val="40000"/>
+              </a:schemeClr>
             </a:solidFill>
-            <a:ln>
-              <a:noFill/>
+            <a:ln w="127000">
+              <a:solidFill>
+                <a:schemeClr val="accent4">
+                  <a:lumMod val="75000"/>
+                </a:schemeClr>
+              </a:solidFill>
             </a:ln>
           </p:spPr>
           <p:style>
@@ -7930,6 +7678,1203 @@
     <p:extLst>
       <p:ext uri="{BB962C8B-B14F-4D97-AF65-F5344CB8AC3E}">
         <p14:creationId xmlns:p14="http://schemas.microsoft.com/office/powerpoint/2010/main" val="3892086645"/>
+      </p:ext>
+    </p:extLst>
+  </p:cSld>
+  <p:clrMapOvr>
+    <a:masterClrMapping/>
+  </p:clrMapOvr>
+</p:sld>
+</file>
+
+<file path=ppt/slides/slide7.xml><?xml version="1.0" encoding="utf-8"?>
+<p:sld xmlns:a="http://schemas.openxmlformats.org/drawingml/2006/main" xmlns:r="http://schemas.openxmlformats.org/officeDocument/2006/relationships" xmlns:p="http://schemas.openxmlformats.org/presentationml/2006/main">
+  <p:cSld>
+    <p:spTree>
+      <p:nvGrpSpPr>
+        <p:cNvPr id="1" name=""/>
+        <p:cNvGrpSpPr/>
+        <p:nvPr/>
+      </p:nvGrpSpPr>
+      <p:grpSpPr>
+        <a:xfrm>
+          <a:off x="0" y="0"/>
+          <a:ext cx="0" cy="0"/>
+          <a:chOff x="0" y="0"/>
+          <a:chExt cx="0" cy="0"/>
+        </a:xfrm>
+      </p:grpSpPr>
+      <p:grpSp>
+        <p:nvGrpSpPr>
+          <p:cNvPr id="46" name="그룹 45">
+            <a:extLst>
+              <a:ext uri="{FF2B5EF4-FFF2-40B4-BE49-F238E27FC236}">
+                <a16:creationId xmlns:a16="http://schemas.microsoft.com/office/drawing/2014/main" id="{33872679-ED48-48B4-82EF-DCDEB15B6B5E}"/>
+              </a:ext>
+            </a:extLst>
+          </p:cNvPr>
+          <p:cNvGrpSpPr/>
+          <p:nvPr/>
+        </p:nvGrpSpPr>
+        <p:grpSpPr>
+          <a:xfrm>
+            <a:off x="660401" y="1255424"/>
+            <a:ext cx="11099799" cy="4079569"/>
+            <a:chOff x="660401" y="1255424"/>
+            <a:chExt cx="11099799" cy="4079569"/>
+          </a:xfrm>
+        </p:grpSpPr>
+        <p:grpSp>
+          <p:nvGrpSpPr>
+            <p:cNvPr id="8" name="그룹 7">
+              <a:extLst>
+                <a:ext uri="{FF2B5EF4-FFF2-40B4-BE49-F238E27FC236}">
+                  <a16:creationId xmlns:a16="http://schemas.microsoft.com/office/drawing/2014/main" id="{E165EF9A-7E2B-4E71-96E4-AE0E037E9422}"/>
+                </a:ext>
+              </a:extLst>
+            </p:cNvPr>
+            <p:cNvGrpSpPr/>
+            <p:nvPr/>
+          </p:nvGrpSpPr>
+          <p:grpSpPr>
+            <a:xfrm>
+              <a:off x="3617579" y="4869057"/>
+              <a:ext cx="5747569" cy="465936"/>
+              <a:chOff x="1816217" y="654341"/>
+              <a:chExt cx="6182685" cy="310393"/>
+            </a:xfrm>
+            <a:solidFill>
+              <a:schemeClr val="tx1">
+                <a:lumMod val="75000"/>
+                <a:lumOff val="25000"/>
+              </a:schemeClr>
+            </a:solidFill>
+          </p:grpSpPr>
+          <p:sp>
+            <p:nvSpPr>
+              <p:cNvPr id="5" name="순서도: 처리 4">
+                <a:extLst>
+                  <a:ext uri="{FF2B5EF4-FFF2-40B4-BE49-F238E27FC236}">
+                    <a16:creationId xmlns:a16="http://schemas.microsoft.com/office/drawing/2014/main" id="{C0CB85A3-38F2-4527-8F4B-C2DE153B3304}"/>
+                  </a:ext>
+                </a:extLst>
+              </p:cNvPr>
+              <p:cNvSpPr/>
+              <p:nvPr/>
+            </p:nvSpPr>
+            <p:spPr>
+              <a:xfrm>
+                <a:off x="1971413" y="654341"/>
+                <a:ext cx="5872293" cy="310393"/>
+              </a:xfrm>
+              <a:prstGeom prst="flowChartProcess">
+                <a:avLst/>
+              </a:prstGeom>
+              <a:grpFill/>
+              <a:ln>
+                <a:noFill/>
+              </a:ln>
+            </p:spPr>
+            <p:style>
+              <a:lnRef idx="2">
+                <a:schemeClr val="accent1">
+                  <a:shade val="50000"/>
+                </a:schemeClr>
+              </a:lnRef>
+              <a:fillRef idx="1">
+                <a:schemeClr val="accent1"/>
+              </a:fillRef>
+              <a:effectRef idx="0">
+                <a:schemeClr val="accent1"/>
+              </a:effectRef>
+              <a:fontRef idx="minor">
+                <a:schemeClr val="lt1"/>
+              </a:fontRef>
+            </p:style>
+            <p:txBody>
+              <a:bodyPr rtlCol="0" anchor="ctr"/>
+              <a:lstStyle/>
+              <a:p>
+                <a:pPr algn="ctr"/>
+                <a:endParaRPr lang="ko-KR" altLang="en-US"/>
+              </a:p>
+            </p:txBody>
+          </p:sp>
+          <p:sp>
+            <p:nvSpPr>
+              <p:cNvPr id="6" name="타원 5">
+                <a:extLst>
+                  <a:ext uri="{FF2B5EF4-FFF2-40B4-BE49-F238E27FC236}">
+                    <a16:creationId xmlns:a16="http://schemas.microsoft.com/office/drawing/2014/main" id="{FC6694A9-008C-4CD0-A219-8583C8FF3D55}"/>
+                  </a:ext>
+                </a:extLst>
+              </p:cNvPr>
+              <p:cNvSpPr/>
+              <p:nvPr/>
+            </p:nvSpPr>
+            <p:spPr>
+              <a:xfrm>
+                <a:off x="7688510" y="654341"/>
+                <a:ext cx="310392" cy="310392"/>
+              </a:xfrm>
+              <a:prstGeom prst="ellipse">
+                <a:avLst/>
+              </a:prstGeom>
+              <a:grpFill/>
+              <a:ln>
+                <a:noFill/>
+              </a:ln>
+            </p:spPr>
+            <p:style>
+              <a:lnRef idx="2">
+                <a:schemeClr val="accent1">
+                  <a:shade val="50000"/>
+                </a:schemeClr>
+              </a:lnRef>
+              <a:fillRef idx="1">
+                <a:schemeClr val="accent1"/>
+              </a:fillRef>
+              <a:effectRef idx="0">
+                <a:schemeClr val="accent1"/>
+              </a:effectRef>
+              <a:fontRef idx="minor">
+                <a:schemeClr val="lt1"/>
+              </a:fontRef>
+            </p:style>
+            <p:txBody>
+              <a:bodyPr rot="0" spcFirstLastPara="0" vertOverflow="overflow" horzOverflow="overflow" vert="horz" wrap="square" lIns="91440" tIns="45720" rIns="91440" bIns="45720" numCol="1" spcCol="0" rtlCol="0" fromWordArt="0" anchor="ctr" anchorCtr="0" forceAA="0" compatLnSpc="1">
+                <a:prstTxWarp prst="textNoShape">
+                  <a:avLst/>
+                </a:prstTxWarp>
+                <a:noAutofit/>
+              </a:bodyPr>
+              <a:lstStyle/>
+              <a:p>
+                <a:pPr algn="ctr"/>
+                <a:endParaRPr lang="ko-KR" altLang="en-US"/>
+              </a:p>
+            </p:txBody>
+          </p:sp>
+          <p:sp>
+            <p:nvSpPr>
+              <p:cNvPr id="7" name="타원 6">
+                <a:extLst>
+                  <a:ext uri="{FF2B5EF4-FFF2-40B4-BE49-F238E27FC236}">
+                    <a16:creationId xmlns:a16="http://schemas.microsoft.com/office/drawing/2014/main" id="{12367069-E308-4823-9BBD-73B61A21A54B}"/>
+                  </a:ext>
+                </a:extLst>
+              </p:cNvPr>
+              <p:cNvSpPr/>
+              <p:nvPr/>
+            </p:nvSpPr>
+            <p:spPr>
+              <a:xfrm>
+                <a:off x="1816217" y="654341"/>
+                <a:ext cx="310392" cy="310392"/>
+              </a:xfrm>
+              <a:prstGeom prst="ellipse">
+                <a:avLst/>
+              </a:prstGeom>
+              <a:grpFill/>
+              <a:ln>
+                <a:noFill/>
+              </a:ln>
+            </p:spPr>
+            <p:style>
+              <a:lnRef idx="2">
+                <a:schemeClr val="accent1">
+                  <a:shade val="50000"/>
+                </a:schemeClr>
+              </a:lnRef>
+              <a:fillRef idx="1">
+                <a:schemeClr val="accent1"/>
+              </a:fillRef>
+              <a:effectRef idx="0">
+                <a:schemeClr val="accent1"/>
+              </a:effectRef>
+              <a:fontRef idx="minor">
+                <a:schemeClr val="lt1"/>
+              </a:fontRef>
+            </p:style>
+            <p:txBody>
+              <a:bodyPr rot="0" spcFirstLastPara="0" vertOverflow="overflow" horzOverflow="overflow" vert="horz" wrap="square" lIns="91440" tIns="45720" rIns="91440" bIns="45720" numCol="1" spcCol="0" rtlCol="0" fromWordArt="0" anchor="ctr" anchorCtr="0" forceAA="0" compatLnSpc="1">
+                <a:prstTxWarp prst="textNoShape">
+                  <a:avLst/>
+                </a:prstTxWarp>
+                <a:noAutofit/>
+              </a:bodyPr>
+              <a:lstStyle/>
+              <a:p>
+                <a:pPr algn="ctr"/>
+                <a:endParaRPr lang="ko-KR" altLang="en-US"/>
+              </a:p>
+            </p:txBody>
+          </p:sp>
+        </p:grpSp>
+        <p:grpSp>
+          <p:nvGrpSpPr>
+            <p:cNvPr id="9" name="그룹 8">
+              <a:extLst>
+                <a:ext uri="{FF2B5EF4-FFF2-40B4-BE49-F238E27FC236}">
+                  <a16:creationId xmlns:a16="http://schemas.microsoft.com/office/drawing/2014/main" id="{0852FD6D-7EB9-4364-9124-6239DB117178}"/>
+                </a:ext>
+              </a:extLst>
+            </p:cNvPr>
+            <p:cNvGrpSpPr/>
+            <p:nvPr/>
+          </p:nvGrpSpPr>
+          <p:grpSpPr>
+            <a:xfrm>
+              <a:off x="1752600" y="1992969"/>
+              <a:ext cx="8014925" cy="465936"/>
+              <a:chOff x="1816217" y="654341"/>
+              <a:chExt cx="6182685" cy="310393"/>
+            </a:xfrm>
+          </p:grpSpPr>
+          <p:sp>
+            <p:nvSpPr>
+              <p:cNvPr id="10" name="순서도: 처리 9">
+                <a:extLst>
+                  <a:ext uri="{FF2B5EF4-FFF2-40B4-BE49-F238E27FC236}">
+                    <a16:creationId xmlns:a16="http://schemas.microsoft.com/office/drawing/2014/main" id="{B995D3ED-A0E8-40DD-88FD-4F431FA01D7E}"/>
+                  </a:ext>
+                </a:extLst>
+              </p:cNvPr>
+              <p:cNvSpPr/>
+              <p:nvPr/>
+            </p:nvSpPr>
+            <p:spPr>
+              <a:xfrm>
+                <a:off x="1971413" y="654341"/>
+                <a:ext cx="5872293" cy="310393"/>
+              </a:xfrm>
+              <a:prstGeom prst="flowChartProcess">
+                <a:avLst/>
+              </a:prstGeom>
+              <a:solidFill>
+                <a:schemeClr val="bg2">
+                  <a:lumMod val="50000"/>
+                </a:schemeClr>
+              </a:solidFill>
+              <a:ln>
+                <a:noFill/>
+              </a:ln>
+            </p:spPr>
+            <p:style>
+              <a:lnRef idx="2">
+                <a:schemeClr val="accent1">
+                  <a:shade val="50000"/>
+                </a:schemeClr>
+              </a:lnRef>
+              <a:fillRef idx="1">
+                <a:schemeClr val="accent1"/>
+              </a:fillRef>
+              <a:effectRef idx="0">
+                <a:schemeClr val="accent1"/>
+              </a:effectRef>
+              <a:fontRef idx="minor">
+                <a:schemeClr val="lt1"/>
+              </a:fontRef>
+            </p:style>
+            <p:txBody>
+              <a:bodyPr rtlCol="0" anchor="ctr"/>
+              <a:lstStyle/>
+              <a:p>
+                <a:pPr algn="ctr"/>
+                <a:endParaRPr lang="ko-KR" altLang="en-US"/>
+              </a:p>
+            </p:txBody>
+          </p:sp>
+          <p:sp>
+            <p:nvSpPr>
+              <p:cNvPr id="11" name="타원 10">
+                <a:extLst>
+                  <a:ext uri="{FF2B5EF4-FFF2-40B4-BE49-F238E27FC236}">
+                    <a16:creationId xmlns:a16="http://schemas.microsoft.com/office/drawing/2014/main" id="{DC762E6D-D1BB-4DF1-9CB3-A5DF443D0244}"/>
+                  </a:ext>
+                </a:extLst>
+              </p:cNvPr>
+              <p:cNvSpPr/>
+              <p:nvPr/>
+            </p:nvSpPr>
+            <p:spPr>
+              <a:xfrm>
+                <a:off x="7688510" y="654341"/>
+                <a:ext cx="310392" cy="310392"/>
+              </a:xfrm>
+              <a:prstGeom prst="ellipse">
+                <a:avLst/>
+              </a:prstGeom>
+              <a:solidFill>
+                <a:schemeClr val="bg2">
+                  <a:lumMod val="50000"/>
+                </a:schemeClr>
+              </a:solidFill>
+              <a:ln>
+                <a:noFill/>
+              </a:ln>
+            </p:spPr>
+            <p:style>
+              <a:lnRef idx="2">
+                <a:schemeClr val="accent1">
+                  <a:shade val="50000"/>
+                </a:schemeClr>
+              </a:lnRef>
+              <a:fillRef idx="1">
+                <a:schemeClr val="accent1"/>
+              </a:fillRef>
+              <a:effectRef idx="0">
+                <a:schemeClr val="accent1"/>
+              </a:effectRef>
+              <a:fontRef idx="minor">
+                <a:schemeClr val="lt1"/>
+              </a:fontRef>
+            </p:style>
+            <p:txBody>
+              <a:bodyPr rot="0" spcFirstLastPara="0" vertOverflow="overflow" horzOverflow="overflow" vert="horz" wrap="square" lIns="91440" tIns="45720" rIns="91440" bIns="45720" numCol="1" spcCol="0" rtlCol="0" fromWordArt="0" anchor="ctr" anchorCtr="0" forceAA="0" compatLnSpc="1">
+                <a:prstTxWarp prst="textNoShape">
+                  <a:avLst/>
+                </a:prstTxWarp>
+                <a:noAutofit/>
+              </a:bodyPr>
+              <a:lstStyle/>
+              <a:p>
+                <a:pPr algn="ctr"/>
+                <a:endParaRPr lang="ko-KR" altLang="en-US"/>
+              </a:p>
+            </p:txBody>
+          </p:sp>
+          <p:sp>
+            <p:nvSpPr>
+              <p:cNvPr id="12" name="타원 11">
+                <a:extLst>
+                  <a:ext uri="{FF2B5EF4-FFF2-40B4-BE49-F238E27FC236}">
+                    <a16:creationId xmlns:a16="http://schemas.microsoft.com/office/drawing/2014/main" id="{43EC8184-CAED-4932-8FC2-1E9406FA5DD0}"/>
+                  </a:ext>
+                </a:extLst>
+              </p:cNvPr>
+              <p:cNvSpPr/>
+              <p:nvPr/>
+            </p:nvSpPr>
+            <p:spPr>
+              <a:xfrm>
+                <a:off x="1816217" y="654341"/>
+                <a:ext cx="310392" cy="310392"/>
+              </a:xfrm>
+              <a:prstGeom prst="ellipse">
+                <a:avLst/>
+              </a:prstGeom>
+              <a:solidFill>
+                <a:schemeClr val="bg2">
+                  <a:lumMod val="50000"/>
+                </a:schemeClr>
+              </a:solidFill>
+              <a:ln>
+                <a:noFill/>
+              </a:ln>
+            </p:spPr>
+            <p:style>
+              <a:lnRef idx="2">
+                <a:schemeClr val="accent1">
+                  <a:shade val="50000"/>
+                </a:schemeClr>
+              </a:lnRef>
+              <a:fillRef idx="1">
+                <a:schemeClr val="accent1"/>
+              </a:fillRef>
+              <a:effectRef idx="0">
+                <a:schemeClr val="accent1"/>
+              </a:effectRef>
+              <a:fontRef idx="minor">
+                <a:schemeClr val="lt1"/>
+              </a:fontRef>
+            </p:style>
+            <p:txBody>
+              <a:bodyPr rot="0" spcFirstLastPara="0" vertOverflow="overflow" horzOverflow="overflow" vert="horz" wrap="square" lIns="91440" tIns="45720" rIns="91440" bIns="45720" numCol="1" spcCol="0" rtlCol="0" fromWordArt="0" anchor="ctr" anchorCtr="0" forceAA="0" compatLnSpc="1">
+                <a:prstTxWarp prst="textNoShape">
+                  <a:avLst/>
+                </a:prstTxWarp>
+                <a:noAutofit/>
+              </a:bodyPr>
+              <a:lstStyle/>
+              <a:p>
+                <a:pPr algn="ctr"/>
+                <a:endParaRPr lang="ko-KR" altLang="en-US"/>
+              </a:p>
+            </p:txBody>
+          </p:sp>
+        </p:grpSp>
+        <p:grpSp>
+          <p:nvGrpSpPr>
+            <p:cNvPr id="29" name="그룹 28">
+              <a:extLst>
+                <a:ext uri="{FF2B5EF4-FFF2-40B4-BE49-F238E27FC236}">
+                  <a16:creationId xmlns:a16="http://schemas.microsoft.com/office/drawing/2014/main" id="{968B0A91-DDB6-4D8B-8D94-60EC1FD6132C}"/>
+                </a:ext>
+              </a:extLst>
+            </p:cNvPr>
+            <p:cNvGrpSpPr/>
+            <p:nvPr/>
+          </p:nvGrpSpPr>
+          <p:grpSpPr>
+            <a:xfrm>
+              <a:off x="2849389" y="2711998"/>
+              <a:ext cx="8910811" cy="465936"/>
+              <a:chOff x="1816217" y="654341"/>
+              <a:chExt cx="6182685" cy="310393"/>
+            </a:xfrm>
+          </p:grpSpPr>
+          <p:sp>
+            <p:nvSpPr>
+              <p:cNvPr id="30" name="순서도: 처리 29">
+                <a:extLst>
+                  <a:ext uri="{FF2B5EF4-FFF2-40B4-BE49-F238E27FC236}">
+                    <a16:creationId xmlns:a16="http://schemas.microsoft.com/office/drawing/2014/main" id="{961CF48E-0B3D-4EA2-8C03-95D9BAD3F975}"/>
+                  </a:ext>
+                </a:extLst>
+              </p:cNvPr>
+              <p:cNvSpPr/>
+              <p:nvPr/>
+            </p:nvSpPr>
+            <p:spPr>
+              <a:xfrm>
+                <a:off x="1971413" y="654341"/>
+                <a:ext cx="5872293" cy="310393"/>
+              </a:xfrm>
+              <a:prstGeom prst="flowChartProcess">
+                <a:avLst/>
+              </a:prstGeom>
+              <a:solidFill>
+                <a:schemeClr val="bg2">
+                  <a:lumMod val="25000"/>
+                </a:schemeClr>
+              </a:solidFill>
+              <a:ln>
+                <a:noFill/>
+              </a:ln>
+            </p:spPr>
+            <p:style>
+              <a:lnRef idx="2">
+                <a:schemeClr val="accent1">
+                  <a:shade val="50000"/>
+                </a:schemeClr>
+              </a:lnRef>
+              <a:fillRef idx="1">
+                <a:schemeClr val="accent1"/>
+              </a:fillRef>
+              <a:effectRef idx="0">
+                <a:schemeClr val="accent1"/>
+              </a:effectRef>
+              <a:fontRef idx="minor">
+                <a:schemeClr val="lt1"/>
+              </a:fontRef>
+            </p:style>
+            <p:txBody>
+              <a:bodyPr rtlCol="0" anchor="ctr"/>
+              <a:lstStyle/>
+              <a:p>
+                <a:pPr algn="ctr"/>
+                <a:endParaRPr lang="ko-KR" altLang="en-US"/>
+              </a:p>
+            </p:txBody>
+          </p:sp>
+          <p:sp>
+            <p:nvSpPr>
+              <p:cNvPr id="31" name="타원 30">
+                <a:extLst>
+                  <a:ext uri="{FF2B5EF4-FFF2-40B4-BE49-F238E27FC236}">
+                    <a16:creationId xmlns:a16="http://schemas.microsoft.com/office/drawing/2014/main" id="{CACDC327-8818-43CF-8F37-F4198A58C67F}"/>
+                  </a:ext>
+                </a:extLst>
+              </p:cNvPr>
+              <p:cNvSpPr/>
+              <p:nvPr/>
+            </p:nvSpPr>
+            <p:spPr>
+              <a:xfrm>
+                <a:off x="7688510" y="654341"/>
+                <a:ext cx="310392" cy="310392"/>
+              </a:xfrm>
+              <a:prstGeom prst="ellipse">
+                <a:avLst/>
+              </a:prstGeom>
+              <a:solidFill>
+                <a:schemeClr val="bg2">
+                  <a:lumMod val="25000"/>
+                </a:schemeClr>
+              </a:solidFill>
+              <a:ln>
+                <a:noFill/>
+              </a:ln>
+            </p:spPr>
+            <p:style>
+              <a:lnRef idx="2">
+                <a:schemeClr val="accent1">
+                  <a:shade val="50000"/>
+                </a:schemeClr>
+              </a:lnRef>
+              <a:fillRef idx="1">
+                <a:schemeClr val="accent1"/>
+              </a:fillRef>
+              <a:effectRef idx="0">
+                <a:schemeClr val="accent1"/>
+              </a:effectRef>
+              <a:fontRef idx="minor">
+                <a:schemeClr val="lt1"/>
+              </a:fontRef>
+            </p:style>
+            <p:txBody>
+              <a:bodyPr rot="0" spcFirstLastPara="0" vertOverflow="overflow" horzOverflow="overflow" vert="horz" wrap="square" lIns="91440" tIns="45720" rIns="91440" bIns="45720" numCol="1" spcCol="0" rtlCol="0" fromWordArt="0" anchor="ctr" anchorCtr="0" forceAA="0" compatLnSpc="1">
+                <a:prstTxWarp prst="textNoShape">
+                  <a:avLst/>
+                </a:prstTxWarp>
+                <a:noAutofit/>
+              </a:bodyPr>
+              <a:lstStyle/>
+              <a:p>
+                <a:pPr algn="ctr"/>
+                <a:endParaRPr lang="ko-KR" altLang="en-US"/>
+              </a:p>
+            </p:txBody>
+          </p:sp>
+          <p:sp>
+            <p:nvSpPr>
+              <p:cNvPr id="32" name="타원 31">
+                <a:extLst>
+                  <a:ext uri="{FF2B5EF4-FFF2-40B4-BE49-F238E27FC236}">
+                    <a16:creationId xmlns:a16="http://schemas.microsoft.com/office/drawing/2014/main" id="{FB8189F9-AF9A-43EF-8FEA-0A27BA420F44}"/>
+                  </a:ext>
+                </a:extLst>
+              </p:cNvPr>
+              <p:cNvSpPr/>
+              <p:nvPr/>
+            </p:nvSpPr>
+            <p:spPr>
+              <a:xfrm>
+                <a:off x="1816217" y="654341"/>
+                <a:ext cx="310392" cy="310392"/>
+              </a:xfrm>
+              <a:prstGeom prst="ellipse">
+                <a:avLst/>
+              </a:prstGeom>
+              <a:solidFill>
+                <a:schemeClr val="bg2">
+                  <a:lumMod val="25000"/>
+                </a:schemeClr>
+              </a:solidFill>
+              <a:ln>
+                <a:noFill/>
+              </a:ln>
+            </p:spPr>
+            <p:style>
+              <a:lnRef idx="2">
+                <a:schemeClr val="accent1">
+                  <a:shade val="50000"/>
+                </a:schemeClr>
+              </a:lnRef>
+              <a:fillRef idx="1">
+                <a:schemeClr val="accent1"/>
+              </a:fillRef>
+              <a:effectRef idx="0">
+                <a:schemeClr val="accent1"/>
+              </a:effectRef>
+              <a:fontRef idx="minor">
+                <a:schemeClr val="lt1"/>
+              </a:fontRef>
+            </p:style>
+            <p:txBody>
+              <a:bodyPr rot="0" spcFirstLastPara="0" vertOverflow="overflow" horzOverflow="overflow" vert="horz" wrap="square" lIns="91440" tIns="45720" rIns="91440" bIns="45720" numCol="1" spcCol="0" rtlCol="0" fromWordArt="0" anchor="ctr" anchorCtr="0" forceAA="0" compatLnSpc="1">
+                <a:prstTxWarp prst="textNoShape">
+                  <a:avLst/>
+                </a:prstTxWarp>
+                <a:noAutofit/>
+              </a:bodyPr>
+              <a:lstStyle/>
+              <a:p>
+                <a:pPr algn="ctr"/>
+                <a:endParaRPr lang="ko-KR" altLang="en-US"/>
+              </a:p>
+            </p:txBody>
+          </p:sp>
+        </p:grpSp>
+        <p:grpSp>
+          <p:nvGrpSpPr>
+            <p:cNvPr id="33" name="그룹 32">
+              <a:extLst>
+                <a:ext uri="{FF2B5EF4-FFF2-40B4-BE49-F238E27FC236}">
+                  <a16:creationId xmlns:a16="http://schemas.microsoft.com/office/drawing/2014/main" id="{56A4D35B-5AC2-4258-9599-613908B303B2}"/>
+                </a:ext>
+              </a:extLst>
+            </p:cNvPr>
+            <p:cNvGrpSpPr/>
+            <p:nvPr/>
+          </p:nvGrpSpPr>
+          <p:grpSpPr>
+            <a:xfrm>
+              <a:off x="660401" y="3431019"/>
+              <a:ext cx="9588500" cy="465936"/>
+              <a:chOff x="1816217" y="654341"/>
+              <a:chExt cx="6182685" cy="310393"/>
+            </a:xfrm>
+          </p:grpSpPr>
+          <p:sp>
+            <p:nvSpPr>
+              <p:cNvPr id="34" name="순서도: 처리 33">
+                <a:extLst>
+                  <a:ext uri="{FF2B5EF4-FFF2-40B4-BE49-F238E27FC236}">
+                    <a16:creationId xmlns:a16="http://schemas.microsoft.com/office/drawing/2014/main" id="{1C8EEF20-6B33-4ECE-AC34-0A9E71DE2F77}"/>
+                  </a:ext>
+                </a:extLst>
+              </p:cNvPr>
+              <p:cNvSpPr/>
+              <p:nvPr/>
+            </p:nvSpPr>
+            <p:spPr>
+              <a:xfrm>
+                <a:off x="1971413" y="654341"/>
+                <a:ext cx="5872293" cy="310393"/>
+              </a:xfrm>
+              <a:prstGeom prst="flowChartProcess">
+                <a:avLst/>
+              </a:prstGeom>
+              <a:solidFill>
+                <a:schemeClr val="bg2">
+                  <a:lumMod val="50000"/>
+                </a:schemeClr>
+              </a:solidFill>
+              <a:ln>
+                <a:noFill/>
+              </a:ln>
+            </p:spPr>
+            <p:style>
+              <a:lnRef idx="2">
+                <a:schemeClr val="accent1">
+                  <a:shade val="50000"/>
+                </a:schemeClr>
+              </a:lnRef>
+              <a:fillRef idx="1">
+                <a:schemeClr val="accent1"/>
+              </a:fillRef>
+              <a:effectRef idx="0">
+                <a:schemeClr val="accent1"/>
+              </a:effectRef>
+              <a:fontRef idx="minor">
+                <a:schemeClr val="lt1"/>
+              </a:fontRef>
+            </p:style>
+            <p:txBody>
+              <a:bodyPr rtlCol="0" anchor="ctr"/>
+              <a:lstStyle/>
+              <a:p>
+                <a:pPr algn="ctr"/>
+                <a:endParaRPr lang="ko-KR" altLang="en-US"/>
+              </a:p>
+            </p:txBody>
+          </p:sp>
+          <p:sp>
+            <p:nvSpPr>
+              <p:cNvPr id="35" name="타원 34">
+                <a:extLst>
+                  <a:ext uri="{FF2B5EF4-FFF2-40B4-BE49-F238E27FC236}">
+                    <a16:creationId xmlns:a16="http://schemas.microsoft.com/office/drawing/2014/main" id="{B68251A9-52D9-451D-AD3F-72B742CB11DB}"/>
+                  </a:ext>
+                </a:extLst>
+              </p:cNvPr>
+              <p:cNvSpPr/>
+              <p:nvPr/>
+            </p:nvSpPr>
+            <p:spPr>
+              <a:xfrm>
+                <a:off x="7688510" y="654341"/>
+                <a:ext cx="310392" cy="310392"/>
+              </a:xfrm>
+              <a:prstGeom prst="ellipse">
+                <a:avLst/>
+              </a:prstGeom>
+              <a:solidFill>
+                <a:schemeClr val="bg2">
+                  <a:lumMod val="50000"/>
+                </a:schemeClr>
+              </a:solidFill>
+              <a:ln>
+                <a:noFill/>
+              </a:ln>
+            </p:spPr>
+            <p:style>
+              <a:lnRef idx="2">
+                <a:schemeClr val="accent1">
+                  <a:shade val="50000"/>
+                </a:schemeClr>
+              </a:lnRef>
+              <a:fillRef idx="1">
+                <a:schemeClr val="accent1"/>
+              </a:fillRef>
+              <a:effectRef idx="0">
+                <a:schemeClr val="accent1"/>
+              </a:effectRef>
+              <a:fontRef idx="minor">
+                <a:schemeClr val="lt1"/>
+              </a:fontRef>
+            </p:style>
+            <p:txBody>
+              <a:bodyPr rot="0" spcFirstLastPara="0" vertOverflow="overflow" horzOverflow="overflow" vert="horz" wrap="square" lIns="91440" tIns="45720" rIns="91440" bIns="45720" numCol="1" spcCol="0" rtlCol="0" fromWordArt="0" anchor="ctr" anchorCtr="0" forceAA="0" compatLnSpc="1">
+                <a:prstTxWarp prst="textNoShape">
+                  <a:avLst/>
+                </a:prstTxWarp>
+                <a:noAutofit/>
+              </a:bodyPr>
+              <a:lstStyle/>
+              <a:p>
+                <a:pPr algn="ctr"/>
+                <a:endParaRPr lang="ko-KR" altLang="en-US"/>
+              </a:p>
+            </p:txBody>
+          </p:sp>
+          <p:sp>
+            <p:nvSpPr>
+              <p:cNvPr id="36" name="타원 35">
+                <a:extLst>
+                  <a:ext uri="{FF2B5EF4-FFF2-40B4-BE49-F238E27FC236}">
+                    <a16:creationId xmlns:a16="http://schemas.microsoft.com/office/drawing/2014/main" id="{A6423D15-AA38-493E-82E7-A310659D5C32}"/>
+                  </a:ext>
+                </a:extLst>
+              </p:cNvPr>
+              <p:cNvSpPr/>
+              <p:nvPr/>
+            </p:nvSpPr>
+            <p:spPr>
+              <a:xfrm>
+                <a:off x="1816217" y="654341"/>
+                <a:ext cx="310392" cy="310392"/>
+              </a:xfrm>
+              <a:prstGeom prst="ellipse">
+                <a:avLst/>
+              </a:prstGeom>
+              <a:solidFill>
+                <a:schemeClr val="bg2">
+                  <a:lumMod val="50000"/>
+                </a:schemeClr>
+              </a:solidFill>
+              <a:ln>
+                <a:noFill/>
+              </a:ln>
+            </p:spPr>
+            <p:style>
+              <a:lnRef idx="2">
+                <a:schemeClr val="accent1">
+                  <a:shade val="50000"/>
+                </a:schemeClr>
+              </a:lnRef>
+              <a:fillRef idx="1">
+                <a:schemeClr val="accent1"/>
+              </a:fillRef>
+              <a:effectRef idx="0">
+                <a:schemeClr val="accent1"/>
+              </a:effectRef>
+              <a:fontRef idx="minor">
+                <a:schemeClr val="lt1"/>
+              </a:fontRef>
+            </p:style>
+            <p:txBody>
+              <a:bodyPr rot="0" spcFirstLastPara="0" vertOverflow="overflow" horzOverflow="overflow" vert="horz" wrap="square" lIns="91440" tIns="45720" rIns="91440" bIns="45720" numCol="1" spcCol="0" rtlCol="0" fromWordArt="0" anchor="ctr" anchorCtr="0" forceAA="0" compatLnSpc="1">
+                <a:prstTxWarp prst="textNoShape">
+                  <a:avLst/>
+                </a:prstTxWarp>
+                <a:noAutofit/>
+              </a:bodyPr>
+              <a:lstStyle/>
+              <a:p>
+                <a:pPr algn="ctr"/>
+                <a:endParaRPr lang="ko-KR" altLang="en-US"/>
+              </a:p>
+            </p:txBody>
+          </p:sp>
+        </p:grpSp>
+        <p:grpSp>
+          <p:nvGrpSpPr>
+            <p:cNvPr id="37" name="그룹 36">
+              <a:extLst>
+                <a:ext uri="{FF2B5EF4-FFF2-40B4-BE49-F238E27FC236}">
+                  <a16:creationId xmlns:a16="http://schemas.microsoft.com/office/drawing/2014/main" id="{CC9701C8-38E6-4534-ADAD-DC7B829802A9}"/>
+                </a:ext>
+              </a:extLst>
+            </p:cNvPr>
+            <p:cNvGrpSpPr/>
+            <p:nvPr/>
+          </p:nvGrpSpPr>
+          <p:grpSpPr>
+            <a:xfrm>
+              <a:off x="2142786" y="4150038"/>
+              <a:ext cx="8779213" cy="465936"/>
+              <a:chOff x="1816217" y="654341"/>
+              <a:chExt cx="6182685" cy="310393"/>
+            </a:xfrm>
+          </p:grpSpPr>
+          <p:sp>
+            <p:nvSpPr>
+              <p:cNvPr id="38" name="순서도: 처리 37">
+                <a:extLst>
+                  <a:ext uri="{FF2B5EF4-FFF2-40B4-BE49-F238E27FC236}">
+                    <a16:creationId xmlns:a16="http://schemas.microsoft.com/office/drawing/2014/main" id="{928F4201-1E3D-453A-B4CD-93A556F6186F}"/>
+                  </a:ext>
+                </a:extLst>
+              </p:cNvPr>
+              <p:cNvSpPr/>
+              <p:nvPr/>
+            </p:nvSpPr>
+            <p:spPr>
+              <a:xfrm>
+                <a:off x="1971413" y="654341"/>
+                <a:ext cx="5872293" cy="310393"/>
+              </a:xfrm>
+              <a:prstGeom prst="flowChartProcess">
+                <a:avLst/>
+              </a:prstGeom>
+              <a:solidFill>
+                <a:schemeClr val="bg2">
+                  <a:lumMod val="50000"/>
+                </a:schemeClr>
+              </a:solidFill>
+              <a:ln>
+                <a:noFill/>
+              </a:ln>
+            </p:spPr>
+            <p:style>
+              <a:lnRef idx="2">
+                <a:schemeClr val="accent1">
+                  <a:shade val="50000"/>
+                </a:schemeClr>
+              </a:lnRef>
+              <a:fillRef idx="1">
+                <a:schemeClr val="accent1"/>
+              </a:fillRef>
+              <a:effectRef idx="0">
+                <a:schemeClr val="accent1"/>
+              </a:effectRef>
+              <a:fontRef idx="minor">
+                <a:schemeClr val="lt1"/>
+              </a:fontRef>
+            </p:style>
+            <p:txBody>
+              <a:bodyPr rtlCol="0" anchor="ctr"/>
+              <a:lstStyle/>
+              <a:p>
+                <a:pPr algn="ctr"/>
+                <a:endParaRPr lang="ko-KR" altLang="en-US"/>
+              </a:p>
+            </p:txBody>
+          </p:sp>
+          <p:sp>
+            <p:nvSpPr>
+              <p:cNvPr id="39" name="타원 38">
+                <a:extLst>
+                  <a:ext uri="{FF2B5EF4-FFF2-40B4-BE49-F238E27FC236}">
+                    <a16:creationId xmlns:a16="http://schemas.microsoft.com/office/drawing/2014/main" id="{996833EC-DFF3-4BF4-B905-8D6B70C512C6}"/>
+                  </a:ext>
+                </a:extLst>
+              </p:cNvPr>
+              <p:cNvSpPr/>
+              <p:nvPr/>
+            </p:nvSpPr>
+            <p:spPr>
+              <a:xfrm>
+                <a:off x="7688510" y="654341"/>
+                <a:ext cx="310392" cy="310392"/>
+              </a:xfrm>
+              <a:prstGeom prst="ellipse">
+                <a:avLst/>
+              </a:prstGeom>
+              <a:solidFill>
+                <a:schemeClr val="bg2">
+                  <a:lumMod val="50000"/>
+                </a:schemeClr>
+              </a:solidFill>
+              <a:ln>
+                <a:noFill/>
+              </a:ln>
+            </p:spPr>
+            <p:style>
+              <a:lnRef idx="2">
+                <a:schemeClr val="accent1">
+                  <a:shade val="50000"/>
+                </a:schemeClr>
+              </a:lnRef>
+              <a:fillRef idx="1">
+                <a:schemeClr val="accent1"/>
+              </a:fillRef>
+              <a:effectRef idx="0">
+                <a:schemeClr val="accent1"/>
+              </a:effectRef>
+              <a:fontRef idx="minor">
+                <a:schemeClr val="lt1"/>
+              </a:fontRef>
+            </p:style>
+            <p:txBody>
+              <a:bodyPr rot="0" spcFirstLastPara="0" vertOverflow="overflow" horzOverflow="overflow" vert="horz" wrap="square" lIns="91440" tIns="45720" rIns="91440" bIns="45720" numCol="1" spcCol="0" rtlCol="0" fromWordArt="0" anchor="ctr" anchorCtr="0" forceAA="0" compatLnSpc="1">
+                <a:prstTxWarp prst="textNoShape">
+                  <a:avLst/>
+                </a:prstTxWarp>
+                <a:noAutofit/>
+              </a:bodyPr>
+              <a:lstStyle/>
+              <a:p>
+                <a:pPr algn="ctr"/>
+                <a:endParaRPr lang="ko-KR" altLang="en-US"/>
+              </a:p>
+            </p:txBody>
+          </p:sp>
+          <p:sp>
+            <p:nvSpPr>
+              <p:cNvPr id="40" name="타원 39">
+                <a:extLst>
+                  <a:ext uri="{FF2B5EF4-FFF2-40B4-BE49-F238E27FC236}">
+                    <a16:creationId xmlns:a16="http://schemas.microsoft.com/office/drawing/2014/main" id="{90C2ADF7-6F99-4520-B0ED-0B19C56626AE}"/>
+                  </a:ext>
+                </a:extLst>
+              </p:cNvPr>
+              <p:cNvSpPr/>
+              <p:nvPr/>
+            </p:nvSpPr>
+            <p:spPr>
+              <a:xfrm>
+                <a:off x="1816217" y="654341"/>
+                <a:ext cx="310392" cy="310392"/>
+              </a:xfrm>
+              <a:prstGeom prst="ellipse">
+                <a:avLst/>
+              </a:prstGeom>
+              <a:solidFill>
+                <a:schemeClr val="bg2">
+                  <a:lumMod val="50000"/>
+                </a:schemeClr>
+              </a:solidFill>
+              <a:ln>
+                <a:noFill/>
+              </a:ln>
+            </p:spPr>
+            <p:style>
+              <a:lnRef idx="2">
+                <a:schemeClr val="accent1">
+                  <a:shade val="50000"/>
+                </a:schemeClr>
+              </a:lnRef>
+              <a:fillRef idx="1">
+                <a:schemeClr val="accent1"/>
+              </a:fillRef>
+              <a:effectRef idx="0">
+                <a:schemeClr val="accent1"/>
+              </a:effectRef>
+              <a:fontRef idx="minor">
+                <a:schemeClr val="lt1"/>
+              </a:fontRef>
+            </p:style>
+            <p:txBody>
+              <a:bodyPr rot="0" spcFirstLastPara="0" vertOverflow="overflow" horzOverflow="overflow" vert="horz" wrap="square" lIns="91440" tIns="45720" rIns="91440" bIns="45720" numCol="1" spcCol="0" rtlCol="0" fromWordArt="0" anchor="ctr" anchorCtr="0" forceAA="0" compatLnSpc="1">
+                <a:prstTxWarp prst="textNoShape">
+                  <a:avLst/>
+                </a:prstTxWarp>
+                <a:noAutofit/>
+              </a:bodyPr>
+              <a:lstStyle/>
+              <a:p>
+                <a:pPr algn="ctr"/>
+                <a:endParaRPr lang="ko-KR" altLang="en-US"/>
+              </a:p>
+            </p:txBody>
+          </p:sp>
+        </p:grpSp>
+        <p:grpSp>
+          <p:nvGrpSpPr>
+            <p:cNvPr id="41" name="그룹 40">
+              <a:extLst>
+                <a:ext uri="{FF2B5EF4-FFF2-40B4-BE49-F238E27FC236}">
+                  <a16:creationId xmlns:a16="http://schemas.microsoft.com/office/drawing/2014/main" id="{E16FB1F1-856E-499D-9EF8-6C3A905B5B09}"/>
+                </a:ext>
+              </a:extLst>
+            </p:cNvPr>
+            <p:cNvGrpSpPr/>
+            <p:nvPr/>
+          </p:nvGrpSpPr>
+          <p:grpSpPr>
+            <a:xfrm>
+              <a:off x="2790957" y="1255424"/>
+              <a:ext cx="5298943" cy="465936"/>
+              <a:chOff x="1816217" y="654341"/>
+              <a:chExt cx="6182685" cy="310393"/>
+            </a:xfrm>
+            <a:solidFill>
+              <a:schemeClr val="tx1">
+                <a:lumMod val="75000"/>
+                <a:lumOff val="25000"/>
+              </a:schemeClr>
+            </a:solidFill>
+          </p:grpSpPr>
+          <p:sp>
+            <p:nvSpPr>
+              <p:cNvPr id="42" name="순서도: 처리 41">
+                <a:extLst>
+                  <a:ext uri="{FF2B5EF4-FFF2-40B4-BE49-F238E27FC236}">
+                    <a16:creationId xmlns:a16="http://schemas.microsoft.com/office/drawing/2014/main" id="{8CB07031-543E-41D6-B0E6-EF769E1D519A}"/>
+                  </a:ext>
+                </a:extLst>
+              </p:cNvPr>
+              <p:cNvSpPr/>
+              <p:nvPr/>
+            </p:nvSpPr>
+            <p:spPr>
+              <a:xfrm>
+                <a:off x="1971413" y="654341"/>
+                <a:ext cx="5872293" cy="310393"/>
+              </a:xfrm>
+              <a:prstGeom prst="flowChartProcess">
+                <a:avLst/>
+              </a:prstGeom>
+              <a:grpFill/>
+              <a:ln>
+                <a:noFill/>
+              </a:ln>
+            </p:spPr>
+            <p:style>
+              <a:lnRef idx="2">
+                <a:schemeClr val="accent1">
+                  <a:shade val="50000"/>
+                </a:schemeClr>
+              </a:lnRef>
+              <a:fillRef idx="1">
+                <a:schemeClr val="accent1"/>
+              </a:fillRef>
+              <a:effectRef idx="0">
+                <a:schemeClr val="accent1"/>
+              </a:effectRef>
+              <a:fontRef idx="minor">
+                <a:schemeClr val="lt1"/>
+              </a:fontRef>
+            </p:style>
+            <p:txBody>
+              <a:bodyPr rtlCol="0" anchor="ctr"/>
+              <a:lstStyle/>
+              <a:p>
+                <a:pPr algn="ctr"/>
+                <a:endParaRPr lang="ko-KR" altLang="en-US"/>
+              </a:p>
+            </p:txBody>
+          </p:sp>
+          <p:sp>
+            <p:nvSpPr>
+              <p:cNvPr id="43" name="타원 42">
+                <a:extLst>
+                  <a:ext uri="{FF2B5EF4-FFF2-40B4-BE49-F238E27FC236}">
+                    <a16:creationId xmlns:a16="http://schemas.microsoft.com/office/drawing/2014/main" id="{B2F464C1-3598-44A8-8F0E-762B275CF345}"/>
+                  </a:ext>
+                </a:extLst>
+              </p:cNvPr>
+              <p:cNvSpPr/>
+              <p:nvPr/>
+            </p:nvSpPr>
+            <p:spPr>
+              <a:xfrm>
+                <a:off x="7688510" y="654341"/>
+                <a:ext cx="310392" cy="310392"/>
+              </a:xfrm>
+              <a:prstGeom prst="ellipse">
+                <a:avLst/>
+              </a:prstGeom>
+              <a:grpFill/>
+              <a:ln>
+                <a:noFill/>
+              </a:ln>
+            </p:spPr>
+            <p:style>
+              <a:lnRef idx="2">
+                <a:schemeClr val="accent1">
+                  <a:shade val="50000"/>
+                </a:schemeClr>
+              </a:lnRef>
+              <a:fillRef idx="1">
+                <a:schemeClr val="accent1"/>
+              </a:fillRef>
+              <a:effectRef idx="0">
+                <a:schemeClr val="accent1"/>
+              </a:effectRef>
+              <a:fontRef idx="minor">
+                <a:schemeClr val="lt1"/>
+              </a:fontRef>
+            </p:style>
+            <p:txBody>
+              <a:bodyPr rot="0" spcFirstLastPara="0" vertOverflow="overflow" horzOverflow="overflow" vert="horz" wrap="square" lIns="91440" tIns="45720" rIns="91440" bIns="45720" numCol="1" spcCol="0" rtlCol="0" fromWordArt="0" anchor="ctr" anchorCtr="0" forceAA="0" compatLnSpc="1">
+                <a:prstTxWarp prst="textNoShape">
+                  <a:avLst/>
+                </a:prstTxWarp>
+                <a:noAutofit/>
+              </a:bodyPr>
+              <a:lstStyle/>
+              <a:p>
+                <a:pPr algn="ctr"/>
+                <a:endParaRPr lang="ko-KR" altLang="en-US"/>
+              </a:p>
+            </p:txBody>
+          </p:sp>
+          <p:sp>
+            <p:nvSpPr>
+              <p:cNvPr id="44" name="타원 43">
+                <a:extLst>
+                  <a:ext uri="{FF2B5EF4-FFF2-40B4-BE49-F238E27FC236}">
+                    <a16:creationId xmlns:a16="http://schemas.microsoft.com/office/drawing/2014/main" id="{7951E0DE-BCB4-41EB-AEB8-F7F94610039D}"/>
+                  </a:ext>
+                </a:extLst>
+              </p:cNvPr>
+              <p:cNvSpPr/>
+              <p:nvPr/>
+            </p:nvSpPr>
+            <p:spPr>
+              <a:xfrm>
+                <a:off x="1816217" y="654341"/>
+                <a:ext cx="310392" cy="310392"/>
+              </a:xfrm>
+              <a:prstGeom prst="ellipse">
+                <a:avLst/>
+              </a:prstGeom>
+              <a:grpFill/>
+              <a:ln>
+                <a:noFill/>
+              </a:ln>
+            </p:spPr>
+            <p:style>
+              <a:lnRef idx="2">
+                <a:schemeClr val="accent1">
+                  <a:shade val="50000"/>
+                </a:schemeClr>
+              </a:lnRef>
+              <a:fillRef idx="1">
+                <a:schemeClr val="accent1"/>
+              </a:fillRef>
+              <a:effectRef idx="0">
+                <a:schemeClr val="accent1"/>
+              </a:effectRef>
+              <a:fontRef idx="minor">
+                <a:schemeClr val="lt1"/>
+              </a:fontRef>
+            </p:style>
+            <p:txBody>
+              <a:bodyPr rot="0" spcFirstLastPara="0" vertOverflow="overflow" horzOverflow="overflow" vert="horz" wrap="square" lIns="91440" tIns="45720" rIns="91440" bIns="45720" numCol="1" spcCol="0" rtlCol="0" fromWordArt="0" anchor="ctr" anchorCtr="0" forceAA="0" compatLnSpc="1">
+                <a:prstTxWarp prst="textNoShape">
+                  <a:avLst/>
+                </a:prstTxWarp>
+                <a:noAutofit/>
+              </a:bodyPr>
+              <a:lstStyle/>
+              <a:p>
+                <a:pPr algn="ctr"/>
+                <a:endParaRPr lang="ko-KR" altLang="en-US"/>
+              </a:p>
+            </p:txBody>
+          </p:sp>
+        </p:grpSp>
+      </p:grpSp>
+    </p:spTree>
+    <p:extLst>
+      <p:ext uri="{BB962C8B-B14F-4D97-AF65-F5344CB8AC3E}">
+        <p14:creationId xmlns:p14="http://schemas.microsoft.com/office/powerpoint/2010/main" val="2678210236"/>
       </p:ext>
     </p:extLst>
   </p:cSld>

--- a/public/Brand-New weather icons/Frame.pptx
+++ b/public/Brand-New weather icons/Frame.pptx
@@ -12,6 +12,7 @@
     <p:sldId id="263" r:id="rId6"/>
     <p:sldId id="264" r:id="rId7"/>
     <p:sldId id="265" r:id="rId8"/>
+    <p:sldId id="266" r:id="rId9"/>
   </p:sldIdLst>
   <p:sldSz cx="12192000" cy="6858000"/>
   <p:notesSz cx="6858000" cy="9144000"/>
@@ -8884,6 +8885,784 @@
 </p:sld>
 </file>
 
+<file path=ppt/slides/slide8.xml><?xml version="1.0" encoding="utf-8"?>
+<p:sld xmlns:a="http://schemas.openxmlformats.org/drawingml/2006/main" xmlns:r="http://schemas.openxmlformats.org/officeDocument/2006/relationships" xmlns:p="http://schemas.openxmlformats.org/presentationml/2006/main">
+  <p:cSld>
+    <p:spTree>
+      <p:nvGrpSpPr>
+        <p:cNvPr id="1" name=""/>
+        <p:cNvGrpSpPr/>
+        <p:nvPr/>
+      </p:nvGrpSpPr>
+      <p:grpSpPr>
+        <a:xfrm>
+          <a:off x="0" y="0"/>
+          <a:ext cx="0" cy="0"/>
+          <a:chOff x="0" y="0"/>
+          <a:chExt cx="0" cy="0"/>
+        </a:xfrm>
+      </p:grpSpPr>
+      <p:grpSp>
+        <p:nvGrpSpPr>
+          <p:cNvPr id="32" name="그룹 31">
+            <a:extLst>
+              <a:ext uri="{FF2B5EF4-FFF2-40B4-BE49-F238E27FC236}">
+                <a16:creationId xmlns:a16="http://schemas.microsoft.com/office/drawing/2014/main" id="{6BE7C5C5-5694-4276-9296-9AE98EBDBF0A}"/>
+              </a:ext>
+            </a:extLst>
+          </p:cNvPr>
+          <p:cNvGrpSpPr/>
+          <p:nvPr/>
+        </p:nvGrpSpPr>
+        <p:grpSpPr>
+          <a:xfrm>
+            <a:off x="2761765" y="377265"/>
+            <a:ext cx="6348679" cy="5673981"/>
+            <a:chOff x="2761765" y="377265"/>
+            <a:chExt cx="6348679" cy="5673981"/>
+          </a:xfrm>
+        </p:grpSpPr>
+        <p:grpSp>
+          <p:nvGrpSpPr>
+            <p:cNvPr id="4" name="그룹 3">
+              <a:extLst>
+                <a:ext uri="{FF2B5EF4-FFF2-40B4-BE49-F238E27FC236}">
+                  <a16:creationId xmlns:a16="http://schemas.microsoft.com/office/drawing/2014/main" id="{9A51D5F2-0F51-466D-A2FB-DB84211B6599}"/>
+                </a:ext>
+              </a:extLst>
+            </p:cNvPr>
+            <p:cNvGrpSpPr/>
+            <p:nvPr/>
+          </p:nvGrpSpPr>
+          <p:grpSpPr>
+            <a:xfrm>
+              <a:off x="2761765" y="377265"/>
+              <a:ext cx="6348679" cy="3780348"/>
+              <a:chOff x="2415199" y="139409"/>
+              <a:chExt cx="7704441" cy="4587642"/>
+            </a:xfrm>
+          </p:grpSpPr>
+          <p:sp>
+            <p:nvSpPr>
+              <p:cNvPr id="5" name="자유형: 도형 4">
+                <a:extLst>
+                  <a:ext uri="{FF2B5EF4-FFF2-40B4-BE49-F238E27FC236}">
+                    <a16:creationId xmlns:a16="http://schemas.microsoft.com/office/drawing/2014/main" id="{45D0EB10-B5C2-4334-9880-4CC531946528}"/>
+                  </a:ext>
+                </a:extLst>
+              </p:cNvPr>
+              <p:cNvSpPr/>
+              <p:nvPr/>
+            </p:nvSpPr>
+            <p:spPr>
+              <a:xfrm>
+                <a:off x="3758237" y="139409"/>
+                <a:ext cx="6361403" cy="3803569"/>
+              </a:xfrm>
+              <a:custGeom>
+                <a:avLst/>
+                <a:gdLst>
+                  <a:gd name="connsiteX0" fmla="*/ 3572486 w 9286613"/>
+                  <a:gd name="connsiteY0" fmla="*/ 0 h 5552592"/>
+                  <a:gd name="connsiteX1" fmla="*/ 5265442 w 9286613"/>
+                  <a:gd name="connsiteY1" fmla="*/ 1527749 h 5552592"/>
+                  <a:gd name="connsiteX2" fmla="*/ 5269692 w 9286613"/>
+                  <a:gd name="connsiteY2" fmla="*/ 1611906 h 5552592"/>
+                  <a:gd name="connsiteX3" fmla="*/ 5320143 w 9286613"/>
+                  <a:gd name="connsiteY3" fmla="*/ 1565496 h 5552592"/>
+                  <a:gd name="connsiteX4" fmla="*/ 6209951 w 9286613"/>
+                  <a:gd name="connsiteY4" fmla="*/ 1242182 h 5552592"/>
+                  <a:gd name="connsiteX5" fmla="*/ 7601594 w 9286613"/>
+                  <a:gd name="connsiteY5" fmla="*/ 2513279 h 5552592"/>
+                  <a:gd name="connsiteX6" fmla="*/ 7605758 w 9286613"/>
+                  <a:gd name="connsiteY6" fmla="*/ 2596744 h 5552592"/>
+                  <a:gd name="connsiteX7" fmla="*/ 7701092 w 9286613"/>
+                  <a:gd name="connsiteY7" fmla="*/ 2596744 h 5552592"/>
+                  <a:gd name="connsiteX8" fmla="*/ 7701092 w 9286613"/>
+                  <a:gd name="connsiteY8" fmla="*/ 2601682 h 5552592"/>
+                  <a:gd name="connsiteX9" fmla="*/ 7799490 w 9286613"/>
+                  <a:gd name="connsiteY9" fmla="*/ 2596744 h 5552592"/>
+                  <a:gd name="connsiteX10" fmla="*/ 9286613 w 9286613"/>
+                  <a:gd name="connsiteY10" fmla="*/ 4074668 h 5552592"/>
+                  <a:gd name="connsiteX11" fmla="*/ 7799490 w 9286613"/>
+                  <a:gd name="connsiteY11" fmla="*/ 5552592 h 5552592"/>
+                  <a:gd name="connsiteX12" fmla="*/ 7701092 w 9286613"/>
+                  <a:gd name="connsiteY12" fmla="*/ 5547654 h 5552592"/>
+                  <a:gd name="connsiteX13" fmla="*/ 7701092 w 9286613"/>
+                  <a:gd name="connsiteY13" fmla="*/ 5551066 h 5552592"/>
+                  <a:gd name="connsiteX14" fmla="*/ 1761690 w 9286613"/>
+                  <a:gd name="connsiteY14" fmla="*/ 5551066 h 5552592"/>
+                  <a:gd name="connsiteX15" fmla="*/ 1761690 w 9286613"/>
+                  <a:gd name="connsiteY15" fmla="*/ 5545559 h 5552592"/>
+                  <a:gd name="connsiteX16" fmla="*/ 1652631 w 9286613"/>
+                  <a:gd name="connsiteY16" fmla="*/ 5551066 h 5552592"/>
+                  <a:gd name="connsiteX17" fmla="*/ 0 w 9286613"/>
+                  <a:gd name="connsiteY17" fmla="*/ 3898435 h 5552592"/>
+                  <a:gd name="connsiteX18" fmla="*/ 1652631 w 9286613"/>
+                  <a:gd name="connsiteY18" fmla="*/ 2245804 h 5552592"/>
+                  <a:gd name="connsiteX19" fmla="*/ 1904311 w 9286613"/>
+                  <a:gd name="connsiteY19" fmla="*/ 2264846 h 5552592"/>
+                  <a:gd name="connsiteX20" fmla="*/ 1972946 w 9286613"/>
+                  <a:gd name="connsiteY20" fmla="*/ 2277990 h 5552592"/>
+                  <a:gd name="connsiteX21" fmla="*/ 1947251 w 9286613"/>
+                  <a:gd name="connsiteY21" fmla="*/ 2207788 h 5552592"/>
+                  <a:gd name="connsiteX22" fmla="*/ 1870744 w 9286613"/>
+                  <a:gd name="connsiteY22" fmla="*/ 1701742 h 5552592"/>
+                  <a:gd name="connsiteX23" fmla="*/ 3572486 w 9286613"/>
+                  <a:gd name="connsiteY23" fmla="*/ 0 h 5552592"/>
+                </a:gdLst>
+                <a:ahLst/>
+                <a:cxnLst>
+                  <a:cxn ang="0">
+                    <a:pos x="connsiteX0" y="connsiteY0"/>
+                  </a:cxn>
+                  <a:cxn ang="0">
+                    <a:pos x="connsiteX1" y="connsiteY1"/>
+                  </a:cxn>
+                  <a:cxn ang="0">
+                    <a:pos x="connsiteX2" y="connsiteY2"/>
+                  </a:cxn>
+                  <a:cxn ang="0">
+                    <a:pos x="connsiteX3" y="connsiteY3"/>
+                  </a:cxn>
+                  <a:cxn ang="0">
+                    <a:pos x="connsiteX4" y="connsiteY4"/>
+                  </a:cxn>
+                  <a:cxn ang="0">
+                    <a:pos x="connsiteX5" y="connsiteY5"/>
+                  </a:cxn>
+                  <a:cxn ang="0">
+                    <a:pos x="connsiteX6" y="connsiteY6"/>
+                  </a:cxn>
+                  <a:cxn ang="0">
+                    <a:pos x="connsiteX7" y="connsiteY7"/>
+                  </a:cxn>
+                  <a:cxn ang="0">
+                    <a:pos x="connsiteX8" y="connsiteY8"/>
+                  </a:cxn>
+                  <a:cxn ang="0">
+                    <a:pos x="connsiteX9" y="connsiteY9"/>
+                  </a:cxn>
+                  <a:cxn ang="0">
+                    <a:pos x="connsiteX10" y="connsiteY10"/>
+                  </a:cxn>
+                  <a:cxn ang="0">
+                    <a:pos x="connsiteX11" y="connsiteY11"/>
+                  </a:cxn>
+                  <a:cxn ang="0">
+                    <a:pos x="connsiteX12" y="connsiteY12"/>
+                  </a:cxn>
+                  <a:cxn ang="0">
+                    <a:pos x="connsiteX13" y="connsiteY13"/>
+                  </a:cxn>
+                  <a:cxn ang="0">
+                    <a:pos x="connsiteX14" y="connsiteY14"/>
+                  </a:cxn>
+                  <a:cxn ang="0">
+                    <a:pos x="connsiteX15" y="connsiteY15"/>
+                  </a:cxn>
+                  <a:cxn ang="0">
+                    <a:pos x="connsiteX16" y="connsiteY16"/>
+                  </a:cxn>
+                  <a:cxn ang="0">
+                    <a:pos x="connsiteX17" y="connsiteY17"/>
+                  </a:cxn>
+                  <a:cxn ang="0">
+                    <a:pos x="connsiteX18" y="connsiteY18"/>
+                  </a:cxn>
+                  <a:cxn ang="0">
+                    <a:pos x="connsiteX19" y="connsiteY19"/>
+                  </a:cxn>
+                  <a:cxn ang="0">
+                    <a:pos x="connsiteX20" y="connsiteY20"/>
+                  </a:cxn>
+                  <a:cxn ang="0">
+                    <a:pos x="connsiteX21" y="connsiteY21"/>
+                  </a:cxn>
+                  <a:cxn ang="0">
+                    <a:pos x="connsiteX22" y="connsiteY22"/>
+                  </a:cxn>
+                  <a:cxn ang="0">
+                    <a:pos x="connsiteX23" y="connsiteY23"/>
+                  </a:cxn>
+                </a:cxnLst>
+                <a:rect l="l" t="t" r="r" b="b"/>
+                <a:pathLst>
+                  <a:path w="9286613" h="5552592">
+                    <a:moveTo>
+                      <a:pt x="3572486" y="0"/>
+                    </a:moveTo>
+                    <a:cubicBezTo>
+                      <a:pt x="4453592" y="0"/>
+                      <a:pt x="5178296" y="669635"/>
+                      <a:pt x="5265442" y="1527749"/>
+                    </a:cubicBezTo>
+                    <a:lnTo>
+                      <a:pt x="5269692" y="1611906"/>
+                    </a:lnTo>
+                    <a:lnTo>
+                      <a:pt x="5320143" y="1565496"/>
+                    </a:lnTo>
+                    <a:cubicBezTo>
+                      <a:pt x="5561949" y="1363515"/>
+                      <a:pt x="5871951" y="1242182"/>
+                      <a:pt x="6209951" y="1242182"/>
+                    </a:cubicBezTo>
+                    <a:cubicBezTo>
+                      <a:pt x="6934237" y="1242182"/>
+                      <a:pt x="7529958" y="1799323"/>
+                      <a:pt x="7601594" y="2513279"/>
+                    </a:cubicBezTo>
+                    <a:lnTo>
+                      <a:pt x="7605758" y="2596744"/>
+                    </a:lnTo>
+                    <a:lnTo>
+                      <a:pt x="7701092" y="2596744"/>
+                    </a:lnTo>
+                    <a:lnTo>
+                      <a:pt x="7701092" y="2601682"/>
+                    </a:lnTo>
+                    <a:lnTo>
+                      <a:pt x="7799490" y="2596744"/>
+                    </a:lnTo>
+                    <a:cubicBezTo>
+                      <a:pt x="8620805" y="2596744"/>
+                      <a:pt x="9286613" y="3258433"/>
+                      <a:pt x="9286613" y="4074668"/>
+                    </a:cubicBezTo>
+                    <a:cubicBezTo>
+                      <a:pt x="9286613" y="4890903"/>
+                      <a:pt x="8620805" y="5552592"/>
+                      <a:pt x="7799490" y="5552592"/>
+                    </a:cubicBezTo>
+                    <a:lnTo>
+                      <a:pt x="7701092" y="5547654"/>
+                    </a:lnTo>
+                    <a:lnTo>
+                      <a:pt x="7701092" y="5551066"/>
+                    </a:lnTo>
+                    <a:lnTo>
+                      <a:pt x="1761690" y="5551066"/>
+                    </a:lnTo>
+                    <a:lnTo>
+                      <a:pt x="1761690" y="5545559"/>
+                    </a:lnTo>
+                    <a:lnTo>
+                      <a:pt x="1652631" y="5551066"/>
+                    </a:lnTo>
+                    <a:cubicBezTo>
+                      <a:pt x="739908" y="5551066"/>
+                      <a:pt x="0" y="4811158"/>
+                      <a:pt x="0" y="3898435"/>
+                    </a:cubicBezTo>
+                    <a:cubicBezTo>
+                      <a:pt x="0" y="2985712"/>
+                      <a:pt x="739908" y="2245804"/>
+                      <a:pt x="1652631" y="2245804"/>
+                    </a:cubicBezTo>
+                    <a:cubicBezTo>
+                      <a:pt x="1738199" y="2245804"/>
+                      <a:pt x="1822248" y="2252307"/>
+                      <a:pt x="1904311" y="2264846"/>
+                    </a:cubicBezTo>
+                    <a:lnTo>
+                      <a:pt x="1972946" y="2277990"/>
+                    </a:lnTo>
+                    <a:lnTo>
+                      <a:pt x="1947251" y="2207788"/>
+                    </a:lnTo>
+                    <a:cubicBezTo>
+                      <a:pt x="1897530" y="2047928"/>
+                      <a:pt x="1870744" y="1877963"/>
+                      <a:pt x="1870744" y="1701742"/>
+                    </a:cubicBezTo>
+                    <a:cubicBezTo>
+                      <a:pt x="1870744" y="761896"/>
+                      <a:pt x="2632640" y="0"/>
+                      <a:pt x="3572486" y="0"/>
+                    </a:cubicBezTo>
+                    <a:close/>
+                  </a:path>
+                </a:pathLst>
+              </a:custGeom>
+              <a:solidFill>
+                <a:schemeClr val="tx1">
+                  <a:lumMod val="75000"/>
+                  <a:lumOff val="25000"/>
+                </a:schemeClr>
+              </a:solidFill>
+              <a:ln w="238125">
+                <a:solidFill>
+                  <a:schemeClr val="tx1">
+                    <a:lumMod val="95000"/>
+                    <a:lumOff val="5000"/>
+                  </a:schemeClr>
+                </a:solidFill>
+              </a:ln>
+            </p:spPr>
+            <p:style>
+              <a:lnRef idx="2">
+                <a:schemeClr val="accent1">
+                  <a:shade val="50000"/>
+                </a:schemeClr>
+              </a:lnRef>
+              <a:fillRef idx="1">
+                <a:schemeClr val="accent1"/>
+              </a:fillRef>
+              <a:effectRef idx="0">
+                <a:schemeClr val="accent1"/>
+              </a:effectRef>
+              <a:fontRef idx="minor">
+                <a:schemeClr val="lt1"/>
+              </a:fontRef>
+            </p:style>
+            <p:txBody>
+              <a:bodyPr rtlCol="0" anchor="ctr"/>
+              <a:lstStyle/>
+              <a:p>
+                <a:pPr algn="ctr"/>
+                <a:endParaRPr lang="ko-KR" altLang="en-US" dirty="0"/>
+              </a:p>
+            </p:txBody>
+          </p:sp>
+          <p:sp>
+            <p:nvSpPr>
+              <p:cNvPr id="19" name="자유형: 도형 18">
+                <a:extLst>
+                  <a:ext uri="{FF2B5EF4-FFF2-40B4-BE49-F238E27FC236}">
+                    <a16:creationId xmlns:a16="http://schemas.microsoft.com/office/drawing/2014/main" id="{E688CC5B-8024-4B7B-94A7-F88FA2320509}"/>
+                  </a:ext>
+                </a:extLst>
+              </p:cNvPr>
+              <p:cNvSpPr/>
+              <p:nvPr/>
+            </p:nvSpPr>
+            <p:spPr>
+              <a:xfrm>
+                <a:off x="2415199" y="681038"/>
+                <a:ext cx="6766886" cy="4046013"/>
+              </a:xfrm>
+              <a:custGeom>
+                <a:avLst/>
+                <a:gdLst>
+                  <a:gd name="connsiteX0" fmla="*/ 3572486 w 9286613"/>
+                  <a:gd name="connsiteY0" fmla="*/ 0 h 5552592"/>
+                  <a:gd name="connsiteX1" fmla="*/ 5265442 w 9286613"/>
+                  <a:gd name="connsiteY1" fmla="*/ 1527749 h 5552592"/>
+                  <a:gd name="connsiteX2" fmla="*/ 5269692 w 9286613"/>
+                  <a:gd name="connsiteY2" fmla="*/ 1611906 h 5552592"/>
+                  <a:gd name="connsiteX3" fmla="*/ 5320143 w 9286613"/>
+                  <a:gd name="connsiteY3" fmla="*/ 1565496 h 5552592"/>
+                  <a:gd name="connsiteX4" fmla="*/ 6209951 w 9286613"/>
+                  <a:gd name="connsiteY4" fmla="*/ 1242182 h 5552592"/>
+                  <a:gd name="connsiteX5" fmla="*/ 7601594 w 9286613"/>
+                  <a:gd name="connsiteY5" fmla="*/ 2513279 h 5552592"/>
+                  <a:gd name="connsiteX6" fmla="*/ 7605758 w 9286613"/>
+                  <a:gd name="connsiteY6" fmla="*/ 2596744 h 5552592"/>
+                  <a:gd name="connsiteX7" fmla="*/ 7701092 w 9286613"/>
+                  <a:gd name="connsiteY7" fmla="*/ 2596744 h 5552592"/>
+                  <a:gd name="connsiteX8" fmla="*/ 7701092 w 9286613"/>
+                  <a:gd name="connsiteY8" fmla="*/ 2601682 h 5552592"/>
+                  <a:gd name="connsiteX9" fmla="*/ 7799490 w 9286613"/>
+                  <a:gd name="connsiteY9" fmla="*/ 2596744 h 5552592"/>
+                  <a:gd name="connsiteX10" fmla="*/ 9286613 w 9286613"/>
+                  <a:gd name="connsiteY10" fmla="*/ 4074668 h 5552592"/>
+                  <a:gd name="connsiteX11" fmla="*/ 7799490 w 9286613"/>
+                  <a:gd name="connsiteY11" fmla="*/ 5552592 h 5552592"/>
+                  <a:gd name="connsiteX12" fmla="*/ 7701092 w 9286613"/>
+                  <a:gd name="connsiteY12" fmla="*/ 5547654 h 5552592"/>
+                  <a:gd name="connsiteX13" fmla="*/ 7701092 w 9286613"/>
+                  <a:gd name="connsiteY13" fmla="*/ 5551066 h 5552592"/>
+                  <a:gd name="connsiteX14" fmla="*/ 1761690 w 9286613"/>
+                  <a:gd name="connsiteY14" fmla="*/ 5551066 h 5552592"/>
+                  <a:gd name="connsiteX15" fmla="*/ 1761690 w 9286613"/>
+                  <a:gd name="connsiteY15" fmla="*/ 5545559 h 5552592"/>
+                  <a:gd name="connsiteX16" fmla="*/ 1652631 w 9286613"/>
+                  <a:gd name="connsiteY16" fmla="*/ 5551066 h 5552592"/>
+                  <a:gd name="connsiteX17" fmla="*/ 0 w 9286613"/>
+                  <a:gd name="connsiteY17" fmla="*/ 3898435 h 5552592"/>
+                  <a:gd name="connsiteX18" fmla="*/ 1652631 w 9286613"/>
+                  <a:gd name="connsiteY18" fmla="*/ 2245804 h 5552592"/>
+                  <a:gd name="connsiteX19" fmla="*/ 1904311 w 9286613"/>
+                  <a:gd name="connsiteY19" fmla="*/ 2264846 h 5552592"/>
+                  <a:gd name="connsiteX20" fmla="*/ 1972946 w 9286613"/>
+                  <a:gd name="connsiteY20" fmla="*/ 2277990 h 5552592"/>
+                  <a:gd name="connsiteX21" fmla="*/ 1947251 w 9286613"/>
+                  <a:gd name="connsiteY21" fmla="*/ 2207788 h 5552592"/>
+                  <a:gd name="connsiteX22" fmla="*/ 1870744 w 9286613"/>
+                  <a:gd name="connsiteY22" fmla="*/ 1701742 h 5552592"/>
+                  <a:gd name="connsiteX23" fmla="*/ 3572486 w 9286613"/>
+                  <a:gd name="connsiteY23" fmla="*/ 0 h 5552592"/>
+                </a:gdLst>
+                <a:ahLst/>
+                <a:cxnLst>
+                  <a:cxn ang="0">
+                    <a:pos x="connsiteX0" y="connsiteY0"/>
+                  </a:cxn>
+                  <a:cxn ang="0">
+                    <a:pos x="connsiteX1" y="connsiteY1"/>
+                  </a:cxn>
+                  <a:cxn ang="0">
+                    <a:pos x="connsiteX2" y="connsiteY2"/>
+                  </a:cxn>
+                  <a:cxn ang="0">
+                    <a:pos x="connsiteX3" y="connsiteY3"/>
+                  </a:cxn>
+                  <a:cxn ang="0">
+                    <a:pos x="connsiteX4" y="connsiteY4"/>
+                  </a:cxn>
+                  <a:cxn ang="0">
+                    <a:pos x="connsiteX5" y="connsiteY5"/>
+                  </a:cxn>
+                  <a:cxn ang="0">
+                    <a:pos x="connsiteX6" y="connsiteY6"/>
+                  </a:cxn>
+                  <a:cxn ang="0">
+                    <a:pos x="connsiteX7" y="connsiteY7"/>
+                  </a:cxn>
+                  <a:cxn ang="0">
+                    <a:pos x="connsiteX8" y="connsiteY8"/>
+                  </a:cxn>
+                  <a:cxn ang="0">
+                    <a:pos x="connsiteX9" y="connsiteY9"/>
+                  </a:cxn>
+                  <a:cxn ang="0">
+                    <a:pos x="connsiteX10" y="connsiteY10"/>
+                  </a:cxn>
+                  <a:cxn ang="0">
+                    <a:pos x="connsiteX11" y="connsiteY11"/>
+                  </a:cxn>
+                  <a:cxn ang="0">
+                    <a:pos x="connsiteX12" y="connsiteY12"/>
+                  </a:cxn>
+                  <a:cxn ang="0">
+                    <a:pos x="connsiteX13" y="connsiteY13"/>
+                  </a:cxn>
+                  <a:cxn ang="0">
+                    <a:pos x="connsiteX14" y="connsiteY14"/>
+                  </a:cxn>
+                  <a:cxn ang="0">
+                    <a:pos x="connsiteX15" y="connsiteY15"/>
+                  </a:cxn>
+                  <a:cxn ang="0">
+                    <a:pos x="connsiteX16" y="connsiteY16"/>
+                  </a:cxn>
+                  <a:cxn ang="0">
+                    <a:pos x="connsiteX17" y="connsiteY17"/>
+                  </a:cxn>
+                  <a:cxn ang="0">
+                    <a:pos x="connsiteX18" y="connsiteY18"/>
+                  </a:cxn>
+                  <a:cxn ang="0">
+                    <a:pos x="connsiteX19" y="connsiteY19"/>
+                  </a:cxn>
+                  <a:cxn ang="0">
+                    <a:pos x="connsiteX20" y="connsiteY20"/>
+                  </a:cxn>
+                  <a:cxn ang="0">
+                    <a:pos x="connsiteX21" y="connsiteY21"/>
+                  </a:cxn>
+                  <a:cxn ang="0">
+                    <a:pos x="connsiteX22" y="connsiteY22"/>
+                  </a:cxn>
+                  <a:cxn ang="0">
+                    <a:pos x="connsiteX23" y="connsiteY23"/>
+                  </a:cxn>
+                </a:cxnLst>
+                <a:rect l="l" t="t" r="r" b="b"/>
+                <a:pathLst>
+                  <a:path w="9286613" h="5552592">
+                    <a:moveTo>
+                      <a:pt x="3572486" y="0"/>
+                    </a:moveTo>
+                    <a:cubicBezTo>
+                      <a:pt x="4453592" y="0"/>
+                      <a:pt x="5178296" y="669635"/>
+                      <a:pt x="5265442" y="1527749"/>
+                    </a:cubicBezTo>
+                    <a:lnTo>
+                      <a:pt x="5269692" y="1611906"/>
+                    </a:lnTo>
+                    <a:lnTo>
+                      <a:pt x="5320143" y="1565496"/>
+                    </a:lnTo>
+                    <a:cubicBezTo>
+                      <a:pt x="5561949" y="1363515"/>
+                      <a:pt x="5871951" y="1242182"/>
+                      <a:pt x="6209951" y="1242182"/>
+                    </a:cubicBezTo>
+                    <a:cubicBezTo>
+                      <a:pt x="6934237" y="1242182"/>
+                      <a:pt x="7529958" y="1799323"/>
+                      <a:pt x="7601594" y="2513279"/>
+                    </a:cubicBezTo>
+                    <a:lnTo>
+                      <a:pt x="7605758" y="2596744"/>
+                    </a:lnTo>
+                    <a:lnTo>
+                      <a:pt x="7701092" y="2596744"/>
+                    </a:lnTo>
+                    <a:lnTo>
+                      <a:pt x="7701092" y="2601682"/>
+                    </a:lnTo>
+                    <a:lnTo>
+                      <a:pt x="7799490" y="2596744"/>
+                    </a:lnTo>
+                    <a:cubicBezTo>
+                      <a:pt x="8620805" y="2596744"/>
+                      <a:pt x="9286613" y="3258433"/>
+                      <a:pt x="9286613" y="4074668"/>
+                    </a:cubicBezTo>
+                    <a:cubicBezTo>
+                      <a:pt x="9286613" y="4890903"/>
+                      <a:pt x="8620805" y="5552592"/>
+                      <a:pt x="7799490" y="5552592"/>
+                    </a:cubicBezTo>
+                    <a:lnTo>
+                      <a:pt x="7701092" y="5547654"/>
+                    </a:lnTo>
+                    <a:lnTo>
+                      <a:pt x="7701092" y="5551066"/>
+                    </a:lnTo>
+                    <a:lnTo>
+                      <a:pt x="1761690" y="5551066"/>
+                    </a:lnTo>
+                    <a:lnTo>
+                      <a:pt x="1761690" y="5545559"/>
+                    </a:lnTo>
+                    <a:lnTo>
+                      <a:pt x="1652631" y="5551066"/>
+                    </a:lnTo>
+                    <a:cubicBezTo>
+                      <a:pt x="739908" y="5551066"/>
+                      <a:pt x="0" y="4811158"/>
+                      <a:pt x="0" y="3898435"/>
+                    </a:cubicBezTo>
+                    <a:cubicBezTo>
+                      <a:pt x="0" y="2985712"/>
+                      <a:pt x="739908" y="2245804"/>
+                      <a:pt x="1652631" y="2245804"/>
+                    </a:cubicBezTo>
+                    <a:cubicBezTo>
+                      <a:pt x="1738199" y="2245804"/>
+                      <a:pt x="1822248" y="2252307"/>
+                      <a:pt x="1904311" y="2264846"/>
+                    </a:cubicBezTo>
+                    <a:lnTo>
+                      <a:pt x="1972946" y="2277990"/>
+                    </a:lnTo>
+                    <a:lnTo>
+                      <a:pt x="1947251" y="2207788"/>
+                    </a:lnTo>
+                    <a:cubicBezTo>
+                      <a:pt x="1897530" y="2047928"/>
+                      <a:pt x="1870744" y="1877963"/>
+                      <a:pt x="1870744" y="1701742"/>
+                    </a:cubicBezTo>
+                    <a:cubicBezTo>
+                      <a:pt x="1870744" y="761896"/>
+                      <a:pt x="2632640" y="0"/>
+                      <a:pt x="3572486" y="0"/>
+                    </a:cubicBezTo>
+                    <a:close/>
+                  </a:path>
+                </a:pathLst>
+              </a:custGeom>
+              <a:solidFill>
+                <a:schemeClr val="bg1">
+                  <a:lumMod val="85000"/>
+                </a:schemeClr>
+              </a:solidFill>
+              <a:ln w="238125">
+                <a:solidFill>
+                  <a:schemeClr val="tx1">
+                    <a:lumMod val="65000"/>
+                    <a:lumOff val="35000"/>
+                  </a:schemeClr>
+                </a:solidFill>
+              </a:ln>
+            </p:spPr>
+            <p:style>
+              <a:lnRef idx="2">
+                <a:schemeClr val="accent1">
+                  <a:shade val="50000"/>
+                </a:schemeClr>
+              </a:lnRef>
+              <a:fillRef idx="1">
+                <a:schemeClr val="accent1"/>
+              </a:fillRef>
+              <a:effectRef idx="0">
+                <a:schemeClr val="accent1"/>
+              </a:effectRef>
+              <a:fontRef idx="minor">
+                <a:schemeClr val="lt1"/>
+              </a:fontRef>
+            </p:style>
+            <p:txBody>
+              <a:bodyPr rtlCol="0" anchor="ctr"/>
+              <a:lstStyle/>
+              <a:p>
+                <a:pPr algn="ctr"/>
+                <a:endParaRPr lang="ko-KR" altLang="en-US" dirty="0"/>
+              </a:p>
+            </p:txBody>
+          </p:sp>
+        </p:grpSp>
+        <p:pic>
+          <p:nvPicPr>
+            <p:cNvPr id="1026" name="Picture 2" descr="Snowflake Snow Snowflakes Svg Png Icon Free Download (#535543) -  OnlineWebFonts.COM">
+              <a:extLst>
+                <a:ext uri="{FF2B5EF4-FFF2-40B4-BE49-F238E27FC236}">
+                  <a16:creationId xmlns:a16="http://schemas.microsoft.com/office/drawing/2014/main" id="{D5D0B4F9-65A4-42AB-924B-087021BA0FC3}"/>
+                </a:ext>
+              </a:extLst>
+            </p:cNvPr>
+            <p:cNvPicPr>
+              <a:picLocks noChangeAspect="1" noChangeArrowheads="1"/>
+            </p:cNvPicPr>
+            <p:nvPr/>
+          </p:nvPicPr>
+          <p:blipFill>
+            <a:blip r:embed="rId2">
+              <a:extLst>
+                <a:ext uri="{28A0092B-C50C-407E-A947-70E740481C1C}">
+                  <a14:useLocalDpi xmlns:a14="http://schemas.microsoft.com/office/drawing/2010/main" val="0"/>
+                </a:ext>
+              </a:extLst>
+            </a:blip>
+            <a:srcRect/>
+            <a:stretch>
+              <a:fillRect/>
+            </a:stretch>
+          </p:blipFill>
+          <p:spPr bwMode="auto">
+            <a:xfrm rot="20257489">
+              <a:off x="3148922" y="4309166"/>
+              <a:ext cx="1339000" cy="1529476"/>
+            </a:xfrm>
+            <a:prstGeom prst="rect">
+              <a:avLst/>
+            </a:prstGeom>
+            <a:noFill/>
+            <a:extLst>
+              <a:ext uri="{909E8E84-426E-40DD-AFC4-6F175D3DCCD1}">
+                <a14:hiddenFill xmlns:a14="http://schemas.microsoft.com/office/drawing/2010/main">
+                  <a:solidFill>
+                    <a:srgbClr val="FFFFFF"/>
+                  </a:solidFill>
+                </a14:hiddenFill>
+              </a:ext>
+            </a:extLst>
+          </p:spPr>
+        </p:pic>
+        <p:pic>
+          <p:nvPicPr>
+            <p:cNvPr id="34" name="Picture 2" descr="Snowflake Snow Snowflakes Svg Png Icon Free Download (#535543) -  OnlineWebFonts.COM">
+              <a:extLst>
+                <a:ext uri="{FF2B5EF4-FFF2-40B4-BE49-F238E27FC236}">
+                  <a16:creationId xmlns:a16="http://schemas.microsoft.com/office/drawing/2014/main" id="{FF7BE42B-F3DD-4B87-AE21-90F0FEF21443}"/>
+                </a:ext>
+              </a:extLst>
+            </p:cNvPr>
+            <p:cNvPicPr>
+              <a:picLocks noChangeAspect="1" noChangeArrowheads="1"/>
+            </p:cNvPicPr>
+            <p:nvPr/>
+          </p:nvPicPr>
+          <p:blipFill>
+            <a:blip r:embed="rId2">
+              <a:extLst>
+                <a:ext uri="{28A0092B-C50C-407E-A947-70E740481C1C}">
+                  <a14:useLocalDpi xmlns:a14="http://schemas.microsoft.com/office/drawing/2010/main" val="0"/>
+                </a:ext>
+              </a:extLst>
+            </a:blip>
+            <a:srcRect/>
+            <a:stretch>
+              <a:fillRect/>
+            </a:stretch>
+          </p:blipFill>
+          <p:spPr bwMode="auto">
+            <a:xfrm rot="905639">
+              <a:off x="7073615" y="4410848"/>
+              <a:ext cx="1229494" cy="1404393"/>
+            </a:xfrm>
+            <a:prstGeom prst="rect">
+              <a:avLst/>
+            </a:prstGeom>
+            <a:noFill/>
+            <a:extLst>
+              <a:ext uri="{909E8E84-426E-40DD-AFC4-6F175D3DCCD1}">
+                <a14:hiddenFill xmlns:a14="http://schemas.microsoft.com/office/drawing/2010/main">
+                  <a:solidFill>
+                    <a:srgbClr val="FFFFFF"/>
+                  </a:solidFill>
+                </a14:hiddenFill>
+              </a:ext>
+            </a:extLst>
+          </p:spPr>
+        </p:pic>
+        <p:pic>
+          <p:nvPicPr>
+            <p:cNvPr id="35" name="Picture 2" descr="Snowflake Snow Snowflakes Svg Png Icon Free Download (#535543) -  OnlineWebFonts.COM">
+              <a:extLst>
+                <a:ext uri="{FF2B5EF4-FFF2-40B4-BE49-F238E27FC236}">
+                  <a16:creationId xmlns:a16="http://schemas.microsoft.com/office/drawing/2014/main" id="{3936B802-3D38-4ECF-9AB1-A77D3DD0D5B6}"/>
+                </a:ext>
+              </a:extLst>
+            </p:cNvPr>
+            <p:cNvPicPr>
+              <a:picLocks noChangeAspect="1" noChangeArrowheads="1"/>
+            </p:cNvPicPr>
+            <p:nvPr/>
+          </p:nvPicPr>
+          <p:blipFill>
+            <a:blip r:embed="rId2">
+              <a:extLst>
+                <a:ext uri="{28A0092B-C50C-407E-A947-70E740481C1C}">
+                  <a14:useLocalDpi xmlns:a14="http://schemas.microsoft.com/office/drawing/2010/main" val="0"/>
+                </a:ext>
+              </a:extLst>
+            </a:blip>
+            <a:srcRect/>
+            <a:stretch>
+              <a:fillRect/>
+            </a:stretch>
+          </p:blipFill>
+          <p:spPr bwMode="auto">
+            <a:xfrm rot="905639">
+              <a:off x="5259494" y="4821765"/>
+              <a:ext cx="1076365" cy="1229481"/>
+            </a:xfrm>
+            <a:prstGeom prst="rect">
+              <a:avLst/>
+            </a:prstGeom>
+            <a:noFill/>
+            <a:extLst>
+              <a:ext uri="{909E8E84-426E-40DD-AFC4-6F175D3DCCD1}">
+                <a14:hiddenFill xmlns:a14="http://schemas.microsoft.com/office/drawing/2010/main">
+                  <a:solidFill>
+                    <a:srgbClr val="FFFFFF"/>
+                  </a:solidFill>
+                </a14:hiddenFill>
+              </a:ext>
+            </a:extLst>
+          </p:spPr>
+        </p:pic>
+      </p:grpSp>
+    </p:spTree>
+    <p:extLst>
+      <p:ext uri="{BB962C8B-B14F-4D97-AF65-F5344CB8AC3E}">
+        <p14:creationId xmlns:p14="http://schemas.microsoft.com/office/powerpoint/2010/main" val="3988834486"/>
+      </p:ext>
+    </p:extLst>
+  </p:cSld>
+  <p:clrMapOvr>
+    <a:masterClrMapping/>
+  </p:clrMapOvr>
+</p:sld>
+</file>
+
 <file path=ppt/theme/theme1.xml><?xml version="1.0" encoding="utf-8"?>
 <a:theme xmlns:a="http://schemas.openxmlformats.org/drawingml/2006/main" name="Office 테마">
   <a:themeElements>
